--- a/InfoSec/PPTs/L10-CH09-Firewalls and Intrusion Prevention.pptx
+++ b/InfoSec/PPTs/L10-CH09-Firewalls and Intrusion Prevention.pptx
@@ -5,10 +5,10 @@
     <p:sldMasterId id="2147483878" r:id="rId1"/>
   </p:sldMasterIdLst>
   <p:notesMasterIdLst>
-    <p:notesMasterId r:id="rId41"/>
+    <p:notesMasterId r:id="rId39"/>
   </p:notesMasterIdLst>
   <p:handoutMasterIdLst>
-    <p:handoutMasterId r:id="rId42"/>
+    <p:handoutMasterId r:id="rId40"/>
   </p:handoutMasterIdLst>
   <p:sldIdLst>
     <p:sldId id="384" r:id="rId2"/>
@@ -18,7 +18,7 @@
     <p:sldId id="401" r:id="rId6"/>
     <p:sldId id="421" r:id="rId7"/>
     <p:sldId id="430" r:id="rId8"/>
-    <p:sldId id="364" r:id="rId9"/>
+    <p:sldId id="435" r:id="rId9"/>
     <p:sldId id="365" r:id="rId10"/>
     <p:sldId id="410" r:id="rId11"/>
     <p:sldId id="366" r:id="rId12"/>
@@ -29,27 +29,25 @@
     <p:sldId id="396" r:id="rId17"/>
     <p:sldId id="388" r:id="rId18"/>
     <p:sldId id="369" r:id="rId19"/>
-    <p:sldId id="426" r:id="rId20"/>
-    <p:sldId id="428" r:id="rId21"/>
-    <p:sldId id="431" r:id="rId22"/>
-    <p:sldId id="429" r:id="rId23"/>
-    <p:sldId id="374" r:id="rId24"/>
-    <p:sldId id="422" r:id="rId25"/>
-    <p:sldId id="432" r:id="rId26"/>
-    <p:sldId id="378" r:id="rId27"/>
-    <p:sldId id="411" r:id="rId28"/>
-    <p:sldId id="377" r:id="rId29"/>
-    <p:sldId id="416" r:id="rId30"/>
-    <p:sldId id="389" r:id="rId31"/>
-    <p:sldId id="433" r:id="rId32"/>
-    <p:sldId id="380" r:id="rId33"/>
-    <p:sldId id="424" r:id="rId34"/>
-    <p:sldId id="413" r:id="rId35"/>
-    <p:sldId id="403" r:id="rId36"/>
-    <p:sldId id="382" r:id="rId37"/>
-    <p:sldId id="423" r:id="rId38"/>
-    <p:sldId id="434" r:id="rId39"/>
-    <p:sldId id="383" r:id="rId40"/>
+    <p:sldId id="431" r:id="rId20"/>
+    <p:sldId id="429" r:id="rId21"/>
+    <p:sldId id="374" r:id="rId22"/>
+    <p:sldId id="422" r:id="rId23"/>
+    <p:sldId id="432" r:id="rId24"/>
+    <p:sldId id="378" r:id="rId25"/>
+    <p:sldId id="411" r:id="rId26"/>
+    <p:sldId id="377" r:id="rId27"/>
+    <p:sldId id="416" r:id="rId28"/>
+    <p:sldId id="389" r:id="rId29"/>
+    <p:sldId id="433" r:id="rId30"/>
+    <p:sldId id="380" r:id="rId31"/>
+    <p:sldId id="424" r:id="rId32"/>
+    <p:sldId id="413" r:id="rId33"/>
+    <p:sldId id="403" r:id="rId34"/>
+    <p:sldId id="382" r:id="rId35"/>
+    <p:sldId id="423" r:id="rId36"/>
+    <p:sldId id="434" r:id="rId37"/>
+    <p:sldId id="383" r:id="rId38"/>
   </p:sldIdLst>
   <p:sldSz cx="9144000" cy="6858000" type="screen4x3"/>
   <p:notesSz cx="6858000" cy="9144000"/>
@@ -190,7 +188,7 @@
             <p14:sldId id="401"/>
             <p14:sldId id="421"/>
             <p14:sldId id="430"/>
-            <p14:sldId id="364"/>
+            <p14:sldId id="435"/>
             <p14:sldId id="365"/>
             <p14:sldId id="410"/>
             <p14:sldId id="366"/>
@@ -201,8 +199,6 @@
             <p14:sldId id="396"/>
             <p14:sldId id="388"/>
             <p14:sldId id="369"/>
-            <p14:sldId id="426"/>
-            <p14:sldId id="428"/>
             <p14:sldId id="431"/>
             <p14:sldId id="429"/>
             <p14:sldId id="374"/>
@@ -1197,7 +1193,7 @@
             <a:rPr lang="en-US" dirty="0">
               <a:effectLst/>
             </a:rPr>
-            <a:t>IP protocol field</a:t>
+            <a:t>IP protocol info</a:t>
           </a:r>
         </a:p>
       </dgm:t>
@@ -1236,7 +1232,7 @@
               <a:ea typeface="ＭＳ Ｐゴシック" pitchFamily="-110" charset="-128"/>
               <a:cs typeface="ＭＳ Ｐゴシック" pitchFamily="-110" charset="-128"/>
             </a:rPr>
-            <a:t>Which interface of the firewall the packet came from or is destined for</a:t>
+            <a:t>Which interface of the firewall the packet comes from or is destined for</a:t>
           </a:r>
           <a:endParaRPr lang="en-US" dirty="0">
             <a:effectLst/>
@@ -1582,7 +1578,7 @@
             <a:rPr lang="en-US" sz="1600" kern="1200" dirty="0">
               <a:effectLst/>
             </a:rPr>
-            <a:t>IP protocol field</a:t>
+            <a:t>IP protocol info</a:t>
           </a:r>
         </a:p>
         <a:p>
@@ -1603,7 +1599,7 @@
               <a:ea typeface="ＭＳ Ｐゴシック" pitchFamily="-110" charset="-128"/>
               <a:cs typeface="ＭＳ Ｐゴシック" pitchFamily="-110" charset="-128"/>
             </a:rPr>
-            <a:t>Which interface of the firewall the packet came from or is destined for</a:t>
+            <a:t>Which interface of the firewall the packet comes from or is destined for</a:t>
           </a:r>
           <a:endParaRPr lang="en-US" sz="1600" kern="1200" dirty="0">
             <a:effectLst/>
@@ -2953,7 +2949,7 @@
             <a:fld id="{999DDEF9-8F79-3F4A-8C1A-CB2E900DCD92}" type="datetimeFigureOut">
               <a:rPr lang="en-US" smtClean="0"/>
               <a:pPr/>
-              <a:t>4/20/2020</a:t>
+              <a:t>4/25/2020</a:t>
             </a:fld>
             <a:endParaRPr lang="en-US"/>
           </a:p>
@@ -3810,7 +3806,7 @@
             <a:fld id="{3368F387-B42B-9244-A173-F097D89069A8}" type="slidenum">
               <a:rPr lang="en-AU"/>
               <a:pPr/>
-              <a:t>14</a:t>
+              <a:t>15</a:t>
             </a:fld>
             <a:endParaRPr lang="en-AU"/>
           </a:p>
@@ -3849,502 +3845,6 @@
           <a:lstStyle/>
           <a:p>
             <a:pPr eaLnBrk="1" hangingPunct="1"/>
-            <a:r>
-              <a:rPr lang="en-US" b="0" dirty="0"/>
-              <a:t>One advantage of a packet filtering firewall is its simplicity. Also, packet filters</a:t>
-            </a:r>
-          </a:p>
-          <a:p>
-            <a:pPr eaLnBrk="1" hangingPunct="1"/>
-            <a:r>
-              <a:rPr lang="en-US" b="0" dirty="0"/>
-              <a:t>typically are transparent to users and are very fast. [SCAR09b] lists the following</a:t>
-            </a:r>
-          </a:p>
-          <a:p>
-            <a:pPr eaLnBrk="1" hangingPunct="1"/>
-            <a:r>
-              <a:rPr lang="en-US" b="0" dirty="0"/>
-              <a:t>weaknesses of packet filter firewalls:</a:t>
-            </a:r>
-          </a:p>
-          <a:p>
-            <a:pPr eaLnBrk="1" hangingPunct="1"/>
-            <a:endParaRPr lang="en-US" b="0" dirty="0"/>
-          </a:p>
-          <a:p>
-            <a:pPr eaLnBrk="1" hangingPunct="1"/>
-            <a:r>
-              <a:rPr lang="en-US" b="0" dirty="0"/>
-              <a:t>• Because packet filter firewalls do not examine upper-layer data, they cannot</a:t>
-            </a:r>
-          </a:p>
-          <a:p>
-            <a:pPr eaLnBrk="1" hangingPunct="1"/>
-            <a:r>
-              <a:rPr lang="en-US" b="0" dirty="0"/>
-              <a:t>prevent attacks that employ application-specific vulnerabilities or functions.</a:t>
-            </a:r>
-          </a:p>
-          <a:p>
-            <a:pPr eaLnBrk="1" hangingPunct="1"/>
-            <a:r>
-              <a:rPr lang="en-US" b="0" dirty="0"/>
-              <a:t>For example, a packet filter firewall cannot block specific application</a:t>
-            </a:r>
-          </a:p>
-          <a:p>
-            <a:pPr eaLnBrk="1" hangingPunct="1"/>
-            <a:r>
-              <a:rPr lang="en-US" b="0" dirty="0"/>
-              <a:t>commands; if a packet filter firewall allows a given application, all functions</a:t>
-            </a:r>
-          </a:p>
-          <a:p>
-            <a:pPr eaLnBrk="1" hangingPunct="1"/>
-            <a:r>
-              <a:rPr lang="en-US" b="0" dirty="0"/>
-              <a:t>available within that application will be permitted.</a:t>
-            </a:r>
-          </a:p>
-          <a:p>
-            <a:pPr eaLnBrk="1" hangingPunct="1"/>
-            <a:endParaRPr lang="en-US" b="0" dirty="0"/>
-          </a:p>
-          <a:p>
-            <a:pPr eaLnBrk="1" hangingPunct="1"/>
-            <a:r>
-              <a:rPr lang="en-US" b="0" dirty="0"/>
-              <a:t>• Because of the limited information available to the firewall, the logging</a:t>
-            </a:r>
-          </a:p>
-          <a:p>
-            <a:pPr eaLnBrk="1" hangingPunct="1"/>
-            <a:r>
-              <a:rPr lang="en-US" b="0" dirty="0"/>
-              <a:t>functionality present in packet filter firewalls is limited. Packet filter logs</a:t>
-            </a:r>
-          </a:p>
-          <a:p>
-            <a:pPr eaLnBrk="1" hangingPunct="1"/>
-            <a:r>
-              <a:rPr lang="en-US" b="0" dirty="0"/>
-              <a:t>normally contain the same information used to make access control decisions</a:t>
-            </a:r>
-          </a:p>
-          <a:p>
-            <a:pPr eaLnBrk="1" hangingPunct="1"/>
-            <a:r>
-              <a:rPr lang="en-US" b="0" dirty="0"/>
-              <a:t>(source address, destination address, and traffic type).</a:t>
-            </a:r>
-          </a:p>
-          <a:p>
-            <a:pPr eaLnBrk="1" hangingPunct="1"/>
-            <a:endParaRPr lang="en-US" b="0" dirty="0"/>
-          </a:p>
-          <a:p>
-            <a:pPr eaLnBrk="1" hangingPunct="1"/>
-            <a:r>
-              <a:rPr lang="en-US" b="0" dirty="0"/>
-              <a:t>• Most packet filter firewalls do not support advanced user authentication</a:t>
-            </a:r>
-          </a:p>
-          <a:p>
-            <a:pPr eaLnBrk="1" hangingPunct="1"/>
-            <a:r>
-              <a:rPr lang="en-US" b="0" dirty="0"/>
-              <a:t>schemes. Once again, this limitation is mostly due to the lack of upper-layer</a:t>
-            </a:r>
-          </a:p>
-          <a:p>
-            <a:pPr eaLnBrk="1" hangingPunct="1"/>
-            <a:r>
-              <a:rPr lang="en-US" b="0" dirty="0"/>
-              <a:t>functionality by the firewall.</a:t>
-            </a:r>
-          </a:p>
-          <a:p>
-            <a:pPr eaLnBrk="1" hangingPunct="1"/>
-            <a:endParaRPr lang="en-US" b="0" dirty="0"/>
-          </a:p>
-          <a:p>
-            <a:pPr eaLnBrk="1" hangingPunct="1"/>
-            <a:r>
-              <a:rPr lang="en-US" b="0" dirty="0"/>
-              <a:t>• Packet filter firewalls are generally vulnerable to attacks and exploits that take</a:t>
-            </a:r>
-          </a:p>
-          <a:p>
-            <a:pPr eaLnBrk="1" hangingPunct="1"/>
-            <a:r>
-              <a:rPr lang="en-US" b="0" dirty="0"/>
-              <a:t>advantage of problems within the TCP/IP specification and protocol stack,</a:t>
-            </a:r>
-          </a:p>
-          <a:p>
-            <a:pPr eaLnBrk="1" hangingPunct="1"/>
-            <a:r>
-              <a:rPr lang="en-US" b="0" dirty="0"/>
-              <a:t>such as </a:t>
-            </a:r>
-            <a:r>
-              <a:rPr lang="en-US" b="0" i="1" dirty="0"/>
-              <a:t>network layer address spoofing . Many packet filter firewalls cannot</a:t>
-            </a:r>
-          </a:p>
-          <a:p>
-            <a:pPr eaLnBrk="1" hangingPunct="1"/>
-            <a:r>
-              <a:rPr lang="en-US" b="0" dirty="0"/>
-              <a:t>detect a network packet in which the OSI Layer 3 addressing information has</a:t>
-            </a:r>
-          </a:p>
-          <a:p>
-            <a:pPr eaLnBrk="1" hangingPunct="1"/>
-            <a:r>
-              <a:rPr lang="en-US" b="0" dirty="0"/>
-              <a:t>been altered. Spoofing attacks are generally employed by intruders to bypass</a:t>
-            </a:r>
-          </a:p>
-          <a:p>
-            <a:pPr eaLnBrk="1" hangingPunct="1"/>
-            <a:r>
-              <a:rPr lang="en-US" b="0" dirty="0"/>
-              <a:t>the security controls implemented in a firewall platform.</a:t>
-            </a:r>
-          </a:p>
-          <a:p>
-            <a:pPr eaLnBrk="1" hangingPunct="1"/>
-            <a:endParaRPr lang="en-US" b="0" dirty="0"/>
-          </a:p>
-          <a:p>
-            <a:pPr eaLnBrk="1" hangingPunct="1"/>
-            <a:r>
-              <a:rPr lang="en-US" b="0" dirty="0"/>
-              <a:t>• Finally, due to the small number of variables used in access control decisions,</a:t>
-            </a:r>
-          </a:p>
-          <a:p>
-            <a:pPr eaLnBrk="1" hangingPunct="1"/>
-            <a:r>
-              <a:rPr lang="en-US" b="0" dirty="0"/>
-              <a:t>packet filter firewalls are susceptible to security breaches caused by improper</a:t>
-            </a:r>
-          </a:p>
-          <a:p>
-            <a:pPr eaLnBrk="1" hangingPunct="1"/>
-            <a:r>
-              <a:rPr lang="en-US" b="0" dirty="0"/>
-              <a:t>configurations. In other words, it is easy to accidentally configure a packet</a:t>
-            </a:r>
-          </a:p>
-          <a:p>
-            <a:pPr eaLnBrk="1" hangingPunct="1"/>
-            <a:r>
-              <a:rPr lang="en-US" b="0" dirty="0"/>
-              <a:t>filter firewall to allow traffic types, sources, and destinations that should be</a:t>
-            </a:r>
-          </a:p>
-          <a:p>
-            <a:pPr eaLnBrk="1" hangingPunct="1"/>
-            <a:r>
-              <a:rPr lang="en-US" b="0" dirty="0"/>
-              <a:t>denied based on an organization’s information security policy.</a:t>
-            </a:r>
-          </a:p>
-          <a:p>
-            <a:pPr eaLnBrk="1" hangingPunct="1"/>
-            <a:endParaRPr lang="en-US" b="0" dirty="0"/>
-          </a:p>
-          <a:p>
-            <a:pPr eaLnBrk="1" hangingPunct="1"/>
-            <a:r>
-              <a:rPr lang="en-US" b="0" dirty="0"/>
-              <a:t>Some of the attacks that can be made on packet filtering firewalls and the</a:t>
-            </a:r>
-          </a:p>
-          <a:p>
-            <a:pPr eaLnBrk="1" hangingPunct="1"/>
-            <a:r>
-              <a:rPr lang="en-US" b="0" dirty="0"/>
-              <a:t>appropriate countermeasures are the following:</a:t>
-            </a:r>
-          </a:p>
-          <a:p>
-            <a:pPr eaLnBrk="1" hangingPunct="1"/>
-            <a:endParaRPr lang="en-US" b="0" dirty="0"/>
-          </a:p>
-          <a:p>
-            <a:pPr eaLnBrk="1" hangingPunct="1"/>
-            <a:r>
-              <a:rPr lang="en-US" b="0" dirty="0"/>
-              <a:t>• IP address spoofing : The intruder transmits packets from the outside with a</a:t>
-            </a:r>
-          </a:p>
-          <a:p>
-            <a:pPr eaLnBrk="1" hangingPunct="1"/>
-            <a:r>
-              <a:rPr lang="en-US" b="0" dirty="0"/>
-              <a:t>source IP address field containing an address of an internal host. The attacker</a:t>
-            </a:r>
-          </a:p>
-          <a:p>
-            <a:pPr eaLnBrk="1" hangingPunct="1"/>
-            <a:r>
-              <a:rPr lang="en-US" b="0" dirty="0"/>
-              <a:t>hopes that the use of a spoofed address will allow penetration of systems that</a:t>
-            </a:r>
-          </a:p>
-          <a:p>
-            <a:pPr eaLnBrk="1" hangingPunct="1"/>
-            <a:r>
-              <a:rPr lang="en-US" b="0" dirty="0"/>
-              <a:t>employ simple source address security, in which packets from specific trusted</a:t>
-            </a:r>
-          </a:p>
-          <a:p>
-            <a:pPr eaLnBrk="1" hangingPunct="1"/>
-            <a:r>
-              <a:rPr lang="en-US" b="0" dirty="0"/>
-              <a:t>internal hosts are accepted. The countermeasure is to discard packets with an</a:t>
-            </a:r>
-          </a:p>
-          <a:p>
-            <a:pPr eaLnBrk="1" hangingPunct="1"/>
-            <a:r>
-              <a:rPr lang="en-US" b="0" dirty="0"/>
-              <a:t>inside source address if the packet arrives on an external interface. In fact, this</a:t>
-            </a:r>
-          </a:p>
-          <a:p>
-            <a:pPr eaLnBrk="1" hangingPunct="1"/>
-            <a:r>
-              <a:rPr lang="en-US" b="0" dirty="0"/>
-              <a:t>countermeasure is often implemented at the router external to the firewall.</a:t>
-            </a:r>
-          </a:p>
-          <a:p>
-            <a:pPr eaLnBrk="1" hangingPunct="1"/>
-            <a:endParaRPr lang="en-US" b="0" dirty="0"/>
-          </a:p>
-          <a:p>
-            <a:pPr eaLnBrk="1" hangingPunct="1"/>
-            <a:r>
-              <a:rPr lang="en-US" b="0" dirty="0"/>
-              <a:t>• Source routing attacks: The source station specifies the route that a packet</a:t>
-            </a:r>
-          </a:p>
-          <a:p>
-            <a:pPr eaLnBrk="1" hangingPunct="1"/>
-            <a:r>
-              <a:rPr lang="en-US" b="0" dirty="0"/>
-              <a:t>should take as it crosses the Internet, in the hopes that this will bypass security</a:t>
-            </a:r>
-          </a:p>
-          <a:p>
-            <a:pPr eaLnBrk="1" hangingPunct="1"/>
-            <a:r>
-              <a:rPr lang="en-US" b="0" dirty="0"/>
-              <a:t>measures that do not analyze the source routing information. A countermeasure</a:t>
-            </a:r>
-          </a:p>
-          <a:p>
-            <a:pPr eaLnBrk="1" hangingPunct="1"/>
-            <a:r>
-              <a:rPr lang="en-US" b="0" dirty="0"/>
-              <a:t>is to discard all packets that use this option.</a:t>
-            </a:r>
-          </a:p>
-          <a:p>
-            <a:pPr eaLnBrk="1" hangingPunct="1"/>
-            <a:endParaRPr lang="en-US" b="0" dirty="0"/>
-          </a:p>
-          <a:p>
-            <a:pPr eaLnBrk="1" hangingPunct="1"/>
-            <a:r>
-              <a:rPr lang="en-US" b="0" dirty="0"/>
-              <a:t>• Tiny fragment attacks : The intruder uses the IP fragmentation option to create</a:t>
-            </a:r>
-          </a:p>
-          <a:p>
-            <a:pPr eaLnBrk="1" hangingPunct="1"/>
-            <a:r>
-              <a:rPr lang="en-US" b="0" dirty="0"/>
-              <a:t>extremely small fragments and force the TCP header information into</a:t>
-            </a:r>
-          </a:p>
-          <a:p>
-            <a:pPr eaLnBrk="1" hangingPunct="1"/>
-            <a:r>
-              <a:rPr lang="en-US" b="0" dirty="0"/>
-              <a:t>a separate packet fragment. This attack is designed to circumvent filtering</a:t>
-            </a:r>
-          </a:p>
-          <a:p>
-            <a:pPr eaLnBrk="1" hangingPunct="1"/>
-            <a:r>
-              <a:rPr lang="en-US" b="0" dirty="0"/>
-              <a:t>rules that depend on TCP header information. Typically, a packet filter</a:t>
-            </a:r>
-          </a:p>
-          <a:p>
-            <a:pPr eaLnBrk="1" hangingPunct="1"/>
-            <a:r>
-              <a:rPr lang="en-US" b="0" dirty="0"/>
-              <a:t>will make a filtering decision on the first fragment of a packet. All subsequent</a:t>
-            </a:r>
-          </a:p>
-          <a:p>
-            <a:pPr eaLnBrk="1" hangingPunct="1"/>
-            <a:r>
-              <a:rPr lang="en-US" b="0" dirty="0"/>
-              <a:t>fragments of that packet are filtered out solely on the basis that</a:t>
-            </a:r>
-          </a:p>
-          <a:p>
-            <a:pPr eaLnBrk="1" hangingPunct="1"/>
-            <a:r>
-              <a:rPr lang="en-US" b="0" dirty="0"/>
-              <a:t>they are part of the packet whose first fragment was rejected. The attacker</a:t>
-            </a:r>
-          </a:p>
-          <a:p>
-            <a:pPr eaLnBrk="1" hangingPunct="1"/>
-            <a:r>
-              <a:rPr lang="en-US" b="0" dirty="0"/>
-              <a:t>hopes that the filtering firewall examines only the first fragment and that</a:t>
-            </a:r>
-          </a:p>
-          <a:p>
-            <a:pPr eaLnBrk="1" hangingPunct="1"/>
-            <a:r>
-              <a:rPr lang="en-US" b="0" dirty="0"/>
-              <a:t>the remaining fragments are passed through. A tiny fragment attack can be</a:t>
-            </a:r>
-          </a:p>
-          <a:p>
-            <a:pPr eaLnBrk="1" hangingPunct="1"/>
-            <a:r>
-              <a:rPr lang="en-US" b="0" dirty="0"/>
-              <a:t>defeated by enforcing a rule that the first fragment of a packet must contain</a:t>
-            </a:r>
-          </a:p>
-          <a:p>
-            <a:pPr eaLnBrk="1" hangingPunct="1"/>
-            <a:r>
-              <a:rPr lang="en-US" b="0" dirty="0"/>
-              <a:t>a predefined minimum amount of the transport header. If the first fragment</a:t>
-            </a:r>
-          </a:p>
-          <a:p>
-            <a:pPr eaLnBrk="1" hangingPunct="1"/>
-            <a:r>
-              <a:rPr lang="en-US" b="0" dirty="0"/>
-              <a:t>is rejected, the filter can remember the packet and discard all subsequent</a:t>
-            </a:r>
-          </a:p>
-          <a:p>
-            <a:pPr eaLnBrk="1" hangingPunct="1"/>
-            <a:r>
-              <a:rPr lang="en-US" b="0" dirty="0"/>
-              <a:t>fragments.</a:t>
-            </a:r>
-            <a:endParaRPr lang="en-US" b="0" dirty="0">
-              <a:latin typeface="Times New Roman" pitchFamily="-110" charset="0"/>
-            </a:endParaRPr>
-          </a:p>
-        </p:txBody>
-      </p:sp>
-    </p:spTree>
-    <p:extLst>
-      <p:ext uri="{BB962C8B-B14F-4D97-AF65-F5344CB8AC3E}">
-        <p14:creationId xmlns:p14="http://schemas.microsoft.com/office/powerpoint/2010/main" val="3432241128"/>
-      </p:ext>
-    </p:extLst>
-  </p:cSld>
-  <p:clrMapOvr>
-    <a:masterClrMapping/>
-  </p:clrMapOvr>
-</p:notes>
-</file>
-
-<file path=ppt/notesSlides/notesSlide11.xml><?xml version="1.0" encoding="utf-8"?>
-<p:notes xmlns:a="http://schemas.openxmlformats.org/drawingml/2006/main" xmlns:r="http://schemas.openxmlformats.org/officeDocument/2006/relationships" xmlns:p="http://schemas.openxmlformats.org/presentationml/2006/main">
-  <p:cSld>
-    <p:spTree>
-      <p:nvGrpSpPr>
-        <p:cNvPr id="1" name=""/>
-        <p:cNvGrpSpPr/>
-        <p:nvPr/>
-      </p:nvGrpSpPr>
-      <p:grpSpPr>
-        <a:xfrm>
-          <a:off x="0" y="0"/>
-          <a:ext cx="0" cy="0"/>
-          <a:chOff x="0" y="0"/>
-          <a:chExt cx="0" cy="0"/>
-        </a:xfrm>
-      </p:grpSpPr>
-      <p:sp>
-        <p:nvSpPr>
-          <p:cNvPr id="32770" name="Rectangle 7"/>
-          <p:cNvSpPr>
-            <a:spLocks noGrp="1" noChangeArrowheads="1"/>
-          </p:cNvSpPr>
-          <p:nvPr>
-            <p:ph type="sldNum" sz="quarter" idx="5"/>
-          </p:nvPr>
-        </p:nvSpPr>
-        <p:spPr>
-          <a:noFill/>
-        </p:spPr>
-        <p:txBody>
-          <a:bodyPr/>
-          <a:lstStyle/>
-          <a:p>
-            <a:fld id="{3368F387-B42B-9244-A173-F097D89069A8}" type="slidenum">
-              <a:rPr lang="en-AU"/>
-              <a:pPr/>
-              <a:t>15</a:t>
-            </a:fld>
-            <a:endParaRPr lang="en-AU"/>
-          </a:p>
-        </p:txBody>
-      </p:sp>
-      <p:sp>
-        <p:nvSpPr>
-          <p:cNvPr id="32771" name="Rectangle 2"/>
-          <p:cNvSpPr>
-            <a:spLocks noGrp="1" noRot="1" noChangeAspect="1" noChangeArrowheads="1" noTextEdit="1"/>
-          </p:cNvSpPr>
-          <p:nvPr>
-            <p:ph type="sldImg"/>
-          </p:nvPr>
-        </p:nvSpPr>
-        <p:spPr>
-          <a:ln/>
-        </p:spPr>
-      </p:sp>
-      <p:sp>
-        <p:nvSpPr>
-          <p:cNvPr id="32772" name="Rectangle 3"/>
-          <p:cNvSpPr>
-            <a:spLocks noGrp="1" noChangeArrowheads="1"/>
-          </p:cNvSpPr>
-          <p:nvPr>
-            <p:ph type="body" idx="1"/>
-          </p:nvPr>
-        </p:nvSpPr>
-        <p:spPr>
-          <a:noFill/>
-          <a:ln/>
-        </p:spPr>
-        <p:txBody>
-          <a:bodyPr/>
-          <a:lstStyle/>
-          <a:p>
-            <a:pPr eaLnBrk="1" hangingPunct="1"/>
             <a:endParaRPr lang="en-US" altLang="zh-CN" b="0" dirty="0"/>
           </a:p>
           <a:p>
@@ -4559,7 +4059,7 @@
 </p:notes>
 </file>
 
-<file path=ppt/notesSlides/notesSlide12.xml><?xml version="1.0" encoding="utf-8"?>
+<file path=ppt/notesSlides/notesSlide11.xml><?xml version="1.0" encoding="utf-8"?>
 <p:notes xmlns:a="http://schemas.openxmlformats.org/drawingml/2006/main" xmlns:r="http://schemas.openxmlformats.org/officeDocument/2006/relationships" xmlns:p="http://schemas.openxmlformats.org/presentationml/2006/main">
   <p:cSld>
     <p:spTree>
@@ -4831,7 +4331,7 @@
 </p:notes>
 </file>
 
-<file path=ppt/notesSlides/notesSlide13.xml><?xml version="1.0" encoding="utf-8"?>
+<file path=ppt/notesSlides/notesSlide12.xml><?xml version="1.0" encoding="utf-8"?>
 <p:notes xmlns:a="http://schemas.openxmlformats.org/drawingml/2006/main" xmlns:r="http://schemas.openxmlformats.org/officeDocument/2006/relationships" xmlns:p="http://schemas.openxmlformats.org/presentationml/2006/main">
   <p:cSld>
     <p:spTree>
@@ -5141,7 +4641,7 @@
 </p:notes>
 </file>
 
-<file path=ppt/notesSlides/notesSlide14.xml><?xml version="1.0" encoding="utf-8"?>
+<file path=ppt/notesSlides/notesSlide13.xml><?xml version="1.0" encoding="utf-8"?>
 <p:notes xmlns:a="http://schemas.openxmlformats.org/drawingml/2006/main" xmlns:r="http://schemas.openxmlformats.org/officeDocument/2006/relationships" xmlns:p="http://schemas.openxmlformats.org/presentationml/2006/main">
   <p:cSld>
     <p:spTree>
@@ -5456,7 +4956,7 @@
 </p:notes>
 </file>
 
-<file path=ppt/notesSlides/notesSlide15.xml><?xml version="1.0" encoding="utf-8"?>
+<file path=ppt/notesSlides/notesSlide14.xml><?xml version="1.0" encoding="utf-8"?>
 <p:notes xmlns:a="http://schemas.openxmlformats.org/drawingml/2006/main" xmlns:r="http://schemas.openxmlformats.org/officeDocument/2006/relationships" xmlns:p="http://schemas.openxmlformats.org/presentationml/2006/main">
   <p:cSld>
     <p:spTree>
@@ -5500,10 +5000,454 @@
           <a:bodyPr/>
           <a:lstStyle/>
           <a:p>
+            <a:pPr marL="0" marR="0" lvl="0" indent="0" algn="l" defTabSz="914400" rtl="0" eaLnBrk="1" fontAlgn="base" latinLnBrk="0" hangingPunct="1">
+              <a:lnSpc>
+                <a:spcPct val="100000"/>
+              </a:lnSpc>
+              <a:spcBef>
+                <a:spcPct val="30000"/>
+              </a:spcBef>
+              <a:spcAft>
+                <a:spcPct val="0"/>
+              </a:spcAft>
+              <a:buClrTx/>
+              <a:buSzTx/>
+              <a:buFontTx/>
+              <a:buNone/>
+              <a:tabLst/>
+              <a:defRPr/>
+            </a:pPr>
             <a:r>
               <a:rPr lang="en-US" dirty="0"/>
-              <a:t>https://www.cs.utexas.edu/~shmat/courses/cs361s/ids.pdf</a:t>
-            </a:r>
+              <a:t>Limited disk use, hence read-only code</a:t>
+            </a:r>
+          </a:p>
+          <a:p>
+            <a:pPr eaLnBrk="1" hangingPunct="1"/>
+            <a:r>
+              <a:rPr lang="en-US" dirty="0">
+                <a:ea typeface="ＭＳ Ｐゴシック" pitchFamily="-110" charset="-128"/>
+                <a:cs typeface="ＭＳ Ｐゴシック" pitchFamily="-110" charset="-128"/>
+              </a:rPr>
+              <a:t>A bastion host is a system identified by the firewall administrator as a critical strong</a:t>
+            </a:r>
+          </a:p>
+          <a:p>
+            <a:pPr eaLnBrk="1" hangingPunct="1"/>
+            <a:r>
+              <a:rPr lang="en-US" dirty="0">
+                <a:ea typeface="ＭＳ Ｐゴシック" pitchFamily="-110" charset="-128"/>
+                <a:cs typeface="ＭＳ Ｐゴシック" pitchFamily="-110" charset="-128"/>
+              </a:rPr>
+              <a:t>point in the network’s security. Typically, the bastion host serves as a platform for</a:t>
+            </a:r>
+          </a:p>
+          <a:p>
+            <a:pPr eaLnBrk="1" hangingPunct="1"/>
+            <a:r>
+              <a:rPr lang="en-US" dirty="0">
+                <a:ea typeface="ＭＳ Ｐゴシック" pitchFamily="-110" charset="-128"/>
+                <a:cs typeface="ＭＳ Ｐゴシック" pitchFamily="-110" charset="-128"/>
+              </a:rPr>
+              <a:t>an application-level or circuit-level gateway. Common characteristics of a bastion</a:t>
+            </a:r>
+          </a:p>
+          <a:p>
+            <a:pPr eaLnBrk="1" hangingPunct="1"/>
+            <a:r>
+              <a:rPr lang="en-US" dirty="0">
+                <a:ea typeface="ＭＳ Ｐゴシック" pitchFamily="-110" charset="-128"/>
+                <a:cs typeface="ＭＳ Ｐゴシック" pitchFamily="-110" charset="-128"/>
+              </a:rPr>
+              <a:t>host are as follows:</a:t>
+            </a:r>
+          </a:p>
+          <a:p>
+            <a:pPr eaLnBrk="1" hangingPunct="1"/>
+            <a:endParaRPr lang="en-US" dirty="0">
+              <a:ea typeface="ＭＳ Ｐゴシック" pitchFamily="-110" charset="-128"/>
+              <a:cs typeface="ＭＳ Ｐゴシック" pitchFamily="-110" charset="-128"/>
+            </a:endParaRPr>
+          </a:p>
+          <a:p>
+            <a:pPr eaLnBrk="1" hangingPunct="1"/>
+            <a:r>
+              <a:rPr lang="en-US" dirty="0">
+                <a:ea typeface="ＭＳ Ｐゴシック" pitchFamily="-110" charset="-128"/>
+                <a:cs typeface="ＭＳ Ｐゴシック" pitchFamily="-110" charset="-128"/>
+              </a:rPr>
+              <a:t>• The bastion host hardware platform executes a secure version of its operating</a:t>
+            </a:r>
+          </a:p>
+          <a:p>
+            <a:pPr eaLnBrk="1" hangingPunct="1"/>
+            <a:r>
+              <a:rPr lang="en-US" dirty="0">
+                <a:ea typeface="ＭＳ Ｐゴシック" pitchFamily="-110" charset="-128"/>
+                <a:cs typeface="ＭＳ Ｐゴシック" pitchFamily="-110" charset="-128"/>
+              </a:rPr>
+              <a:t>system, making it a hardened system.</a:t>
+            </a:r>
+          </a:p>
+          <a:p>
+            <a:pPr eaLnBrk="1" hangingPunct="1"/>
+            <a:endParaRPr lang="en-US" dirty="0">
+              <a:ea typeface="ＭＳ Ｐゴシック" pitchFamily="-110" charset="-128"/>
+              <a:cs typeface="ＭＳ Ｐゴシック" pitchFamily="-110" charset="-128"/>
+            </a:endParaRPr>
+          </a:p>
+          <a:p>
+            <a:pPr eaLnBrk="1" hangingPunct="1"/>
+            <a:r>
+              <a:rPr lang="en-US" dirty="0">
+                <a:ea typeface="ＭＳ Ｐゴシック" pitchFamily="-110" charset="-128"/>
+                <a:cs typeface="ＭＳ Ｐゴシック" pitchFamily="-110" charset="-128"/>
+              </a:rPr>
+              <a:t>• Only the services that the network administrator considers essential are</a:t>
+            </a:r>
+          </a:p>
+          <a:p>
+            <a:pPr eaLnBrk="1" hangingPunct="1"/>
+            <a:r>
+              <a:rPr lang="en-US" dirty="0">
+                <a:ea typeface="ＭＳ Ｐゴシック" pitchFamily="-110" charset="-128"/>
+                <a:cs typeface="ＭＳ Ｐゴシック" pitchFamily="-110" charset="-128"/>
+              </a:rPr>
+              <a:t>installed on the bastion host. These could include proxy applications for DNS,</a:t>
+            </a:r>
+          </a:p>
+          <a:p>
+            <a:pPr eaLnBrk="1" hangingPunct="1"/>
+            <a:r>
+              <a:rPr lang="en-US" dirty="0">
+                <a:ea typeface="ＭＳ Ｐゴシック" pitchFamily="-110" charset="-128"/>
+                <a:cs typeface="ＭＳ Ｐゴシック" pitchFamily="-110" charset="-128"/>
+              </a:rPr>
+              <a:t>FTP, HTTP, and SMTP.</a:t>
+            </a:r>
+          </a:p>
+          <a:p>
+            <a:pPr eaLnBrk="1" hangingPunct="1"/>
+            <a:endParaRPr lang="en-US" dirty="0">
+              <a:ea typeface="ＭＳ Ｐゴシック" pitchFamily="-110" charset="-128"/>
+              <a:cs typeface="ＭＳ Ｐゴシック" pitchFamily="-110" charset="-128"/>
+            </a:endParaRPr>
+          </a:p>
+          <a:p>
+            <a:pPr eaLnBrk="1" hangingPunct="1"/>
+            <a:r>
+              <a:rPr lang="en-US" dirty="0">
+                <a:ea typeface="ＭＳ Ｐゴシック" pitchFamily="-110" charset="-128"/>
+                <a:cs typeface="ＭＳ Ｐゴシック" pitchFamily="-110" charset="-128"/>
+              </a:rPr>
+              <a:t>• The bastion host may require additional authentication before a user is allowed</a:t>
+            </a:r>
+          </a:p>
+          <a:p>
+            <a:pPr eaLnBrk="1" hangingPunct="1"/>
+            <a:r>
+              <a:rPr lang="en-US" dirty="0">
+                <a:ea typeface="ＭＳ Ｐゴシック" pitchFamily="-110" charset="-128"/>
+                <a:cs typeface="ＭＳ Ｐゴシック" pitchFamily="-110" charset="-128"/>
+              </a:rPr>
+              <a:t>access to the proxy services. In addition, each proxy service may require its</a:t>
+            </a:r>
+          </a:p>
+          <a:p>
+            <a:pPr eaLnBrk="1" hangingPunct="1"/>
+            <a:r>
+              <a:rPr lang="en-US" dirty="0">
+                <a:ea typeface="ＭＳ Ｐゴシック" pitchFamily="-110" charset="-128"/>
+                <a:cs typeface="ＭＳ Ｐゴシック" pitchFamily="-110" charset="-128"/>
+              </a:rPr>
+              <a:t>own authentication before granting user access.</a:t>
+            </a:r>
+          </a:p>
+          <a:p>
+            <a:pPr eaLnBrk="1" hangingPunct="1"/>
+            <a:endParaRPr lang="en-US" dirty="0">
+              <a:ea typeface="ＭＳ Ｐゴシック" pitchFamily="-110" charset="-128"/>
+              <a:cs typeface="ＭＳ Ｐゴシック" pitchFamily="-110" charset="-128"/>
+            </a:endParaRPr>
+          </a:p>
+          <a:p>
+            <a:pPr eaLnBrk="1" hangingPunct="1"/>
+            <a:r>
+              <a:rPr lang="en-US" dirty="0">
+                <a:ea typeface="ＭＳ Ｐゴシック" pitchFamily="-110" charset="-128"/>
+                <a:cs typeface="ＭＳ Ｐゴシック" pitchFamily="-110" charset="-128"/>
+              </a:rPr>
+              <a:t>• Each proxy is configured to support only a subset of the standard application’s</a:t>
+            </a:r>
+          </a:p>
+          <a:p>
+            <a:pPr eaLnBrk="1" hangingPunct="1"/>
+            <a:r>
+              <a:rPr lang="en-US" dirty="0">
+                <a:ea typeface="ＭＳ Ｐゴシック" pitchFamily="-110" charset="-128"/>
+                <a:cs typeface="ＭＳ Ｐゴシック" pitchFamily="-110" charset="-128"/>
+              </a:rPr>
+              <a:t>command set.</a:t>
+            </a:r>
+          </a:p>
+          <a:p>
+            <a:pPr eaLnBrk="1" hangingPunct="1"/>
+            <a:endParaRPr lang="en-US" dirty="0">
+              <a:ea typeface="ＭＳ Ｐゴシック" pitchFamily="-110" charset="-128"/>
+              <a:cs typeface="ＭＳ Ｐゴシック" pitchFamily="-110" charset="-128"/>
+            </a:endParaRPr>
+          </a:p>
+          <a:p>
+            <a:pPr eaLnBrk="1" hangingPunct="1"/>
+            <a:r>
+              <a:rPr lang="en-US" dirty="0">
+                <a:ea typeface="ＭＳ Ｐゴシック" pitchFamily="-110" charset="-128"/>
+                <a:cs typeface="ＭＳ Ｐゴシック" pitchFamily="-110" charset="-128"/>
+              </a:rPr>
+              <a:t>• Each proxy is configured to allow access only to specific host systems. This</a:t>
+            </a:r>
+          </a:p>
+          <a:p>
+            <a:pPr eaLnBrk="1" hangingPunct="1"/>
+            <a:r>
+              <a:rPr lang="en-US" dirty="0">
+                <a:ea typeface="ＭＳ Ｐゴシック" pitchFamily="-110" charset="-128"/>
+                <a:cs typeface="ＭＳ Ｐゴシック" pitchFamily="-110" charset="-128"/>
+              </a:rPr>
+              <a:t>means that the limited command/feature set may be applied only to a subset</a:t>
+            </a:r>
+          </a:p>
+          <a:p>
+            <a:pPr eaLnBrk="1" hangingPunct="1"/>
+            <a:r>
+              <a:rPr lang="en-US" dirty="0">
+                <a:ea typeface="ＭＳ Ｐゴシック" pitchFamily="-110" charset="-128"/>
+                <a:cs typeface="ＭＳ Ｐゴシック" pitchFamily="-110" charset="-128"/>
+              </a:rPr>
+              <a:t>of systems on the protected network.</a:t>
+            </a:r>
+          </a:p>
+          <a:p>
+            <a:pPr eaLnBrk="1" hangingPunct="1"/>
+            <a:endParaRPr lang="en-US" dirty="0">
+              <a:ea typeface="ＭＳ Ｐゴシック" pitchFamily="-110" charset="-128"/>
+              <a:cs typeface="ＭＳ Ｐゴシック" pitchFamily="-110" charset="-128"/>
+            </a:endParaRPr>
+          </a:p>
+          <a:p>
+            <a:pPr eaLnBrk="1" hangingPunct="1"/>
+            <a:r>
+              <a:rPr lang="en-US" dirty="0">
+                <a:ea typeface="ＭＳ Ｐゴシック" pitchFamily="-110" charset="-128"/>
+                <a:cs typeface="ＭＳ Ｐゴシック" pitchFamily="-110" charset="-128"/>
+              </a:rPr>
+              <a:t>• Each proxy maintains detailed audit information by logging all traffic, each</a:t>
+            </a:r>
+          </a:p>
+          <a:p>
+            <a:pPr eaLnBrk="1" hangingPunct="1"/>
+            <a:r>
+              <a:rPr lang="en-US" dirty="0">
+                <a:ea typeface="ＭＳ Ｐゴシック" pitchFamily="-110" charset="-128"/>
+                <a:cs typeface="ＭＳ Ｐゴシック" pitchFamily="-110" charset="-128"/>
+              </a:rPr>
+              <a:t>connection, and the duration of each connection. The audit log is an essential</a:t>
+            </a:r>
+          </a:p>
+          <a:p>
+            <a:pPr eaLnBrk="1" hangingPunct="1"/>
+            <a:r>
+              <a:rPr lang="en-US" dirty="0">
+                <a:ea typeface="ＭＳ Ｐゴシック" pitchFamily="-110" charset="-128"/>
+                <a:cs typeface="ＭＳ Ｐゴシック" pitchFamily="-110" charset="-128"/>
+              </a:rPr>
+              <a:t>tool for discovering and terminating intruder attacks.</a:t>
+            </a:r>
+          </a:p>
+          <a:p>
+            <a:pPr eaLnBrk="1" hangingPunct="1"/>
+            <a:endParaRPr lang="en-US" dirty="0">
+              <a:ea typeface="ＭＳ Ｐゴシック" pitchFamily="-110" charset="-128"/>
+              <a:cs typeface="ＭＳ Ｐゴシック" pitchFamily="-110" charset="-128"/>
+            </a:endParaRPr>
+          </a:p>
+          <a:p>
+            <a:pPr eaLnBrk="1" hangingPunct="1"/>
+            <a:r>
+              <a:rPr lang="en-US" dirty="0">
+                <a:ea typeface="ＭＳ Ｐゴシック" pitchFamily="-110" charset="-128"/>
+                <a:cs typeface="ＭＳ Ｐゴシック" pitchFamily="-110" charset="-128"/>
+              </a:rPr>
+              <a:t>• Each proxy module is a very small software package specifically designed for network</a:t>
+            </a:r>
+          </a:p>
+          <a:p>
+            <a:pPr eaLnBrk="1" hangingPunct="1"/>
+            <a:r>
+              <a:rPr lang="en-US" dirty="0">
+                <a:ea typeface="ＭＳ Ｐゴシック" pitchFamily="-110" charset="-128"/>
+                <a:cs typeface="ＭＳ Ｐゴシック" pitchFamily="-110" charset="-128"/>
+              </a:rPr>
+              <a:t>security. Because of its relative simplicity, it is easier to check such modules</a:t>
+            </a:r>
+          </a:p>
+          <a:p>
+            <a:pPr eaLnBrk="1" hangingPunct="1"/>
+            <a:r>
+              <a:rPr lang="en-US" dirty="0">
+                <a:ea typeface="ＭＳ Ｐゴシック" pitchFamily="-110" charset="-128"/>
+                <a:cs typeface="ＭＳ Ｐゴシック" pitchFamily="-110" charset="-128"/>
+              </a:rPr>
+              <a:t>for security flaws. For example, a typical UNIX mail application may contain</a:t>
+            </a:r>
+          </a:p>
+          <a:p>
+            <a:pPr eaLnBrk="1" hangingPunct="1"/>
+            <a:r>
+              <a:rPr lang="en-US" dirty="0">
+                <a:ea typeface="ＭＳ Ｐゴシック" pitchFamily="-110" charset="-128"/>
+                <a:cs typeface="ＭＳ Ｐゴシック" pitchFamily="-110" charset="-128"/>
+              </a:rPr>
+              <a:t>over 20,000 lines of code, while a mail proxy may contain fewer than 1000.</a:t>
+            </a:r>
+          </a:p>
+          <a:p>
+            <a:pPr eaLnBrk="1" hangingPunct="1"/>
+            <a:endParaRPr lang="en-US" dirty="0">
+              <a:ea typeface="ＭＳ Ｐゴシック" pitchFamily="-110" charset="-128"/>
+              <a:cs typeface="ＭＳ Ｐゴシック" pitchFamily="-110" charset="-128"/>
+            </a:endParaRPr>
+          </a:p>
+          <a:p>
+            <a:pPr eaLnBrk="1" hangingPunct="1"/>
+            <a:r>
+              <a:rPr lang="en-US" dirty="0">
+                <a:ea typeface="ＭＳ Ｐゴシック" pitchFamily="-110" charset="-128"/>
+                <a:cs typeface="ＭＳ Ｐゴシック" pitchFamily="-110" charset="-128"/>
+              </a:rPr>
+              <a:t>• Each proxy is independent of other proxies on the bastion host. If there is a</a:t>
+            </a:r>
+          </a:p>
+          <a:p>
+            <a:pPr eaLnBrk="1" hangingPunct="1"/>
+            <a:r>
+              <a:rPr lang="en-US" dirty="0">
+                <a:ea typeface="ＭＳ Ｐゴシック" pitchFamily="-110" charset="-128"/>
+                <a:cs typeface="ＭＳ Ｐゴシック" pitchFamily="-110" charset="-128"/>
+              </a:rPr>
+              <a:t>problem with the operation of any proxy, or if a future vulnerability is discovered,</a:t>
+            </a:r>
+          </a:p>
+          <a:p>
+            <a:pPr eaLnBrk="1" hangingPunct="1"/>
+            <a:r>
+              <a:rPr lang="en-US" dirty="0">
+                <a:ea typeface="ＭＳ Ｐゴシック" pitchFamily="-110" charset="-128"/>
+                <a:cs typeface="ＭＳ Ｐゴシック" pitchFamily="-110" charset="-128"/>
+              </a:rPr>
+              <a:t>it can be uninstalled without affecting the operation of the other proxy</a:t>
+            </a:r>
+          </a:p>
+          <a:p>
+            <a:pPr eaLnBrk="1" hangingPunct="1"/>
+            <a:r>
+              <a:rPr lang="en-US" dirty="0">
+                <a:ea typeface="ＭＳ Ｐゴシック" pitchFamily="-110" charset="-128"/>
+                <a:cs typeface="ＭＳ Ｐゴシック" pitchFamily="-110" charset="-128"/>
+              </a:rPr>
+              <a:t>applications. Also, if the user population requires support for a new service, the</a:t>
+            </a:r>
+          </a:p>
+          <a:p>
+            <a:pPr eaLnBrk="1" hangingPunct="1"/>
+            <a:r>
+              <a:rPr lang="en-US" dirty="0">
+                <a:ea typeface="ＭＳ Ｐゴシック" pitchFamily="-110" charset="-128"/>
+                <a:cs typeface="ＭＳ Ｐゴシック" pitchFamily="-110" charset="-128"/>
+              </a:rPr>
+              <a:t>network administrator can easily install the required proxy on the bastion host.</a:t>
+            </a:r>
+          </a:p>
+          <a:p>
+            <a:pPr eaLnBrk="1" hangingPunct="1"/>
+            <a:endParaRPr lang="en-US" dirty="0">
+              <a:ea typeface="ＭＳ Ｐゴシック" pitchFamily="-110" charset="-128"/>
+              <a:cs typeface="ＭＳ Ｐゴシック" pitchFamily="-110" charset="-128"/>
+            </a:endParaRPr>
+          </a:p>
+          <a:p>
+            <a:pPr eaLnBrk="1" hangingPunct="1"/>
+            <a:r>
+              <a:rPr lang="en-US" dirty="0">
+                <a:ea typeface="ＭＳ Ｐゴシック" pitchFamily="-110" charset="-128"/>
+                <a:cs typeface="ＭＳ Ｐゴシック" pitchFamily="-110" charset="-128"/>
+              </a:rPr>
+              <a:t>• A proxy generally performs no disk access other than to read its initial configuration</a:t>
+            </a:r>
+          </a:p>
+          <a:p>
+            <a:pPr eaLnBrk="1" hangingPunct="1"/>
+            <a:r>
+              <a:rPr lang="en-US" dirty="0">
+                <a:ea typeface="ＭＳ Ｐゴシック" pitchFamily="-110" charset="-128"/>
+                <a:cs typeface="ＭＳ Ｐゴシック" pitchFamily="-110" charset="-128"/>
+              </a:rPr>
+              <a:t>file. Hence, the portions of the file system containing executable code</a:t>
+            </a:r>
+          </a:p>
+          <a:p>
+            <a:pPr eaLnBrk="1" hangingPunct="1"/>
+            <a:r>
+              <a:rPr lang="en-US" dirty="0">
+                <a:ea typeface="ＭＳ Ｐゴシック" pitchFamily="-110" charset="-128"/>
+                <a:cs typeface="ＭＳ Ｐゴシック" pitchFamily="-110" charset="-128"/>
+              </a:rPr>
+              <a:t>can be made read only. This makes it difficult for an intruder to install Trojan</a:t>
+            </a:r>
+          </a:p>
+          <a:p>
+            <a:pPr eaLnBrk="1" hangingPunct="1"/>
+            <a:r>
+              <a:rPr lang="en-US" dirty="0">
+                <a:ea typeface="ＭＳ Ｐゴシック" pitchFamily="-110" charset="-128"/>
+                <a:cs typeface="ＭＳ Ｐゴシック" pitchFamily="-110" charset="-128"/>
+              </a:rPr>
+              <a:t>horse sniffers or other dangerous files on the bastion host.</a:t>
+            </a:r>
+          </a:p>
+          <a:p>
+            <a:pPr eaLnBrk="1" hangingPunct="1"/>
+            <a:endParaRPr lang="en-US" dirty="0">
+              <a:ea typeface="ＭＳ Ｐゴシック" pitchFamily="-110" charset="-128"/>
+              <a:cs typeface="ＭＳ Ｐゴシック" pitchFamily="-110" charset="-128"/>
+            </a:endParaRPr>
+          </a:p>
+          <a:p>
+            <a:pPr eaLnBrk="1" hangingPunct="1"/>
+            <a:r>
+              <a:rPr lang="en-US" dirty="0">
+                <a:ea typeface="ＭＳ Ｐゴシック" pitchFamily="-110" charset="-128"/>
+                <a:cs typeface="ＭＳ Ｐゴシック" pitchFamily="-110" charset="-128"/>
+              </a:rPr>
+              <a:t>• Each proxy runs as a non-privileged user in a private and secured directory on</a:t>
+            </a:r>
+          </a:p>
+          <a:p>
+            <a:pPr eaLnBrk="1" hangingPunct="1"/>
+            <a:r>
+              <a:rPr lang="en-US" dirty="0">
+                <a:ea typeface="ＭＳ Ｐゴシック" pitchFamily="-110" charset="-128"/>
+                <a:cs typeface="ＭＳ Ｐゴシック" pitchFamily="-110" charset="-128"/>
+              </a:rPr>
+              <a:t>the bastion host.</a:t>
+            </a:r>
+            <a:endParaRPr lang="en-US" dirty="0">
+              <a:latin typeface="Times New Roman" pitchFamily="-110" charset="0"/>
+              <a:ea typeface="ＭＳ Ｐゴシック" pitchFamily="-110" charset="-128"/>
+              <a:cs typeface="ＭＳ Ｐゴシック" pitchFamily="-110" charset="-128"/>
+            </a:endParaRPr>
+          </a:p>
+          <a:p>
             <a:endParaRPr lang="en-SE" dirty="0"/>
           </a:p>
         </p:txBody>
@@ -5535,7 +5479,262 @@
     </p:spTree>
     <p:extLst>
       <p:ext uri="{BB962C8B-B14F-4D97-AF65-F5344CB8AC3E}">
-        <p14:creationId xmlns:p14="http://schemas.microsoft.com/office/powerpoint/2010/main" val="3770672092"/>
+        <p14:creationId xmlns:p14="http://schemas.microsoft.com/office/powerpoint/2010/main" val="2727298985"/>
+      </p:ext>
+    </p:extLst>
+  </p:cSld>
+  <p:clrMapOvr>
+    <a:masterClrMapping/>
+  </p:clrMapOvr>
+</p:notes>
+</file>
+
+<file path=ppt/notesSlides/notesSlide15.xml><?xml version="1.0" encoding="utf-8"?>
+<p:notes xmlns:a="http://schemas.openxmlformats.org/drawingml/2006/main" xmlns:r="http://schemas.openxmlformats.org/officeDocument/2006/relationships" xmlns:p="http://schemas.openxmlformats.org/presentationml/2006/main">
+  <p:cSld>
+    <p:spTree>
+      <p:nvGrpSpPr>
+        <p:cNvPr id="1" name=""/>
+        <p:cNvGrpSpPr/>
+        <p:nvPr/>
+      </p:nvGrpSpPr>
+      <p:grpSpPr>
+        <a:xfrm>
+          <a:off x="0" y="0"/>
+          <a:ext cx="0" cy="0"/>
+          <a:chOff x="0" y="0"/>
+          <a:chExt cx="0" cy="0"/>
+        </a:xfrm>
+      </p:grpSpPr>
+      <p:sp>
+        <p:nvSpPr>
+          <p:cNvPr id="47106" name="Rectangle 7"/>
+          <p:cNvSpPr>
+            <a:spLocks noGrp="1" noChangeArrowheads="1"/>
+          </p:cNvSpPr>
+          <p:nvPr>
+            <p:ph type="sldNum" sz="quarter" idx="5"/>
+          </p:nvPr>
+        </p:nvSpPr>
+        <p:spPr>
+          <a:noFill/>
+        </p:spPr>
+        <p:txBody>
+          <a:bodyPr/>
+          <a:lstStyle/>
+          <a:p>
+            <a:fld id="{A147661B-EDAF-B144-825F-10DBFB8F5E65}" type="slidenum">
+              <a:rPr lang="en-AU"/>
+              <a:pPr/>
+              <a:t>21</a:t>
+            </a:fld>
+            <a:endParaRPr lang="en-AU"/>
+          </a:p>
+        </p:txBody>
+      </p:sp>
+      <p:sp>
+        <p:nvSpPr>
+          <p:cNvPr id="47107" name="Rectangle 2"/>
+          <p:cNvSpPr>
+            <a:spLocks noGrp="1" noRot="1" noChangeAspect="1" noChangeArrowheads="1" noTextEdit="1"/>
+          </p:cNvSpPr>
+          <p:nvPr>
+            <p:ph type="sldImg"/>
+          </p:nvPr>
+        </p:nvSpPr>
+        <p:spPr>
+          <a:ln/>
+        </p:spPr>
+      </p:sp>
+      <p:sp>
+        <p:nvSpPr>
+          <p:cNvPr id="47108" name="Rectangle 3"/>
+          <p:cNvSpPr>
+            <a:spLocks noGrp="1" noChangeArrowheads="1"/>
+          </p:cNvSpPr>
+          <p:nvPr>
+            <p:ph type="body" idx="1"/>
+          </p:nvPr>
+        </p:nvSpPr>
+        <p:spPr>
+          <a:noFill/>
+          <a:ln/>
+        </p:spPr>
+        <p:txBody>
+          <a:bodyPr/>
+          <a:lstStyle/>
+          <a:p>
+            <a:pPr eaLnBrk="1" hangingPunct="1"/>
+            <a:r>
+              <a:rPr lang="en-US" dirty="0">
+                <a:ea typeface="ＭＳ Ｐゴシック" pitchFamily="-110" charset="-128"/>
+                <a:cs typeface="ＭＳ Ｐゴシック" pitchFamily="-110" charset="-128"/>
+              </a:rPr>
+              <a:t>A host-based firewall is a software module used to secure an individual host. Such</a:t>
+            </a:r>
+          </a:p>
+          <a:p>
+            <a:pPr eaLnBrk="1" hangingPunct="1"/>
+            <a:r>
+              <a:rPr lang="en-US" dirty="0">
+                <a:ea typeface="ＭＳ Ｐゴシック" pitchFamily="-110" charset="-128"/>
+                <a:cs typeface="ＭＳ Ｐゴシック" pitchFamily="-110" charset="-128"/>
+              </a:rPr>
+              <a:t>modules are available in many operating systems or can be provided as an add-on</a:t>
+            </a:r>
+          </a:p>
+          <a:p>
+            <a:pPr eaLnBrk="1" hangingPunct="1"/>
+            <a:r>
+              <a:rPr lang="en-US" dirty="0">
+                <a:ea typeface="ＭＳ Ｐゴシック" pitchFamily="-110" charset="-128"/>
+                <a:cs typeface="ＭＳ Ｐゴシック" pitchFamily="-110" charset="-128"/>
+              </a:rPr>
+              <a:t>package. Like conventional stand-alone firewalls, host-resident firewalls filter and</a:t>
+            </a:r>
+          </a:p>
+          <a:p>
+            <a:pPr eaLnBrk="1" hangingPunct="1"/>
+            <a:r>
+              <a:rPr lang="en-US" dirty="0">
+                <a:ea typeface="ＭＳ Ｐゴシック" pitchFamily="-110" charset="-128"/>
+                <a:cs typeface="ＭＳ Ｐゴシック" pitchFamily="-110" charset="-128"/>
+              </a:rPr>
+              <a:t>restrict the flow of packets. A common location for such firewalls is a server. There</a:t>
+            </a:r>
+          </a:p>
+          <a:p>
+            <a:pPr eaLnBrk="1" hangingPunct="1"/>
+            <a:r>
+              <a:rPr lang="en-US" dirty="0">
+                <a:ea typeface="ＭＳ Ｐゴシック" pitchFamily="-110" charset="-128"/>
+                <a:cs typeface="ＭＳ Ｐゴシック" pitchFamily="-110" charset="-128"/>
+              </a:rPr>
+              <a:t>are several advantages to the use of a server-based or workstation-based firewall:</a:t>
+            </a:r>
+          </a:p>
+          <a:p>
+            <a:pPr eaLnBrk="1" hangingPunct="1"/>
+            <a:endParaRPr lang="en-US" dirty="0">
+              <a:ea typeface="ＭＳ Ｐゴシック" pitchFamily="-110" charset="-128"/>
+              <a:cs typeface="ＭＳ Ｐゴシック" pitchFamily="-110" charset="-128"/>
+            </a:endParaRPr>
+          </a:p>
+          <a:p>
+            <a:pPr eaLnBrk="1" hangingPunct="1"/>
+            <a:r>
+              <a:rPr lang="en-US" dirty="0">
+                <a:ea typeface="ＭＳ Ｐゴシック" pitchFamily="-110" charset="-128"/>
+                <a:cs typeface="ＭＳ Ｐゴシック" pitchFamily="-110" charset="-128"/>
+              </a:rPr>
+              <a:t>• Filtering rules can be tailored to the host environment. Specific corporate</a:t>
+            </a:r>
+          </a:p>
+          <a:p>
+            <a:pPr eaLnBrk="1" hangingPunct="1"/>
+            <a:r>
+              <a:rPr lang="en-US" dirty="0">
+                <a:ea typeface="ＭＳ Ｐゴシック" pitchFamily="-110" charset="-128"/>
+                <a:cs typeface="ＭＳ Ｐゴシック" pitchFamily="-110" charset="-128"/>
+              </a:rPr>
+              <a:t>security policies for servers can be implemented, with different filters for</a:t>
+            </a:r>
+          </a:p>
+          <a:p>
+            <a:pPr eaLnBrk="1" hangingPunct="1"/>
+            <a:r>
+              <a:rPr lang="en-US" dirty="0">
+                <a:ea typeface="ＭＳ Ｐゴシック" pitchFamily="-110" charset="-128"/>
+                <a:cs typeface="ＭＳ Ｐゴシック" pitchFamily="-110" charset="-128"/>
+              </a:rPr>
+              <a:t>servers used for different application.</a:t>
+            </a:r>
+          </a:p>
+          <a:p>
+            <a:pPr eaLnBrk="1" hangingPunct="1"/>
+            <a:endParaRPr lang="en-US" dirty="0">
+              <a:ea typeface="ＭＳ Ｐゴシック" pitchFamily="-110" charset="-128"/>
+              <a:cs typeface="ＭＳ Ｐゴシック" pitchFamily="-110" charset="-128"/>
+            </a:endParaRPr>
+          </a:p>
+          <a:p>
+            <a:pPr eaLnBrk="1" hangingPunct="1"/>
+            <a:r>
+              <a:rPr lang="en-US" dirty="0">
+                <a:ea typeface="ＭＳ Ｐゴシック" pitchFamily="-110" charset="-128"/>
+                <a:cs typeface="ＭＳ Ｐゴシック" pitchFamily="-110" charset="-128"/>
+              </a:rPr>
+              <a:t>• Protection is provided independent of topology. Thus both internal and external</a:t>
+            </a:r>
+          </a:p>
+          <a:p>
+            <a:pPr eaLnBrk="1" hangingPunct="1"/>
+            <a:r>
+              <a:rPr lang="en-US" dirty="0">
+                <a:ea typeface="ＭＳ Ｐゴシック" pitchFamily="-110" charset="-128"/>
+                <a:cs typeface="ＭＳ Ｐゴシック" pitchFamily="-110" charset="-128"/>
+              </a:rPr>
+              <a:t>attacks must pass through the firewall.</a:t>
+            </a:r>
+          </a:p>
+          <a:p>
+            <a:pPr eaLnBrk="1" hangingPunct="1"/>
+            <a:endParaRPr lang="en-US" dirty="0">
+              <a:ea typeface="ＭＳ Ｐゴシック" pitchFamily="-110" charset="-128"/>
+              <a:cs typeface="ＭＳ Ｐゴシック" pitchFamily="-110" charset="-128"/>
+            </a:endParaRPr>
+          </a:p>
+          <a:p>
+            <a:pPr eaLnBrk="1" hangingPunct="1"/>
+            <a:r>
+              <a:rPr lang="en-US" dirty="0">
+                <a:ea typeface="ＭＳ Ｐゴシック" pitchFamily="-110" charset="-128"/>
+                <a:cs typeface="ＭＳ Ｐゴシック" pitchFamily="-110" charset="-128"/>
+              </a:rPr>
+              <a:t>• Used in conjunction with stand-alone firewalls, the host-based firewall</a:t>
+            </a:r>
+          </a:p>
+          <a:p>
+            <a:pPr eaLnBrk="1" hangingPunct="1"/>
+            <a:r>
+              <a:rPr lang="en-US" dirty="0">
+                <a:ea typeface="ＭＳ Ｐゴシック" pitchFamily="-110" charset="-128"/>
+                <a:cs typeface="ＭＳ Ｐゴシック" pitchFamily="-110" charset="-128"/>
+              </a:rPr>
+              <a:t>provides an additional layer of protection. A new type of server can be added</a:t>
+            </a:r>
+          </a:p>
+          <a:p>
+            <a:pPr eaLnBrk="1" hangingPunct="1"/>
+            <a:r>
+              <a:rPr lang="en-US" dirty="0">
+                <a:ea typeface="ＭＳ Ｐゴシック" pitchFamily="-110" charset="-128"/>
+                <a:cs typeface="ＭＳ Ｐゴシック" pitchFamily="-110" charset="-128"/>
+              </a:rPr>
+              <a:t>to the network, with its own firewall, without the necessity of altering the</a:t>
+            </a:r>
+          </a:p>
+          <a:p>
+            <a:pPr eaLnBrk="1" hangingPunct="1"/>
+            <a:r>
+              <a:rPr lang="en-US" dirty="0">
+                <a:ea typeface="ＭＳ Ｐゴシック" pitchFamily="-110" charset="-128"/>
+                <a:cs typeface="ＭＳ Ｐゴシック" pitchFamily="-110" charset="-128"/>
+              </a:rPr>
+              <a:t>network firewall configuration.</a:t>
+            </a:r>
+            <a:endParaRPr lang="en-US" dirty="0">
+              <a:latin typeface="Times New Roman" pitchFamily="-110" charset="0"/>
+              <a:ea typeface="ＭＳ Ｐゴシック" pitchFamily="-110" charset="-128"/>
+              <a:cs typeface="ＭＳ Ｐゴシック" pitchFamily="-110" charset="-128"/>
+            </a:endParaRPr>
+          </a:p>
+        </p:txBody>
+      </p:sp>
+    </p:spTree>
+    <p:extLst>
+      <p:ext uri="{BB962C8B-B14F-4D97-AF65-F5344CB8AC3E}">
+        <p14:creationId xmlns:p14="http://schemas.microsoft.com/office/powerpoint/2010/main" val="692022254"/>
       </p:ext>
     </p:extLst>
   </p:cSld>
@@ -5589,36 +5788,13 @@
           <a:bodyPr/>
           <a:lstStyle/>
           <a:p>
-            <a:pPr marL="0" marR="0" lvl="0" indent="0" algn="l" defTabSz="914400" rtl="0" eaLnBrk="1" fontAlgn="base" latinLnBrk="0" hangingPunct="1">
-              <a:lnSpc>
-                <a:spcPct val="100000"/>
-              </a:lnSpc>
-              <a:spcBef>
-                <a:spcPct val="30000"/>
-              </a:spcBef>
-              <a:spcAft>
-                <a:spcPct val="0"/>
-              </a:spcAft>
-              <a:buClrTx/>
-              <a:buSzTx/>
-              <a:buFontTx/>
-              <a:buNone/>
-              <a:tabLst/>
-              <a:defRPr/>
-            </a:pPr>
-            <a:r>
-              <a:rPr lang="en-US" dirty="0"/>
-              <a:t>Limited disk use, hence read-only code</a:t>
-            </a:r>
-          </a:p>
-          <a:p>
             <a:pPr eaLnBrk="1" hangingPunct="1"/>
             <a:r>
               <a:rPr lang="en-US" dirty="0">
                 <a:ea typeface="ＭＳ Ｐゴシック" pitchFamily="-110" charset="-128"/>
                 <a:cs typeface="ＭＳ Ｐゴシック" pitchFamily="-110" charset="-128"/>
               </a:rPr>
-              <a:t>A bastion host is a system identified by the firewall administrator as a critical strong</a:t>
+              <a:t>A personal firewall controls the traffic between a personal computer or workstation</a:t>
             </a:r>
           </a:p>
           <a:p>
@@ -5628,7 +5804,7 @@
                 <a:ea typeface="ＭＳ Ｐゴシック" pitchFamily="-110" charset="-128"/>
                 <a:cs typeface="ＭＳ Ｐゴシック" pitchFamily="-110" charset="-128"/>
               </a:rPr>
-              <a:t>point in the network’s security. Typically, the bastion host serves as a platform for</a:t>
+              <a:t>on one side and the Internet or enterprise network on the other side. Personal firewall</a:t>
             </a:r>
           </a:p>
           <a:p>
@@ -5638,7 +5814,7 @@
                 <a:ea typeface="ＭＳ Ｐゴシック" pitchFamily="-110" charset="-128"/>
                 <a:cs typeface="ＭＳ Ｐゴシック" pitchFamily="-110" charset="-128"/>
               </a:rPr>
-              <a:t>an application-level or circuit-level gateway. Common characteristics of a bastion</a:t>
+              <a:t>functionality can be used in the home environment and on corporate intranets.</a:t>
             </a:r>
           </a:p>
           <a:p>
@@ -5648,7 +5824,37 @@
                 <a:ea typeface="ＭＳ Ｐゴシック" pitchFamily="-110" charset="-128"/>
                 <a:cs typeface="ＭＳ Ｐゴシック" pitchFamily="-110" charset="-128"/>
               </a:rPr>
-              <a:t>host are as follows:</a:t>
+              <a:t>Typically, the personal firewall is a software module on the personal computer. In</a:t>
+            </a:r>
+          </a:p>
+          <a:p>
+            <a:pPr eaLnBrk="1" hangingPunct="1"/>
+            <a:r>
+              <a:rPr lang="en-US" dirty="0">
+                <a:ea typeface="ＭＳ Ｐゴシック" pitchFamily="-110" charset="-128"/>
+                <a:cs typeface="ＭＳ Ｐゴシック" pitchFamily="-110" charset="-128"/>
+              </a:rPr>
+              <a:t>a home environment with multiple computers connected to the Internet, firewall</a:t>
+            </a:r>
+          </a:p>
+          <a:p>
+            <a:pPr eaLnBrk="1" hangingPunct="1"/>
+            <a:r>
+              <a:rPr lang="en-US" dirty="0">
+                <a:ea typeface="ＭＳ Ｐゴシック" pitchFamily="-110" charset="-128"/>
+                <a:cs typeface="ＭＳ Ｐゴシック" pitchFamily="-110" charset="-128"/>
+              </a:rPr>
+              <a:t>functionality can also be housed in a router that connects all of the home computers</a:t>
+            </a:r>
+          </a:p>
+          <a:p>
+            <a:pPr eaLnBrk="1" hangingPunct="1"/>
+            <a:r>
+              <a:rPr lang="en-US" dirty="0">
+                <a:ea typeface="ＭＳ Ｐゴシック" pitchFamily="-110" charset="-128"/>
+                <a:cs typeface="ＭＳ Ｐゴシック" pitchFamily="-110" charset="-128"/>
+              </a:rPr>
+              <a:t>to a DSL, cable modem, or other Internet interface.</a:t>
             </a:r>
           </a:p>
           <a:p>
@@ -5665,7 +5871,7 @@
                 <a:ea typeface="ＭＳ Ｐゴシック" pitchFamily="-110" charset="-128"/>
                 <a:cs typeface="ＭＳ Ｐゴシック" pitchFamily="-110" charset="-128"/>
               </a:rPr>
-              <a:t>• The bastion host hardware platform executes a secure version of its operating</a:t>
+              <a:t>Personal firewalls are typically much less complex than either server-based</a:t>
             </a:r>
           </a:p>
           <a:p>
@@ -5675,7 +5881,27 @@
                 <a:ea typeface="ＭＳ Ｐゴシック" pitchFamily="-110" charset="-128"/>
                 <a:cs typeface="ＭＳ Ｐゴシック" pitchFamily="-110" charset="-128"/>
               </a:rPr>
-              <a:t>system, making it a hardened system.</a:t>
+              <a:t>firewalls or stand-alone firewalls. The primary role of the personal firewall is to</a:t>
+            </a:r>
+          </a:p>
+          <a:p>
+            <a:pPr eaLnBrk="1" hangingPunct="1"/>
+            <a:r>
+              <a:rPr lang="en-US" dirty="0">
+                <a:ea typeface="ＭＳ Ｐゴシック" pitchFamily="-110" charset="-128"/>
+                <a:cs typeface="ＭＳ Ｐゴシック" pitchFamily="-110" charset="-128"/>
+              </a:rPr>
+              <a:t>deny unauthorized remote access to the computer. The firewall can also monitor</a:t>
+            </a:r>
+          </a:p>
+          <a:p>
+            <a:pPr eaLnBrk="1" hangingPunct="1"/>
+            <a:r>
+              <a:rPr lang="en-US" dirty="0">
+                <a:ea typeface="ＭＳ Ｐゴシック" pitchFamily="-110" charset="-128"/>
+                <a:cs typeface="ＭＳ Ｐゴシック" pitchFamily="-110" charset="-128"/>
+              </a:rPr>
+              <a:t>outgoing activity in an attempt to detect and block worms and other malware.</a:t>
             </a:r>
           </a:p>
           <a:p>
@@ -5686,37 +5912,117 @@
             </a:endParaRPr>
           </a:p>
           <a:p>
-            <a:pPr eaLnBrk="1" hangingPunct="1"/>
-            <a:r>
-              <a:rPr lang="en-US" dirty="0">
-                <a:ea typeface="ＭＳ Ｐゴシック" pitchFamily="-110" charset="-128"/>
-                <a:cs typeface="ＭＳ Ｐゴシック" pitchFamily="-110" charset="-128"/>
-              </a:rPr>
-              <a:t>• Only the services that the network administrator considers essential are</a:t>
-            </a:r>
-          </a:p>
-          <a:p>
-            <a:pPr eaLnBrk="1" hangingPunct="1"/>
-            <a:r>
-              <a:rPr lang="en-US" dirty="0">
-                <a:ea typeface="ＭＳ Ｐゴシック" pitchFamily="-110" charset="-128"/>
-                <a:cs typeface="ＭＳ Ｐゴシック" pitchFamily="-110" charset="-128"/>
-              </a:rPr>
-              <a:t>installed on the bastion host. These could include proxy applications for DNS,</a:t>
-            </a:r>
-          </a:p>
-          <a:p>
-            <a:pPr eaLnBrk="1" hangingPunct="1"/>
-            <a:r>
-              <a:rPr lang="en-US" dirty="0">
-                <a:ea typeface="ＭＳ Ｐゴシック" pitchFamily="-110" charset="-128"/>
-                <a:cs typeface="ＭＳ Ｐゴシック" pitchFamily="-110" charset="-128"/>
-              </a:rPr>
-              <a:t>FTP, HTTP, and SMTP.</a:t>
-            </a:r>
-          </a:p>
-          <a:p>
-            <a:pPr eaLnBrk="1" hangingPunct="1"/>
+            <a:r>
+              <a:rPr lang="en-US" sz="1200" b="0" i="0" u="none" strike="noStrike" kern="1200" baseline="0" dirty="0">
+                <a:solidFill>
+                  <a:schemeClr val="tx1"/>
+                </a:solidFill>
+                <a:latin typeface="Arial" pitchFamily="-110" charset="0"/>
+                <a:ea typeface="ＭＳ Ｐゴシック" pitchFamily="-1" charset="-128"/>
+                <a:cs typeface="ＭＳ Ｐゴシック" pitchFamily="-1" charset="-128"/>
+              </a:rPr>
+              <a:t> Personal firewall capabilities are provided by the </a:t>
+            </a:r>
+            <a:r>
+              <a:rPr lang="en-US" sz="1200" b="0" i="0" u="none" strike="noStrike" kern="1200" baseline="0" dirty="0" err="1">
+                <a:solidFill>
+                  <a:schemeClr val="tx1"/>
+                </a:solidFill>
+                <a:latin typeface="Arial" pitchFamily="-110" charset="0"/>
+                <a:ea typeface="ＭＳ Ｐゴシック" pitchFamily="-1" charset="-128"/>
+                <a:cs typeface="ＭＳ Ｐゴシック" pitchFamily="-1" charset="-128"/>
+              </a:rPr>
+              <a:t>netfilter</a:t>
+            </a:r>
+            <a:r>
+              <a:rPr lang="en-US" sz="1200" b="0" i="0" u="none" strike="noStrike" kern="1200" baseline="0" dirty="0">
+                <a:solidFill>
+                  <a:schemeClr val="tx1"/>
+                </a:solidFill>
+                <a:latin typeface="Arial" pitchFamily="-110" charset="0"/>
+                <a:ea typeface="ＭＳ Ｐゴシック" pitchFamily="-1" charset="-128"/>
+                <a:cs typeface="ＭＳ Ｐゴシック" pitchFamily="-1" charset="-128"/>
+              </a:rPr>
+              <a:t>  package on Linux</a:t>
+            </a:r>
+          </a:p>
+          <a:p>
+            <a:r>
+              <a:rPr lang="en-US" sz="1200" b="0" i="0" u="none" strike="noStrike" kern="1200" baseline="0" dirty="0">
+                <a:solidFill>
+                  <a:schemeClr val="tx1"/>
+                </a:solidFill>
+                <a:latin typeface="Arial" pitchFamily="-110" charset="0"/>
+                <a:ea typeface="ＭＳ Ｐゴシック" pitchFamily="-1" charset="-128"/>
+                <a:cs typeface="ＭＳ Ｐゴシック" pitchFamily="-1" charset="-128"/>
+              </a:rPr>
+              <a:t>systems, or the pf  package on BSD and Mac OS X systems. These packages may be</a:t>
+            </a:r>
+          </a:p>
+          <a:p>
+            <a:r>
+              <a:rPr lang="en-US" sz="1200" b="0" i="0" u="none" strike="noStrike" kern="1200" baseline="0" dirty="0">
+                <a:solidFill>
+                  <a:schemeClr val="tx1"/>
+                </a:solidFill>
+                <a:latin typeface="Arial" pitchFamily="-110" charset="0"/>
+                <a:ea typeface="ＭＳ Ｐゴシック" pitchFamily="-1" charset="-128"/>
+                <a:cs typeface="ＭＳ Ｐゴシック" pitchFamily="-1" charset="-128"/>
+              </a:rPr>
+              <a:t>configured on the command-line, or with a GUI front-end. When such a personal</a:t>
+            </a:r>
+          </a:p>
+          <a:p>
+            <a:r>
+              <a:rPr lang="en-US" sz="1200" b="0" i="0" u="none" strike="noStrike" kern="1200" baseline="0" dirty="0">
+                <a:solidFill>
+                  <a:schemeClr val="tx1"/>
+                </a:solidFill>
+                <a:latin typeface="Arial" pitchFamily="-110" charset="0"/>
+                <a:ea typeface="ＭＳ Ｐゴシック" pitchFamily="-1" charset="-128"/>
+                <a:cs typeface="ＭＳ Ｐゴシック" pitchFamily="-1" charset="-128"/>
+              </a:rPr>
+              <a:t>firewall is enabled, all inbound connections are usually denied except for those</a:t>
+            </a:r>
+          </a:p>
+          <a:p>
+            <a:r>
+              <a:rPr lang="en-US" sz="1200" b="0" i="0" u="none" strike="noStrike" kern="1200" baseline="0" dirty="0">
+                <a:solidFill>
+                  <a:schemeClr val="tx1"/>
+                </a:solidFill>
+                <a:latin typeface="Arial" pitchFamily="-110" charset="0"/>
+                <a:ea typeface="ＭＳ Ｐゴシック" pitchFamily="-1" charset="-128"/>
+                <a:cs typeface="ＭＳ Ｐゴシック" pitchFamily="-1" charset="-128"/>
+              </a:rPr>
+              <a:t>the user explicitly permits. Outbound connections are usually allowed. The list of</a:t>
+            </a:r>
+          </a:p>
+          <a:p>
+            <a:r>
+              <a:rPr lang="en-US" sz="1200" b="0" i="0" u="none" strike="noStrike" kern="1200" baseline="0" dirty="0">
+                <a:solidFill>
+                  <a:schemeClr val="tx1"/>
+                </a:solidFill>
+                <a:latin typeface="Arial" pitchFamily="-110" charset="0"/>
+                <a:ea typeface="ＭＳ Ｐゴシック" pitchFamily="-1" charset="-128"/>
+                <a:cs typeface="ＭＳ Ｐゴシック" pitchFamily="-1" charset="-128"/>
+              </a:rPr>
+              <a:t>inbound services that can be selectively re-enabled, with their port numbers, may</a:t>
+            </a:r>
+          </a:p>
+          <a:p>
+            <a:r>
+              <a:rPr lang="en-US" sz="1200" b="0" i="0" u="none" strike="noStrike" kern="1200" baseline="0" dirty="0">
+                <a:solidFill>
+                  <a:schemeClr val="tx1"/>
+                </a:solidFill>
+                <a:latin typeface="Arial" pitchFamily="-110" charset="0"/>
+                <a:ea typeface="ＭＳ Ｐゴシック" pitchFamily="-1" charset="-128"/>
+                <a:cs typeface="ＭＳ Ｐゴシック" pitchFamily="-1" charset="-128"/>
+              </a:rPr>
+              <a:t>include the following common services:</a:t>
+            </a:r>
             <a:endParaRPr lang="en-US" dirty="0">
               <a:ea typeface="ＭＳ Ｐゴシック" pitchFamily="-110" charset="-128"/>
               <a:cs typeface="ＭＳ Ｐゴシック" pitchFamily="-110" charset="-128"/>
@@ -5729,27 +6035,7 @@
                 <a:ea typeface="ＭＳ Ｐゴシック" pitchFamily="-110" charset="-128"/>
                 <a:cs typeface="ＭＳ Ｐゴシック" pitchFamily="-110" charset="-128"/>
               </a:rPr>
-              <a:t>• The bastion host may require additional authentication before a user is allowed</a:t>
-            </a:r>
-          </a:p>
-          <a:p>
-            <a:pPr eaLnBrk="1" hangingPunct="1"/>
-            <a:r>
-              <a:rPr lang="en-US" dirty="0">
-                <a:ea typeface="ＭＳ Ｐゴシック" pitchFamily="-110" charset="-128"/>
-                <a:cs typeface="ＭＳ Ｐゴシック" pitchFamily="-110" charset="-128"/>
-              </a:rPr>
-              <a:t>access to the proxy services. In addition, each proxy service may require its</a:t>
-            </a:r>
-          </a:p>
-          <a:p>
-            <a:pPr eaLnBrk="1" hangingPunct="1"/>
-            <a:r>
-              <a:rPr lang="en-US" dirty="0">
-                <a:ea typeface="ＭＳ Ｐゴシック" pitchFamily="-110" charset="-128"/>
-                <a:cs typeface="ＭＳ Ｐゴシック" pitchFamily="-110" charset="-128"/>
-              </a:rPr>
-              <a:t>own authentication before granting user access.</a:t>
+              <a:t>• Personal file sharing (548, 427)</a:t>
             </a:r>
           </a:p>
           <a:p>
@@ -5766,17 +6052,7 @@
                 <a:ea typeface="ＭＳ Ｐゴシック" pitchFamily="-110" charset="-128"/>
                 <a:cs typeface="ＭＳ Ｐゴシック" pitchFamily="-110" charset="-128"/>
               </a:rPr>
-              <a:t>• Each proxy is configured to support only a subset of the standard application’s</a:t>
-            </a:r>
-          </a:p>
-          <a:p>
-            <a:pPr eaLnBrk="1" hangingPunct="1"/>
-            <a:r>
-              <a:rPr lang="en-US" dirty="0">
-                <a:ea typeface="ＭＳ Ｐゴシック" pitchFamily="-110" charset="-128"/>
-                <a:cs typeface="ＭＳ Ｐゴシック" pitchFamily="-110" charset="-128"/>
-              </a:rPr>
-              <a:t>command set.</a:t>
+              <a:t>• Windows sharing (139)</a:t>
             </a:r>
           </a:p>
           <a:p>
@@ -5793,27 +6069,7 @@
                 <a:ea typeface="ＭＳ Ｐゴシック" pitchFamily="-110" charset="-128"/>
                 <a:cs typeface="ＭＳ Ｐゴシック" pitchFamily="-110" charset="-128"/>
               </a:rPr>
-              <a:t>• Each proxy is configured to allow access only to specific host systems. This</a:t>
-            </a:r>
-          </a:p>
-          <a:p>
-            <a:pPr eaLnBrk="1" hangingPunct="1"/>
-            <a:r>
-              <a:rPr lang="en-US" dirty="0">
-                <a:ea typeface="ＭＳ Ｐゴシック" pitchFamily="-110" charset="-128"/>
-                <a:cs typeface="ＭＳ Ｐゴシック" pitchFamily="-110" charset="-128"/>
-              </a:rPr>
-              <a:t>means that the limited command/feature set may be applied only to a subset</a:t>
-            </a:r>
-          </a:p>
-          <a:p>
-            <a:pPr eaLnBrk="1" hangingPunct="1"/>
-            <a:r>
-              <a:rPr lang="en-US" dirty="0">
-                <a:ea typeface="ＭＳ Ｐゴシック" pitchFamily="-110" charset="-128"/>
-                <a:cs typeface="ＭＳ Ｐゴシック" pitchFamily="-110" charset="-128"/>
-              </a:rPr>
-              <a:t>of systems on the protected network.</a:t>
+              <a:t>• Personal Web sharing (80, 427)</a:t>
             </a:r>
           </a:p>
           <a:p>
@@ -5830,27 +6086,7 @@
                 <a:ea typeface="ＭＳ Ｐゴシック" pitchFamily="-110" charset="-128"/>
                 <a:cs typeface="ＭＳ Ｐゴシック" pitchFamily="-110" charset="-128"/>
               </a:rPr>
-              <a:t>• Each proxy maintains detailed audit information by logging all traffic, each</a:t>
-            </a:r>
-          </a:p>
-          <a:p>
-            <a:pPr eaLnBrk="1" hangingPunct="1"/>
-            <a:r>
-              <a:rPr lang="en-US" dirty="0">
-                <a:ea typeface="ＭＳ Ｐゴシック" pitchFamily="-110" charset="-128"/>
-                <a:cs typeface="ＭＳ Ｐゴシック" pitchFamily="-110" charset="-128"/>
-              </a:rPr>
-              <a:t>connection, and the duration of each connection. The audit log is an essential</a:t>
-            </a:r>
-          </a:p>
-          <a:p>
-            <a:pPr eaLnBrk="1" hangingPunct="1"/>
-            <a:r>
-              <a:rPr lang="en-US" dirty="0">
-                <a:ea typeface="ＭＳ Ｐゴシック" pitchFamily="-110" charset="-128"/>
-                <a:cs typeface="ＭＳ Ｐゴシック" pitchFamily="-110" charset="-128"/>
-              </a:rPr>
-              <a:t>tool for discovering and terminating intruder attacks.</a:t>
+              <a:t>• Remote login—SSH (22)</a:t>
             </a:r>
           </a:p>
           <a:p>
@@ -5867,37 +6103,7 @@
                 <a:ea typeface="ＭＳ Ｐゴシック" pitchFamily="-110" charset="-128"/>
                 <a:cs typeface="ＭＳ Ｐゴシック" pitchFamily="-110" charset="-128"/>
               </a:rPr>
-              <a:t>• Each proxy module is a very small software package specifically designed for network</a:t>
-            </a:r>
-          </a:p>
-          <a:p>
-            <a:pPr eaLnBrk="1" hangingPunct="1"/>
-            <a:r>
-              <a:rPr lang="en-US" dirty="0">
-                <a:ea typeface="ＭＳ Ｐゴシック" pitchFamily="-110" charset="-128"/>
-                <a:cs typeface="ＭＳ Ｐゴシック" pitchFamily="-110" charset="-128"/>
-              </a:rPr>
-              <a:t>security. Because of its relative simplicity, it is easier to check such modules</a:t>
-            </a:r>
-          </a:p>
-          <a:p>
-            <a:pPr eaLnBrk="1" hangingPunct="1"/>
-            <a:r>
-              <a:rPr lang="en-US" dirty="0">
-                <a:ea typeface="ＭＳ Ｐゴシック" pitchFamily="-110" charset="-128"/>
-                <a:cs typeface="ＭＳ Ｐゴシック" pitchFamily="-110" charset="-128"/>
-              </a:rPr>
-              <a:t>for security flaws. For example, a typical UNIX mail application may contain</a:t>
-            </a:r>
-          </a:p>
-          <a:p>
-            <a:pPr eaLnBrk="1" hangingPunct="1"/>
-            <a:r>
-              <a:rPr lang="en-US" dirty="0">
-                <a:ea typeface="ＭＳ Ｐゴシック" pitchFamily="-110" charset="-128"/>
-                <a:cs typeface="ＭＳ Ｐゴシック" pitchFamily="-110" charset="-128"/>
-              </a:rPr>
-              <a:t>over 20,000 lines of code, while a mail proxy may contain fewer than 1000.</a:t>
+              <a:t>• FTP access (20-21, 1024-65535 from 20-21)</a:t>
             </a:r>
           </a:p>
           <a:p>
@@ -5914,47 +6120,7 @@
                 <a:ea typeface="ＭＳ Ｐゴシック" pitchFamily="-110" charset="-128"/>
                 <a:cs typeface="ＭＳ Ｐゴシック" pitchFamily="-110" charset="-128"/>
               </a:rPr>
-              <a:t>• Each proxy is independent of other proxies on the bastion host. If there is a</a:t>
-            </a:r>
-          </a:p>
-          <a:p>
-            <a:pPr eaLnBrk="1" hangingPunct="1"/>
-            <a:r>
-              <a:rPr lang="en-US" dirty="0">
-                <a:ea typeface="ＭＳ Ｐゴシック" pitchFamily="-110" charset="-128"/>
-                <a:cs typeface="ＭＳ Ｐゴシック" pitchFamily="-110" charset="-128"/>
-              </a:rPr>
-              <a:t>problem with the operation of any proxy, or if a future vulnerability is discovered,</a:t>
-            </a:r>
-          </a:p>
-          <a:p>
-            <a:pPr eaLnBrk="1" hangingPunct="1"/>
-            <a:r>
-              <a:rPr lang="en-US" dirty="0">
-                <a:ea typeface="ＭＳ Ｐゴシック" pitchFamily="-110" charset="-128"/>
-                <a:cs typeface="ＭＳ Ｐゴシック" pitchFamily="-110" charset="-128"/>
-              </a:rPr>
-              <a:t>it can be uninstalled without affecting the operation of the other proxy</a:t>
-            </a:r>
-          </a:p>
-          <a:p>
-            <a:pPr eaLnBrk="1" hangingPunct="1"/>
-            <a:r>
-              <a:rPr lang="en-US" dirty="0">
-                <a:ea typeface="ＭＳ Ｐゴシック" pitchFamily="-110" charset="-128"/>
-                <a:cs typeface="ＭＳ Ｐゴシック" pitchFamily="-110" charset="-128"/>
-              </a:rPr>
-              <a:t>applications. Also, if the user population requires support for a new service, the</a:t>
-            </a:r>
-          </a:p>
-          <a:p>
-            <a:pPr eaLnBrk="1" hangingPunct="1"/>
-            <a:r>
-              <a:rPr lang="en-US" dirty="0">
-                <a:ea typeface="ＭＳ Ｐゴシック" pitchFamily="-110" charset="-128"/>
-                <a:cs typeface="ＭＳ Ｐゴシック" pitchFamily="-110" charset="-128"/>
-              </a:rPr>
-              <a:t>network administrator can easily install the required proxy on the bastion host.</a:t>
+              <a:t>• Remote Apple events (3031)</a:t>
             </a:r>
           </a:p>
           <a:p>
@@ -5971,37 +6137,7 @@
                 <a:ea typeface="ＭＳ Ｐゴシック" pitchFamily="-110" charset="-128"/>
                 <a:cs typeface="ＭＳ Ｐゴシック" pitchFamily="-110" charset="-128"/>
               </a:rPr>
-              <a:t>• A proxy generally performs no disk access other than to read its initial configuration</a:t>
-            </a:r>
-          </a:p>
-          <a:p>
-            <a:pPr eaLnBrk="1" hangingPunct="1"/>
-            <a:r>
-              <a:rPr lang="en-US" dirty="0">
-                <a:ea typeface="ＭＳ Ｐゴシック" pitchFamily="-110" charset="-128"/>
-                <a:cs typeface="ＭＳ Ｐゴシック" pitchFamily="-110" charset="-128"/>
-              </a:rPr>
-              <a:t>file. Hence, the portions of the file system containing executable code</a:t>
-            </a:r>
-          </a:p>
-          <a:p>
-            <a:pPr eaLnBrk="1" hangingPunct="1"/>
-            <a:r>
-              <a:rPr lang="en-US" dirty="0">
-                <a:ea typeface="ＭＳ Ｐゴシック" pitchFamily="-110" charset="-128"/>
-                <a:cs typeface="ＭＳ Ｐゴシック" pitchFamily="-110" charset="-128"/>
-              </a:rPr>
-              <a:t>can be made read only. This makes it difficult for an intruder to install Trojan</a:t>
-            </a:r>
-          </a:p>
-          <a:p>
-            <a:pPr eaLnBrk="1" hangingPunct="1"/>
-            <a:r>
-              <a:rPr lang="en-US" dirty="0">
-                <a:ea typeface="ＭＳ Ｐゴシック" pitchFamily="-110" charset="-128"/>
-                <a:cs typeface="ＭＳ Ｐゴシック" pitchFamily="-110" charset="-128"/>
-              </a:rPr>
-              <a:t>horse sniffers or other dangerous files on the bastion host.</a:t>
+              <a:t>• Printer sharing (631, 515)</a:t>
             </a:r>
           </a:p>
           <a:p>
@@ -6018,20 +6154,414 @@
                 <a:ea typeface="ＭＳ Ｐゴシック" pitchFamily="-110" charset="-128"/>
                 <a:cs typeface="ＭＳ Ｐゴシック" pitchFamily="-110" charset="-128"/>
               </a:rPr>
-              <a:t>• Each proxy runs as a non-privileged user in a private and secured directory on</a:t>
-            </a:r>
-          </a:p>
-          <a:p>
-            <a:pPr eaLnBrk="1" hangingPunct="1"/>
+              <a:t>• </a:t>
+            </a:r>
+            <a:r>
+              <a:rPr lang="en-US" dirty="0" err="1">
+                <a:ea typeface="ＭＳ Ｐゴシック" pitchFamily="-110" charset="-128"/>
+                <a:cs typeface="ＭＳ Ｐゴシック" pitchFamily="-110" charset="-128"/>
+              </a:rPr>
+              <a:t>IChat</a:t>
+            </a:r>
             <a:r>
               <a:rPr lang="en-US" dirty="0">
                 <a:ea typeface="ＭＳ Ｐゴシック" pitchFamily="-110" charset="-128"/>
                 <a:cs typeface="ＭＳ Ｐゴシック" pitchFamily="-110" charset="-128"/>
               </a:rPr>
-              <a:t>the bastion host.</a:t>
-            </a:r>
+              <a:t> Rendezvous (5297, 5298)</a:t>
+            </a:r>
+          </a:p>
+          <a:p>
+            <a:pPr eaLnBrk="1" hangingPunct="1"/>
             <a:endParaRPr lang="en-US" dirty="0">
-              <a:latin typeface="Times New Roman" pitchFamily="-110" charset="0"/>
+              <a:ea typeface="ＭＳ Ｐゴシック" pitchFamily="-110" charset="-128"/>
+              <a:cs typeface="ＭＳ Ｐゴシック" pitchFamily="-110" charset="-128"/>
+            </a:endParaRPr>
+          </a:p>
+          <a:p>
+            <a:pPr eaLnBrk="1" hangingPunct="1"/>
+            <a:r>
+              <a:rPr lang="en-US" dirty="0">
+                <a:ea typeface="ＭＳ Ｐゴシック" pitchFamily="-110" charset="-128"/>
+                <a:cs typeface="ＭＳ Ｐゴシック" pitchFamily="-110" charset="-128"/>
+              </a:rPr>
+              <a:t>• </a:t>
+            </a:r>
+            <a:r>
+              <a:rPr lang="en-US" dirty="0" err="1">
+                <a:ea typeface="ＭＳ Ｐゴシック" pitchFamily="-110" charset="-128"/>
+                <a:cs typeface="ＭＳ Ｐゴシック" pitchFamily="-110" charset="-128"/>
+              </a:rPr>
+              <a:t>ITunes</a:t>
+            </a:r>
+            <a:r>
+              <a:rPr lang="en-US" dirty="0">
+                <a:ea typeface="ＭＳ Ｐゴシック" pitchFamily="-110" charset="-128"/>
+                <a:cs typeface="ＭＳ Ｐゴシック" pitchFamily="-110" charset="-128"/>
+              </a:rPr>
+              <a:t> Music Sharing (3869)</a:t>
+            </a:r>
+          </a:p>
+          <a:p>
+            <a:pPr eaLnBrk="1" hangingPunct="1"/>
+            <a:endParaRPr lang="en-US" dirty="0">
+              <a:ea typeface="ＭＳ Ｐゴシック" pitchFamily="-110" charset="-128"/>
+              <a:cs typeface="ＭＳ Ｐゴシック" pitchFamily="-110" charset="-128"/>
+            </a:endParaRPr>
+          </a:p>
+          <a:p>
+            <a:pPr eaLnBrk="1" hangingPunct="1"/>
+            <a:r>
+              <a:rPr lang="en-US" dirty="0">
+                <a:ea typeface="ＭＳ Ｐゴシック" pitchFamily="-110" charset="-128"/>
+                <a:cs typeface="ＭＳ Ｐゴシック" pitchFamily="-110" charset="-128"/>
+              </a:rPr>
+              <a:t>CVS (2401)</a:t>
+            </a:r>
+          </a:p>
+          <a:p>
+            <a:pPr eaLnBrk="1" hangingPunct="1"/>
+            <a:endParaRPr lang="en-US" dirty="0">
+              <a:ea typeface="ＭＳ Ｐゴシック" pitchFamily="-110" charset="-128"/>
+              <a:cs typeface="ＭＳ Ｐゴシック" pitchFamily="-110" charset="-128"/>
+            </a:endParaRPr>
+          </a:p>
+          <a:p>
+            <a:pPr eaLnBrk="1" hangingPunct="1"/>
+            <a:r>
+              <a:rPr lang="en-US" dirty="0">
+                <a:ea typeface="ＭＳ Ｐゴシック" pitchFamily="-110" charset="-128"/>
+                <a:cs typeface="ＭＳ Ｐゴシック" pitchFamily="-110" charset="-128"/>
+              </a:rPr>
+              <a:t>• Gnutella/</a:t>
+            </a:r>
+            <a:r>
+              <a:rPr lang="en-US" dirty="0" err="1">
+                <a:ea typeface="ＭＳ Ｐゴシック" pitchFamily="-110" charset="-128"/>
+                <a:cs typeface="ＭＳ Ｐゴシック" pitchFamily="-110" charset="-128"/>
+              </a:rPr>
+              <a:t>Limewire</a:t>
+            </a:r>
+            <a:r>
+              <a:rPr lang="en-US" dirty="0">
+                <a:ea typeface="ＭＳ Ｐゴシック" pitchFamily="-110" charset="-128"/>
+                <a:cs typeface="ＭＳ Ｐゴシック" pitchFamily="-110" charset="-128"/>
+              </a:rPr>
+              <a:t> (6346)</a:t>
+            </a:r>
+          </a:p>
+          <a:p>
+            <a:pPr eaLnBrk="1" hangingPunct="1"/>
+            <a:endParaRPr lang="en-US" dirty="0">
+              <a:ea typeface="ＭＳ Ｐゴシック" pitchFamily="-110" charset="-128"/>
+              <a:cs typeface="ＭＳ Ｐゴシック" pitchFamily="-110" charset="-128"/>
+            </a:endParaRPr>
+          </a:p>
+          <a:p>
+            <a:pPr eaLnBrk="1" hangingPunct="1"/>
+            <a:r>
+              <a:rPr lang="en-US" dirty="0">
+                <a:ea typeface="ＭＳ Ｐゴシック" pitchFamily="-110" charset="-128"/>
+                <a:cs typeface="ＭＳ Ｐゴシック" pitchFamily="-110" charset="-128"/>
+              </a:rPr>
+              <a:t>• ICQ (4000)</a:t>
+            </a:r>
+          </a:p>
+          <a:p>
+            <a:pPr eaLnBrk="1" hangingPunct="1"/>
+            <a:endParaRPr lang="en-US" dirty="0">
+              <a:ea typeface="ＭＳ Ｐゴシック" pitchFamily="-110" charset="-128"/>
+              <a:cs typeface="ＭＳ Ｐゴシック" pitchFamily="-110" charset="-128"/>
+            </a:endParaRPr>
+          </a:p>
+          <a:p>
+            <a:pPr eaLnBrk="1" hangingPunct="1"/>
+            <a:r>
+              <a:rPr lang="en-US" dirty="0">
+                <a:ea typeface="ＭＳ Ｐゴシック" pitchFamily="-110" charset="-128"/>
+                <a:cs typeface="ＭＳ Ｐゴシック" pitchFamily="-110" charset="-128"/>
+              </a:rPr>
+              <a:t>• IRC (194)</a:t>
+            </a:r>
+          </a:p>
+          <a:p>
+            <a:pPr eaLnBrk="1" hangingPunct="1"/>
+            <a:endParaRPr lang="en-US" dirty="0">
+              <a:ea typeface="ＭＳ Ｐゴシック" pitchFamily="-110" charset="-128"/>
+              <a:cs typeface="ＭＳ Ｐゴシック" pitchFamily="-110" charset="-128"/>
+            </a:endParaRPr>
+          </a:p>
+          <a:p>
+            <a:pPr eaLnBrk="1" hangingPunct="1"/>
+            <a:r>
+              <a:rPr lang="en-US" dirty="0">
+                <a:ea typeface="ＭＳ Ｐゴシック" pitchFamily="-110" charset="-128"/>
+                <a:cs typeface="ＭＳ Ｐゴシック" pitchFamily="-110" charset="-128"/>
+              </a:rPr>
+              <a:t>• MSN Messenger (6891-6900)</a:t>
+            </a:r>
+          </a:p>
+          <a:p>
+            <a:pPr eaLnBrk="1" hangingPunct="1"/>
+            <a:endParaRPr lang="en-US" dirty="0">
+              <a:ea typeface="ＭＳ Ｐゴシック" pitchFamily="-110" charset="-128"/>
+              <a:cs typeface="ＭＳ Ｐゴシック" pitchFamily="-110" charset="-128"/>
+            </a:endParaRPr>
+          </a:p>
+          <a:p>
+            <a:pPr eaLnBrk="1" hangingPunct="1"/>
+            <a:r>
+              <a:rPr lang="en-US" dirty="0">
+                <a:ea typeface="ＭＳ Ｐゴシック" pitchFamily="-110" charset="-128"/>
+                <a:cs typeface="ＭＳ Ｐゴシック" pitchFamily="-110" charset="-128"/>
+              </a:rPr>
+              <a:t>• Network Time (123)</a:t>
+            </a:r>
+          </a:p>
+          <a:p>
+            <a:pPr eaLnBrk="1" hangingPunct="1"/>
+            <a:endParaRPr lang="en-US" dirty="0">
+              <a:ea typeface="ＭＳ Ｐゴシック" pitchFamily="-110" charset="-128"/>
+              <a:cs typeface="ＭＳ Ｐゴシック" pitchFamily="-110" charset="-128"/>
+            </a:endParaRPr>
+          </a:p>
+          <a:p>
+            <a:pPr eaLnBrk="1" hangingPunct="1"/>
+            <a:r>
+              <a:rPr lang="en-US" dirty="0">
+                <a:ea typeface="ＭＳ Ｐゴシック" pitchFamily="-110" charset="-128"/>
+                <a:cs typeface="ＭＳ Ｐゴシック" pitchFamily="-110" charset="-128"/>
+              </a:rPr>
+              <a:t>• Retrospect (497)</a:t>
+            </a:r>
+          </a:p>
+          <a:p>
+            <a:pPr eaLnBrk="1" hangingPunct="1"/>
+            <a:endParaRPr lang="en-US" dirty="0">
+              <a:ea typeface="ＭＳ Ｐゴシック" pitchFamily="-110" charset="-128"/>
+              <a:cs typeface="ＭＳ Ｐゴシック" pitchFamily="-110" charset="-128"/>
+            </a:endParaRPr>
+          </a:p>
+          <a:p>
+            <a:pPr eaLnBrk="1" hangingPunct="1"/>
+            <a:r>
+              <a:rPr lang="en-US" dirty="0">
+                <a:ea typeface="ＭＳ Ｐゴシック" pitchFamily="-110" charset="-128"/>
+                <a:cs typeface="ＭＳ Ｐゴシック" pitchFamily="-110" charset="-128"/>
+              </a:rPr>
+              <a:t>• SMB (without </a:t>
+            </a:r>
+            <a:r>
+              <a:rPr lang="en-US" dirty="0" err="1">
+                <a:ea typeface="ＭＳ Ｐゴシック" pitchFamily="-110" charset="-128"/>
+                <a:cs typeface="ＭＳ Ｐゴシック" pitchFamily="-110" charset="-128"/>
+              </a:rPr>
+              <a:t>netbios</a:t>
+            </a:r>
+            <a:r>
+              <a:rPr lang="en-US" dirty="0">
+                <a:ea typeface="ＭＳ Ｐゴシック" pitchFamily="-110" charset="-128"/>
+                <a:cs typeface="ＭＳ Ｐゴシック" pitchFamily="-110" charset="-128"/>
+              </a:rPr>
+              <a:t>–445)</a:t>
+            </a:r>
+          </a:p>
+          <a:p>
+            <a:pPr eaLnBrk="1" hangingPunct="1"/>
+            <a:endParaRPr lang="en-US" dirty="0">
+              <a:ea typeface="ＭＳ Ｐゴシック" pitchFamily="-110" charset="-128"/>
+              <a:cs typeface="ＭＳ Ｐゴシック" pitchFamily="-110" charset="-128"/>
+            </a:endParaRPr>
+          </a:p>
+          <a:p>
+            <a:pPr eaLnBrk="1" hangingPunct="1"/>
+            <a:r>
+              <a:rPr lang="en-US" dirty="0">
+                <a:ea typeface="ＭＳ Ｐゴシック" pitchFamily="-110" charset="-128"/>
+                <a:cs typeface="ＭＳ Ｐゴシック" pitchFamily="-110" charset="-128"/>
+              </a:rPr>
+              <a:t>• VNC (5900-5902)</a:t>
+            </a:r>
+          </a:p>
+          <a:p>
+            <a:pPr eaLnBrk="1" hangingPunct="1"/>
+            <a:endParaRPr lang="en-US" dirty="0">
+              <a:ea typeface="ＭＳ Ｐゴシック" pitchFamily="-110" charset="-128"/>
+              <a:cs typeface="ＭＳ Ｐゴシック" pitchFamily="-110" charset="-128"/>
+            </a:endParaRPr>
+          </a:p>
+          <a:p>
+            <a:pPr eaLnBrk="1" hangingPunct="1"/>
+            <a:r>
+              <a:rPr lang="en-US" dirty="0">
+                <a:ea typeface="ＭＳ Ｐゴシック" pitchFamily="-110" charset="-128"/>
+                <a:cs typeface="ＭＳ Ｐゴシック" pitchFamily="-110" charset="-128"/>
+              </a:rPr>
+              <a:t>• </a:t>
+            </a:r>
+            <a:r>
+              <a:rPr lang="en-US" dirty="0" err="1">
+                <a:ea typeface="ＭＳ Ｐゴシック" pitchFamily="-110" charset="-128"/>
+                <a:cs typeface="ＭＳ Ｐゴシック" pitchFamily="-110" charset="-128"/>
+              </a:rPr>
+              <a:t>WebSTAR</a:t>
+            </a:r>
+            <a:r>
+              <a:rPr lang="en-US" dirty="0">
+                <a:ea typeface="ＭＳ Ｐゴシック" pitchFamily="-110" charset="-128"/>
+                <a:cs typeface="ＭＳ Ｐゴシック" pitchFamily="-110" charset="-128"/>
+              </a:rPr>
+              <a:t> Admin (1080, 1443)</a:t>
+            </a:r>
+          </a:p>
+          <a:p>
+            <a:pPr eaLnBrk="1" hangingPunct="1"/>
+            <a:endParaRPr lang="en-US" dirty="0">
+              <a:ea typeface="ＭＳ Ｐゴシック" pitchFamily="-110" charset="-128"/>
+              <a:cs typeface="ＭＳ Ｐゴシック" pitchFamily="-110" charset="-128"/>
+            </a:endParaRPr>
+          </a:p>
+          <a:p>
+            <a:pPr eaLnBrk="1" hangingPunct="1"/>
+            <a:r>
+              <a:rPr lang="en-US" dirty="0">
+                <a:ea typeface="ＭＳ Ｐゴシック" pitchFamily="-110" charset="-128"/>
+                <a:cs typeface="ＭＳ Ｐゴシック" pitchFamily="-110" charset="-128"/>
+              </a:rPr>
+              <a:t>When FTP access is enabled, ports 20 and 21 on the local machine are opened</a:t>
+            </a:r>
+          </a:p>
+          <a:p>
+            <a:pPr eaLnBrk="1" hangingPunct="1"/>
+            <a:r>
+              <a:rPr lang="en-US" dirty="0">
+                <a:ea typeface="ＭＳ Ｐゴシック" pitchFamily="-110" charset="-128"/>
+                <a:cs typeface="ＭＳ Ｐゴシック" pitchFamily="-110" charset="-128"/>
+              </a:rPr>
+              <a:t>for FTP; if others connect to this computer from ports 20 or 21, the ports 1024</a:t>
+            </a:r>
+          </a:p>
+          <a:p>
+            <a:pPr eaLnBrk="1" hangingPunct="1"/>
+            <a:r>
+              <a:rPr lang="en-US" dirty="0">
+                <a:ea typeface="ＭＳ Ｐゴシック" pitchFamily="-110" charset="-128"/>
+                <a:cs typeface="ＭＳ Ｐゴシック" pitchFamily="-110" charset="-128"/>
+              </a:rPr>
+              <a:t>through 65535 are open.</a:t>
+            </a:r>
+          </a:p>
+          <a:p>
+            <a:pPr eaLnBrk="1" hangingPunct="1"/>
+            <a:endParaRPr lang="en-US" dirty="0">
+              <a:ea typeface="ＭＳ Ｐゴシック" pitchFamily="-110" charset="-128"/>
+              <a:cs typeface="ＭＳ Ｐゴシック" pitchFamily="-110" charset="-128"/>
+            </a:endParaRPr>
+          </a:p>
+          <a:p>
+            <a:r>
+              <a:rPr lang="en-US" sz="1200" b="0" i="0" u="none" strike="noStrike" kern="1200" baseline="0" dirty="0">
+                <a:solidFill>
+                  <a:schemeClr val="tx1"/>
+                </a:solidFill>
+                <a:latin typeface="Arial" pitchFamily="-110" charset="0"/>
+                <a:ea typeface="ＭＳ Ｐゴシック" pitchFamily="-1" charset="-128"/>
+                <a:cs typeface="ＭＳ Ｐゴシック" pitchFamily="-1" charset="-128"/>
+              </a:rPr>
+              <a:t> For increased protection, advanced firewall features may be configured. For</a:t>
+            </a:r>
+          </a:p>
+          <a:p>
+            <a:r>
+              <a:rPr lang="en-US" sz="1200" b="0" i="0" u="none" strike="noStrike" kern="1200" baseline="0" dirty="0">
+                <a:solidFill>
+                  <a:schemeClr val="tx1"/>
+                </a:solidFill>
+                <a:latin typeface="Arial" pitchFamily="-110" charset="0"/>
+                <a:ea typeface="ＭＳ Ｐゴシック" pitchFamily="-1" charset="-128"/>
+                <a:cs typeface="ＭＳ Ｐゴシック" pitchFamily="-1" charset="-128"/>
+              </a:rPr>
+              <a:t>example, stealth mode hides the system on the Internet by dropping unsolicited</a:t>
+            </a:r>
+          </a:p>
+          <a:p>
+            <a:r>
+              <a:rPr lang="en-US" sz="1200" b="0" i="0" u="none" strike="noStrike" kern="1200" baseline="0" dirty="0">
+                <a:solidFill>
+                  <a:schemeClr val="tx1"/>
+                </a:solidFill>
+                <a:latin typeface="Arial" pitchFamily="-110" charset="0"/>
+                <a:ea typeface="ＭＳ Ｐゴシック" pitchFamily="-1" charset="-128"/>
+                <a:cs typeface="ＭＳ Ｐゴシック" pitchFamily="-1" charset="-128"/>
+              </a:rPr>
+              <a:t>communication packets, making it appear as though the system is not present.</a:t>
+            </a:r>
+          </a:p>
+          <a:p>
+            <a:r>
+              <a:rPr lang="en-US" sz="1200" b="0" i="0" u="none" strike="noStrike" kern="1200" baseline="0" dirty="0">
+                <a:solidFill>
+                  <a:schemeClr val="tx1"/>
+                </a:solidFill>
+                <a:latin typeface="Arial" pitchFamily="-110" charset="0"/>
+                <a:ea typeface="ＭＳ Ｐゴシック" pitchFamily="-1" charset="-128"/>
+                <a:cs typeface="ＭＳ Ｐゴシック" pitchFamily="-1" charset="-128"/>
+              </a:rPr>
+              <a:t>UDP packets can be blocked, restricting network traffic to TCP packets only for</a:t>
+            </a:r>
+          </a:p>
+          <a:p>
+            <a:r>
+              <a:rPr lang="en-US" sz="1200" b="0" i="0" u="none" strike="noStrike" kern="1200" baseline="0" dirty="0">
+                <a:solidFill>
+                  <a:schemeClr val="tx1"/>
+                </a:solidFill>
+                <a:latin typeface="Arial" pitchFamily="-110" charset="0"/>
+                <a:ea typeface="ＭＳ Ｐゴシック" pitchFamily="-1" charset="-128"/>
+                <a:cs typeface="ＭＳ Ｐゴシック" pitchFamily="-1" charset="-128"/>
+              </a:rPr>
+              <a:t>open ports. The firewall also supports logging, an important tool for checking on</a:t>
+            </a:r>
+          </a:p>
+          <a:p>
+            <a:r>
+              <a:rPr lang="en-US" sz="1200" b="0" i="0" u="none" strike="noStrike" kern="1200" baseline="0" dirty="0">
+                <a:solidFill>
+                  <a:schemeClr val="tx1"/>
+                </a:solidFill>
+                <a:latin typeface="Arial" pitchFamily="-110" charset="0"/>
+                <a:ea typeface="ＭＳ Ｐゴシック" pitchFamily="-1" charset="-128"/>
+                <a:cs typeface="ＭＳ Ｐゴシック" pitchFamily="-1" charset="-128"/>
+              </a:rPr>
+              <a:t>unwanted activity. Other types of personal firewall allow the user to specify that</a:t>
+            </a:r>
+          </a:p>
+          <a:p>
+            <a:r>
+              <a:rPr lang="en-US" sz="1200" b="0" i="0" u="none" strike="noStrike" kern="1200" baseline="0" dirty="0">
+                <a:solidFill>
+                  <a:schemeClr val="tx1"/>
+                </a:solidFill>
+                <a:latin typeface="Arial" pitchFamily="-110" charset="0"/>
+                <a:ea typeface="ＭＳ Ｐゴシック" pitchFamily="-1" charset="-128"/>
+                <a:cs typeface="ＭＳ Ｐゴシック" pitchFamily="-1" charset="-128"/>
+              </a:rPr>
+              <a:t>only selected applications, or applications signed by a valid certificate authority,</a:t>
+            </a:r>
+          </a:p>
+          <a:p>
+            <a:r>
+              <a:rPr lang="en-US" sz="1200" b="0" i="0" u="none" strike="noStrike" kern="1200" baseline="0" dirty="0">
+                <a:solidFill>
+                  <a:schemeClr val="tx1"/>
+                </a:solidFill>
+                <a:latin typeface="Arial" pitchFamily="-110" charset="0"/>
+                <a:ea typeface="ＭＳ Ｐゴシック" pitchFamily="-1" charset="-128"/>
+                <a:cs typeface="ＭＳ Ｐゴシック" pitchFamily="-1" charset="-128"/>
+              </a:rPr>
+              <a:t>may provide services accessed from the network.</a:t>
+            </a:r>
+            <a:endParaRPr lang="en-US" dirty="0">
               <a:ea typeface="ＭＳ Ｐゴシック" pitchFamily="-110" charset="-128"/>
               <a:cs typeface="ＭＳ Ｐゴシック" pitchFamily="-110" charset="-128"/>
             </a:endParaRPr>
@@ -6068,7 +6598,7 @@
     </p:spTree>
     <p:extLst>
       <p:ext uri="{BB962C8B-B14F-4D97-AF65-F5344CB8AC3E}">
-        <p14:creationId xmlns:p14="http://schemas.microsoft.com/office/powerpoint/2010/main" val="2727298985"/>
+        <p14:creationId xmlns:p14="http://schemas.microsoft.com/office/powerpoint/2010/main" val="3589294652"/>
       </p:ext>
     </p:extLst>
   </p:cSld>
@@ -6079,1125 +6609,6 @@
 </file>
 
 <file path=ppt/notesSlides/notesSlide17.xml><?xml version="1.0" encoding="utf-8"?>
-<p:notes xmlns:a="http://schemas.openxmlformats.org/drawingml/2006/main" xmlns:r="http://schemas.openxmlformats.org/officeDocument/2006/relationships" xmlns:p="http://schemas.openxmlformats.org/presentationml/2006/main">
-  <p:cSld>
-    <p:spTree>
-      <p:nvGrpSpPr>
-        <p:cNvPr id="1" name=""/>
-        <p:cNvGrpSpPr/>
-        <p:nvPr/>
-      </p:nvGrpSpPr>
-      <p:grpSpPr>
-        <a:xfrm>
-          <a:off x="0" y="0"/>
-          <a:ext cx="0" cy="0"/>
-          <a:chOff x="0" y="0"/>
-          <a:chExt cx="0" cy="0"/>
-        </a:xfrm>
-      </p:grpSpPr>
-      <p:sp>
-        <p:nvSpPr>
-          <p:cNvPr id="47106" name="Rectangle 7"/>
-          <p:cNvSpPr>
-            <a:spLocks noGrp="1" noChangeArrowheads="1"/>
-          </p:cNvSpPr>
-          <p:nvPr>
-            <p:ph type="sldNum" sz="quarter" idx="5"/>
-          </p:nvPr>
-        </p:nvSpPr>
-        <p:spPr>
-          <a:noFill/>
-        </p:spPr>
-        <p:txBody>
-          <a:bodyPr/>
-          <a:lstStyle/>
-          <a:p>
-            <a:fld id="{A147661B-EDAF-B144-825F-10DBFB8F5E65}" type="slidenum">
-              <a:rPr lang="en-AU"/>
-              <a:pPr/>
-              <a:t>23</a:t>
-            </a:fld>
-            <a:endParaRPr lang="en-AU"/>
-          </a:p>
-        </p:txBody>
-      </p:sp>
-      <p:sp>
-        <p:nvSpPr>
-          <p:cNvPr id="47107" name="Rectangle 2"/>
-          <p:cNvSpPr>
-            <a:spLocks noGrp="1" noRot="1" noChangeAspect="1" noChangeArrowheads="1" noTextEdit="1"/>
-          </p:cNvSpPr>
-          <p:nvPr>
-            <p:ph type="sldImg"/>
-          </p:nvPr>
-        </p:nvSpPr>
-        <p:spPr>
-          <a:ln/>
-        </p:spPr>
-      </p:sp>
-      <p:sp>
-        <p:nvSpPr>
-          <p:cNvPr id="47108" name="Rectangle 3"/>
-          <p:cNvSpPr>
-            <a:spLocks noGrp="1" noChangeArrowheads="1"/>
-          </p:cNvSpPr>
-          <p:nvPr>
-            <p:ph type="body" idx="1"/>
-          </p:nvPr>
-        </p:nvSpPr>
-        <p:spPr>
-          <a:noFill/>
-          <a:ln/>
-        </p:spPr>
-        <p:txBody>
-          <a:bodyPr/>
-          <a:lstStyle/>
-          <a:p>
-            <a:pPr eaLnBrk="1" hangingPunct="1"/>
-            <a:r>
-              <a:rPr lang="en-US" dirty="0">
-                <a:ea typeface="ＭＳ Ｐゴシック" pitchFamily="-110" charset="-128"/>
-                <a:cs typeface="ＭＳ Ｐゴシック" pitchFamily="-110" charset="-128"/>
-              </a:rPr>
-              <a:t>A host-based firewall is a software module used to secure an individual host. Such</a:t>
-            </a:r>
-          </a:p>
-          <a:p>
-            <a:pPr eaLnBrk="1" hangingPunct="1"/>
-            <a:r>
-              <a:rPr lang="en-US" dirty="0">
-                <a:ea typeface="ＭＳ Ｐゴシック" pitchFamily="-110" charset="-128"/>
-                <a:cs typeface="ＭＳ Ｐゴシック" pitchFamily="-110" charset="-128"/>
-              </a:rPr>
-              <a:t>modules are available in many operating systems or can be provided as an add-on</a:t>
-            </a:r>
-          </a:p>
-          <a:p>
-            <a:pPr eaLnBrk="1" hangingPunct="1"/>
-            <a:r>
-              <a:rPr lang="en-US" dirty="0">
-                <a:ea typeface="ＭＳ Ｐゴシック" pitchFamily="-110" charset="-128"/>
-                <a:cs typeface="ＭＳ Ｐゴシック" pitchFamily="-110" charset="-128"/>
-              </a:rPr>
-              <a:t>package. Like conventional stand-alone firewalls, host-resident firewalls filter and</a:t>
-            </a:r>
-          </a:p>
-          <a:p>
-            <a:pPr eaLnBrk="1" hangingPunct="1"/>
-            <a:r>
-              <a:rPr lang="en-US" dirty="0">
-                <a:ea typeface="ＭＳ Ｐゴシック" pitchFamily="-110" charset="-128"/>
-                <a:cs typeface="ＭＳ Ｐゴシック" pitchFamily="-110" charset="-128"/>
-              </a:rPr>
-              <a:t>restrict the flow of packets. A common location for such firewalls is a server. There</a:t>
-            </a:r>
-          </a:p>
-          <a:p>
-            <a:pPr eaLnBrk="1" hangingPunct="1"/>
-            <a:r>
-              <a:rPr lang="en-US" dirty="0">
-                <a:ea typeface="ＭＳ Ｐゴシック" pitchFamily="-110" charset="-128"/>
-                <a:cs typeface="ＭＳ Ｐゴシック" pitchFamily="-110" charset="-128"/>
-              </a:rPr>
-              <a:t>are several advantages to the use of a server-based or workstation-based firewall:</a:t>
-            </a:r>
-          </a:p>
-          <a:p>
-            <a:pPr eaLnBrk="1" hangingPunct="1"/>
-            <a:endParaRPr lang="en-US" dirty="0">
-              <a:ea typeface="ＭＳ Ｐゴシック" pitchFamily="-110" charset="-128"/>
-              <a:cs typeface="ＭＳ Ｐゴシック" pitchFamily="-110" charset="-128"/>
-            </a:endParaRPr>
-          </a:p>
-          <a:p>
-            <a:pPr eaLnBrk="1" hangingPunct="1"/>
-            <a:r>
-              <a:rPr lang="en-US" dirty="0">
-                <a:ea typeface="ＭＳ Ｐゴシック" pitchFamily="-110" charset="-128"/>
-                <a:cs typeface="ＭＳ Ｐゴシック" pitchFamily="-110" charset="-128"/>
-              </a:rPr>
-              <a:t>• Filtering rules can be tailored to the host environment. Specific corporate</a:t>
-            </a:r>
-          </a:p>
-          <a:p>
-            <a:pPr eaLnBrk="1" hangingPunct="1"/>
-            <a:r>
-              <a:rPr lang="en-US" dirty="0">
-                <a:ea typeface="ＭＳ Ｐゴシック" pitchFamily="-110" charset="-128"/>
-                <a:cs typeface="ＭＳ Ｐゴシック" pitchFamily="-110" charset="-128"/>
-              </a:rPr>
-              <a:t>security policies for servers can be implemented, with different filters for</a:t>
-            </a:r>
-          </a:p>
-          <a:p>
-            <a:pPr eaLnBrk="1" hangingPunct="1"/>
-            <a:r>
-              <a:rPr lang="en-US" dirty="0">
-                <a:ea typeface="ＭＳ Ｐゴシック" pitchFamily="-110" charset="-128"/>
-                <a:cs typeface="ＭＳ Ｐゴシック" pitchFamily="-110" charset="-128"/>
-              </a:rPr>
-              <a:t>servers used for different application.</a:t>
-            </a:r>
-          </a:p>
-          <a:p>
-            <a:pPr eaLnBrk="1" hangingPunct="1"/>
-            <a:endParaRPr lang="en-US" dirty="0">
-              <a:ea typeface="ＭＳ Ｐゴシック" pitchFamily="-110" charset="-128"/>
-              <a:cs typeface="ＭＳ Ｐゴシック" pitchFamily="-110" charset="-128"/>
-            </a:endParaRPr>
-          </a:p>
-          <a:p>
-            <a:pPr eaLnBrk="1" hangingPunct="1"/>
-            <a:r>
-              <a:rPr lang="en-US" dirty="0">
-                <a:ea typeface="ＭＳ Ｐゴシック" pitchFamily="-110" charset="-128"/>
-                <a:cs typeface="ＭＳ Ｐゴシック" pitchFamily="-110" charset="-128"/>
-              </a:rPr>
-              <a:t>• Protection is provided independent of topology. Thus both internal and external</a:t>
-            </a:r>
-          </a:p>
-          <a:p>
-            <a:pPr eaLnBrk="1" hangingPunct="1"/>
-            <a:r>
-              <a:rPr lang="en-US" dirty="0">
-                <a:ea typeface="ＭＳ Ｐゴシック" pitchFamily="-110" charset="-128"/>
-                <a:cs typeface="ＭＳ Ｐゴシック" pitchFamily="-110" charset="-128"/>
-              </a:rPr>
-              <a:t>attacks must pass through the firewall.</a:t>
-            </a:r>
-          </a:p>
-          <a:p>
-            <a:pPr eaLnBrk="1" hangingPunct="1"/>
-            <a:endParaRPr lang="en-US" dirty="0">
-              <a:ea typeface="ＭＳ Ｐゴシック" pitchFamily="-110" charset="-128"/>
-              <a:cs typeface="ＭＳ Ｐゴシック" pitchFamily="-110" charset="-128"/>
-            </a:endParaRPr>
-          </a:p>
-          <a:p>
-            <a:pPr eaLnBrk="1" hangingPunct="1"/>
-            <a:r>
-              <a:rPr lang="en-US" dirty="0">
-                <a:ea typeface="ＭＳ Ｐゴシック" pitchFamily="-110" charset="-128"/>
-                <a:cs typeface="ＭＳ Ｐゴシック" pitchFamily="-110" charset="-128"/>
-              </a:rPr>
-              <a:t>• Used in conjunction with stand-alone firewalls, the host-based firewall</a:t>
-            </a:r>
-          </a:p>
-          <a:p>
-            <a:pPr eaLnBrk="1" hangingPunct="1"/>
-            <a:r>
-              <a:rPr lang="en-US" dirty="0">
-                <a:ea typeface="ＭＳ Ｐゴシック" pitchFamily="-110" charset="-128"/>
-                <a:cs typeface="ＭＳ Ｐゴシック" pitchFamily="-110" charset="-128"/>
-              </a:rPr>
-              <a:t>provides an additional layer of protection. A new type of server can be added</a:t>
-            </a:r>
-          </a:p>
-          <a:p>
-            <a:pPr eaLnBrk="1" hangingPunct="1"/>
-            <a:r>
-              <a:rPr lang="en-US" dirty="0">
-                <a:ea typeface="ＭＳ Ｐゴシック" pitchFamily="-110" charset="-128"/>
-                <a:cs typeface="ＭＳ Ｐゴシック" pitchFamily="-110" charset="-128"/>
-              </a:rPr>
-              <a:t>to the network, with its own firewall, without the necessity of altering the</a:t>
-            </a:r>
-          </a:p>
-          <a:p>
-            <a:pPr eaLnBrk="1" hangingPunct="1"/>
-            <a:r>
-              <a:rPr lang="en-US" dirty="0">
-                <a:ea typeface="ＭＳ Ｐゴシック" pitchFamily="-110" charset="-128"/>
-                <a:cs typeface="ＭＳ Ｐゴシック" pitchFamily="-110" charset="-128"/>
-              </a:rPr>
-              <a:t>network firewall configuration.</a:t>
-            </a:r>
-            <a:endParaRPr lang="en-US" dirty="0">
-              <a:latin typeface="Times New Roman" pitchFamily="-110" charset="0"/>
-              <a:ea typeface="ＭＳ Ｐゴシック" pitchFamily="-110" charset="-128"/>
-              <a:cs typeface="ＭＳ Ｐゴシック" pitchFamily="-110" charset="-128"/>
-            </a:endParaRPr>
-          </a:p>
-        </p:txBody>
-      </p:sp>
-    </p:spTree>
-    <p:extLst>
-      <p:ext uri="{BB962C8B-B14F-4D97-AF65-F5344CB8AC3E}">
-        <p14:creationId xmlns:p14="http://schemas.microsoft.com/office/powerpoint/2010/main" val="692022254"/>
-      </p:ext>
-    </p:extLst>
-  </p:cSld>
-  <p:clrMapOvr>
-    <a:masterClrMapping/>
-  </p:clrMapOvr>
-</p:notes>
-</file>
-
-<file path=ppt/notesSlides/notesSlide18.xml><?xml version="1.0" encoding="utf-8"?>
-<p:notes xmlns:a="http://schemas.openxmlformats.org/drawingml/2006/main" xmlns:r="http://schemas.openxmlformats.org/officeDocument/2006/relationships" xmlns:p="http://schemas.openxmlformats.org/presentationml/2006/main">
-  <p:cSld>
-    <p:spTree>
-      <p:nvGrpSpPr>
-        <p:cNvPr id="1" name=""/>
-        <p:cNvGrpSpPr/>
-        <p:nvPr/>
-      </p:nvGrpSpPr>
-      <p:grpSpPr>
-        <a:xfrm>
-          <a:off x="0" y="0"/>
-          <a:ext cx="0" cy="0"/>
-          <a:chOff x="0" y="0"/>
-          <a:chExt cx="0" cy="0"/>
-        </a:xfrm>
-      </p:grpSpPr>
-      <p:sp>
-        <p:nvSpPr>
-          <p:cNvPr id="2" name="Slide Image Placeholder 1"/>
-          <p:cNvSpPr>
-            <a:spLocks noGrp="1" noRot="1" noChangeAspect="1"/>
-          </p:cNvSpPr>
-          <p:nvPr>
-            <p:ph type="sldImg"/>
-          </p:nvPr>
-        </p:nvSpPr>
-        <p:spPr/>
-      </p:sp>
-      <p:sp>
-        <p:nvSpPr>
-          <p:cNvPr id="3" name="Notes Placeholder 2"/>
-          <p:cNvSpPr>
-            <a:spLocks noGrp="1"/>
-          </p:cNvSpPr>
-          <p:nvPr>
-            <p:ph type="body" idx="1"/>
-          </p:nvPr>
-        </p:nvSpPr>
-        <p:spPr/>
-        <p:txBody>
-          <a:bodyPr/>
-          <a:lstStyle/>
-          <a:p>
-            <a:pPr eaLnBrk="1" hangingPunct="1"/>
-            <a:r>
-              <a:rPr lang="en-US" dirty="0">
-                <a:ea typeface="ＭＳ Ｐゴシック" pitchFamily="-110" charset="-128"/>
-                <a:cs typeface="ＭＳ Ｐゴシック" pitchFamily="-110" charset="-128"/>
-              </a:rPr>
-              <a:t>A personal firewall controls the traffic between a personal computer or workstation</a:t>
-            </a:r>
-          </a:p>
-          <a:p>
-            <a:pPr eaLnBrk="1" hangingPunct="1"/>
-            <a:r>
-              <a:rPr lang="en-US" dirty="0">
-                <a:ea typeface="ＭＳ Ｐゴシック" pitchFamily="-110" charset="-128"/>
-                <a:cs typeface="ＭＳ Ｐゴシック" pitchFamily="-110" charset="-128"/>
-              </a:rPr>
-              <a:t>on one side and the Internet or enterprise network on the other side. Personal firewall</a:t>
-            </a:r>
-          </a:p>
-          <a:p>
-            <a:pPr eaLnBrk="1" hangingPunct="1"/>
-            <a:r>
-              <a:rPr lang="en-US" dirty="0">
-                <a:ea typeface="ＭＳ Ｐゴシック" pitchFamily="-110" charset="-128"/>
-                <a:cs typeface="ＭＳ Ｐゴシック" pitchFamily="-110" charset="-128"/>
-              </a:rPr>
-              <a:t>functionality can be used in the home environment and on corporate intranets.</a:t>
-            </a:r>
-          </a:p>
-          <a:p>
-            <a:pPr eaLnBrk="1" hangingPunct="1"/>
-            <a:r>
-              <a:rPr lang="en-US" dirty="0">
-                <a:ea typeface="ＭＳ Ｐゴシック" pitchFamily="-110" charset="-128"/>
-                <a:cs typeface="ＭＳ Ｐゴシック" pitchFamily="-110" charset="-128"/>
-              </a:rPr>
-              <a:t>Typically, the personal firewall is a software module on the personal computer. In</a:t>
-            </a:r>
-          </a:p>
-          <a:p>
-            <a:pPr eaLnBrk="1" hangingPunct="1"/>
-            <a:r>
-              <a:rPr lang="en-US" dirty="0">
-                <a:ea typeface="ＭＳ Ｐゴシック" pitchFamily="-110" charset="-128"/>
-                <a:cs typeface="ＭＳ Ｐゴシック" pitchFamily="-110" charset="-128"/>
-              </a:rPr>
-              <a:t>a home environment with multiple computers connected to the Internet, firewall</a:t>
-            </a:r>
-          </a:p>
-          <a:p>
-            <a:pPr eaLnBrk="1" hangingPunct="1"/>
-            <a:r>
-              <a:rPr lang="en-US" dirty="0">
-                <a:ea typeface="ＭＳ Ｐゴシック" pitchFamily="-110" charset="-128"/>
-                <a:cs typeface="ＭＳ Ｐゴシック" pitchFamily="-110" charset="-128"/>
-              </a:rPr>
-              <a:t>functionality can also be housed in a router that connects all of the home computers</a:t>
-            </a:r>
-          </a:p>
-          <a:p>
-            <a:pPr eaLnBrk="1" hangingPunct="1"/>
-            <a:r>
-              <a:rPr lang="en-US" dirty="0">
-                <a:ea typeface="ＭＳ Ｐゴシック" pitchFamily="-110" charset="-128"/>
-                <a:cs typeface="ＭＳ Ｐゴシック" pitchFamily="-110" charset="-128"/>
-              </a:rPr>
-              <a:t>to a DSL, cable modem, or other Internet interface.</a:t>
-            </a:r>
-          </a:p>
-          <a:p>
-            <a:pPr eaLnBrk="1" hangingPunct="1"/>
-            <a:endParaRPr lang="en-US" dirty="0">
-              <a:ea typeface="ＭＳ Ｐゴシック" pitchFamily="-110" charset="-128"/>
-              <a:cs typeface="ＭＳ Ｐゴシック" pitchFamily="-110" charset="-128"/>
-            </a:endParaRPr>
-          </a:p>
-          <a:p>
-            <a:pPr eaLnBrk="1" hangingPunct="1"/>
-            <a:r>
-              <a:rPr lang="en-US" dirty="0">
-                <a:ea typeface="ＭＳ Ｐゴシック" pitchFamily="-110" charset="-128"/>
-                <a:cs typeface="ＭＳ Ｐゴシック" pitchFamily="-110" charset="-128"/>
-              </a:rPr>
-              <a:t>Personal firewalls are typically much less complex than either server-based</a:t>
-            </a:r>
-          </a:p>
-          <a:p>
-            <a:pPr eaLnBrk="1" hangingPunct="1"/>
-            <a:r>
-              <a:rPr lang="en-US" dirty="0">
-                <a:ea typeface="ＭＳ Ｐゴシック" pitchFamily="-110" charset="-128"/>
-                <a:cs typeface="ＭＳ Ｐゴシック" pitchFamily="-110" charset="-128"/>
-              </a:rPr>
-              <a:t>firewalls or stand-alone firewalls. The primary role of the personal firewall is to</a:t>
-            </a:r>
-          </a:p>
-          <a:p>
-            <a:pPr eaLnBrk="1" hangingPunct="1"/>
-            <a:r>
-              <a:rPr lang="en-US" dirty="0">
-                <a:ea typeface="ＭＳ Ｐゴシック" pitchFamily="-110" charset="-128"/>
-                <a:cs typeface="ＭＳ Ｐゴシック" pitchFamily="-110" charset="-128"/>
-              </a:rPr>
-              <a:t>deny unauthorized remote access to the computer. The firewall can also monitor</a:t>
-            </a:r>
-          </a:p>
-          <a:p>
-            <a:pPr eaLnBrk="1" hangingPunct="1"/>
-            <a:r>
-              <a:rPr lang="en-US" dirty="0">
-                <a:ea typeface="ＭＳ Ｐゴシック" pitchFamily="-110" charset="-128"/>
-                <a:cs typeface="ＭＳ Ｐゴシック" pitchFamily="-110" charset="-128"/>
-              </a:rPr>
-              <a:t>outgoing activity in an attempt to detect and block worms and other malware.</a:t>
-            </a:r>
-          </a:p>
-          <a:p>
-            <a:pPr eaLnBrk="1" hangingPunct="1"/>
-            <a:endParaRPr lang="en-US" dirty="0">
-              <a:ea typeface="ＭＳ Ｐゴシック" pitchFamily="-110" charset="-128"/>
-              <a:cs typeface="ＭＳ Ｐゴシック" pitchFamily="-110" charset="-128"/>
-            </a:endParaRPr>
-          </a:p>
-          <a:p>
-            <a:r>
-              <a:rPr lang="en-US" sz="1200" b="0" i="0" u="none" strike="noStrike" kern="1200" baseline="0" dirty="0">
-                <a:solidFill>
-                  <a:schemeClr val="tx1"/>
-                </a:solidFill>
-                <a:latin typeface="Arial" pitchFamily="-110" charset="0"/>
-                <a:ea typeface="ＭＳ Ｐゴシック" pitchFamily="-1" charset="-128"/>
-                <a:cs typeface="ＭＳ Ｐゴシック" pitchFamily="-1" charset="-128"/>
-              </a:rPr>
-              <a:t> Personal firewall capabilities are provided by the </a:t>
-            </a:r>
-            <a:r>
-              <a:rPr lang="en-US" sz="1200" b="0" i="0" u="none" strike="noStrike" kern="1200" baseline="0" dirty="0" err="1">
-                <a:solidFill>
-                  <a:schemeClr val="tx1"/>
-                </a:solidFill>
-                <a:latin typeface="Arial" pitchFamily="-110" charset="0"/>
-                <a:ea typeface="ＭＳ Ｐゴシック" pitchFamily="-1" charset="-128"/>
-                <a:cs typeface="ＭＳ Ｐゴシック" pitchFamily="-1" charset="-128"/>
-              </a:rPr>
-              <a:t>netfilter</a:t>
-            </a:r>
-            <a:r>
-              <a:rPr lang="en-US" sz="1200" b="0" i="0" u="none" strike="noStrike" kern="1200" baseline="0" dirty="0">
-                <a:solidFill>
-                  <a:schemeClr val="tx1"/>
-                </a:solidFill>
-                <a:latin typeface="Arial" pitchFamily="-110" charset="0"/>
-                <a:ea typeface="ＭＳ Ｐゴシック" pitchFamily="-1" charset="-128"/>
-                <a:cs typeface="ＭＳ Ｐゴシック" pitchFamily="-1" charset="-128"/>
-              </a:rPr>
-              <a:t>  package on Linux</a:t>
-            </a:r>
-          </a:p>
-          <a:p>
-            <a:r>
-              <a:rPr lang="en-US" sz="1200" b="0" i="0" u="none" strike="noStrike" kern="1200" baseline="0" dirty="0">
-                <a:solidFill>
-                  <a:schemeClr val="tx1"/>
-                </a:solidFill>
-                <a:latin typeface="Arial" pitchFamily="-110" charset="0"/>
-                <a:ea typeface="ＭＳ Ｐゴシック" pitchFamily="-1" charset="-128"/>
-                <a:cs typeface="ＭＳ Ｐゴシック" pitchFamily="-1" charset="-128"/>
-              </a:rPr>
-              <a:t>systems, or the pf  package on BSD and Mac OS X systems. These packages may be</a:t>
-            </a:r>
-          </a:p>
-          <a:p>
-            <a:r>
-              <a:rPr lang="en-US" sz="1200" b="0" i="0" u="none" strike="noStrike" kern="1200" baseline="0" dirty="0">
-                <a:solidFill>
-                  <a:schemeClr val="tx1"/>
-                </a:solidFill>
-                <a:latin typeface="Arial" pitchFamily="-110" charset="0"/>
-                <a:ea typeface="ＭＳ Ｐゴシック" pitchFamily="-1" charset="-128"/>
-                <a:cs typeface="ＭＳ Ｐゴシック" pitchFamily="-1" charset="-128"/>
-              </a:rPr>
-              <a:t>configured on the command-line, or with a GUI front-end. When such a personal</a:t>
-            </a:r>
-          </a:p>
-          <a:p>
-            <a:r>
-              <a:rPr lang="en-US" sz="1200" b="0" i="0" u="none" strike="noStrike" kern="1200" baseline="0" dirty="0">
-                <a:solidFill>
-                  <a:schemeClr val="tx1"/>
-                </a:solidFill>
-                <a:latin typeface="Arial" pitchFamily="-110" charset="0"/>
-                <a:ea typeface="ＭＳ Ｐゴシック" pitchFamily="-1" charset="-128"/>
-                <a:cs typeface="ＭＳ Ｐゴシック" pitchFamily="-1" charset="-128"/>
-              </a:rPr>
-              <a:t>firewall is enabled, all inbound connections are usually denied except for those</a:t>
-            </a:r>
-          </a:p>
-          <a:p>
-            <a:r>
-              <a:rPr lang="en-US" sz="1200" b="0" i="0" u="none" strike="noStrike" kern="1200" baseline="0" dirty="0">
-                <a:solidFill>
-                  <a:schemeClr val="tx1"/>
-                </a:solidFill>
-                <a:latin typeface="Arial" pitchFamily="-110" charset="0"/>
-                <a:ea typeface="ＭＳ Ｐゴシック" pitchFamily="-1" charset="-128"/>
-                <a:cs typeface="ＭＳ Ｐゴシック" pitchFamily="-1" charset="-128"/>
-              </a:rPr>
-              <a:t>the user explicitly permits. Outbound connections are usually allowed. The list of</a:t>
-            </a:r>
-          </a:p>
-          <a:p>
-            <a:r>
-              <a:rPr lang="en-US" sz="1200" b="0" i="0" u="none" strike="noStrike" kern="1200" baseline="0" dirty="0">
-                <a:solidFill>
-                  <a:schemeClr val="tx1"/>
-                </a:solidFill>
-                <a:latin typeface="Arial" pitchFamily="-110" charset="0"/>
-                <a:ea typeface="ＭＳ Ｐゴシック" pitchFamily="-1" charset="-128"/>
-                <a:cs typeface="ＭＳ Ｐゴシック" pitchFamily="-1" charset="-128"/>
-              </a:rPr>
-              <a:t>inbound services that can be selectively re-enabled, with their port numbers, may</a:t>
-            </a:r>
-          </a:p>
-          <a:p>
-            <a:r>
-              <a:rPr lang="en-US" sz="1200" b="0" i="0" u="none" strike="noStrike" kern="1200" baseline="0" dirty="0">
-                <a:solidFill>
-                  <a:schemeClr val="tx1"/>
-                </a:solidFill>
-                <a:latin typeface="Arial" pitchFamily="-110" charset="0"/>
-                <a:ea typeface="ＭＳ Ｐゴシック" pitchFamily="-1" charset="-128"/>
-                <a:cs typeface="ＭＳ Ｐゴシック" pitchFamily="-1" charset="-128"/>
-              </a:rPr>
-              <a:t>include the following common services:</a:t>
-            </a:r>
-            <a:endParaRPr lang="en-US" dirty="0">
-              <a:ea typeface="ＭＳ Ｐゴシック" pitchFamily="-110" charset="-128"/>
-              <a:cs typeface="ＭＳ Ｐゴシック" pitchFamily="-110" charset="-128"/>
-            </a:endParaRPr>
-          </a:p>
-          <a:p>
-            <a:pPr eaLnBrk="1" hangingPunct="1"/>
-            <a:r>
-              <a:rPr lang="en-US" dirty="0">
-                <a:ea typeface="ＭＳ Ｐゴシック" pitchFamily="-110" charset="-128"/>
-                <a:cs typeface="ＭＳ Ｐゴシック" pitchFamily="-110" charset="-128"/>
-              </a:rPr>
-              <a:t>• Personal file sharing (548, 427)</a:t>
-            </a:r>
-          </a:p>
-          <a:p>
-            <a:pPr eaLnBrk="1" hangingPunct="1"/>
-            <a:endParaRPr lang="en-US" dirty="0">
-              <a:ea typeface="ＭＳ Ｐゴシック" pitchFamily="-110" charset="-128"/>
-              <a:cs typeface="ＭＳ Ｐゴシック" pitchFamily="-110" charset="-128"/>
-            </a:endParaRPr>
-          </a:p>
-          <a:p>
-            <a:pPr eaLnBrk="1" hangingPunct="1"/>
-            <a:r>
-              <a:rPr lang="en-US" dirty="0">
-                <a:ea typeface="ＭＳ Ｐゴシック" pitchFamily="-110" charset="-128"/>
-                <a:cs typeface="ＭＳ Ｐゴシック" pitchFamily="-110" charset="-128"/>
-              </a:rPr>
-              <a:t>• Windows sharing (139)</a:t>
-            </a:r>
-          </a:p>
-          <a:p>
-            <a:pPr eaLnBrk="1" hangingPunct="1"/>
-            <a:endParaRPr lang="en-US" dirty="0">
-              <a:ea typeface="ＭＳ Ｐゴシック" pitchFamily="-110" charset="-128"/>
-              <a:cs typeface="ＭＳ Ｐゴシック" pitchFamily="-110" charset="-128"/>
-            </a:endParaRPr>
-          </a:p>
-          <a:p>
-            <a:pPr eaLnBrk="1" hangingPunct="1"/>
-            <a:r>
-              <a:rPr lang="en-US" dirty="0">
-                <a:ea typeface="ＭＳ Ｐゴシック" pitchFamily="-110" charset="-128"/>
-                <a:cs typeface="ＭＳ Ｐゴシック" pitchFamily="-110" charset="-128"/>
-              </a:rPr>
-              <a:t>• Personal Web sharing (80, 427)</a:t>
-            </a:r>
-          </a:p>
-          <a:p>
-            <a:pPr eaLnBrk="1" hangingPunct="1"/>
-            <a:endParaRPr lang="en-US" dirty="0">
-              <a:ea typeface="ＭＳ Ｐゴシック" pitchFamily="-110" charset="-128"/>
-              <a:cs typeface="ＭＳ Ｐゴシック" pitchFamily="-110" charset="-128"/>
-            </a:endParaRPr>
-          </a:p>
-          <a:p>
-            <a:pPr eaLnBrk="1" hangingPunct="1"/>
-            <a:r>
-              <a:rPr lang="en-US" dirty="0">
-                <a:ea typeface="ＭＳ Ｐゴシック" pitchFamily="-110" charset="-128"/>
-                <a:cs typeface="ＭＳ Ｐゴシック" pitchFamily="-110" charset="-128"/>
-              </a:rPr>
-              <a:t>• Remote login—SSH (22)</a:t>
-            </a:r>
-          </a:p>
-          <a:p>
-            <a:pPr eaLnBrk="1" hangingPunct="1"/>
-            <a:endParaRPr lang="en-US" dirty="0">
-              <a:ea typeface="ＭＳ Ｐゴシック" pitchFamily="-110" charset="-128"/>
-              <a:cs typeface="ＭＳ Ｐゴシック" pitchFamily="-110" charset="-128"/>
-            </a:endParaRPr>
-          </a:p>
-          <a:p>
-            <a:pPr eaLnBrk="1" hangingPunct="1"/>
-            <a:r>
-              <a:rPr lang="en-US" dirty="0">
-                <a:ea typeface="ＭＳ Ｐゴシック" pitchFamily="-110" charset="-128"/>
-                <a:cs typeface="ＭＳ Ｐゴシック" pitchFamily="-110" charset="-128"/>
-              </a:rPr>
-              <a:t>• FTP access (20-21, 1024-65535 from 20-21)</a:t>
-            </a:r>
-          </a:p>
-          <a:p>
-            <a:pPr eaLnBrk="1" hangingPunct="1"/>
-            <a:endParaRPr lang="en-US" dirty="0">
-              <a:ea typeface="ＭＳ Ｐゴシック" pitchFamily="-110" charset="-128"/>
-              <a:cs typeface="ＭＳ Ｐゴシック" pitchFamily="-110" charset="-128"/>
-            </a:endParaRPr>
-          </a:p>
-          <a:p>
-            <a:pPr eaLnBrk="1" hangingPunct="1"/>
-            <a:r>
-              <a:rPr lang="en-US" dirty="0">
-                <a:ea typeface="ＭＳ Ｐゴシック" pitchFamily="-110" charset="-128"/>
-                <a:cs typeface="ＭＳ Ｐゴシック" pitchFamily="-110" charset="-128"/>
-              </a:rPr>
-              <a:t>• Remote Apple events (3031)</a:t>
-            </a:r>
-          </a:p>
-          <a:p>
-            <a:pPr eaLnBrk="1" hangingPunct="1"/>
-            <a:endParaRPr lang="en-US" dirty="0">
-              <a:ea typeface="ＭＳ Ｐゴシック" pitchFamily="-110" charset="-128"/>
-              <a:cs typeface="ＭＳ Ｐゴシック" pitchFamily="-110" charset="-128"/>
-            </a:endParaRPr>
-          </a:p>
-          <a:p>
-            <a:pPr eaLnBrk="1" hangingPunct="1"/>
-            <a:r>
-              <a:rPr lang="en-US" dirty="0">
-                <a:ea typeface="ＭＳ Ｐゴシック" pitchFamily="-110" charset="-128"/>
-                <a:cs typeface="ＭＳ Ｐゴシック" pitchFamily="-110" charset="-128"/>
-              </a:rPr>
-              <a:t>• Printer sharing (631, 515)</a:t>
-            </a:r>
-          </a:p>
-          <a:p>
-            <a:pPr eaLnBrk="1" hangingPunct="1"/>
-            <a:endParaRPr lang="en-US" dirty="0">
-              <a:ea typeface="ＭＳ Ｐゴシック" pitchFamily="-110" charset="-128"/>
-              <a:cs typeface="ＭＳ Ｐゴシック" pitchFamily="-110" charset="-128"/>
-            </a:endParaRPr>
-          </a:p>
-          <a:p>
-            <a:pPr eaLnBrk="1" hangingPunct="1"/>
-            <a:r>
-              <a:rPr lang="en-US" dirty="0">
-                <a:ea typeface="ＭＳ Ｐゴシック" pitchFamily="-110" charset="-128"/>
-                <a:cs typeface="ＭＳ Ｐゴシック" pitchFamily="-110" charset="-128"/>
-              </a:rPr>
-              <a:t>• </a:t>
-            </a:r>
-            <a:r>
-              <a:rPr lang="en-US" dirty="0" err="1">
-                <a:ea typeface="ＭＳ Ｐゴシック" pitchFamily="-110" charset="-128"/>
-                <a:cs typeface="ＭＳ Ｐゴシック" pitchFamily="-110" charset="-128"/>
-              </a:rPr>
-              <a:t>IChat</a:t>
-            </a:r>
-            <a:r>
-              <a:rPr lang="en-US" dirty="0">
-                <a:ea typeface="ＭＳ Ｐゴシック" pitchFamily="-110" charset="-128"/>
-                <a:cs typeface="ＭＳ Ｐゴシック" pitchFamily="-110" charset="-128"/>
-              </a:rPr>
-              <a:t> Rendezvous (5297, 5298)</a:t>
-            </a:r>
-          </a:p>
-          <a:p>
-            <a:pPr eaLnBrk="1" hangingPunct="1"/>
-            <a:endParaRPr lang="en-US" dirty="0">
-              <a:ea typeface="ＭＳ Ｐゴシック" pitchFamily="-110" charset="-128"/>
-              <a:cs typeface="ＭＳ Ｐゴシック" pitchFamily="-110" charset="-128"/>
-            </a:endParaRPr>
-          </a:p>
-          <a:p>
-            <a:pPr eaLnBrk="1" hangingPunct="1"/>
-            <a:r>
-              <a:rPr lang="en-US" dirty="0">
-                <a:ea typeface="ＭＳ Ｐゴシック" pitchFamily="-110" charset="-128"/>
-                <a:cs typeface="ＭＳ Ｐゴシック" pitchFamily="-110" charset="-128"/>
-              </a:rPr>
-              <a:t>• </a:t>
-            </a:r>
-            <a:r>
-              <a:rPr lang="en-US" dirty="0" err="1">
-                <a:ea typeface="ＭＳ Ｐゴシック" pitchFamily="-110" charset="-128"/>
-                <a:cs typeface="ＭＳ Ｐゴシック" pitchFamily="-110" charset="-128"/>
-              </a:rPr>
-              <a:t>ITunes</a:t>
-            </a:r>
-            <a:r>
-              <a:rPr lang="en-US" dirty="0">
-                <a:ea typeface="ＭＳ Ｐゴシック" pitchFamily="-110" charset="-128"/>
-                <a:cs typeface="ＭＳ Ｐゴシック" pitchFamily="-110" charset="-128"/>
-              </a:rPr>
-              <a:t> Music Sharing (3869)</a:t>
-            </a:r>
-          </a:p>
-          <a:p>
-            <a:pPr eaLnBrk="1" hangingPunct="1"/>
-            <a:endParaRPr lang="en-US" dirty="0">
-              <a:ea typeface="ＭＳ Ｐゴシック" pitchFamily="-110" charset="-128"/>
-              <a:cs typeface="ＭＳ Ｐゴシック" pitchFamily="-110" charset="-128"/>
-            </a:endParaRPr>
-          </a:p>
-          <a:p>
-            <a:pPr eaLnBrk="1" hangingPunct="1"/>
-            <a:r>
-              <a:rPr lang="en-US" dirty="0">
-                <a:ea typeface="ＭＳ Ｐゴシック" pitchFamily="-110" charset="-128"/>
-                <a:cs typeface="ＭＳ Ｐゴシック" pitchFamily="-110" charset="-128"/>
-              </a:rPr>
-              <a:t>CVS (2401)</a:t>
-            </a:r>
-          </a:p>
-          <a:p>
-            <a:pPr eaLnBrk="1" hangingPunct="1"/>
-            <a:endParaRPr lang="en-US" dirty="0">
-              <a:ea typeface="ＭＳ Ｐゴシック" pitchFamily="-110" charset="-128"/>
-              <a:cs typeface="ＭＳ Ｐゴシック" pitchFamily="-110" charset="-128"/>
-            </a:endParaRPr>
-          </a:p>
-          <a:p>
-            <a:pPr eaLnBrk="1" hangingPunct="1"/>
-            <a:r>
-              <a:rPr lang="en-US" dirty="0">
-                <a:ea typeface="ＭＳ Ｐゴシック" pitchFamily="-110" charset="-128"/>
-                <a:cs typeface="ＭＳ Ｐゴシック" pitchFamily="-110" charset="-128"/>
-              </a:rPr>
-              <a:t>• Gnutella/</a:t>
-            </a:r>
-            <a:r>
-              <a:rPr lang="en-US" dirty="0" err="1">
-                <a:ea typeface="ＭＳ Ｐゴシック" pitchFamily="-110" charset="-128"/>
-                <a:cs typeface="ＭＳ Ｐゴシック" pitchFamily="-110" charset="-128"/>
-              </a:rPr>
-              <a:t>Limewire</a:t>
-            </a:r>
-            <a:r>
-              <a:rPr lang="en-US" dirty="0">
-                <a:ea typeface="ＭＳ Ｐゴシック" pitchFamily="-110" charset="-128"/>
-                <a:cs typeface="ＭＳ Ｐゴシック" pitchFamily="-110" charset="-128"/>
-              </a:rPr>
-              <a:t> (6346)</a:t>
-            </a:r>
-          </a:p>
-          <a:p>
-            <a:pPr eaLnBrk="1" hangingPunct="1"/>
-            <a:endParaRPr lang="en-US" dirty="0">
-              <a:ea typeface="ＭＳ Ｐゴシック" pitchFamily="-110" charset="-128"/>
-              <a:cs typeface="ＭＳ Ｐゴシック" pitchFamily="-110" charset="-128"/>
-            </a:endParaRPr>
-          </a:p>
-          <a:p>
-            <a:pPr eaLnBrk="1" hangingPunct="1"/>
-            <a:r>
-              <a:rPr lang="en-US" dirty="0">
-                <a:ea typeface="ＭＳ Ｐゴシック" pitchFamily="-110" charset="-128"/>
-                <a:cs typeface="ＭＳ Ｐゴシック" pitchFamily="-110" charset="-128"/>
-              </a:rPr>
-              <a:t>• ICQ (4000)</a:t>
-            </a:r>
-          </a:p>
-          <a:p>
-            <a:pPr eaLnBrk="1" hangingPunct="1"/>
-            <a:endParaRPr lang="en-US" dirty="0">
-              <a:ea typeface="ＭＳ Ｐゴシック" pitchFamily="-110" charset="-128"/>
-              <a:cs typeface="ＭＳ Ｐゴシック" pitchFamily="-110" charset="-128"/>
-            </a:endParaRPr>
-          </a:p>
-          <a:p>
-            <a:pPr eaLnBrk="1" hangingPunct="1"/>
-            <a:r>
-              <a:rPr lang="en-US" dirty="0">
-                <a:ea typeface="ＭＳ Ｐゴシック" pitchFamily="-110" charset="-128"/>
-                <a:cs typeface="ＭＳ Ｐゴシック" pitchFamily="-110" charset="-128"/>
-              </a:rPr>
-              <a:t>• IRC (194)</a:t>
-            </a:r>
-          </a:p>
-          <a:p>
-            <a:pPr eaLnBrk="1" hangingPunct="1"/>
-            <a:endParaRPr lang="en-US" dirty="0">
-              <a:ea typeface="ＭＳ Ｐゴシック" pitchFamily="-110" charset="-128"/>
-              <a:cs typeface="ＭＳ Ｐゴシック" pitchFamily="-110" charset="-128"/>
-            </a:endParaRPr>
-          </a:p>
-          <a:p>
-            <a:pPr eaLnBrk="1" hangingPunct="1"/>
-            <a:r>
-              <a:rPr lang="en-US" dirty="0">
-                <a:ea typeface="ＭＳ Ｐゴシック" pitchFamily="-110" charset="-128"/>
-                <a:cs typeface="ＭＳ Ｐゴシック" pitchFamily="-110" charset="-128"/>
-              </a:rPr>
-              <a:t>• MSN Messenger (6891-6900)</a:t>
-            </a:r>
-          </a:p>
-          <a:p>
-            <a:pPr eaLnBrk="1" hangingPunct="1"/>
-            <a:endParaRPr lang="en-US" dirty="0">
-              <a:ea typeface="ＭＳ Ｐゴシック" pitchFamily="-110" charset="-128"/>
-              <a:cs typeface="ＭＳ Ｐゴシック" pitchFamily="-110" charset="-128"/>
-            </a:endParaRPr>
-          </a:p>
-          <a:p>
-            <a:pPr eaLnBrk="1" hangingPunct="1"/>
-            <a:r>
-              <a:rPr lang="en-US" dirty="0">
-                <a:ea typeface="ＭＳ Ｐゴシック" pitchFamily="-110" charset="-128"/>
-                <a:cs typeface="ＭＳ Ｐゴシック" pitchFamily="-110" charset="-128"/>
-              </a:rPr>
-              <a:t>• Network Time (123)</a:t>
-            </a:r>
-          </a:p>
-          <a:p>
-            <a:pPr eaLnBrk="1" hangingPunct="1"/>
-            <a:endParaRPr lang="en-US" dirty="0">
-              <a:ea typeface="ＭＳ Ｐゴシック" pitchFamily="-110" charset="-128"/>
-              <a:cs typeface="ＭＳ Ｐゴシック" pitchFamily="-110" charset="-128"/>
-            </a:endParaRPr>
-          </a:p>
-          <a:p>
-            <a:pPr eaLnBrk="1" hangingPunct="1"/>
-            <a:r>
-              <a:rPr lang="en-US" dirty="0">
-                <a:ea typeface="ＭＳ Ｐゴシック" pitchFamily="-110" charset="-128"/>
-                <a:cs typeface="ＭＳ Ｐゴシック" pitchFamily="-110" charset="-128"/>
-              </a:rPr>
-              <a:t>• Retrospect (497)</a:t>
-            </a:r>
-          </a:p>
-          <a:p>
-            <a:pPr eaLnBrk="1" hangingPunct="1"/>
-            <a:endParaRPr lang="en-US" dirty="0">
-              <a:ea typeface="ＭＳ Ｐゴシック" pitchFamily="-110" charset="-128"/>
-              <a:cs typeface="ＭＳ Ｐゴシック" pitchFamily="-110" charset="-128"/>
-            </a:endParaRPr>
-          </a:p>
-          <a:p>
-            <a:pPr eaLnBrk="1" hangingPunct="1"/>
-            <a:r>
-              <a:rPr lang="en-US" dirty="0">
-                <a:ea typeface="ＭＳ Ｐゴシック" pitchFamily="-110" charset="-128"/>
-                <a:cs typeface="ＭＳ Ｐゴシック" pitchFamily="-110" charset="-128"/>
-              </a:rPr>
-              <a:t>• SMB (without </a:t>
-            </a:r>
-            <a:r>
-              <a:rPr lang="en-US" dirty="0" err="1">
-                <a:ea typeface="ＭＳ Ｐゴシック" pitchFamily="-110" charset="-128"/>
-                <a:cs typeface="ＭＳ Ｐゴシック" pitchFamily="-110" charset="-128"/>
-              </a:rPr>
-              <a:t>netbios</a:t>
-            </a:r>
-            <a:r>
-              <a:rPr lang="en-US" dirty="0">
-                <a:ea typeface="ＭＳ Ｐゴシック" pitchFamily="-110" charset="-128"/>
-                <a:cs typeface="ＭＳ Ｐゴシック" pitchFamily="-110" charset="-128"/>
-              </a:rPr>
-              <a:t>–445)</a:t>
-            </a:r>
-          </a:p>
-          <a:p>
-            <a:pPr eaLnBrk="1" hangingPunct="1"/>
-            <a:endParaRPr lang="en-US" dirty="0">
-              <a:ea typeface="ＭＳ Ｐゴシック" pitchFamily="-110" charset="-128"/>
-              <a:cs typeface="ＭＳ Ｐゴシック" pitchFamily="-110" charset="-128"/>
-            </a:endParaRPr>
-          </a:p>
-          <a:p>
-            <a:pPr eaLnBrk="1" hangingPunct="1"/>
-            <a:r>
-              <a:rPr lang="en-US" dirty="0">
-                <a:ea typeface="ＭＳ Ｐゴシック" pitchFamily="-110" charset="-128"/>
-                <a:cs typeface="ＭＳ Ｐゴシック" pitchFamily="-110" charset="-128"/>
-              </a:rPr>
-              <a:t>• VNC (5900-5902)</a:t>
-            </a:r>
-          </a:p>
-          <a:p>
-            <a:pPr eaLnBrk="1" hangingPunct="1"/>
-            <a:endParaRPr lang="en-US" dirty="0">
-              <a:ea typeface="ＭＳ Ｐゴシック" pitchFamily="-110" charset="-128"/>
-              <a:cs typeface="ＭＳ Ｐゴシック" pitchFamily="-110" charset="-128"/>
-            </a:endParaRPr>
-          </a:p>
-          <a:p>
-            <a:pPr eaLnBrk="1" hangingPunct="1"/>
-            <a:r>
-              <a:rPr lang="en-US" dirty="0">
-                <a:ea typeface="ＭＳ Ｐゴシック" pitchFamily="-110" charset="-128"/>
-                <a:cs typeface="ＭＳ Ｐゴシック" pitchFamily="-110" charset="-128"/>
-              </a:rPr>
-              <a:t>• </a:t>
-            </a:r>
-            <a:r>
-              <a:rPr lang="en-US" dirty="0" err="1">
-                <a:ea typeface="ＭＳ Ｐゴシック" pitchFamily="-110" charset="-128"/>
-                <a:cs typeface="ＭＳ Ｐゴシック" pitchFamily="-110" charset="-128"/>
-              </a:rPr>
-              <a:t>WebSTAR</a:t>
-            </a:r>
-            <a:r>
-              <a:rPr lang="en-US" dirty="0">
-                <a:ea typeface="ＭＳ Ｐゴシック" pitchFamily="-110" charset="-128"/>
-                <a:cs typeface="ＭＳ Ｐゴシック" pitchFamily="-110" charset="-128"/>
-              </a:rPr>
-              <a:t> Admin (1080, 1443)</a:t>
-            </a:r>
-          </a:p>
-          <a:p>
-            <a:pPr eaLnBrk="1" hangingPunct="1"/>
-            <a:endParaRPr lang="en-US" dirty="0">
-              <a:ea typeface="ＭＳ Ｐゴシック" pitchFamily="-110" charset="-128"/>
-              <a:cs typeface="ＭＳ Ｐゴシック" pitchFamily="-110" charset="-128"/>
-            </a:endParaRPr>
-          </a:p>
-          <a:p>
-            <a:pPr eaLnBrk="1" hangingPunct="1"/>
-            <a:r>
-              <a:rPr lang="en-US" dirty="0">
-                <a:ea typeface="ＭＳ Ｐゴシック" pitchFamily="-110" charset="-128"/>
-                <a:cs typeface="ＭＳ Ｐゴシック" pitchFamily="-110" charset="-128"/>
-              </a:rPr>
-              <a:t>When FTP access is enabled, ports 20 and 21 on the local machine are opened</a:t>
-            </a:r>
-          </a:p>
-          <a:p>
-            <a:pPr eaLnBrk="1" hangingPunct="1"/>
-            <a:r>
-              <a:rPr lang="en-US" dirty="0">
-                <a:ea typeface="ＭＳ Ｐゴシック" pitchFamily="-110" charset="-128"/>
-                <a:cs typeface="ＭＳ Ｐゴシック" pitchFamily="-110" charset="-128"/>
-              </a:rPr>
-              <a:t>for FTP; if others connect to this computer from ports 20 or 21, the ports 1024</a:t>
-            </a:r>
-          </a:p>
-          <a:p>
-            <a:pPr eaLnBrk="1" hangingPunct="1"/>
-            <a:r>
-              <a:rPr lang="en-US" dirty="0">
-                <a:ea typeface="ＭＳ Ｐゴシック" pitchFamily="-110" charset="-128"/>
-                <a:cs typeface="ＭＳ Ｐゴシック" pitchFamily="-110" charset="-128"/>
-              </a:rPr>
-              <a:t>through 65535 are open.</a:t>
-            </a:r>
-          </a:p>
-          <a:p>
-            <a:pPr eaLnBrk="1" hangingPunct="1"/>
-            <a:endParaRPr lang="en-US" dirty="0">
-              <a:ea typeface="ＭＳ Ｐゴシック" pitchFamily="-110" charset="-128"/>
-              <a:cs typeface="ＭＳ Ｐゴシック" pitchFamily="-110" charset="-128"/>
-            </a:endParaRPr>
-          </a:p>
-          <a:p>
-            <a:r>
-              <a:rPr lang="en-US" sz="1200" b="0" i="0" u="none" strike="noStrike" kern="1200" baseline="0" dirty="0">
-                <a:solidFill>
-                  <a:schemeClr val="tx1"/>
-                </a:solidFill>
-                <a:latin typeface="Arial" pitchFamily="-110" charset="0"/>
-                <a:ea typeface="ＭＳ Ｐゴシック" pitchFamily="-1" charset="-128"/>
-                <a:cs typeface="ＭＳ Ｐゴシック" pitchFamily="-1" charset="-128"/>
-              </a:rPr>
-              <a:t> For increased protection, advanced firewall features may be configured. For</a:t>
-            </a:r>
-          </a:p>
-          <a:p>
-            <a:r>
-              <a:rPr lang="en-US" sz="1200" b="0" i="0" u="none" strike="noStrike" kern="1200" baseline="0" dirty="0">
-                <a:solidFill>
-                  <a:schemeClr val="tx1"/>
-                </a:solidFill>
-                <a:latin typeface="Arial" pitchFamily="-110" charset="0"/>
-                <a:ea typeface="ＭＳ Ｐゴシック" pitchFamily="-1" charset="-128"/>
-                <a:cs typeface="ＭＳ Ｐゴシック" pitchFamily="-1" charset="-128"/>
-              </a:rPr>
-              <a:t>example, stealth mode hides the system on the Internet by dropping unsolicited</a:t>
-            </a:r>
-          </a:p>
-          <a:p>
-            <a:r>
-              <a:rPr lang="en-US" sz="1200" b="0" i="0" u="none" strike="noStrike" kern="1200" baseline="0" dirty="0">
-                <a:solidFill>
-                  <a:schemeClr val="tx1"/>
-                </a:solidFill>
-                <a:latin typeface="Arial" pitchFamily="-110" charset="0"/>
-                <a:ea typeface="ＭＳ Ｐゴシック" pitchFamily="-1" charset="-128"/>
-                <a:cs typeface="ＭＳ Ｐゴシック" pitchFamily="-1" charset="-128"/>
-              </a:rPr>
-              <a:t>communication packets, making it appear as though the system is not present.</a:t>
-            </a:r>
-          </a:p>
-          <a:p>
-            <a:r>
-              <a:rPr lang="en-US" sz="1200" b="0" i="0" u="none" strike="noStrike" kern="1200" baseline="0" dirty="0">
-                <a:solidFill>
-                  <a:schemeClr val="tx1"/>
-                </a:solidFill>
-                <a:latin typeface="Arial" pitchFamily="-110" charset="0"/>
-                <a:ea typeface="ＭＳ Ｐゴシック" pitchFamily="-1" charset="-128"/>
-                <a:cs typeface="ＭＳ Ｐゴシック" pitchFamily="-1" charset="-128"/>
-              </a:rPr>
-              <a:t>UDP packets can be blocked, restricting network traffic to TCP packets only for</a:t>
-            </a:r>
-          </a:p>
-          <a:p>
-            <a:r>
-              <a:rPr lang="en-US" sz="1200" b="0" i="0" u="none" strike="noStrike" kern="1200" baseline="0" dirty="0">
-                <a:solidFill>
-                  <a:schemeClr val="tx1"/>
-                </a:solidFill>
-                <a:latin typeface="Arial" pitchFamily="-110" charset="0"/>
-                <a:ea typeface="ＭＳ Ｐゴシック" pitchFamily="-1" charset="-128"/>
-                <a:cs typeface="ＭＳ Ｐゴシック" pitchFamily="-1" charset="-128"/>
-              </a:rPr>
-              <a:t>open ports. The firewall also supports logging, an important tool for checking on</a:t>
-            </a:r>
-          </a:p>
-          <a:p>
-            <a:r>
-              <a:rPr lang="en-US" sz="1200" b="0" i="0" u="none" strike="noStrike" kern="1200" baseline="0" dirty="0">
-                <a:solidFill>
-                  <a:schemeClr val="tx1"/>
-                </a:solidFill>
-                <a:latin typeface="Arial" pitchFamily="-110" charset="0"/>
-                <a:ea typeface="ＭＳ Ｐゴシック" pitchFamily="-1" charset="-128"/>
-                <a:cs typeface="ＭＳ Ｐゴシック" pitchFamily="-1" charset="-128"/>
-              </a:rPr>
-              <a:t>unwanted activity. Other types of personal firewall allow the user to specify that</a:t>
-            </a:r>
-          </a:p>
-          <a:p>
-            <a:r>
-              <a:rPr lang="en-US" sz="1200" b="0" i="0" u="none" strike="noStrike" kern="1200" baseline="0" dirty="0">
-                <a:solidFill>
-                  <a:schemeClr val="tx1"/>
-                </a:solidFill>
-                <a:latin typeface="Arial" pitchFamily="-110" charset="0"/>
-                <a:ea typeface="ＭＳ Ｐゴシック" pitchFamily="-1" charset="-128"/>
-                <a:cs typeface="ＭＳ Ｐゴシック" pitchFamily="-1" charset="-128"/>
-              </a:rPr>
-              <a:t>only selected applications, or applications signed by a valid certificate authority,</a:t>
-            </a:r>
-          </a:p>
-          <a:p>
-            <a:r>
-              <a:rPr lang="en-US" sz="1200" b="0" i="0" u="none" strike="noStrike" kern="1200" baseline="0" dirty="0">
-                <a:solidFill>
-                  <a:schemeClr val="tx1"/>
-                </a:solidFill>
-                <a:latin typeface="Arial" pitchFamily="-110" charset="0"/>
-                <a:ea typeface="ＭＳ Ｐゴシック" pitchFamily="-1" charset="-128"/>
-                <a:cs typeface="ＭＳ Ｐゴシック" pitchFamily="-1" charset="-128"/>
-              </a:rPr>
-              <a:t>may provide services accessed from the network.</a:t>
-            </a:r>
-            <a:endParaRPr lang="en-US" dirty="0">
-              <a:ea typeface="ＭＳ Ｐゴシック" pitchFamily="-110" charset="-128"/>
-              <a:cs typeface="ＭＳ Ｐゴシック" pitchFamily="-110" charset="-128"/>
-            </a:endParaRPr>
-          </a:p>
-          <a:p>
-            <a:endParaRPr lang="en-SE" dirty="0"/>
-          </a:p>
-        </p:txBody>
-      </p:sp>
-      <p:sp>
-        <p:nvSpPr>
-          <p:cNvPr id="4" name="Slide Number Placeholder 3"/>
-          <p:cNvSpPr>
-            <a:spLocks noGrp="1"/>
-          </p:cNvSpPr>
-          <p:nvPr>
-            <p:ph type="sldNum" sz="quarter" idx="5"/>
-          </p:nvPr>
-        </p:nvSpPr>
-        <p:spPr/>
-        <p:txBody>
-          <a:bodyPr/>
-          <a:lstStyle/>
-          <a:p>
-            <a:fld id="{F8560DBF-F109-8946-ADF0-EE66B221E988}" type="slidenum">
-              <a:rPr lang="en-AU" smtClean="0"/>
-              <a:pPr/>
-              <a:t>24</a:t>
-            </a:fld>
-            <a:endParaRPr lang="en-AU" dirty="0"/>
-          </a:p>
-        </p:txBody>
-      </p:sp>
-    </p:spTree>
-    <p:extLst>
-      <p:ext uri="{BB962C8B-B14F-4D97-AF65-F5344CB8AC3E}">
-        <p14:creationId xmlns:p14="http://schemas.microsoft.com/office/powerpoint/2010/main" val="3589294652"/>
-      </p:ext>
-    </p:extLst>
-  </p:cSld>
-  <p:clrMapOvr>
-    <a:masterClrMapping/>
-  </p:clrMapOvr>
-</p:notes>
-</file>
-
-<file path=ppt/notesSlides/notesSlide19.xml><?xml version="1.0" encoding="utf-8"?>
 <p:notes xmlns:a="http://schemas.openxmlformats.org/drawingml/2006/main" xmlns:r="http://schemas.openxmlformats.org/officeDocument/2006/relationships" xmlns:p="http://schemas.openxmlformats.org/presentationml/2006/main">
   <p:cSld>
     <p:spTree>
@@ -7234,7 +6645,7 @@
             <a:fld id="{B5FC92D1-BE43-354C-8381-B08FE53CA8FE}" type="slidenum">
               <a:rPr lang="en-AU"/>
               <a:pPr/>
-              <a:t>26</a:t>
+              <a:t>24</a:t>
             </a:fld>
             <a:endParaRPr lang="en-AU"/>
           </a:p>
@@ -7411,6 +6822,925 @@
     <p:extLst>
       <p:ext uri="{BB962C8B-B14F-4D97-AF65-F5344CB8AC3E}">
         <p14:creationId xmlns:p14="http://schemas.microsoft.com/office/powerpoint/2010/main" val="4223891124"/>
+      </p:ext>
+    </p:extLst>
+  </p:cSld>
+  <p:clrMapOvr>
+    <a:masterClrMapping/>
+  </p:clrMapOvr>
+</p:notes>
+</file>
+
+<file path=ppt/notesSlides/notesSlide18.xml><?xml version="1.0" encoding="utf-8"?>
+<p:notes xmlns:a="http://schemas.openxmlformats.org/drawingml/2006/main" xmlns:r="http://schemas.openxmlformats.org/officeDocument/2006/relationships" xmlns:p="http://schemas.openxmlformats.org/presentationml/2006/main">
+  <p:cSld>
+    <p:spTree>
+      <p:nvGrpSpPr>
+        <p:cNvPr id="1" name=""/>
+        <p:cNvGrpSpPr/>
+        <p:nvPr/>
+      </p:nvGrpSpPr>
+      <p:grpSpPr>
+        <a:xfrm>
+          <a:off x="0" y="0"/>
+          <a:ext cx="0" cy="0"/>
+          <a:chOff x="0" y="0"/>
+          <a:chExt cx="0" cy="0"/>
+        </a:xfrm>
+      </p:grpSpPr>
+      <p:sp>
+        <p:nvSpPr>
+          <p:cNvPr id="2" name="幻灯片图像占位符 1"/>
+          <p:cNvSpPr>
+            <a:spLocks noGrp="1" noRot="1" noChangeAspect="1"/>
+          </p:cNvSpPr>
+          <p:nvPr>
+            <p:ph type="sldImg"/>
+          </p:nvPr>
+        </p:nvSpPr>
+        <p:spPr/>
+      </p:sp>
+      <p:sp>
+        <p:nvSpPr>
+          <p:cNvPr id="3" name="备注占位符 2"/>
+          <p:cNvSpPr>
+            <a:spLocks noGrp="1"/>
+          </p:cNvSpPr>
+          <p:nvPr>
+            <p:ph type="body" idx="1"/>
+          </p:nvPr>
+        </p:nvSpPr>
+        <p:spPr/>
+        <p:txBody>
+          <a:bodyPr/>
+          <a:lstStyle/>
+          <a:p>
+            <a:pPr eaLnBrk="1" hangingPunct="1"/>
+            <a:endParaRPr lang="en-US" altLang="zh-CN" b="0" dirty="0">
+              <a:ea typeface="ＭＳ Ｐゴシック" pitchFamily="-110" charset="-128"/>
+              <a:cs typeface="ＭＳ Ｐゴシック" pitchFamily="-110" charset="-128"/>
+            </a:endParaRPr>
+          </a:p>
+          <a:p>
+            <a:pPr eaLnBrk="1" hangingPunct="1"/>
+            <a:r>
+              <a:rPr lang="en-US" altLang="zh-CN" b="0" dirty="0">
+                <a:ea typeface="ＭＳ Ｐゴシック" pitchFamily="-110" charset="-128"/>
+                <a:cs typeface="ＭＳ Ｐゴシック" pitchFamily="-110" charset="-128"/>
+              </a:rPr>
+              <a:t>The external firewall provides a measure of access control and protection for</a:t>
+            </a:r>
+          </a:p>
+          <a:p>
+            <a:pPr eaLnBrk="1" hangingPunct="1"/>
+            <a:r>
+              <a:rPr lang="en-US" altLang="zh-CN" b="0" dirty="0">
+                <a:ea typeface="ＭＳ Ｐゴシック" pitchFamily="-110" charset="-128"/>
+                <a:cs typeface="ＭＳ Ｐゴシック" pitchFamily="-110" charset="-128"/>
+              </a:rPr>
+              <a:t>the DMZ systems consistent with their need for external connectivity. The external</a:t>
+            </a:r>
+          </a:p>
+          <a:p>
+            <a:pPr eaLnBrk="1" hangingPunct="1"/>
+            <a:r>
+              <a:rPr lang="en-US" altLang="zh-CN" b="0" dirty="0">
+                <a:ea typeface="ＭＳ Ｐゴシック" pitchFamily="-110" charset="-128"/>
+                <a:cs typeface="ＭＳ Ｐゴシック" pitchFamily="-110" charset="-128"/>
+              </a:rPr>
+              <a:t>firewall also provides a basic level of protection for the remainder of the enterprise</a:t>
+            </a:r>
+          </a:p>
+          <a:p>
+            <a:pPr eaLnBrk="1" hangingPunct="1"/>
+            <a:r>
+              <a:rPr lang="en-US" altLang="zh-CN" b="0" dirty="0">
+                <a:ea typeface="ＭＳ Ｐゴシック" pitchFamily="-110" charset="-128"/>
+                <a:cs typeface="ＭＳ Ｐゴシック" pitchFamily="-110" charset="-128"/>
+              </a:rPr>
+              <a:t>network. In this type of configuration, internal firewalls serve three purposes:</a:t>
+            </a:r>
+          </a:p>
+          <a:p>
+            <a:pPr eaLnBrk="1" hangingPunct="1"/>
+            <a:endParaRPr lang="en-US" altLang="zh-CN" b="0" dirty="0">
+              <a:ea typeface="ＭＳ Ｐゴシック" pitchFamily="-110" charset="-128"/>
+              <a:cs typeface="ＭＳ Ｐゴシック" pitchFamily="-110" charset="-128"/>
+            </a:endParaRPr>
+          </a:p>
+          <a:p>
+            <a:pPr eaLnBrk="1" hangingPunct="1"/>
+            <a:r>
+              <a:rPr lang="en-US" altLang="zh-CN" b="0" dirty="0">
+                <a:ea typeface="ＭＳ Ｐゴシック" pitchFamily="-110" charset="-128"/>
+                <a:cs typeface="ＭＳ Ｐゴシック" pitchFamily="-110" charset="-128"/>
+              </a:rPr>
+              <a:t>1. The internal firewall adds more stringent filtering capability, compared to the</a:t>
+            </a:r>
+          </a:p>
+          <a:p>
+            <a:pPr eaLnBrk="1" hangingPunct="1"/>
+            <a:r>
+              <a:rPr lang="en-US" altLang="zh-CN" b="0" dirty="0">
+                <a:ea typeface="ＭＳ Ｐゴシック" pitchFamily="-110" charset="-128"/>
+                <a:cs typeface="ＭＳ Ｐゴシック" pitchFamily="-110" charset="-128"/>
+              </a:rPr>
+              <a:t>external firewall, in order to protect enterprise servers and workstations from</a:t>
+            </a:r>
+          </a:p>
+          <a:p>
+            <a:pPr eaLnBrk="1" hangingPunct="1"/>
+            <a:r>
+              <a:rPr lang="en-US" altLang="zh-CN" b="0" dirty="0">
+                <a:ea typeface="ＭＳ Ｐゴシック" pitchFamily="-110" charset="-128"/>
+                <a:cs typeface="ＭＳ Ｐゴシック" pitchFamily="-110" charset="-128"/>
+              </a:rPr>
+              <a:t>external attack.</a:t>
+            </a:r>
+          </a:p>
+          <a:p>
+            <a:pPr eaLnBrk="1" hangingPunct="1"/>
+            <a:endParaRPr lang="en-US" altLang="zh-CN" b="0" dirty="0">
+              <a:ea typeface="ＭＳ Ｐゴシック" pitchFamily="-110" charset="-128"/>
+              <a:cs typeface="ＭＳ Ｐゴシック" pitchFamily="-110" charset="-128"/>
+            </a:endParaRPr>
+          </a:p>
+          <a:p>
+            <a:pPr eaLnBrk="1" hangingPunct="1"/>
+            <a:r>
+              <a:rPr lang="en-US" altLang="zh-CN" b="0" dirty="0">
+                <a:ea typeface="ＭＳ Ｐゴシック" pitchFamily="-110" charset="-128"/>
+                <a:cs typeface="ＭＳ Ｐゴシック" pitchFamily="-110" charset="-128"/>
+              </a:rPr>
+              <a:t>2. The internal firewall provides two-way protection with respect to the DMZ.</a:t>
+            </a:r>
+          </a:p>
+          <a:p>
+            <a:pPr eaLnBrk="1" hangingPunct="1"/>
+            <a:r>
+              <a:rPr lang="en-US" altLang="zh-CN" b="0" dirty="0">
+                <a:ea typeface="ＭＳ Ｐゴシック" pitchFamily="-110" charset="-128"/>
+                <a:cs typeface="ＭＳ Ｐゴシック" pitchFamily="-110" charset="-128"/>
+              </a:rPr>
+              <a:t>First, the internal firewall protects the remainder of the network from attacks</a:t>
+            </a:r>
+          </a:p>
+          <a:p>
+            <a:pPr eaLnBrk="1" hangingPunct="1"/>
+            <a:r>
+              <a:rPr lang="en-US" altLang="zh-CN" b="0" dirty="0">
+                <a:ea typeface="ＭＳ Ｐゴシック" pitchFamily="-110" charset="-128"/>
+                <a:cs typeface="ＭＳ Ｐゴシック" pitchFamily="-110" charset="-128"/>
+              </a:rPr>
+              <a:t>launched from DMZ systems. Such attacks might originate from worms, rootkits,</a:t>
+            </a:r>
+          </a:p>
+          <a:p>
+            <a:pPr eaLnBrk="1" hangingPunct="1"/>
+            <a:r>
+              <a:rPr lang="en-US" altLang="zh-CN" b="0" dirty="0">
+                <a:ea typeface="ＭＳ Ｐゴシック" pitchFamily="-110" charset="-128"/>
+                <a:cs typeface="ＭＳ Ｐゴシック" pitchFamily="-110" charset="-128"/>
+              </a:rPr>
+              <a:t>bots, or other malware lodged in a DMZ system. Second, an internal firewall can</a:t>
+            </a:r>
+          </a:p>
+          <a:p>
+            <a:pPr eaLnBrk="1" hangingPunct="1"/>
+            <a:r>
+              <a:rPr lang="en-US" altLang="zh-CN" b="0" dirty="0">
+                <a:ea typeface="ＭＳ Ｐゴシック" pitchFamily="-110" charset="-128"/>
+                <a:cs typeface="ＭＳ Ｐゴシック" pitchFamily="-110" charset="-128"/>
+              </a:rPr>
+              <a:t>protect the DMZ systems from attack from the internal protected network.</a:t>
+            </a:r>
+          </a:p>
+          <a:p>
+            <a:pPr eaLnBrk="1" hangingPunct="1"/>
+            <a:endParaRPr lang="en-US" altLang="zh-CN" b="0" dirty="0">
+              <a:ea typeface="ＭＳ Ｐゴシック" pitchFamily="-110" charset="-128"/>
+              <a:cs typeface="ＭＳ Ｐゴシック" pitchFamily="-110" charset="-128"/>
+            </a:endParaRPr>
+          </a:p>
+          <a:p>
+            <a:pPr eaLnBrk="1" hangingPunct="1"/>
+            <a:r>
+              <a:rPr lang="en-US" altLang="zh-CN" b="0" dirty="0">
+                <a:ea typeface="ＭＳ Ｐゴシック" pitchFamily="-110" charset="-128"/>
+                <a:cs typeface="ＭＳ Ｐゴシック" pitchFamily="-110" charset="-128"/>
+              </a:rPr>
+              <a:t>3. Multiple internal firewalls can be used to protect portions of the internal</a:t>
+            </a:r>
+          </a:p>
+          <a:p>
+            <a:pPr eaLnBrk="1" hangingPunct="1"/>
+            <a:r>
+              <a:rPr lang="en-US" altLang="zh-CN" b="0" dirty="0">
+                <a:ea typeface="ＭＳ Ｐゴシック" pitchFamily="-110" charset="-128"/>
+                <a:cs typeface="ＭＳ Ｐゴシック" pitchFamily="-110" charset="-128"/>
+              </a:rPr>
+              <a:t>network from each other. Figure 8.5 (network intrusion detection system)</a:t>
+            </a:r>
+          </a:p>
+          <a:p>
+            <a:pPr eaLnBrk="1" hangingPunct="1"/>
+            <a:r>
+              <a:rPr lang="en-US" altLang="zh-CN" b="0" dirty="0">
+                <a:ea typeface="ＭＳ Ｐゴシック" pitchFamily="-110" charset="-128"/>
+                <a:cs typeface="ＭＳ Ｐゴシック" pitchFamily="-110" charset="-128"/>
+              </a:rPr>
+              <a:t>shows a configuration in which the internal servers are protected from internal</a:t>
+            </a:r>
+          </a:p>
+          <a:p>
+            <a:pPr eaLnBrk="1" hangingPunct="1"/>
+            <a:r>
+              <a:rPr lang="en-US" altLang="zh-CN" b="0" dirty="0">
+                <a:ea typeface="ＭＳ Ｐゴシック" pitchFamily="-110" charset="-128"/>
+                <a:cs typeface="ＭＳ Ｐゴシック" pitchFamily="-110" charset="-128"/>
+              </a:rPr>
+              <a:t>workstations and vice versa. It also illustrates the common practice of placing</a:t>
+            </a:r>
+          </a:p>
+          <a:p>
+            <a:pPr eaLnBrk="1" hangingPunct="1"/>
+            <a:r>
+              <a:rPr lang="en-US" altLang="zh-CN" b="0" dirty="0">
+                <a:ea typeface="ＭＳ Ｐゴシック" pitchFamily="-110" charset="-128"/>
+                <a:cs typeface="ＭＳ Ｐゴシック" pitchFamily="-110" charset="-128"/>
+              </a:rPr>
+              <a:t>the DMZ on a different network interface on the external firewall from that</a:t>
+            </a:r>
+          </a:p>
+          <a:p>
+            <a:pPr eaLnBrk="1" hangingPunct="1"/>
+            <a:r>
+              <a:rPr lang="en-US" altLang="zh-CN" b="0" dirty="0">
+                <a:ea typeface="ＭＳ Ｐゴシック" pitchFamily="-110" charset="-128"/>
+                <a:cs typeface="ＭＳ Ｐゴシック" pitchFamily="-110" charset="-128"/>
+              </a:rPr>
+              <a:t>used to access the internal networks.</a:t>
+            </a:r>
+            <a:endParaRPr lang="en-US" altLang="zh-CN" b="0" dirty="0">
+              <a:latin typeface="Times New Roman" pitchFamily="-110" charset="0"/>
+              <a:ea typeface="ＭＳ Ｐゴシック" pitchFamily="-110" charset="-128"/>
+              <a:cs typeface="ＭＳ Ｐゴシック" pitchFamily="-110" charset="-128"/>
+            </a:endParaRPr>
+          </a:p>
+          <a:p>
+            <a:endParaRPr lang="zh-CN" altLang="en-US" dirty="0"/>
+          </a:p>
+        </p:txBody>
+      </p:sp>
+      <p:sp>
+        <p:nvSpPr>
+          <p:cNvPr id="4" name="灯片编号占位符 3"/>
+          <p:cNvSpPr>
+            <a:spLocks noGrp="1"/>
+          </p:cNvSpPr>
+          <p:nvPr>
+            <p:ph type="sldNum" sz="quarter" idx="10"/>
+          </p:nvPr>
+        </p:nvSpPr>
+        <p:spPr/>
+        <p:txBody>
+          <a:bodyPr/>
+          <a:lstStyle/>
+          <a:p>
+            <a:pPr>
+              <a:defRPr/>
+            </a:pPr>
+            <a:fld id="{CB9A57B6-678D-4943-9AEF-24E9B821E96F}" type="slidenum">
+              <a:rPr lang="en-AU" smtClean="0"/>
+              <a:pPr>
+                <a:defRPr/>
+              </a:pPr>
+              <a:t>25</a:t>
+            </a:fld>
+            <a:endParaRPr lang="en-AU"/>
+          </a:p>
+        </p:txBody>
+      </p:sp>
+    </p:spTree>
+    <p:extLst>
+      <p:ext uri="{BB962C8B-B14F-4D97-AF65-F5344CB8AC3E}">
+        <p14:creationId xmlns:p14="http://schemas.microsoft.com/office/powerpoint/2010/main" val="2149424628"/>
+      </p:ext>
+    </p:extLst>
+  </p:cSld>
+  <p:clrMapOvr>
+    <a:masterClrMapping/>
+  </p:clrMapOvr>
+</p:notes>
+</file>
+
+<file path=ppt/notesSlides/notesSlide19.xml><?xml version="1.0" encoding="utf-8"?>
+<p:notes xmlns:a="http://schemas.openxmlformats.org/drawingml/2006/main" xmlns:r="http://schemas.openxmlformats.org/officeDocument/2006/relationships" xmlns:p="http://schemas.openxmlformats.org/presentationml/2006/main">
+  <p:cSld>
+    <p:spTree>
+      <p:nvGrpSpPr>
+        <p:cNvPr id="1" name=""/>
+        <p:cNvGrpSpPr/>
+        <p:nvPr/>
+      </p:nvGrpSpPr>
+      <p:grpSpPr>
+        <a:xfrm>
+          <a:off x="0" y="0"/>
+          <a:ext cx="0" cy="0"/>
+          <a:chOff x="0" y="0"/>
+          <a:chExt cx="0" cy="0"/>
+        </a:xfrm>
+      </p:grpSpPr>
+      <p:sp>
+        <p:nvSpPr>
+          <p:cNvPr id="55298" name="Rectangle 7"/>
+          <p:cNvSpPr>
+            <a:spLocks noGrp="1" noChangeArrowheads="1"/>
+          </p:cNvSpPr>
+          <p:nvPr>
+            <p:ph type="sldNum" sz="quarter" idx="5"/>
+          </p:nvPr>
+        </p:nvSpPr>
+        <p:spPr>
+          <a:noFill/>
+        </p:spPr>
+        <p:txBody>
+          <a:bodyPr/>
+          <a:lstStyle/>
+          <a:p>
+            <a:fld id="{A1758479-2C1A-5D47-9E31-B4A657822F28}" type="slidenum">
+              <a:rPr lang="en-AU"/>
+              <a:pPr/>
+              <a:t>26</a:t>
+            </a:fld>
+            <a:endParaRPr lang="en-AU"/>
+          </a:p>
+        </p:txBody>
+      </p:sp>
+      <p:sp>
+        <p:nvSpPr>
+          <p:cNvPr id="55299" name="Rectangle 2"/>
+          <p:cNvSpPr>
+            <a:spLocks noGrp="1" noRot="1" noChangeAspect="1" noChangeArrowheads="1" noTextEdit="1"/>
+          </p:cNvSpPr>
+          <p:nvPr>
+            <p:ph type="sldImg"/>
+          </p:nvPr>
+        </p:nvSpPr>
+        <p:spPr>
+          <a:ln/>
+        </p:spPr>
+      </p:sp>
+      <p:sp>
+        <p:nvSpPr>
+          <p:cNvPr id="55300" name="Rectangle 3"/>
+          <p:cNvSpPr>
+            <a:spLocks noGrp="1" noChangeArrowheads="1"/>
+          </p:cNvSpPr>
+          <p:nvPr>
+            <p:ph type="body" idx="1"/>
+          </p:nvPr>
+        </p:nvSpPr>
+        <p:spPr>
+          <a:noFill/>
+          <a:ln/>
+        </p:spPr>
+        <p:txBody>
+          <a:bodyPr/>
+          <a:lstStyle/>
+          <a:p>
+            <a:pPr eaLnBrk="1" hangingPunct="1"/>
+            <a:r>
+              <a:rPr lang="en-US" dirty="0">
+                <a:ea typeface="ＭＳ Ｐゴシック" pitchFamily="-110" charset="-128"/>
+                <a:cs typeface="ＭＳ Ｐゴシック" pitchFamily="-110" charset="-128"/>
+              </a:rPr>
+              <a:t>In today’s distributed computing environment, the </a:t>
+            </a:r>
+            <a:r>
+              <a:rPr lang="en-US" b="1" dirty="0">
+                <a:ea typeface="ＭＳ Ｐゴシック" pitchFamily="-110" charset="-128"/>
+                <a:cs typeface="ＭＳ Ｐゴシック" pitchFamily="-110" charset="-128"/>
+              </a:rPr>
+              <a:t>virtual private network (VPN)</a:t>
+            </a:r>
+          </a:p>
+          <a:p>
+            <a:pPr eaLnBrk="1" hangingPunct="1"/>
+            <a:r>
+              <a:rPr lang="en-US" dirty="0">
+                <a:ea typeface="ＭＳ Ｐゴシック" pitchFamily="-110" charset="-128"/>
+                <a:cs typeface="ＭＳ Ｐゴシック" pitchFamily="-110" charset="-128"/>
+              </a:rPr>
+              <a:t>offers an attractive solution to network managers. In essence, a VPN consists of</a:t>
+            </a:r>
+          </a:p>
+          <a:p>
+            <a:pPr eaLnBrk="1" hangingPunct="1"/>
+            <a:r>
+              <a:rPr lang="en-US" dirty="0">
+                <a:ea typeface="ＭＳ Ｐゴシック" pitchFamily="-110" charset="-128"/>
+                <a:cs typeface="ＭＳ Ｐゴシック" pitchFamily="-110" charset="-128"/>
+              </a:rPr>
+              <a:t>a set of computers that interconnect by means of a relatively unsecure network</a:t>
+            </a:r>
+          </a:p>
+          <a:p>
+            <a:pPr eaLnBrk="1" hangingPunct="1"/>
+            <a:r>
+              <a:rPr lang="en-US" dirty="0">
+                <a:ea typeface="ＭＳ Ｐゴシック" pitchFamily="-110" charset="-128"/>
+                <a:cs typeface="ＭＳ Ｐゴシック" pitchFamily="-110" charset="-128"/>
+              </a:rPr>
+              <a:t>and that make use of encryption and special protocols to provide security. At each</a:t>
+            </a:r>
+          </a:p>
+          <a:p>
+            <a:pPr eaLnBrk="1" hangingPunct="1"/>
+            <a:r>
+              <a:rPr lang="en-US" dirty="0">
+                <a:ea typeface="ＭＳ Ｐゴシック" pitchFamily="-110" charset="-128"/>
+                <a:cs typeface="ＭＳ Ｐゴシック" pitchFamily="-110" charset="-128"/>
+              </a:rPr>
+              <a:t>corporate site, workstations, servers, and databases are linked by one or more local</a:t>
+            </a:r>
+          </a:p>
+          <a:p>
+            <a:pPr eaLnBrk="1" hangingPunct="1"/>
+            <a:r>
+              <a:rPr lang="en-US" dirty="0">
+                <a:ea typeface="ＭＳ Ｐゴシック" pitchFamily="-110" charset="-128"/>
+                <a:cs typeface="ＭＳ Ｐゴシック" pitchFamily="-110" charset="-128"/>
+              </a:rPr>
+              <a:t>area networks (LANs). The Internet or some other public network can be used to</a:t>
+            </a:r>
+          </a:p>
+          <a:p>
+            <a:pPr eaLnBrk="1" hangingPunct="1"/>
+            <a:r>
+              <a:rPr lang="en-US" dirty="0">
+                <a:ea typeface="ＭＳ Ｐゴシック" pitchFamily="-110" charset="-128"/>
+                <a:cs typeface="ＭＳ Ｐゴシック" pitchFamily="-110" charset="-128"/>
+              </a:rPr>
+              <a:t>interconnect sites, providing a cost savings over the use of a private network and</a:t>
+            </a:r>
+          </a:p>
+          <a:p>
+            <a:pPr eaLnBrk="1" hangingPunct="1"/>
+            <a:r>
+              <a:rPr lang="en-US" dirty="0">
+                <a:ea typeface="ＭＳ Ｐゴシック" pitchFamily="-110" charset="-128"/>
+                <a:cs typeface="ＭＳ Ｐゴシック" pitchFamily="-110" charset="-128"/>
+              </a:rPr>
+              <a:t>offloading the wide area network management task to the public network provider.</a:t>
+            </a:r>
+          </a:p>
+          <a:p>
+            <a:pPr eaLnBrk="1" hangingPunct="1"/>
+            <a:r>
+              <a:rPr lang="en-US" dirty="0">
+                <a:ea typeface="ＭＳ Ｐゴシック" pitchFamily="-110" charset="-128"/>
+                <a:cs typeface="ＭＳ Ｐゴシック" pitchFamily="-110" charset="-128"/>
+              </a:rPr>
+              <a:t>That same public network provides an access path for telecommuters and other</a:t>
+            </a:r>
+          </a:p>
+          <a:p>
+            <a:pPr eaLnBrk="1" hangingPunct="1"/>
+            <a:r>
+              <a:rPr lang="en-US" dirty="0">
+                <a:ea typeface="ＭＳ Ｐゴシック" pitchFamily="-110" charset="-128"/>
+                <a:cs typeface="ＭＳ Ｐゴシック" pitchFamily="-110" charset="-128"/>
+              </a:rPr>
+              <a:t>mobile employees to log on to corporate systems from remote sites.</a:t>
+            </a:r>
+          </a:p>
+          <a:p>
+            <a:pPr eaLnBrk="1" hangingPunct="1"/>
+            <a:endParaRPr lang="en-US" dirty="0">
+              <a:ea typeface="ＭＳ Ｐゴシック" pitchFamily="-110" charset="-128"/>
+              <a:cs typeface="ＭＳ Ｐゴシック" pitchFamily="-110" charset="-128"/>
+            </a:endParaRPr>
+          </a:p>
+          <a:p>
+            <a:pPr eaLnBrk="1" hangingPunct="1"/>
+            <a:r>
+              <a:rPr lang="en-US" dirty="0">
+                <a:ea typeface="ＭＳ Ｐゴシック" pitchFamily="-110" charset="-128"/>
+                <a:cs typeface="ＭＳ Ｐゴシック" pitchFamily="-110" charset="-128"/>
+              </a:rPr>
+              <a:t>But the manager faces a fundamental requirement: security. Use of a public</a:t>
+            </a:r>
+          </a:p>
+          <a:p>
+            <a:pPr eaLnBrk="1" hangingPunct="1"/>
+            <a:r>
+              <a:rPr lang="en-US" dirty="0">
+                <a:ea typeface="ＭＳ Ｐゴシック" pitchFamily="-110" charset="-128"/>
+                <a:cs typeface="ＭＳ Ｐゴシック" pitchFamily="-110" charset="-128"/>
+              </a:rPr>
+              <a:t>network exposes corporate traffic to eavesdropping and provides an entry point for</a:t>
+            </a:r>
+          </a:p>
+          <a:p>
+            <a:pPr eaLnBrk="1" hangingPunct="1"/>
+            <a:r>
+              <a:rPr lang="en-US" dirty="0">
+                <a:ea typeface="ＭＳ Ｐゴシック" pitchFamily="-110" charset="-128"/>
+                <a:cs typeface="ＭＳ Ｐゴシック" pitchFamily="-110" charset="-128"/>
+              </a:rPr>
+              <a:t>unauthorized users. To counter this problem, a VPN is needed. In essence, a VPN</a:t>
+            </a:r>
+          </a:p>
+          <a:p>
+            <a:pPr eaLnBrk="1" hangingPunct="1"/>
+            <a:r>
+              <a:rPr lang="en-US" dirty="0">
+                <a:ea typeface="ＭＳ Ｐゴシック" pitchFamily="-110" charset="-128"/>
+                <a:cs typeface="ＭＳ Ｐゴシック" pitchFamily="-110" charset="-128"/>
+              </a:rPr>
+              <a:t>uses encryption and authentication in the lower protocol layers to provide a secure</a:t>
+            </a:r>
+          </a:p>
+          <a:p>
+            <a:pPr eaLnBrk="1" hangingPunct="1"/>
+            <a:r>
+              <a:rPr lang="en-US" dirty="0">
+                <a:ea typeface="ＭＳ Ｐゴシック" pitchFamily="-110" charset="-128"/>
+                <a:cs typeface="ＭＳ Ｐゴシック" pitchFamily="-110" charset="-128"/>
+              </a:rPr>
+              <a:t>connection through an otherwise insecure network, typically the Internet. VPNs are</a:t>
+            </a:r>
+          </a:p>
+          <a:p>
+            <a:pPr eaLnBrk="1" hangingPunct="1"/>
+            <a:r>
+              <a:rPr lang="en-US" dirty="0">
+                <a:ea typeface="ＭＳ Ｐゴシック" pitchFamily="-110" charset="-128"/>
+                <a:cs typeface="ＭＳ Ｐゴシック" pitchFamily="-110" charset="-128"/>
+              </a:rPr>
+              <a:t>generally cheaper than real private networks using private lines but rely on having</a:t>
+            </a:r>
+          </a:p>
+          <a:p>
+            <a:pPr eaLnBrk="1" hangingPunct="1"/>
+            <a:r>
+              <a:rPr lang="en-US" dirty="0">
+                <a:ea typeface="ＭＳ Ｐゴシック" pitchFamily="-110" charset="-128"/>
+                <a:cs typeface="ＭＳ Ｐゴシック" pitchFamily="-110" charset="-128"/>
+              </a:rPr>
+              <a:t>the same encryption and authentication system at both ends. The encryption may</a:t>
+            </a:r>
+          </a:p>
+          <a:p>
+            <a:pPr eaLnBrk="1" hangingPunct="1"/>
+            <a:r>
+              <a:rPr lang="en-US" dirty="0">
+                <a:ea typeface="ＭＳ Ｐゴシック" pitchFamily="-110" charset="-128"/>
+                <a:cs typeface="ＭＳ Ｐゴシック" pitchFamily="-110" charset="-128"/>
+              </a:rPr>
+              <a:t>be performed by firewall software or possibly by routers. The most common protocol</a:t>
+            </a:r>
+          </a:p>
+          <a:p>
+            <a:pPr eaLnBrk="1" hangingPunct="1"/>
+            <a:r>
+              <a:rPr lang="en-US" dirty="0">
+                <a:ea typeface="ＭＳ Ｐゴシック" pitchFamily="-110" charset="-128"/>
+                <a:cs typeface="ＭＳ Ｐゴシック" pitchFamily="-110" charset="-128"/>
+              </a:rPr>
+              <a:t>mechanism used for this purpose is at the IP level and is known as IPSec.</a:t>
+            </a:r>
+          </a:p>
+          <a:p>
+            <a:pPr eaLnBrk="1" hangingPunct="1"/>
+            <a:endParaRPr lang="en-US" dirty="0">
+              <a:ea typeface="ＭＳ Ｐゴシック" pitchFamily="-110" charset="-128"/>
+              <a:cs typeface="ＭＳ Ｐゴシック" pitchFamily="-110" charset="-128"/>
+            </a:endParaRPr>
+          </a:p>
+          <a:p>
+            <a:r>
+              <a:rPr lang="en-US" sz="1200" b="0" i="0" u="none" strike="noStrike" kern="1200" baseline="0" dirty="0">
+                <a:solidFill>
+                  <a:schemeClr val="tx1"/>
+                </a:solidFill>
+                <a:latin typeface="Arial" pitchFamily="-110" charset="0"/>
+                <a:ea typeface="ＭＳ Ｐゴシック" pitchFamily="-1" charset="-128"/>
+                <a:cs typeface="ＭＳ Ｐゴシック" pitchFamily="-1" charset="-128"/>
+              </a:rPr>
+              <a:t> Figure 9.3 is a typical scenario of IPSec usage.  An organization maintains</a:t>
+            </a:r>
+          </a:p>
+          <a:p>
+            <a:r>
+              <a:rPr lang="en-US" sz="1200" b="0" i="0" u="none" strike="noStrike" kern="1200" baseline="0" dirty="0">
+                <a:solidFill>
+                  <a:schemeClr val="tx1"/>
+                </a:solidFill>
+                <a:latin typeface="Arial" pitchFamily="-110" charset="0"/>
+                <a:ea typeface="ＭＳ Ｐゴシック" pitchFamily="-1" charset="-128"/>
+                <a:cs typeface="ＭＳ Ｐゴシック" pitchFamily="-1" charset="-128"/>
+              </a:rPr>
+              <a:t>LANs at dispersed locations. </a:t>
+            </a:r>
+            <a:r>
+              <a:rPr lang="en-US" sz="1200" b="0" i="0" u="none" strike="noStrike" kern="1200" baseline="0" dirty="0" err="1">
+                <a:solidFill>
+                  <a:schemeClr val="tx1"/>
+                </a:solidFill>
+                <a:latin typeface="Arial" pitchFamily="-110" charset="0"/>
+                <a:ea typeface="ＭＳ Ｐゴシック" pitchFamily="-1" charset="-128"/>
+                <a:cs typeface="ＭＳ Ｐゴシック" pitchFamily="-1" charset="-128"/>
+              </a:rPr>
+              <a:t>Nonsecure</a:t>
+            </a:r>
+            <a:r>
+              <a:rPr lang="en-US" sz="1200" b="0" i="0" u="none" strike="noStrike" kern="1200" baseline="0" dirty="0">
+                <a:solidFill>
+                  <a:schemeClr val="tx1"/>
+                </a:solidFill>
+                <a:latin typeface="Arial" pitchFamily="-110" charset="0"/>
+                <a:ea typeface="ＭＳ Ｐゴシック" pitchFamily="-1" charset="-128"/>
+                <a:cs typeface="ＭＳ Ｐゴシック" pitchFamily="-1" charset="-128"/>
+              </a:rPr>
+              <a:t> IP traffic is used on each LAN. For traffic</a:t>
+            </a:r>
+          </a:p>
+          <a:p>
+            <a:r>
+              <a:rPr lang="en-US" sz="1200" b="0" i="0" u="none" strike="noStrike" kern="1200" baseline="0" dirty="0">
+                <a:solidFill>
+                  <a:schemeClr val="tx1"/>
+                </a:solidFill>
+                <a:latin typeface="Arial" pitchFamily="-110" charset="0"/>
+                <a:ea typeface="ＭＳ Ｐゴシック" pitchFamily="-1" charset="-128"/>
+                <a:cs typeface="ＭＳ Ｐゴシック" pitchFamily="-1" charset="-128"/>
+              </a:rPr>
+              <a:t>off site, through some sort of private or public WAN, IPSec protocols are used.</a:t>
+            </a:r>
+          </a:p>
+          <a:p>
+            <a:r>
+              <a:rPr lang="en-US" sz="1200" b="0" i="0" u="none" strike="noStrike" kern="1200" baseline="0" dirty="0">
+                <a:solidFill>
+                  <a:schemeClr val="tx1"/>
+                </a:solidFill>
+                <a:latin typeface="Arial" pitchFamily="-110" charset="0"/>
+                <a:ea typeface="ＭＳ Ｐゴシック" pitchFamily="-1" charset="-128"/>
+                <a:cs typeface="ＭＳ Ｐゴシック" pitchFamily="-1" charset="-128"/>
+              </a:rPr>
+              <a:t>These protocols operate in networking devices, such as a router or firewall, that</a:t>
+            </a:r>
+          </a:p>
+          <a:p>
+            <a:r>
+              <a:rPr lang="en-US" sz="1200" b="0" i="0" u="none" strike="noStrike" kern="1200" baseline="0" dirty="0">
+                <a:solidFill>
+                  <a:schemeClr val="tx1"/>
+                </a:solidFill>
+                <a:latin typeface="Arial" pitchFamily="-110" charset="0"/>
+                <a:ea typeface="ＭＳ Ｐゴシック" pitchFamily="-1" charset="-128"/>
+                <a:cs typeface="ＭＳ Ｐゴシック" pitchFamily="-1" charset="-128"/>
+              </a:rPr>
+              <a:t>connect each LAN to the outside world. The IPSec networking device will typically</a:t>
+            </a:r>
+          </a:p>
+          <a:p>
+            <a:r>
+              <a:rPr lang="en-US" sz="1200" b="0" i="0" u="none" strike="noStrike" kern="1200" baseline="0" dirty="0">
+                <a:solidFill>
+                  <a:schemeClr val="tx1"/>
+                </a:solidFill>
+                <a:latin typeface="Arial" pitchFamily="-110" charset="0"/>
+                <a:ea typeface="ＭＳ Ｐゴシック" pitchFamily="-1" charset="-128"/>
+                <a:cs typeface="ＭＳ Ｐゴシック" pitchFamily="-1" charset="-128"/>
+              </a:rPr>
+              <a:t>encrypt and compress all traffic going into the WAN and decrypt and </a:t>
+            </a:r>
+            <a:r>
+              <a:rPr lang="en-US" sz="1200" b="0" i="0" u="none" strike="noStrike" kern="1200" baseline="0" dirty="0" err="1">
+                <a:solidFill>
+                  <a:schemeClr val="tx1"/>
+                </a:solidFill>
+                <a:latin typeface="Arial" pitchFamily="-110" charset="0"/>
+                <a:ea typeface="ＭＳ Ｐゴシック" pitchFamily="-1" charset="-128"/>
+                <a:cs typeface="ＭＳ Ｐゴシック" pitchFamily="-1" charset="-128"/>
+              </a:rPr>
+              <a:t>uncompress</a:t>
+            </a:r>
+            <a:endParaRPr lang="en-US" sz="1200" b="0" i="0" u="none" strike="noStrike" kern="1200" baseline="0" dirty="0">
+              <a:solidFill>
+                <a:schemeClr val="tx1"/>
+              </a:solidFill>
+              <a:latin typeface="Arial" pitchFamily="-110" charset="0"/>
+              <a:ea typeface="ＭＳ Ｐゴシック" pitchFamily="-1" charset="-128"/>
+              <a:cs typeface="ＭＳ Ｐゴシック" pitchFamily="-1" charset="-128"/>
+            </a:endParaRPr>
+          </a:p>
+          <a:p>
+            <a:r>
+              <a:rPr lang="en-US" sz="1200" b="0" i="0" u="none" strike="noStrike" kern="1200" baseline="0" dirty="0">
+                <a:solidFill>
+                  <a:schemeClr val="tx1"/>
+                </a:solidFill>
+                <a:latin typeface="Arial" pitchFamily="-110" charset="0"/>
+                <a:ea typeface="ＭＳ Ｐゴシック" pitchFamily="-1" charset="-128"/>
+                <a:cs typeface="ＭＳ Ｐゴシック" pitchFamily="-1" charset="-128"/>
+              </a:rPr>
+              <a:t>traffic coming from the WAN; authentication may also be provided. These operations</a:t>
+            </a:r>
+          </a:p>
+          <a:p>
+            <a:r>
+              <a:rPr lang="en-US" sz="1200" b="0" i="0" u="none" strike="noStrike" kern="1200" baseline="0" dirty="0">
+                <a:solidFill>
+                  <a:schemeClr val="tx1"/>
+                </a:solidFill>
+                <a:latin typeface="Arial" pitchFamily="-110" charset="0"/>
+                <a:ea typeface="ＭＳ Ｐゴシック" pitchFamily="-1" charset="-128"/>
+                <a:cs typeface="ＭＳ Ｐゴシック" pitchFamily="-1" charset="-128"/>
+              </a:rPr>
+              <a:t>are transparent to workstations and servers on the LAN. Secure transmission</a:t>
+            </a:r>
+          </a:p>
+          <a:p>
+            <a:r>
+              <a:rPr lang="en-US" sz="1200" b="0" i="0" u="none" strike="noStrike" kern="1200" baseline="0" dirty="0">
+                <a:solidFill>
+                  <a:schemeClr val="tx1"/>
+                </a:solidFill>
+                <a:latin typeface="Arial" pitchFamily="-110" charset="0"/>
+                <a:ea typeface="ＭＳ Ｐゴシック" pitchFamily="-1" charset="-128"/>
+                <a:cs typeface="ＭＳ Ｐゴシック" pitchFamily="-1" charset="-128"/>
+              </a:rPr>
+              <a:t>is also possible with individual users who dial into the WAN. Such user workstations</a:t>
+            </a:r>
+          </a:p>
+          <a:p>
+            <a:r>
+              <a:rPr lang="en-US" sz="1200" b="0" i="0" u="none" strike="noStrike" kern="1200" baseline="0" dirty="0">
+                <a:solidFill>
+                  <a:schemeClr val="tx1"/>
+                </a:solidFill>
+                <a:latin typeface="Arial" pitchFamily="-110" charset="0"/>
+                <a:ea typeface="ＭＳ Ｐゴシック" pitchFamily="-1" charset="-128"/>
+                <a:cs typeface="ＭＳ Ｐゴシック" pitchFamily="-1" charset="-128"/>
+              </a:rPr>
+              <a:t>must implement the IPSec protocols to provide security. They must also</a:t>
+            </a:r>
+          </a:p>
+          <a:p>
+            <a:r>
+              <a:rPr lang="en-US" sz="1200" b="0" i="0" u="none" strike="noStrike" kern="1200" baseline="0" dirty="0">
+                <a:solidFill>
+                  <a:schemeClr val="tx1"/>
+                </a:solidFill>
+                <a:latin typeface="Arial" pitchFamily="-110" charset="0"/>
+                <a:ea typeface="ＭＳ Ｐゴシック" pitchFamily="-1" charset="-128"/>
+                <a:cs typeface="ＭＳ Ｐゴシック" pitchFamily="-1" charset="-128"/>
+              </a:rPr>
+              <a:t>implement high levels of host security, as they are directly connected to the wider</a:t>
+            </a:r>
+          </a:p>
+          <a:p>
+            <a:r>
+              <a:rPr lang="en-US" sz="1200" b="0" i="0" u="none" strike="noStrike" kern="1200" baseline="0" dirty="0">
+                <a:solidFill>
+                  <a:schemeClr val="tx1"/>
+                </a:solidFill>
+                <a:latin typeface="Arial" pitchFamily="-110" charset="0"/>
+                <a:ea typeface="ＭＳ Ｐゴシック" pitchFamily="-1" charset="-128"/>
+                <a:cs typeface="ＭＳ Ｐゴシック" pitchFamily="-1" charset="-128"/>
+              </a:rPr>
+              <a:t>Internet. This makes them an attractive target for attackers attempting to access</a:t>
+            </a:r>
+          </a:p>
+          <a:p>
+            <a:r>
+              <a:rPr lang="en-US" sz="1200" b="0" i="0" u="none" strike="noStrike" kern="1200" baseline="0" dirty="0">
+                <a:solidFill>
+                  <a:schemeClr val="tx1"/>
+                </a:solidFill>
+                <a:latin typeface="Arial" pitchFamily="-110" charset="0"/>
+                <a:ea typeface="ＭＳ Ｐゴシック" pitchFamily="-1" charset="-128"/>
+                <a:cs typeface="ＭＳ Ｐゴシック" pitchFamily="-1" charset="-128"/>
+              </a:rPr>
+              <a:t>the corporate network.</a:t>
+            </a:r>
+          </a:p>
+          <a:p>
+            <a:endParaRPr lang="en-US" sz="1200" b="0" i="0" u="none" strike="noStrike" kern="1200" baseline="0" dirty="0">
+              <a:solidFill>
+                <a:schemeClr val="tx1"/>
+              </a:solidFill>
+              <a:latin typeface="Arial" pitchFamily="-110" charset="0"/>
+              <a:ea typeface="ＭＳ Ｐゴシック" pitchFamily="-1" charset="-128"/>
+              <a:cs typeface="ＭＳ Ｐゴシック" pitchFamily="-1" charset="-128"/>
+            </a:endParaRPr>
+          </a:p>
+          <a:p>
+            <a:r>
+              <a:rPr lang="en-US" sz="1200" b="0" i="0" u="none" strike="noStrike" kern="1200" baseline="0" dirty="0">
+                <a:solidFill>
+                  <a:schemeClr val="tx1"/>
+                </a:solidFill>
+                <a:latin typeface="Arial" pitchFamily="-110" charset="0"/>
+                <a:ea typeface="ＭＳ Ｐゴシック" pitchFamily="-1" charset="-128"/>
+                <a:cs typeface="ＭＳ Ｐゴシック" pitchFamily="-1" charset="-128"/>
+              </a:rPr>
+              <a:t>A logical means of implementing an IPSec is in a firewall, as shown in</a:t>
+            </a:r>
+          </a:p>
+          <a:p>
+            <a:r>
+              <a:rPr lang="en-US" sz="1200" b="0" i="0" u="none" strike="noStrike" kern="1200" baseline="0" dirty="0">
+                <a:solidFill>
+                  <a:schemeClr val="tx1"/>
+                </a:solidFill>
+                <a:latin typeface="Arial" pitchFamily="-110" charset="0"/>
+                <a:ea typeface="ＭＳ Ｐゴシック" pitchFamily="-1" charset="-128"/>
+                <a:cs typeface="ＭＳ Ｐゴシック" pitchFamily="-1" charset="-128"/>
+              </a:rPr>
+              <a:t>Figure 9.3. If IPSec is implemented in a separate box behind (internal to) the firewall,</a:t>
+            </a:r>
+          </a:p>
+          <a:p>
+            <a:r>
+              <a:rPr lang="en-US" sz="1200" b="0" i="0" u="none" strike="noStrike" kern="1200" baseline="0" dirty="0">
+                <a:solidFill>
+                  <a:schemeClr val="tx1"/>
+                </a:solidFill>
+                <a:latin typeface="Arial" pitchFamily="-110" charset="0"/>
+                <a:ea typeface="ＭＳ Ｐゴシック" pitchFamily="-1" charset="-128"/>
+                <a:cs typeface="ＭＳ Ｐゴシック" pitchFamily="-1" charset="-128"/>
+              </a:rPr>
+              <a:t>then VPN traffic passing through the firewall in both directions is encrypted.</a:t>
+            </a:r>
+          </a:p>
+          <a:p>
+            <a:r>
+              <a:rPr lang="en-US" sz="1200" b="0" i="0" u="none" strike="noStrike" kern="1200" baseline="0" dirty="0">
+                <a:solidFill>
+                  <a:schemeClr val="tx1"/>
+                </a:solidFill>
+                <a:latin typeface="Arial" pitchFamily="-110" charset="0"/>
+                <a:ea typeface="ＭＳ Ｐゴシック" pitchFamily="-1" charset="-128"/>
+                <a:cs typeface="ＭＳ Ｐゴシック" pitchFamily="-1" charset="-128"/>
+              </a:rPr>
+              <a:t>In this case, the firewall is unable to perform its filtering function or other security</a:t>
+            </a:r>
+          </a:p>
+          <a:p>
+            <a:r>
+              <a:rPr lang="en-US" sz="1200" b="0" i="0" u="none" strike="noStrike" kern="1200" baseline="0" dirty="0">
+                <a:solidFill>
+                  <a:schemeClr val="tx1"/>
+                </a:solidFill>
+                <a:latin typeface="Arial" pitchFamily="-110" charset="0"/>
+                <a:ea typeface="ＭＳ Ｐゴシック" pitchFamily="-1" charset="-128"/>
+                <a:cs typeface="ＭＳ Ｐゴシック" pitchFamily="-1" charset="-128"/>
+              </a:rPr>
+              <a:t>functions, such as access control, logging, or scanning for viruses. IPSec could be</a:t>
+            </a:r>
+          </a:p>
+          <a:p>
+            <a:r>
+              <a:rPr lang="en-US" sz="1200" b="0" i="0" u="none" strike="noStrike" kern="1200" baseline="0" dirty="0">
+                <a:solidFill>
+                  <a:schemeClr val="tx1"/>
+                </a:solidFill>
+                <a:latin typeface="Arial" pitchFamily="-110" charset="0"/>
+                <a:ea typeface="ＭＳ Ｐゴシック" pitchFamily="-1" charset="-128"/>
+                <a:cs typeface="ＭＳ Ｐゴシック" pitchFamily="-1" charset="-128"/>
+              </a:rPr>
+              <a:t>implemented in the boundary router, outside the firewall. However, this device is</a:t>
+            </a:r>
+          </a:p>
+          <a:p>
+            <a:r>
+              <a:rPr lang="en-US" sz="1200" b="0" i="0" u="none" strike="noStrike" kern="1200" baseline="0" dirty="0">
+                <a:solidFill>
+                  <a:schemeClr val="tx1"/>
+                </a:solidFill>
+                <a:latin typeface="Arial" pitchFamily="-110" charset="0"/>
+                <a:ea typeface="ＭＳ Ｐゴシック" pitchFamily="-1" charset="-128"/>
+                <a:cs typeface="ＭＳ Ｐゴシック" pitchFamily="-1" charset="-128"/>
+              </a:rPr>
+              <a:t>likely to be less secure than the firewall and thus less desirable as an IPSec platform.</a:t>
+            </a:r>
+            <a:endParaRPr lang="en-US" dirty="0">
+              <a:latin typeface="Times New Roman" pitchFamily="-110" charset="0"/>
+              <a:ea typeface="ＭＳ Ｐゴシック" pitchFamily="-110" charset="-128"/>
+              <a:cs typeface="ＭＳ Ｐゴシック" pitchFamily="-110" charset="-128"/>
+            </a:endParaRPr>
+          </a:p>
+        </p:txBody>
+      </p:sp>
+    </p:spTree>
+    <p:extLst>
+      <p:ext uri="{BB962C8B-B14F-4D97-AF65-F5344CB8AC3E}">
+        <p14:creationId xmlns:p14="http://schemas.microsoft.com/office/powerpoint/2010/main" val="4115179245"/>
       </p:ext>
     </p:extLst>
   </p:cSld>
@@ -7463,6 +7793,52 @@
         <p:txBody>
           <a:bodyPr/>
           <a:lstStyle/>
+          <a:p>
+            <a:pPr lvl="1"/>
+            <a:r>
+              <a:rPr lang="en-US" dirty="0"/>
+              <a:t>Security policy: defines authorized traffic that can pass </a:t>
+            </a:r>
+            <a:r>
+              <a:rPr lang="en-US" dirty="0" err="1"/>
+              <a:t>pass</a:t>
+            </a:r>
+            <a:r>
+              <a:rPr lang="en-US" dirty="0"/>
+              <a:t> through the firewall</a:t>
+            </a:r>
+          </a:p>
+          <a:p>
+            <a:r>
+              <a:rPr lang="en-US" dirty="0"/>
+              <a:t>Design goals</a:t>
+            </a:r>
+          </a:p>
+          <a:p>
+            <a:pPr lvl="1"/>
+            <a:r>
+              <a:rPr lang="en-US" dirty="0"/>
+              <a:t>All traffic from inside to outside, and vice versa, must pass through the firewall</a:t>
+            </a:r>
+          </a:p>
+          <a:p>
+            <a:pPr lvl="1"/>
+            <a:r>
+              <a:rPr lang="en-US" dirty="0"/>
+              <a:t>The firewall itself is immune to penetration</a:t>
+            </a:r>
+          </a:p>
+          <a:p>
+            <a:pPr lvl="1"/>
+            <a:endParaRPr lang="en-US" dirty="0"/>
+          </a:p>
+          <a:p>
+            <a:pPr eaLnBrk="1" hangingPunct="1"/>
+            <a:endParaRPr lang="en-US" dirty="0">
+              <a:ea typeface="ＭＳ Ｐゴシック" pitchFamily="-110" charset="-128"/>
+              <a:cs typeface="ＭＳ Ｐゴシック" pitchFamily="-110" charset="-128"/>
+            </a:endParaRPr>
+          </a:p>
           <a:p>
             <a:pPr eaLnBrk="1" hangingPunct="1"/>
             <a:r>
@@ -7978,925 +8354,6 @@
           <a:bodyPr/>
           <a:lstStyle/>
           <a:p>
-            <a:pPr eaLnBrk="1" hangingPunct="1"/>
-            <a:endParaRPr lang="en-US" altLang="zh-CN" b="0" dirty="0">
-              <a:ea typeface="ＭＳ Ｐゴシック" pitchFamily="-110" charset="-128"/>
-              <a:cs typeface="ＭＳ Ｐゴシック" pitchFamily="-110" charset="-128"/>
-            </a:endParaRPr>
-          </a:p>
-          <a:p>
-            <a:pPr eaLnBrk="1" hangingPunct="1"/>
-            <a:r>
-              <a:rPr lang="en-US" altLang="zh-CN" b="0" dirty="0">
-                <a:ea typeface="ＭＳ Ｐゴシック" pitchFamily="-110" charset="-128"/>
-                <a:cs typeface="ＭＳ Ｐゴシック" pitchFamily="-110" charset="-128"/>
-              </a:rPr>
-              <a:t>The external firewall provides a measure of access control and protection for</a:t>
-            </a:r>
-          </a:p>
-          <a:p>
-            <a:pPr eaLnBrk="1" hangingPunct="1"/>
-            <a:r>
-              <a:rPr lang="en-US" altLang="zh-CN" b="0" dirty="0">
-                <a:ea typeface="ＭＳ Ｐゴシック" pitchFamily="-110" charset="-128"/>
-                <a:cs typeface="ＭＳ Ｐゴシック" pitchFamily="-110" charset="-128"/>
-              </a:rPr>
-              <a:t>the DMZ systems consistent with their need for external connectivity. The external</a:t>
-            </a:r>
-          </a:p>
-          <a:p>
-            <a:pPr eaLnBrk="1" hangingPunct="1"/>
-            <a:r>
-              <a:rPr lang="en-US" altLang="zh-CN" b="0" dirty="0">
-                <a:ea typeface="ＭＳ Ｐゴシック" pitchFamily="-110" charset="-128"/>
-                <a:cs typeface="ＭＳ Ｐゴシック" pitchFamily="-110" charset="-128"/>
-              </a:rPr>
-              <a:t>firewall also provides a basic level of protection for the remainder of the enterprise</a:t>
-            </a:r>
-          </a:p>
-          <a:p>
-            <a:pPr eaLnBrk="1" hangingPunct="1"/>
-            <a:r>
-              <a:rPr lang="en-US" altLang="zh-CN" b="0" dirty="0">
-                <a:ea typeface="ＭＳ Ｐゴシック" pitchFamily="-110" charset="-128"/>
-                <a:cs typeface="ＭＳ Ｐゴシック" pitchFamily="-110" charset="-128"/>
-              </a:rPr>
-              <a:t>network. In this type of configuration, internal firewalls serve three purposes:</a:t>
-            </a:r>
-          </a:p>
-          <a:p>
-            <a:pPr eaLnBrk="1" hangingPunct="1"/>
-            <a:endParaRPr lang="en-US" altLang="zh-CN" b="0" dirty="0">
-              <a:ea typeface="ＭＳ Ｐゴシック" pitchFamily="-110" charset="-128"/>
-              <a:cs typeface="ＭＳ Ｐゴシック" pitchFamily="-110" charset="-128"/>
-            </a:endParaRPr>
-          </a:p>
-          <a:p>
-            <a:pPr eaLnBrk="1" hangingPunct="1"/>
-            <a:r>
-              <a:rPr lang="en-US" altLang="zh-CN" b="0" dirty="0">
-                <a:ea typeface="ＭＳ Ｐゴシック" pitchFamily="-110" charset="-128"/>
-                <a:cs typeface="ＭＳ Ｐゴシック" pitchFamily="-110" charset="-128"/>
-              </a:rPr>
-              <a:t>1. The internal firewall adds more stringent filtering capability, compared to the</a:t>
-            </a:r>
-          </a:p>
-          <a:p>
-            <a:pPr eaLnBrk="1" hangingPunct="1"/>
-            <a:r>
-              <a:rPr lang="en-US" altLang="zh-CN" b="0" dirty="0">
-                <a:ea typeface="ＭＳ Ｐゴシック" pitchFamily="-110" charset="-128"/>
-                <a:cs typeface="ＭＳ Ｐゴシック" pitchFamily="-110" charset="-128"/>
-              </a:rPr>
-              <a:t>external firewall, in order to protect enterprise servers and workstations from</a:t>
-            </a:r>
-          </a:p>
-          <a:p>
-            <a:pPr eaLnBrk="1" hangingPunct="1"/>
-            <a:r>
-              <a:rPr lang="en-US" altLang="zh-CN" b="0" dirty="0">
-                <a:ea typeface="ＭＳ Ｐゴシック" pitchFamily="-110" charset="-128"/>
-                <a:cs typeface="ＭＳ Ｐゴシック" pitchFamily="-110" charset="-128"/>
-              </a:rPr>
-              <a:t>external attack.</a:t>
-            </a:r>
-          </a:p>
-          <a:p>
-            <a:pPr eaLnBrk="1" hangingPunct="1"/>
-            <a:endParaRPr lang="en-US" altLang="zh-CN" b="0" dirty="0">
-              <a:ea typeface="ＭＳ Ｐゴシック" pitchFamily="-110" charset="-128"/>
-              <a:cs typeface="ＭＳ Ｐゴシック" pitchFamily="-110" charset="-128"/>
-            </a:endParaRPr>
-          </a:p>
-          <a:p>
-            <a:pPr eaLnBrk="1" hangingPunct="1"/>
-            <a:r>
-              <a:rPr lang="en-US" altLang="zh-CN" b="0" dirty="0">
-                <a:ea typeface="ＭＳ Ｐゴシック" pitchFamily="-110" charset="-128"/>
-                <a:cs typeface="ＭＳ Ｐゴシック" pitchFamily="-110" charset="-128"/>
-              </a:rPr>
-              <a:t>2. The internal firewall provides two-way protection with respect to the DMZ.</a:t>
-            </a:r>
-          </a:p>
-          <a:p>
-            <a:pPr eaLnBrk="1" hangingPunct="1"/>
-            <a:r>
-              <a:rPr lang="en-US" altLang="zh-CN" b="0" dirty="0">
-                <a:ea typeface="ＭＳ Ｐゴシック" pitchFamily="-110" charset="-128"/>
-                <a:cs typeface="ＭＳ Ｐゴシック" pitchFamily="-110" charset="-128"/>
-              </a:rPr>
-              <a:t>First, the internal firewall protects the remainder of the network from attacks</a:t>
-            </a:r>
-          </a:p>
-          <a:p>
-            <a:pPr eaLnBrk="1" hangingPunct="1"/>
-            <a:r>
-              <a:rPr lang="en-US" altLang="zh-CN" b="0" dirty="0">
-                <a:ea typeface="ＭＳ Ｐゴシック" pitchFamily="-110" charset="-128"/>
-                <a:cs typeface="ＭＳ Ｐゴシック" pitchFamily="-110" charset="-128"/>
-              </a:rPr>
-              <a:t>launched from DMZ systems. Such attacks might originate from worms, rootkits,</a:t>
-            </a:r>
-          </a:p>
-          <a:p>
-            <a:pPr eaLnBrk="1" hangingPunct="1"/>
-            <a:r>
-              <a:rPr lang="en-US" altLang="zh-CN" b="0" dirty="0">
-                <a:ea typeface="ＭＳ Ｐゴシック" pitchFamily="-110" charset="-128"/>
-                <a:cs typeface="ＭＳ Ｐゴシック" pitchFamily="-110" charset="-128"/>
-              </a:rPr>
-              <a:t>bots, or other malware lodged in a DMZ system. Second, an internal firewall can</a:t>
-            </a:r>
-          </a:p>
-          <a:p>
-            <a:pPr eaLnBrk="1" hangingPunct="1"/>
-            <a:r>
-              <a:rPr lang="en-US" altLang="zh-CN" b="0" dirty="0">
-                <a:ea typeface="ＭＳ Ｐゴシック" pitchFamily="-110" charset="-128"/>
-                <a:cs typeface="ＭＳ Ｐゴシック" pitchFamily="-110" charset="-128"/>
-              </a:rPr>
-              <a:t>protect the DMZ systems from attack from the internal protected network.</a:t>
-            </a:r>
-          </a:p>
-          <a:p>
-            <a:pPr eaLnBrk="1" hangingPunct="1"/>
-            <a:endParaRPr lang="en-US" altLang="zh-CN" b="0" dirty="0">
-              <a:ea typeface="ＭＳ Ｐゴシック" pitchFamily="-110" charset="-128"/>
-              <a:cs typeface="ＭＳ Ｐゴシック" pitchFamily="-110" charset="-128"/>
-            </a:endParaRPr>
-          </a:p>
-          <a:p>
-            <a:pPr eaLnBrk="1" hangingPunct="1"/>
-            <a:r>
-              <a:rPr lang="en-US" altLang="zh-CN" b="0" dirty="0">
-                <a:ea typeface="ＭＳ Ｐゴシック" pitchFamily="-110" charset="-128"/>
-                <a:cs typeface="ＭＳ Ｐゴシック" pitchFamily="-110" charset="-128"/>
-              </a:rPr>
-              <a:t>3. Multiple internal firewalls can be used to protect portions of the internal</a:t>
-            </a:r>
-          </a:p>
-          <a:p>
-            <a:pPr eaLnBrk="1" hangingPunct="1"/>
-            <a:r>
-              <a:rPr lang="en-US" altLang="zh-CN" b="0" dirty="0">
-                <a:ea typeface="ＭＳ Ｐゴシック" pitchFamily="-110" charset="-128"/>
-                <a:cs typeface="ＭＳ Ｐゴシック" pitchFamily="-110" charset="-128"/>
-              </a:rPr>
-              <a:t>network from each other. Figure 8.5 (network intrusion detection system)</a:t>
-            </a:r>
-          </a:p>
-          <a:p>
-            <a:pPr eaLnBrk="1" hangingPunct="1"/>
-            <a:r>
-              <a:rPr lang="en-US" altLang="zh-CN" b="0" dirty="0">
-                <a:ea typeface="ＭＳ Ｐゴシック" pitchFamily="-110" charset="-128"/>
-                <a:cs typeface="ＭＳ Ｐゴシック" pitchFamily="-110" charset="-128"/>
-              </a:rPr>
-              <a:t>shows a configuration in which the internal servers are protected from internal</a:t>
-            </a:r>
-          </a:p>
-          <a:p>
-            <a:pPr eaLnBrk="1" hangingPunct="1"/>
-            <a:r>
-              <a:rPr lang="en-US" altLang="zh-CN" b="0" dirty="0">
-                <a:ea typeface="ＭＳ Ｐゴシック" pitchFamily="-110" charset="-128"/>
-                <a:cs typeface="ＭＳ Ｐゴシック" pitchFamily="-110" charset="-128"/>
-              </a:rPr>
-              <a:t>workstations and vice versa. It also illustrates the common practice of placing</a:t>
-            </a:r>
-          </a:p>
-          <a:p>
-            <a:pPr eaLnBrk="1" hangingPunct="1"/>
-            <a:r>
-              <a:rPr lang="en-US" altLang="zh-CN" b="0" dirty="0">
-                <a:ea typeface="ＭＳ Ｐゴシック" pitchFamily="-110" charset="-128"/>
-                <a:cs typeface="ＭＳ Ｐゴシック" pitchFamily="-110" charset="-128"/>
-              </a:rPr>
-              <a:t>the DMZ on a different network interface on the external firewall from that</a:t>
-            </a:r>
-          </a:p>
-          <a:p>
-            <a:pPr eaLnBrk="1" hangingPunct="1"/>
-            <a:r>
-              <a:rPr lang="en-US" altLang="zh-CN" b="0" dirty="0">
-                <a:ea typeface="ＭＳ Ｐゴシック" pitchFamily="-110" charset="-128"/>
-                <a:cs typeface="ＭＳ Ｐゴシック" pitchFamily="-110" charset="-128"/>
-              </a:rPr>
-              <a:t>used to access the internal networks.</a:t>
-            </a:r>
-            <a:endParaRPr lang="en-US" altLang="zh-CN" b="0" dirty="0">
-              <a:latin typeface="Times New Roman" pitchFamily="-110" charset="0"/>
-              <a:ea typeface="ＭＳ Ｐゴシック" pitchFamily="-110" charset="-128"/>
-              <a:cs typeface="ＭＳ Ｐゴシック" pitchFamily="-110" charset="-128"/>
-            </a:endParaRPr>
-          </a:p>
-          <a:p>
-            <a:endParaRPr lang="zh-CN" altLang="en-US" dirty="0"/>
-          </a:p>
-        </p:txBody>
-      </p:sp>
-      <p:sp>
-        <p:nvSpPr>
-          <p:cNvPr id="4" name="灯片编号占位符 3"/>
-          <p:cNvSpPr>
-            <a:spLocks noGrp="1"/>
-          </p:cNvSpPr>
-          <p:nvPr>
-            <p:ph type="sldNum" sz="quarter" idx="10"/>
-          </p:nvPr>
-        </p:nvSpPr>
-        <p:spPr/>
-        <p:txBody>
-          <a:bodyPr/>
-          <a:lstStyle/>
-          <a:p>
-            <a:pPr>
-              <a:defRPr/>
-            </a:pPr>
-            <a:fld id="{CB9A57B6-678D-4943-9AEF-24E9B821E96F}" type="slidenum">
-              <a:rPr lang="en-AU" smtClean="0"/>
-              <a:pPr>
-                <a:defRPr/>
-              </a:pPr>
-              <a:t>27</a:t>
-            </a:fld>
-            <a:endParaRPr lang="en-AU"/>
-          </a:p>
-        </p:txBody>
-      </p:sp>
-    </p:spTree>
-    <p:extLst>
-      <p:ext uri="{BB962C8B-B14F-4D97-AF65-F5344CB8AC3E}">
-        <p14:creationId xmlns:p14="http://schemas.microsoft.com/office/powerpoint/2010/main" val="2149424628"/>
-      </p:ext>
-    </p:extLst>
-  </p:cSld>
-  <p:clrMapOvr>
-    <a:masterClrMapping/>
-  </p:clrMapOvr>
-</p:notes>
-</file>
-
-<file path=ppt/notesSlides/notesSlide21.xml><?xml version="1.0" encoding="utf-8"?>
-<p:notes xmlns:a="http://schemas.openxmlformats.org/drawingml/2006/main" xmlns:r="http://schemas.openxmlformats.org/officeDocument/2006/relationships" xmlns:p="http://schemas.openxmlformats.org/presentationml/2006/main">
-  <p:cSld>
-    <p:spTree>
-      <p:nvGrpSpPr>
-        <p:cNvPr id="1" name=""/>
-        <p:cNvGrpSpPr/>
-        <p:nvPr/>
-      </p:nvGrpSpPr>
-      <p:grpSpPr>
-        <a:xfrm>
-          <a:off x="0" y="0"/>
-          <a:ext cx="0" cy="0"/>
-          <a:chOff x="0" y="0"/>
-          <a:chExt cx="0" cy="0"/>
-        </a:xfrm>
-      </p:grpSpPr>
-      <p:sp>
-        <p:nvSpPr>
-          <p:cNvPr id="55298" name="Rectangle 7"/>
-          <p:cNvSpPr>
-            <a:spLocks noGrp="1" noChangeArrowheads="1"/>
-          </p:cNvSpPr>
-          <p:nvPr>
-            <p:ph type="sldNum" sz="quarter" idx="5"/>
-          </p:nvPr>
-        </p:nvSpPr>
-        <p:spPr>
-          <a:noFill/>
-        </p:spPr>
-        <p:txBody>
-          <a:bodyPr/>
-          <a:lstStyle/>
-          <a:p>
-            <a:fld id="{A1758479-2C1A-5D47-9E31-B4A657822F28}" type="slidenum">
-              <a:rPr lang="en-AU"/>
-              <a:pPr/>
-              <a:t>28</a:t>
-            </a:fld>
-            <a:endParaRPr lang="en-AU"/>
-          </a:p>
-        </p:txBody>
-      </p:sp>
-      <p:sp>
-        <p:nvSpPr>
-          <p:cNvPr id="55299" name="Rectangle 2"/>
-          <p:cNvSpPr>
-            <a:spLocks noGrp="1" noRot="1" noChangeAspect="1" noChangeArrowheads="1" noTextEdit="1"/>
-          </p:cNvSpPr>
-          <p:nvPr>
-            <p:ph type="sldImg"/>
-          </p:nvPr>
-        </p:nvSpPr>
-        <p:spPr>
-          <a:ln/>
-        </p:spPr>
-      </p:sp>
-      <p:sp>
-        <p:nvSpPr>
-          <p:cNvPr id="55300" name="Rectangle 3"/>
-          <p:cNvSpPr>
-            <a:spLocks noGrp="1" noChangeArrowheads="1"/>
-          </p:cNvSpPr>
-          <p:nvPr>
-            <p:ph type="body" idx="1"/>
-          </p:nvPr>
-        </p:nvSpPr>
-        <p:spPr>
-          <a:noFill/>
-          <a:ln/>
-        </p:spPr>
-        <p:txBody>
-          <a:bodyPr/>
-          <a:lstStyle/>
-          <a:p>
-            <a:pPr eaLnBrk="1" hangingPunct="1"/>
-            <a:r>
-              <a:rPr lang="en-US" dirty="0">
-                <a:ea typeface="ＭＳ Ｐゴシック" pitchFamily="-110" charset="-128"/>
-                <a:cs typeface="ＭＳ Ｐゴシック" pitchFamily="-110" charset="-128"/>
-              </a:rPr>
-              <a:t>In today’s distributed computing environment, the </a:t>
-            </a:r>
-            <a:r>
-              <a:rPr lang="en-US" b="1" dirty="0">
-                <a:ea typeface="ＭＳ Ｐゴシック" pitchFamily="-110" charset="-128"/>
-                <a:cs typeface="ＭＳ Ｐゴシック" pitchFamily="-110" charset="-128"/>
-              </a:rPr>
-              <a:t>virtual private network (VPN)</a:t>
-            </a:r>
-          </a:p>
-          <a:p>
-            <a:pPr eaLnBrk="1" hangingPunct="1"/>
-            <a:r>
-              <a:rPr lang="en-US" dirty="0">
-                <a:ea typeface="ＭＳ Ｐゴシック" pitchFamily="-110" charset="-128"/>
-                <a:cs typeface="ＭＳ Ｐゴシック" pitchFamily="-110" charset="-128"/>
-              </a:rPr>
-              <a:t>offers an attractive solution to network managers. In essence, a VPN consists of</a:t>
-            </a:r>
-          </a:p>
-          <a:p>
-            <a:pPr eaLnBrk="1" hangingPunct="1"/>
-            <a:r>
-              <a:rPr lang="en-US" dirty="0">
-                <a:ea typeface="ＭＳ Ｐゴシック" pitchFamily="-110" charset="-128"/>
-                <a:cs typeface="ＭＳ Ｐゴシック" pitchFamily="-110" charset="-128"/>
-              </a:rPr>
-              <a:t>a set of computers that interconnect by means of a relatively unsecure network</a:t>
-            </a:r>
-          </a:p>
-          <a:p>
-            <a:pPr eaLnBrk="1" hangingPunct="1"/>
-            <a:r>
-              <a:rPr lang="en-US" dirty="0">
-                <a:ea typeface="ＭＳ Ｐゴシック" pitchFamily="-110" charset="-128"/>
-                <a:cs typeface="ＭＳ Ｐゴシック" pitchFamily="-110" charset="-128"/>
-              </a:rPr>
-              <a:t>and that make use of encryption and special protocols to provide security. At each</a:t>
-            </a:r>
-          </a:p>
-          <a:p>
-            <a:pPr eaLnBrk="1" hangingPunct="1"/>
-            <a:r>
-              <a:rPr lang="en-US" dirty="0">
-                <a:ea typeface="ＭＳ Ｐゴシック" pitchFamily="-110" charset="-128"/>
-                <a:cs typeface="ＭＳ Ｐゴシック" pitchFamily="-110" charset="-128"/>
-              </a:rPr>
-              <a:t>corporate site, workstations, servers, and databases are linked by one or more local</a:t>
-            </a:r>
-          </a:p>
-          <a:p>
-            <a:pPr eaLnBrk="1" hangingPunct="1"/>
-            <a:r>
-              <a:rPr lang="en-US" dirty="0">
-                <a:ea typeface="ＭＳ Ｐゴシック" pitchFamily="-110" charset="-128"/>
-                <a:cs typeface="ＭＳ Ｐゴシック" pitchFamily="-110" charset="-128"/>
-              </a:rPr>
-              <a:t>area networks (LANs). The Internet or some other public network can be used to</a:t>
-            </a:r>
-          </a:p>
-          <a:p>
-            <a:pPr eaLnBrk="1" hangingPunct="1"/>
-            <a:r>
-              <a:rPr lang="en-US" dirty="0">
-                <a:ea typeface="ＭＳ Ｐゴシック" pitchFamily="-110" charset="-128"/>
-                <a:cs typeface="ＭＳ Ｐゴシック" pitchFamily="-110" charset="-128"/>
-              </a:rPr>
-              <a:t>interconnect sites, providing a cost savings over the use of a private network and</a:t>
-            </a:r>
-          </a:p>
-          <a:p>
-            <a:pPr eaLnBrk="1" hangingPunct="1"/>
-            <a:r>
-              <a:rPr lang="en-US" dirty="0">
-                <a:ea typeface="ＭＳ Ｐゴシック" pitchFamily="-110" charset="-128"/>
-                <a:cs typeface="ＭＳ Ｐゴシック" pitchFamily="-110" charset="-128"/>
-              </a:rPr>
-              <a:t>offloading the wide area network management task to the public network provider.</a:t>
-            </a:r>
-          </a:p>
-          <a:p>
-            <a:pPr eaLnBrk="1" hangingPunct="1"/>
-            <a:r>
-              <a:rPr lang="en-US" dirty="0">
-                <a:ea typeface="ＭＳ Ｐゴシック" pitchFamily="-110" charset="-128"/>
-                <a:cs typeface="ＭＳ Ｐゴシック" pitchFamily="-110" charset="-128"/>
-              </a:rPr>
-              <a:t>That same public network provides an access path for telecommuters and other</a:t>
-            </a:r>
-          </a:p>
-          <a:p>
-            <a:pPr eaLnBrk="1" hangingPunct="1"/>
-            <a:r>
-              <a:rPr lang="en-US" dirty="0">
-                <a:ea typeface="ＭＳ Ｐゴシック" pitchFamily="-110" charset="-128"/>
-                <a:cs typeface="ＭＳ Ｐゴシック" pitchFamily="-110" charset="-128"/>
-              </a:rPr>
-              <a:t>mobile employees to log on to corporate systems from remote sites.</a:t>
-            </a:r>
-          </a:p>
-          <a:p>
-            <a:pPr eaLnBrk="1" hangingPunct="1"/>
-            <a:endParaRPr lang="en-US" dirty="0">
-              <a:ea typeface="ＭＳ Ｐゴシック" pitchFamily="-110" charset="-128"/>
-              <a:cs typeface="ＭＳ Ｐゴシック" pitchFamily="-110" charset="-128"/>
-            </a:endParaRPr>
-          </a:p>
-          <a:p>
-            <a:pPr eaLnBrk="1" hangingPunct="1"/>
-            <a:r>
-              <a:rPr lang="en-US" dirty="0">
-                <a:ea typeface="ＭＳ Ｐゴシック" pitchFamily="-110" charset="-128"/>
-                <a:cs typeface="ＭＳ Ｐゴシック" pitchFamily="-110" charset="-128"/>
-              </a:rPr>
-              <a:t>But the manager faces a fundamental requirement: security. Use of a public</a:t>
-            </a:r>
-          </a:p>
-          <a:p>
-            <a:pPr eaLnBrk="1" hangingPunct="1"/>
-            <a:r>
-              <a:rPr lang="en-US" dirty="0">
-                <a:ea typeface="ＭＳ Ｐゴシック" pitchFamily="-110" charset="-128"/>
-                <a:cs typeface="ＭＳ Ｐゴシック" pitchFamily="-110" charset="-128"/>
-              </a:rPr>
-              <a:t>network exposes corporate traffic to eavesdropping and provides an entry point for</a:t>
-            </a:r>
-          </a:p>
-          <a:p>
-            <a:pPr eaLnBrk="1" hangingPunct="1"/>
-            <a:r>
-              <a:rPr lang="en-US" dirty="0">
-                <a:ea typeface="ＭＳ Ｐゴシック" pitchFamily="-110" charset="-128"/>
-                <a:cs typeface="ＭＳ Ｐゴシック" pitchFamily="-110" charset="-128"/>
-              </a:rPr>
-              <a:t>unauthorized users. To counter this problem, a VPN is needed. In essence, a VPN</a:t>
-            </a:r>
-          </a:p>
-          <a:p>
-            <a:pPr eaLnBrk="1" hangingPunct="1"/>
-            <a:r>
-              <a:rPr lang="en-US" dirty="0">
-                <a:ea typeface="ＭＳ Ｐゴシック" pitchFamily="-110" charset="-128"/>
-                <a:cs typeface="ＭＳ Ｐゴシック" pitchFamily="-110" charset="-128"/>
-              </a:rPr>
-              <a:t>uses encryption and authentication in the lower protocol layers to provide a secure</a:t>
-            </a:r>
-          </a:p>
-          <a:p>
-            <a:pPr eaLnBrk="1" hangingPunct="1"/>
-            <a:r>
-              <a:rPr lang="en-US" dirty="0">
-                <a:ea typeface="ＭＳ Ｐゴシック" pitchFamily="-110" charset="-128"/>
-                <a:cs typeface="ＭＳ Ｐゴシック" pitchFamily="-110" charset="-128"/>
-              </a:rPr>
-              <a:t>connection through an otherwise insecure network, typically the Internet. VPNs are</a:t>
-            </a:r>
-          </a:p>
-          <a:p>
-            <a:pPr eaLnBrk="1" hangingPunct="1"/>
-            <a:r>
-              <a:rPr lang="en-US" dirty="0">
-                <a:ea typeface="ＭＳ Ｐゴシック" pitchFamily="-110" charset="-128"/>
-                <a:cs typeface="ＭＳ Ｐゴシック" pitchFamily="-110" charset="-128"/>
-              </a:rPr>
-              <a:t>generally cheaper than real private networks using private lines but rely on having</a:t>
-            </a:r>
-          </a:p>
-          <a:p>
-            <a:pPr eaLnBrk="1" hangingPunct="1"/>
-            <a:r>
-              <a:rPr lang="en-US" dirty="0">
-                <a:ea typeface="ＭＳ Ｐゴシック" pitchFamily="-110" charset="-128"/>
-                <a:cs typeface="ＭＳ Ｐゴシック" pitchFamily="-110" charset="-128"/>
-              </a:rPr>
-              <a:t>the same encryption and authentication system at both ends. The encryption may</a:t>
-            </a:r>
-          </a:p>
-          <a:p>
-            <a:pPr eaLnBrk="1" hangingPunct="1"/>
-            <a:r>
-              <a:rPr lang="en-US" dirty="0">
-                <a:ea typeface="ＭＳ Ｐゴシック" pitchFamily="-110" charset="-128"/>
-                <a:cs typeface="ＭＳ Ｐゴシック" pitchFamily="-110" charset="-128"/>
-              </a:rPr>
-              <a:t>be performed by firewall software or possibly by routers. The most common protocol</a:t>
-            </a:r>
-          </a:p>
-          <a:p>
-            <a:pPr eaLnBrk="1" hangingPunct="1"/>
-            <a:r>
-              <a:rPr lang="en-US" dirty="0">
-                <a:ea typeface="ＭＳ Ｐゴシック" pitchFamily="-110" charset="-128"/>
-                <a:cs typeface="ＭＳ Ｐゴシック" pitchFamily="-110" charset="-128"/>
-              </a:rPr>
-              <a:t>mechanism used for this purpose is at the IP level and is known as IPSec.</a:t>
-            </a:r>
-          </a:p>
-          <a:p>
-            <a:pPr eaLnBrk="1" hangingPunct="1"/>
-            <a:endParaRPr lang="en-US" dirty="0">
-              <a:ea typeface="ＭＳ Ｐゴシック" pitchFamily="-110" charset="-128"/>
-              <a:cs typeface="ＭＳ Ｐゴシック" pitchFamily="-110" charset="-128"/>
-            </a:endParaRPr>
-          </a:p>
-          <a:p>
-            <a:r>
-              <a:rPr lang="en-US" sz="1200" b="0" i="0" u="none" strike="noStrike" kern="1200" baseline="0" dirty="0">
-                <a:solidFill>
-                  <a:schemeClr val="tx1"/>
-                </a:solidFill>
-                <a:latin typeface="Arial" pitchFamily="-110" charset="0"/>
-                <a:ea typeface="ＭＳ Ｐゴシック" pitchFamily="-1" charset="-128"/>
-                <a:cs typeface="ＭＳ Ｐゴシック" pitchFamily="-1" charset="-128"/>
-              </a:rPr>
-              <a:t> Figure 9.3 is a typical scenario of IPSec usage.  An organization maintains</a:t>
-            </a:r>
-          </a:p>
-          <a:p>
-            <a:r>
-              <a:rPr lang="en-US" sz="1200" b="0" i="0" u="none" strike="noStrike" kern="1200" baseline="0" dirty="0">
-                <a:solidFill>
-                  <a:schemeClr val="tx1"/>
-                </a:solidFill>
-                <a:latin typeface="Arial" pitchFamily="-110" charset="0"/>
-                <a:ea typeface="ＭＳ Ｐゴシック" pitchFamily="-1" charset="-128"/>
-                <a:cs typeface="ＭＳ Ｐゴシック" pitchFamily="-1" charset="-128"/>
-              </a:rPr>
-              <a:t>LANs at dispersed locations. </a:t>
-            </a:r>
-            <a:r>
-              <a:rPr lang="en-US" sz="1200" b="0" i="0" u="none" strike="noStrike" kern="1200" baseline="0" dirty="0" err="1">
-                <a:solidFill>
-                  <a:schemeClr val="tx1"/>
-                </a:solidFill>
-                <a:latin typeface="Arial" pitchFamily="-110" charset="0"/>
-                <a:ea typeface="ＭＳ Ｐゴシック" pitchFamily="-1" charset="-128"/>
-                <a:cs typeface="ＭＳ Ｐゴシック" pitchFamily="-1" charset="-128"/>
-              </a:rPr>
-              <a:t>Nonsecure</a:t>
-            </a:r>
-            <a:r>
-              <a:rPr lang="en-US" sz="1200" b="0" i="0" u="none" strike="noStrike" kern="1200" baseline="0" dirty="0">
-                <a:solidFill>
-                  <a:schemeClr val="tx1"/>
-                </a:solidFill>
-                <a:latin typeface="Arial" pitchFamily="-110" charset="0"/>
-                <a:ea typeface="ＭＳ Ｐゴシック" pitchFamily="-1" charset="-128"/>
-                <a:cs typeface="ＭＳ Ｐゴシック" pitchFamily="-1" charset="-128"/>
-              </a:rPr>
-              <a:t> IP traffic is used on each LAN. For traffic</a:t>
-            </a:r>
-          </a:p>
-          <a:p>
-            <a:r>
-              <a:rPr lang="en-US" sz="1200" b="0" i="0" u="none" strike="noStrike" kern="1200" baseline="0" dirty="0">
-                <a:solidFill>
-                  <a:schemeClr val="tx1"/>
-                </a:solidFill>
-                <a:latin typeface="Arial" pitchFamily="-110" charset="0"/>
-                <a:ea typeface="ＭＳ Ｐゴシック" pitchFamily="-1" charset="-128"/>
-                <a:cs typeface="ＭＳ Ｐゴシック" pitchFamily="-1" charset="-128"/>
-              </a:rPr>
-              <a:t>off site, through some sort of private or public WAN, IPSec protocols are used.</a:t>
-            </a:r>
-          </a:p>
-          <a:p>
-            <a:r>
-              <a:rPr lang="en-US" sz="1200" b="0" i="0" u="none" strike="noStrike" kern="1200" baseline="0" dirty="0">
-                <a:solidFill>
-                  <a:schemeClr val="tx1"/>
-                </a:solidFill>
-                <a:latin typeface="Arial" pitchFamily="-110" charset="0"/>
-                <a:ea typeface="ＭＳ Ｐゴシック" pitchFamily="-1" charset="-128"/>
-                <a:cs typeface="ＭＳ Ｐゴシック" pitchFamily="-1" charset="-128"/>
-              </a:rPr>
-              <a:t>These protocols operate in networking devices, such as a router or firewall, that</a:t>
-            </a:r>
-          </a:p>
-          <a:p>
-            <a:r>
-              <a:rPr lang="en-US" sz="1200" b="0" i="0" u="none" strike="noStrike" kern="1200" baseline="0" dirty="0">
-                <a:solidFill>
-                  <a:schemeClr val="tx1"/>
-                </a:solidFill>
-                <a:latin typeface="Arial" pitchFamily="-110" charset="0"/>
-                <a:ea typeface="ＭＳ Ｐゴシック" pitchFamily="-1" charset="-128"/>
-                <a:cs typeface="ＭＳ Ｐゴシック" pitchFamily="-1" charset="-128"/>
-              </a:rPr>
-              <a:t>connect each LAN to the outside world. The IPSec networking device will typically</a:t>
-            </a:r>
-          </a:p>
-          <a:p>
-            <a:r>
-              <a:rPr lang="en-US" sz="1200" b="0" i="0" u="none" strike="noStrike" kern="1200" baseline="0" dirty="0">
-                <a:solidFill>
-                  <a:schemeClr val="tx1"/>
-                </a:solidFill>
-                <a:latin typeface="Arial" pitchFamily="-110" charset="0"/>
-                <a:ea typeface="ＭＳ Ｐゴシック" pitchFamily="-1" charset="-128"/>
-                <a:cs typeface="ＭＳ Ｐゴシック" pitchFamily="-1" charset="-128"/>
-              </a:rPr>
-              <a:t>encrypt and compress all traffic going into the WAN and decrypt and </a:t>
-            </a:r>
-            <a:r>
-              <a:rPr lang="en-US" sz="1200" b="0" i="0" u="none" strike="noStrike" kern="1200" baseline="0" dirty="0" err="1">
-                <a:solidFill>
-                  <a:schemeClr val="tx1"/>
-                </a:solidFill>
-                <a:latin typeface="Arial" pitchFamily="-110" charset="0"/>
-                <a:ea typeface="ＭＳ Ｐゴシック" pitchFamily="-1" charset="-128"/>
-                <a:cs typeface="ＭＳ Ｐゴシック" pitchFamily="-1" charset="-128"/>
-              </a:rPr>
-              <a:t>uncompress</a:t>
-            </a:r>
-            <a:endParaRPr lang="en-US" sz="1200" b="0" i="0" u="none" strike="noStrike" kern="1200" baseline="0" dirty="0">
-              <a:solidFill>
-                <a:schemeClr val="tx1"/>
-              </a:solidFill>
-              <a:latin typeface="Arial" pitchFamily="-110" charset="0"/>
-              <a:ea typeface="ＭＳ Ｐゴシック" pitchFamily="-1" charset="-128"/>
-              <a:cs typeface="ＭＳ Ｐゴシック" pitchFamily="-1" charset="-128"/>
-            </a:endParaRPr>
-          </a:p>
-          <a:p>
-            <a:r>
-              <a:rPr lang="en-US" sz="1200" b="0" i="0" u="none" strike="noStrike" kern="1200" baseline="0" dirty="0">
-                <a:solidFill>
-                  <a:schemeClr val="tx1"/>
-                </a:solidFill>
-                <a:latin typeface="Arial" pitchFamily="-110" charset="0"/>
-                <a:ea typeface="ＭＳ Ｐゴシック" pitchFamily="-1" charset="-128"/>
-                <a:cs typeface="ＭＳ Ｐゴシック" pitchFamily="-1" charset="-128"/>
-              </a:rPr>
-              <a:t>traffic coming from the WAN; authentication may also be provided. These operations</a:t>
-            </a:r>
-          </a:p>
-          <a:p>
-            <a:r>
-              <a:rPr lang="en-US" sz="1200" b="0" i="0" u="none" strike="noStrike" kern="1200" baseline="0" dirty="0">
-                <a:solidFill>
-                  <a:schemeClr val="tx1"/>
-                </a:solidFill>
-                <a:latin typeface="Arial" pitchFamily="-110" charset="0"/>
-                <a:ea typeface="ＭＳ Ｐゴシック" pitchFamily="-1" charset="-128"/>
-                <a:cs typeface="ＭＳ Ｐゴシック" pitchFamily="-1" charset="-128"/>
-              </a:rPr>
-              <a:t>are transparent to workstations and servers on the LAN. Secure transmission</a:t>
-            </a:r>
-          </a:p>
-          <a:p>
-            <a:r>
-              <a:rPr lang="en-US" sz="1200" b="0" i="0" u="none" strike="noStrike" kern="1200" baseline="0" dirty="0">
-                <a:solidFill>
-                  <a:schemeClr val="tx1"/>
-                </a:solidFill>
-                <a:latin typeface="Arial" pitchFamily="-110" charset="0"/>
-                <a:ea typeface="ＭＳ Ｐゴシック" pitchFamily="-1" charset="-128"/>
-                <a:cs typeface="ＭＳ Ｐゴシック" pitchFamily="-1" charset="-128"/>
-              </a:rPr>
-              <a:t>is also possible with individual users who dial into the WAN. Such user workstations</a:t>
-            </a:r>
-          </a:p>
-          <a:p>
-            <a:r>
-              <a:rPr lang="en-US" sz="1200" b="0" i="0" u="none" strike="noStrike" kern="1200" baseline="0" dirty="0">
-                <a:solidFill>
-                  <a:schemeClr val="tx1"/>
-                </a:solidFill>
-                <a:latin typeface="Arial" pitchFamily="-110" charset="0"/>
-                <a:ea typeface="ＭＳ Ｐゴシック" pitchFamily="-1" charset="-128"/>
-                <a:cs typeface="ＭＳ Ｐゴシック" pitchFamily="-1" charset="-128"/>
-              </a:rPr>
-              <a:t>must implement the IPSec protocols to provide security. They must also</a:t>
-            </a:r>
-          </a:p>
-          <a:p>
-            <a:r>
-              <a:rPr lang="en-US" sz="1200" b="0" i="0" u="none" strike="noStrike" kern="1200" baseline="0" dirty="0">
-                <a:solidFill>
-                  <a:schemeClr val="tx1"/>
-                </a:solidFill>
-                <a:latin typeface="Arial" pitchFamily="-110" charset="0"/>
-                <a:ea typeface="ＭＳ Ｐゴシック" pitchFamily="-1" charset="-128"/>
-                <a:cs typeface="ＭＳ Ｐゴシック" pitchFamily="-1" charset="-128"/>
-              </a:rPr>
-              <a:t>implement high levels of host security, as they are directly connected to the wider</a:t>
-            </a:r>
-          </a:p>
-          <a:p>
-            <a:r>
-              <a:rPr lang="en-US" sz="1200" b="0" i="0" u="none" strike="noStrike" kern="1200" baseline="0" dirty="0">
-                <a:solidFill>
-                  <a:schemeClr val="tx1"/>
-                </a:solidFill>
-                <a:latin typeface="Arial" pitchFamily="-110" charset="0"/>
-                <a:ea typeface="ＭＳ Ｐゴシック" pitchFamily="-1" charset="-128"/>
-                <a:cs typeface="ＭＳ Ｐゴシック" pitchFamily="-1" charset="-128"/>
-              </a:rPr>
-              <a:t>Internet. This makes them an attractive target for attackers attempting to access</a:t>
-            </a:r>
-          </a:p>
-          <a:p>
-            <a:r>
-              <a:rPr lang="en-US" sz="1200" b="0" i="0" u="none" strike="noStrike" kern="1200" baseline="0" dirty="0">
-                <a:solidFill>
-                  <a:schemeClr val="tx1"/>
-                </a:solidFill>
-                <a:latin typeface="Arial" pitchFamily="-110" charset="0"/>
-                <a:ea typeface="ＭＳ Ｐゴシック" pitchFamily="-1" charset="-128"/>
-                <a:cs typeface="ＭＳ Ｐゴシック" pitchFamily="-1" charset="-128"/>
-              </a:rPr>
-              <a:t>the corporate network.</a:t>
-            </a:r>
-          </a:p>
-          <a:p>
-            <a:endParaRPr lang="en-US" sz="1200" b="0" i="0" u="none" strike="noStrike" kern="1200" baseline="0" dirty="0">
-              <a:solidFill>
-                <a:schemeClr val="tx1"/>
-              </a:solidFill>
-              <a:latin typeface="Arial" pitchFamily="-110" charset="0"/>
-              <a:ea typeface="ＭＳ Ｐゴシック" pitchFamily="-1" charset="-128"/>
-              <a:cs typeface="ＭＳ Ｐゴシック" pitchFamily="-1" charset="-128"/>
-            </a:endParaRPr>
-          </a:p>
-          <a:p>
-            <a:r>
-              <a:rPr lang="en-US" sz="1200" b="0" i="0" u="none" strike="noStrike" kern="1200" baseline="0" dirty="0">
-                <a:solidFill>
-                  <a:schemeClr val="tx1"/>
-                </a:solidFill>
-                <a:latin typeface="Arial" pitchFamily="-110" charset="0"/>
-                <a:ea typeface="ＭＳ Ｐゴシック" pitchFamily="-1" charset="-128"/>
-                <a:cs typeface="ＭＳ Ｐゴシック" pitchFamily="-1" charset="-128"/>
-              </a:rPr>
-              <a:t>A logical means of implementing an IPSec is in a firewall, as shown in</a:t>
-            </a:r>
-          </a:p>
-          <a:p>
-            <a:r>
-              <a:rPr lang="en-US" sz="1200" b="0" i="0" u="none" strike="noStrike" kern="1200" baseline="0" dirty="0">
-                <a:solidFill>
-                  <a:schemeClr val="tx1"/>
-                </a:solidFill>
-                <a:latin typeface="Arial" pitchFamily="-110" charset="0"/>
-                <a:ea typeface="ＭＳ Ｐゴシック" pitchFamily="-1" charset="-128"/>
-                <a:cs typeface="ＭＳ Ｐゴシック" pitchFamily="-1" charset="-128"/>
-              </a:rPr>
-              <a:t>Figure 9.3. If IPSec is implemented in a separate box behind (internal to) the firewall,</a:t>
-            </a:r>
-          </a:p>
-          <a:p>
-            <a:r>
-              <a:rPr lang="en-US" sz="1200" b="0" i="0" u="none" strike="noStrike" kern="1200" baseline="0" dirty="0">
-                <a:solidFill>
-                  <a:schemeClr val="tx1"/>
-                </a:solidFill>
-                <a:latin typeface="Arial" pitchFamily="-110" charset="0"/>
-                <a:ea typeface="ＭＳ Ｐゴシック" pitchFamily="-1" charset="-128"/>
-                <a:cs typeface="ＭＳ Ｐゴシック" pitchFamily="-1" charset="-128"/>
-              </a:rPr>
-              <a:t>then VPN traffic passing through the firewall in both directions is encrypted.</a:t>
-            </a:r>
-          </a:p>
-          <a:p>
-            <a:r>
-              <a:rPr lang="en-US" sz="1200" b="0" i="0" u="none" strike="noStrike" kern="1200" baseline="0" dirty="0">
-                <a:solidFill>
-                  <a:schemeClr val="tx1"/>
-                </a:solidFill>
-                <a:latin typeface="Arial" pitchFamily="-110" charset="0"/>
-                <a:ea typeface="ＭＳ Ｐゴシック" pitchFamily="-1" charset="-128"/>
-                <a:cs typeface="ＭＳ Ｐゴシック" pitchFamily="-1" charset="-128"/>
-              </a:rPr>
-              <a:t>In this case, the firewall is unable to perform its filtering function or other security</a:t>
-            </a:r>
-          </a:p>
-          <a:p>
-            <a:r>
-              <a:rPr lang="en-US" sz="1200" b="0" i="0" u="none" strike="noStrike" kern="1200" baseline="0" dirty="0">
-                <a:solidFill>
-                  <a:schemeClr val="tx1"/>
-                </a:solidFill>
-                <a:latin typeface="Arial" pitchFamily="-110" charset="0"/>
-                <a:ea typeface="ＭＳ Ｐゴシック" pitchFamily="-1" charset="-128"/>
-                <a:cs typeface="ＭＳ Ｐゴシック" pitchFamily="-1" charset="-128"/>
-              </a:rPr>
-              <a:t>functions, such as access control, logging, or scanning for viruses. IPSec could be</a:t>
-            </a:r>
-          </a:p>
-          <a:p>
-            <a:r>
-              <a:rPr lang="en-US" sz="1200" b="0" i="0" u="none" strike="noStrike" kern="1200" baseline="0" dirty="0">
-                <a:solidFill>
-                  <a:schemeClr val="tx1"/>
-                </a:solidFill>
-                <a:latin typeface="Arial" pitchFamily="-110" charset="0"/>
-                <a:ea typeface="ＭＳ Ｐゴシック" pitchFamily="-1" charset="-128"/>
-                <a:cs typeface="ＭＳ Ｐゴシック" pitchFamily="-1" charset="-128"/>
-              </a:rPr>
-              <a:t>implemented in the boundary router, outside the firewall. However, this device is</a:t>
-            </a:r>
-          </a:p>
-          <a:p>
-            <a:r>
-              <a:rPr lang="en-US" sz="1200" b="0" i="0" u="none" strike="noStrike" kern="1200" baseline="0" dirty="0">
-                <a:solidFill>
-                  <a:schemeClr val="tx1"/>
-                </a:solidFill>
-                <a:latin typeface="Arial" pitchFamily="-110" charset="0"/>
-                <a:ea typeface="ＭＳ Ｐゴシック" pitchFamily="-1" charset="-128"/>
-                <a:cs typeface="ＭＳ Ｐゴシック" pitchFamily="-1" charset="-128"/>
-              </a:rPr>
-              <a:t>likely to be less secure than the firewall and thus less desirable as an IPSec platform.</a:t>
-            </a:r>
-            <a:endParaRPr lang="en-US" dirty="0">
-              <a:latin typeface="Times New Roman" pitchFamily="-110" charset="0"/>
-              <a:ea typeface="ＭＳ Ｐゴシック" pitchFamily="-110" charset="-128"/>
-              <a:cs typeface="ＭＳ Ｐゴシック" pitchFamily="-110" charset="-128"/>
-            </a:endParaRPr>
-          </a:p>
-        </p:txBody>
-      </p:sp>
-    </p:spTree>
-    <p:extLst>
-      <p:ext uri="{BB962C8B-B14F-4D97-AF65-F5344CB8AC3E}">
-        <p14:creationId xmlns:p14="http://schemas.microsoft.com/office/powerpoint/2010/main" val="4115179245"/>
-      </p:ext>
-    </p:extLst>
-  </p:cSld>
-  <p:clrMapOvr>
-    <a:masterClrMapping/>
-  </p:clrMapOvr>
-</p:notes>
-</file>
-
-<file path=ppt/notesSlides/notesSlide22.xml><?xml version="1.0" encoding="utf-8"?>
-<p:notes xmlns:a="http://schemas.openxmlformats.org/drawingml/2006/main" xmlns:r="http://schemas.openxmlformats.org/officeDocument/2006/relationships" xmlns:p="http://schemas.openxmlformats.org/presentationml/2006/main">
-  <p:cSld>
-    <p:spTree>
-      <p:nvGrpSpPr>
-        <p:cNvPr id="1" name=""/>
-        <p:cNvGrpSpPr/>
-        <p:nvPr/>
-      </p:nvGrpSpPr>
-      <p:grpSpPr>
-        <a:xfrm>
-          <a:off x="0" y="0"/>
-          <a:ext cx="0" cy="0"/>
-          <a:chOff x="0" y="0"/>
-          <a:chExt cx="0" cy="0"/>
-        </a:xfrm>
-      </p:grpSpPr>
-      <p:sp>
-        <p:nvSpPr>
-          <p:cNvPr id="2" name="幻灯片图像占位符 1"/>
-          <p:cNvSpPr>
-            <a:spLocks noGrp="1" noRot="1" noChangeAspect="1"/>
-          </p:cNvSpPr>
-          <p:nvPr>
-            <p:ph type="sldImg"/>
-          </p:nvPr>
-        </p:nvSpPr>
-        <p:spPr/>
-      </p:sp>
-      <p:sp>
-        <p:nvSpPr>
-          <p:cNvPr id="3" name="备注占位符 2"/>
-          <p:cNvSpPr>
-            <a:spLocks noGrp="1"/>
-          </p:cNvSpPr>
-          <p:nvPr>
-            <p:ph type="body" idx="1"/>
-          </p:nvPr>
-        </p:nvSpPr>
-        <p:spPr/>
-        <p:txBody>
-          <a:bodyPr/>
-          <a:lstStyle/>
-          <a:p>
             <a:endParaRPr lang="zh-CN" altLang="en-US" dirty="0"/>
           </a:p>
         </p:txBody>
@@ -8924,7 +8381,7 @@
               <a:pPr>
                 <a:defRPr/>
               </a:pPr>
-              <a:t>29</a:t>
+              <a:t>27</a:t>
             </a:fld>
             <a:endParaRPr lang="en-AU"/>
           </a:p>
@@ -8943,7 +8400,7 @@
 </p:notes>
 </file>
 
-<file path=ppt/notesSlides/notesSlide23.xml><?xml version="1.0" encoding="utf-8"?>
+<file path=ppt/notesSlides/notesSlide21.xml><?xml version="1.0" encoding="utf-8"?>
 <p:notes xmlns:a="http://schemas.openxmlformats.org/drawingml/2006/main" xmlns:r="http://schemas.openxmlformats.org/officeDocument/2006/relationships" xmlns:p="http://schemas.openxmlformats.org/presentationml/2006/main">
   <p:cSld>
     <p:spTree>
@@ -9234,7 +8691,7 @@
             <a:fld id="{02D7AC45-69A4-4942-A66E-EEC62A18A240}" type="slidenum">
               <a:rPr lang="en-AU" smtClean="0"/>
               <a:pPr/>
-              <a:t>30</a:t>
+              <a:t>28</a:t>
             </a:fld>
             <a:endParaRPr lang="en-AU"/>
           </a:p>
@@ -9253,7 +8710,7 @@
 </p:notes>
 </file>
 
-<file path=ppt/notesSlides/notesSlide24.xml><?xml version="1.0" encoding="utf-8"?>
+<file path=ppt/notesSlides/notesSlide22.xml><?xml version="1.0" encoding="utf-8"?>
 <p:notes xmlns:a="http://schemas.openxmlformats.org/drawingml/2006/main" xmlns:r="http://schemas.openxmlformats.org/officeDocument/2006/relationships" xmlns:p="http://schemas.openxmlformats.org/presentationml/2006/main">
   <p:cSld>
     <p:spTree>
@@ -9290,7 +8747,7 @@
             <a:fld id="{A62B6C8F-2B07-7F47-B356-D225AFD43E73}" type="slidenum">
               <a:rPr lang="en-AU"/>
               <a:pPr/>
-              <a:t>32</a:t>
+              <a:t>30</a:t>
             </a:fld>
             <a:endParaRPr lang="en-AU"/>
           </a:p>
@@ -9525,7 +8982,7 @@
 </p:notes>
 </file>
 
-<file path=ppt/notesSlides/notesSlide25.xml><?xml version="1.0" encoding="utf-8"?>
+<file path=ppt/notesSlides/notesSlide23.xml><?xml version="1.0" encoding="utf-8"?>
 <p:notes xmlns:a="http://schemas.openxmlformats.org/drawingml/2006/main" xmlns:r="http://schemas.openxmlformats.org/officeDocument/2006/relationships" xmlns:p="http://schemas.openxmlformats.org/presentationml/2006/main">
   <p:cSld>
     <p:spTree>
@@ -10331,7 +9788,7 @@
             <a:fld id="{F8560DBF-F109-8946-ADF0-EE66B221E988}" type="slidenum">
               <a:rPr lang="en-AU" smtClean="0"/>
               <a:pPr/>
-              <a:t>33</a:t>
+              <a:t>31</a:t>
             </a:fld>
             <a:endParaRPr lang="en-AU" dirty="0"/>
           </a:p>
@@ -10350,7 +9807,7 @@
 </p:notes>
 </file>
 
-<file path=ppt/notesSlides/notesSlide26.xml><?xml version="1.0" encoding="utf-8"?>
+<file path=ppt/notesSlides/notesSlide24.xml><?xml version="1.0" encoding="utf-8"?>
 <p:notes xmlns:a="http://schemas.openxmlformats.org/drawingml/2006/main" xmlns:r="http://schemas.openxmlformats.org/officeDocument/2006/relationships" xmlns:p="http://schemas.openxmlformats.org/presentationml/2006/main">
   <p:cSld>
     <p:spTree>
@@ -10387,7 +9844,7 @@
             <a:fld id="{72A07C0E-5480-5946-B87C-C4BCD36F6A0A}" type="slidenum">
               <a:rPr lang="en-AU"/>
               <a:pPr/>
-              <a:t>34</a:t>
+              <a:t>32</a:t>
             </a:fld>
             <a:endParaRPr lang="en-AU"/>
           </a:p>
@@ -10644,7 +10101,7 @@
 </p:notes>
 </file>
 
-<file path=ppt/notesSlides/notesSlide27.xml><?xml version="1.0" encoding="utf-8"?>
+<file path=ppt/notesSlides/notesSlide25.xml><?xml version="1.0" encoding="utf-8"?>
 <p:notes xmlns:a="http://schemas.openxmlformats.org/drawingml/2006/main" xmlns:r="http://schemas.openxmlformats.org/officeDocument/2006/relationships" xmlns:p="http://schemas.openxmlformats.org/presentationml/2006/main">
   <p:cSld>
     <p:spTree>
@@ -10681,7 +10138,7 @@
             <a:fld id="{72A07C0E-5480-5946-B87C-C4BCD36F6A0A}" type="slidenum">
               <a:rPr lang="en-AU"/>
               <a:pPr/>
-              <a:t>35</a:t>
+              <a:t>33</a:t>
             </a:fld>
             <a:endParaRPr lang="en-AU"/>
           </a:p>
@@ -10929,7 +10386,7 @@
 </p:notes>
 </file>
 
-<file path=ppt/notesSlides/notesSlide28.xml><?xml version="1.0" encoding="utf-8"?>
+<file path=ppt/notesSlides/notesSlide26.xml><?xml version="1.0" encoding="utf-8"?>
 <p:notes xmlns:a="http://schemas.openxmlformats.org/drawingml/2006/main" xmlns:r="http://schemas.openxmlformats.org/officeDocument/2006/relationships" xmlns:p="http://schemas.openxmlformats.org/presentationml/2006/main">
   <p:cSld>
     <p:spTree>
@@ -10966,7 +10423,7 @@
             <a:fld id="{AE085251-2E80-1B40-A15D-FC2AB4AE5F49}" type="slidenum">
               <a:rPr lang="en-AU"/>
               <a:pPr/>
-              <a:t>36</a:t>
+              <a:t>34</a:t>
             </a:fld>
             <a:endParaRPr lang="en-AU"/>
           </a:p>
@@ -11115,7 +10572,7 @@
 </p:notes>
 </file>
 
-<file path=ppt/notesSlides/notesSlide29.xml><?xml version="1.0" encoding="utf-8"?>
+<file path=ppt/notesSlides/notesSlide27.xml><?xml version="1.0" encoding="utf-8"?>
 <p:notes xmlns:a="http://schemas.openxmlformats.org/drawingml/2006/main" xmlns:r="http://schemas.openxmlformats.org/officeDocument/2006/relationships" xmlns:p="http://schemas.openxmlformats.org/presentationml/2006/main">
   <p:cSld>
     <p:spTree>
@@ -11487,7 +10944,7 @@
             <a:fld id="{F8560DBF-F109-8946-ADF0-EE66B221E988}" type="slidenum">
               <a:rPr lang="en-AU" smtClean="0"/>
               <a:pPr/>
-              <a:t>37</a:t>
+              <a:t>35</a:t>
             </a:fld>
             <a:endParaRPr lang="en-AU" dirty="0"/>
           </a:p>
@@ -11497,6 +10954,760 @@
     <p:extLst>
       <p:ext uri="{BB962C8B-B14F-4D97-AF65-F5344CB8AC3E}">
         <p14:creationId xmlns:p14="http://schemas.microsoft.com/office/powerpoint/2010/main" val="1188896821"/>
+      </p:ext>
+    </p:extLst>
+  </p:cSld>
+  <p:clrMapOvr>
+    <a:masterClrMapping/>
+  </p:clrMapOvr>
+</p:notes>
+</file>
+
+<file path=ppt/notesSlides/notesSlide28.xml><?xml version="1.0" encoding="utf-8"?>
+<p:notes xmlns:a="http://schemas.openxmlformats.org/drawingml/2006/main" xmlns:r="http://schemas.openxmlformats.org/officeDocument/2006/relationships" xmlns:p="http://schemas.openxmlformats.org/presentationml/2006/main">
+  <p:cSld>
+    <p:spTree>
+      <p:nvGrpSpPr>
+        <p:cNvPr id="1" name=""/>
+        <p:cNvGrpSpPr/>
+        <p:nvPr/>
+      </p:nvGrpSpPr>
+      <p:grpSpPr>
+        <a:xfrm>
+          <a:off x="0" y="0"/>
+          <a:ext cx="0" cy="0"/>
+          <a:chOff x="0" y="0"/>
+          <a:chExt cx="0" cy="0"/>
+        </a:xfrm>
+      </p:grpSpPr>
+      <p:sp>
+        <p:nvSpPr>
+          <p:cNvPr id="2" name="Slide Image Placeholder 1"/>
+          <p:cNvSpPr>
+            <a:spLocks noGrp="1" noRot="1" noChangeAspect="1"/>
+          </p:cNvSpPr>
+          <p:nvPr>
+            <p:ph type="sldImg"/>
+          </p:nvPr>
+        </p:nvSpPr>
+        <p:spPr/>
+      </p:sp>
+      <p:sp>
+        <p:nvSpPr>
+          <p:cNvPr id="3" name="Notes Placeholder 2"/>
+          <p:cNvSpPr>
+            <a:spLocks noGrp="1"/>
+          </p:cNvSpPr>
+          <p:nvPr>
+            <p:ph type="body" idx="1"/>
+          </p:nvPr>
+        </p:nvSpPr>
+        <p:spPr/>
+        <p:txBody>
+          <a:bodyPr/>
+          <a:lstStyle/>
+          <a:p>
+            <a:endParaRPr lang="en-SE" dirty="0"/>
+          </a:p>
+        </p:txBody>
+      </p:sp>
+      <p:sp>
+        <p:nvSpPr>
+          <p:cNvPr id="4" name="Slide Number Placeholder 3"/>
+          <p:cNvSpPr>
+            <a:spLocks noGrp="1"/>
+          </p:cNvSpPr>
+          <p:nvPr>
+            <p:ph type="sldNum" sz="quarter" idx="5"/>
+          </p:nvPr>
+        </p:nvSpPr>
+        <p:spPr/>
+        <p:txBody>
+          <a:bodyPr/>
+          <a:lstStyle/>
+          <a:p>
+            <a:fld id="{F8560DBF-F109-8946-ADF0-EE66B221E988}" type="slidenum">
+              <a:rPr lang="en-AU" smtClean="0"/>
+              <a:pPr/>
+              <a:t>36</a:t>
+            </a:fld>
+            <a:endParaRPr lang="en-AU" dirty="0"/>
+          </a:p>
+        </p:txBody>
+      </p:sp>
+    </p:spTree>
+    <p:extLst>
+      <p:ext uri="{BB962C8B-B14F-4D97-AF65-F5344CB8AC3E}">
+        <p14:creationId xmlns:p14="http://schemas.microsoft.com/office/powerpoint/2010/main" val="2218030611"/>
+      </p:ext>
+    </p:extLst>
+  </p:cSld>
+  <p:clrMapOvr>
+    <a:masterClrMapping/>
+  </p:clrMapOvr>
+</p:notes>
+</file>
+
+<file path=ppt/notesSlides/notesSlide29.xml><?xml version="1.0" encoding="utf-8"?>
+<p:notes xmlns:a="http://schemas.openxmlformats.org/drawingml/2006/main" xmlns:r="http://schemas.openxmlformats.org/officeDocument/2006/relationships" xmlns:p="http://schemas.openxmlformats.org/presentationml/2006/main">
+  <p:cSld>
+    <p:spTree>
+      <p:nvGrpSpPr>
+        <p:cNvPr id="1" name=""/>
+        <p:cNvGrpSpPr/>
+        <p:nvPr/>
+      </p:nvGrpSpPr>
+      <p:grpSpPr>
+        <a:xfrm>
+          <a:off x="0" y="0"/>
+          <a:ext cx="0" cy="0"/>
+          <a:chOff x="0" y="0"/>
+          <a:chExt cx="0" cy="0"/>
+        </a:xfrm>
+      </p:grpSpPr>
+      <p:sp>
+        <p:nvSpPr>
+          <p:cNvPr id="69634" name="Rectangle 7"/>
+          <p:cNvSpPr>
+            <a:spLocks noGrp="1" noChangeArrowheads="1"/>
+          </p:cNvSpPr>
+          <p:nvPr>
+            <p:ph type="sldNum" sz="quarter" idx="5"/>
+          </p:nvPr>
+        </p:nvSpPr>
+        <p:spPr>
+          <a:noFill/>
+        </p:spPr>
+        <p:txBody>
+          <a:bodyPr/>
+          <a:lstStyle/>
+          <a:p>
+            <a:fld id="{8BF34A1E-4FCA-EC48-934E-CD8036D82C94}" type="slidenum">
+              <a:rPr lang="en-AU"/>
+              <a:pPr/>
+              <a:t>37</a:t>
+            </a:fld>
+            <a:endParaRPr lang="en-AU"/>
+          </a:p>
+        </p:txBody>
+      </p:sp>
+      <p:sp>
+        <p:nvSpPr>
+          <p:cNvPr id="69635" name="Rectangle 1026"/>
+          <p:cNvSpPr>
+            <a:spLocks noGrp="1" noRot="1" noChangeAspect="1" noChangeArrowheads="1" noTextEdit="1"/>
+          </p:cNvSpPr>
+          <p:nvPr>
+            <p:ph type="sldImg"/>
+          </p:nvPr>
+        </p:nvSpPr>
+        <p:spPr>
+          <a:ln/>
+        </p:spPr>
+      </p:sp>
+      <p:sp>
+        <p:nvSpPr>
+          <p:cNvPr id="69636" name="Rectangle 1027"/>
+          <p:cNvSpPr>
+            <a:spLocks noGrp="1" noChangeArrowheads="1"/>
+          </p:cNvSpPr>
+          <p:nvPr>
+            <p:ph type="body" idx="1"/>
+          </p:nvPr>
+        </p:nvSpPr>
+        <p:spPr>
+          <a:noFill/>
+          <a:ln/>
+        </p:spPr>
+        <p:txBody>
+          <a:bodyPr/>
+          <a:lstStyle/>
+          <a:p>
+            <a:pPr eaLnBrk="1" hangingPunct="1"/>
+            <a:r>
+              <a:rPr lang="en-US" b="0" dirty="0">
+                <a:ea typeface="ＭＳ Ｐゴシック" pitchFamily="-110" charset="-128"/>
+                <a:cs typeface="ＭＳ Ｐゴシック" pitchFamily="-110" charset="-128"/>
+              </a:rPr>
+              <a:t>In the past few chapters, we have reviewed a number of approaches to countering</a:t>
+            </a:r>
+          </a:p>
+          <a:p>
+            <a:pPr eaLnBrk="1" hangingPunct="1"/>
+            <a:r>
+              <a:rPr lang="en-US" b="0" dirty="0">
+                <a:ea typeface="ＭＳ Ｐゴシック" pitchFamily="-110" charset="-128"/>
+                <a:cs typeface="ＭＳ Ｐゴシック" pitchFamily="-110" charset="-128"/>
+              </a:rPr>
+              <a:t>malicious software and network-based attacks, including antivirus and </a:t>
+            </a:r>
+            <a:r>
+              <a:rPr lang="en-US" b="0" dirty="0" err="1">
+                <a:ea typeface="ＭＳ Ｐゴシック" pitchFamily="-110" charset="-128"/>
+                <a:cs typeface="ＭＳ Ｐゴシック" pitchFamily="-110" charset="-128"/>
+              </a:rPr>
+              <a:t>antiworm</a:t>
+            </a:r>
+            <a:endParaRPr lang="en-US" b="0" dirty="0">
+              <a:ea typeface="ＭＳ Ｐゴシック" pitchFamily="-110" charset="-128"/>
+              <a:cs typeface="ＭＳ Ｐゴシック" pitchFamily="-110" charset="-128"/>
+            </a:endParaRPr>
+          </a:p>
+          <a:p>
+            <a:pPr eaLnBrk="1" hangingPunct="1"/>
+            <a:r>
+              <a:rPr lang="en-US" b="0" dirty="0">
+                <a:ea typeface="ＭＳ Ｐゴシック" pitchFamily="-110" charset="-128"/>
+                <a:cs typeface="ＭＳ Ｐゴシック" pitchFamily="-110" charset="-128"/>
+              </a:rPr>
+              <a:t>products, IPS and IDS, and firewalls. The implementation of all of these systems can</a:t>
+            </a:r>
+          </a:p>
+          <a:p>
+            <a:pPr eaLnBrk="1" hangingPunct="1"/>
+            <a:r>
+              <a:rPr lang="en-US" b="0" dirty="0">
+                <a:ea typeface="ＭＳ Ｐゴシック" pitchFamily="-110" charset="-128"/>
+                <a:cs typeface="ＭＳ Ｐゴシック" pitchFamily="-110" charset="-128"/>
+              </a:rPr>
+              <a:t>provide an organization with a defense in depth using multiple layers of filters and</a:t>
+            </a:r>
+          </a:p>
+          <a:p>
+            <a:pPr eaLnBrk="1" hangingPunct="1"/>
+            <a:r>
+              <a:rPr lang="en-US" b="0" dirty="0">
+                <a:ea typeface="ＭＳ Ｐゴシック" pitchFamily="-110" charset="-128"/>
+                <a:cs typeface="ＭＳ Ｐゴシック" pitchFamily="-110" charset="-128"/>
+              </a:rPr>
+              <a:t>defense mechanisms to thwart attacks. The downside of such a piecemeal implementation</a:t>
+            </a:r>
+          </a:p>
+          <a:p>
+            <a:pPr eaLnBrk="1" hangingPunct="1"/>
+            <a:r>
+              <a:rPr lang="en-US" b="0" dirty="0">
+                <a:ea typeface="ＭＳ Ｐゴシック" pitchFamily="-110" charset="-128"/>
+                <a:cs typeface="ＭＳ Ｐゴシック" pitchFamily="-110" charset="-128"/>
+              </a:rPr>
+              <a:t>is the need to configure, deploy, and manage a range of devices and software</a:t>
+            </a:r>
+          </a:p>
+          <a:p>
+            <a:pPr eaLnBrk="1" hangingPunct="1"/>
+            <a:r>
+              <a:rPr lang="en-US" b="0" dirty="0">
+                <a:ea typeface="ＭＳ Ｐゴシック" pitchFamily="-110" charset="-128"/>
+                <a:cs typeface="ＭＳ Ｐゴシック" pitchFamily="-110" charset="-128"/>
+              </a:rPr>
+              <a:t>packages. In addition, deploying a number of devices in sequence can reduce</a:t>
+            </a:r>
+          </a:p>
+          <a:p>
+            <a:pPr eaLnBrk="1" hangingPunct="1"/>
+            <a:r>
+              <a:rPr lang="en-US" b="0" dirty="0">
+                <a:ea typeface="ＭＳ Ｐゴシック" pitchFamily="-110" charset="-128"/>
+                <a:cs typeface="ＭＳ Ｐゴシック" pitchFamily="-110" charset="-128"/>
+              </a:rPr>
+              <a:t>performance.</a:t>
+            </a:r>
+          </a:p>
+          <a:p>
+            <a:pPr eaLnBrk="1" hangingPunct="1"/>
+            <a:endParaRPr lang="en-US" b="0" dirty="0">
+              <a:ea typeface="ＭＳ Ｐゴシック" pitchFamily="-110" charset="-128"/>
+              <a:cs typeface="ＭＳ Ｐゴシック" pitchFamily="-110" charset="-128"/>
+            </a:endParaRPr>
+          </a:p>
+          <a:p>
+            <a:pPr eaLnBrk="1" hangingPunct="1"/>
+            <a:r>
+              <a:rPr lang="en-US" b="0" dirty="0">
+                <a:ea typeface="ＭＳ Ｐゴシック" pitchFamily="-110" charset="-128"/>
+                <a:cs typeface="ＭＳ Ｐゴシック" pitchFamily="-110" charset="-128"/>
+              </a:rPr>
+              <a:t>One approach to reducing the administrative and performance burden is to</a:t>
+            </a:r>
+          </a:p>
+          <a:p>
+            <a:pPr eaLnBrk="1" hangingPunct="1"/>
+            <a:r>
+              <a:rPr lang="en-US" b="0" dirty="0">
+                <a:ea typeface="ＭＳ Ｐゴシック" pitchFamily="-110" charset="-128"/>
+                <a:cs typeface="ＭＳ Ｐゴシック" pitchFamily="-110" charset="-128"/>
+              </a:rPr>
+              <a:t>replace all inline network products (firewall, IPS, IDS, VPN, </a:t>
+            </a:r>
+            <a:r>
+              <a:rPr lang="en-US" b="0" dirty="0" err="1">
+                <a:ea typeface="ＭＳ Ｐゴシック" pitchFamily="-110" charset="-128"/>
+                <a:cs typeface="ＭＳ Ｐゴシック" pitchFamily="-110" charset="-128"/>
+              </a:rPr>
+              <a:t>antispam</a:t>
+            </a:r>
+            <a:r>
+              <a:rPr lang="en-US" b="0" dirty="0">
+                <a:ea typeface="ＭＳ Ｐゴシック" pitchFamily="-110" charset="-128"/>
+                <a:cs typeface="ＭＳ Ｐゴシック" pitchFamily="-110" charset="-128"/>
+              </a:rPr>
+              <a:t>, </a:t>
+            </a:r>
+            <a:r>
+              <a:rPr lang="en-US" b="0" dirty="0" err="1">
+                <a:ea typeface="ＭＳ Ｐゴシック" pitchFamily="-110" charset="-128"/>
+                <a:cs typeface="ＭＳ Ｐゴシック" pitchFamily="-110" charset="-128"/>
+              </a:rPr>
+              <a:t>antisypware</a:t>
+            </a:r>
+            <a:r>
+              <a:rPr lang="en-US" b="0" dirty="0">
+                <a:ea typeface="ＭＳ Ｐゴシック" pitchFamily="-110" charset="-128"/>
+                <a:cs typeface="ＭＳ Ｐゴシック" pitchFamily="-110" charset="-128"/>
+              </a:rPr>
+              <a:t>,</a:t>
+            </a:r>
+          </a:p>
+          <a:p>
+            <a:pPr eaLnBrk="1" hangingPunct="1"/>
+            <a:r>
+              <a:rPr lang="en-US" b="0" dirty="0">
+                <a:ea typeface="ＭＳ Ｐゴシック" pitchFamily="-110" charset="-128"/>
+                <a:cs typeface="ＭＳ Ｐゴシック" pitchFamily="-110" charset="-128"/>
+              </a:rPr>
+              <a:t>and so on) with a single device that integrates a variety of approaches to dealing</a:t>
+            </a:r>
+          </a:p>
+          <a:p>
+            <a:pPr eaLnBrk="1" hangingPunct="1"/>
+            <a:r>
+              <a:rPr lang="en-US" b="0" dirty="0">
+                <a:ea typeface="ＭＳ Ｐゴシック" pitchFamily="-110" charset="-128"/>
+                <a:cs typeface="ＭＳ Ｐゴシック" pitchFamily="-110" charset="-128"/>
+              </a:rPr>
+              <a:t>with network-based attacks. The market analyst firm IDC refers to such a device as</a:t>
+            </a:r>
+          </a:p>
+          <a:p>
+            <a:pPr eaLnBrk="1" hangingPunct="1"/>
+            <a:r>
+              <a:rPr lang="en-US" b="0" dirty="0">
+                <a:ea typeface="ＭＳ Ｐゴシック" pitchFamily="-110" charset="-128"/>
+                <a:cs typeface="ＭＳ Ｐゴシック" pitchFamily="-110" charset="-128"/>
+              </a:rPr>
+              <a:t>a unified threat management (UTM) system and defines UTM as follows: “Products</a:t>
+            </a:r>
+          </a:p>
+          <a:p>
+            <a:pPr eaLnBrk="1" hangingPunct="1"/>
+            <a:r>
+              <a:rPr lang="en-US" b="0" dirty="0">
+                <a:ea typeface="ＭＳ Ｐゴシック" pitchFamily="-110" charset="-128"/>
+                <a:cs typeface="ＭＳ Ｐゴシック" pitchFamily="-110" charset="-128"/>
+              </a:rPr>
+              <a:t>that include multiple security features integrated into one box. To be included in</a:t>
+            </a:r>
+          </a:p>
+          <a:p>
+            <a:pPr eaLnBrk="1" hangingPunct="1"/>
+            <a:r>
+              <a:rPr lang="en-US" b="0" dirty="0">
+                <a:ea typeface="ＭＳ Ｐゴシック" pitchFamily="-110" charset="-128"/>
+                <a:cs typeface="ＭＳ Ｐゴシック" pitchFamily="-110" charset="-128"/>
+              </a:rPr>
+              <a:t>this category, [an appliance] must be able to perform network firewalling, network</a:t>
+            </a:r>
+          </a:p>
+          <a:p>
+            <a:pPr eaLnBrk="1" hangingPunct="1"/>
+            <a:r>
+              <a:rPr lang="en-US" b="0" dirty="0">
+                <a:ea typeface="ＭＳ Ｐゴシック" pitchFamily="-110" charset="-128"/>
+                <a:cs typeface="ＭＳ Ｐゴシック" pitchFamily="-110" charset="-128"/>
+              </a:rPr>
+              <a:t>intrusion detection and prevention and gateway anti-virus. All of the capabilities in</a:t>
+            </a:r>
+          </a:p>
+          <a:p>
+            <a:pPr eaLnBrk="1" hangingPunct="1"/>
+            <a:r>
+              <a:rPr lang="en-US" b="0" dirty="0">
+                <a:ea typeface="ＭＳ Ｐゴシック" pitchFamily="-110" charset="-128"/>
+                <a:cs typeface="ＭＳ Ｐゴシック" pitchFamily="-110" charset="-128"/>
+              </a:rPr>
+              <a:t>the appliance need not be used concurrently, but the functions must exist inherently</a:t>
+            </a:r>
+          </a:p>
+          <a:p>
+            <a:pPr eaLnBrk="1" hangingPunct="1"/>
+            <a:r>
+              <a:rPr lang="en-US" b="0" dirty="0">
+                <a:ea typeface="ＭＳ Ｐゴシック" pitchFamily="-110" charset="-128"/>
+                <a:cs typeface="ＭＳ Ｐゴシック" pitchFamily="-110" charset="-128"/>
+              </a:rPr>
+              <a:t>in the appliance.”</a:t>
+            </a:r>
+          </a:p>
+          <a:p>
+            <a:pPr eaLnBrk="1" hangingPunct="1"/>
+            <a:endParaRPr lang="en-US" b="0" dirty="0">
+              <a:ea typeface="ＭＳ Ｐゴシック" pitchFamily="-110" charset="-128"/>
+              <a:cs typeface="ＭＳ Ｐゴシック" pitchFamily="-110" charset="-128"/>
+            </a:endParaRPr>
+          </a:p>
+          <a:p>
+            <a:pPr eaLnBrk="1" hangingPunct="1"/>
+            <a:r>
+              <a:rPr lang="en-US" b="0" dirty="0">
+                <a:ea typeface="ＭＳ Ｐゴシック" pitchFamily="-110" charset="-128"/>
+                <a:cs typeface="ＭＳ Ｐゴシック" pitchFamily="-110" charset="-128"/>
+              </a:rPr>
+              <a:t>A significant issue with a UTM device is performance, both throughput and</a:t>
+            </a:r>
+          </a:p>
+          <a:p>
+            <a:pPr eaLnBrk="1" hangingPunct="1"/>
+            <a:r>
+              <a:rPr lang="en-US" b="0" dirty="0">
+                <a:ea typeface="ＭＳ Ｐゴシック" pitchFamily="-110" charset="-128"/>
+                <a:cs typeface="ＭＳ Ｐゴシック" pitchFamily="-110" charset="-128"/>
+              </a:rPr>
+              <a:t>latency. [MESS06] reports that typical throughput losses for current commercial</a:t>
+            </a:r>
+          </a:p>
+          <a:p>
+            <a:pPr eaLnBrk="1" hangingPunct="1"/>
+            <a:r>
+              <a:rPr lang="en-US" b="0" dirty="0">
+                <a:ea typeface="ＭＳ Ｐゴシック" pitchFamily="-110" charset="-128"/>
+                <a:cs typeface="ＭＳ Ｐゴシック" pitchFamily="-110" charset="-128"/>
+              </a:rPr>
+              <a:t>devices is 50% Thus, customers are advised to get very high-performance,</a:t>
+            </a:r>
+          </a:p>
+          <a:p>
+            <a:pPr eaLnBrk="1" hangingPunct="1"/>
+            <a:r>
+              <a:rPr lang="en-US" b="0" dirty="0">
+                <a:ea typeface="ＭＳ Ｐゴシック" pitchFamily="-110" charset="-128"/>
+                <a:cs typeface="ＭＳ Ｐゴシック" pitchFamily="-110" charset="-128"/>
+              </a:rPr>
+              <a:t>high-throughput devices to minimize the apparent performance degradation.</a:t>
+            </a:r>
+          </a:p>
+          <a:p>
+            <a:pPr eaLnBrk="1" hangingPunct="1"/>
+            <a:endParaRPr lang="en-US" b="0" dirty="0">
+              <a:ea typeface="ＭＳ Ｐゴシック" pitchFamily="-110" charset="-128"/>
+              <a:cs typeface="ＭＳ Ｐゴシック" pitchFamily="-110" charset="-128"/>
+            </a:endParaRPr>
+          </a:p>
+          <a:p>
+            <a:pPr eaLnBrk="1" hangingPunct="1"/>
+            <a:r>
+              <a:rPr lang="en-US" b="0" dirty="0">
+                <a:ea typeface="ＭＳ Ｐゴシック" pitchFamily="-110" charset="-128"/>
+                <a:cs typeface="ＭＳ Ｐゴシック" pitchFamily="-110" charset="-128"/>
+              </a:rPr>
+              <a:t>Figure 9.6 is a typical UTM appliance architecture. The following functions</a:t>
+            </a:r>
+          </a:p>
+          <a:p>
+            <a:pPr eaLnBrk="1" hangingPunct="1"/>
+            <a:r>
+              <a:rPr lang="en-US" b="0" dirty="0">
+                <a:ea typeface="ＭＳ Ｐゴシック" pitchFamily="-110" charset="-128"/>
+                <a:cs typeface="ＭＳ Ｐゴシック" pitchFamily="-110" charset="-128"/>
+              </a:rPr>
+              <a:t>are noteworthy:</a:t>
+            </a:r>
+          </a:p>
+          <a:p>
+            <a:pPr eaLnBrk="1" hangingPunct="1"/>
+            <a:endParaRPr lang="en-US" b="0" dirty="0">
+              <a:ea typeface="ＭＳ Ｐゴシック" pitchFamily="-110" charset="-128"/>
+              <a:cs typeface="ＭＳ Ｐゴシック" pitchFamily="-110" charset="-128"/>
+            </a:endParaRPr>
+          </a:p>
+          <a:p>
+            <a:pPr eaLnBrk="1" hangingPunct="1"/>
+            <a:r>
+              <a:rPr lang="en-US" b="0" dirty="0">
+                <a:ea typeface="ＭＳ Ｐゴシック" pitchFamily="-110" charset="-128"/>
+                <a:cs typeface="ＭＳ Ｐゴシック" pitchFamily="-110" charset="-128"/>
+              </a:rPr>
+              <a:t>1. Inbound traffic is decrypted if necessary before its initial inspection. If the</a:t>
+            </a:r>
+          </a:p>
+          <a:p>
+            <a:pPr eaLnBrk="1" hangingPunct="1"/>
+            <a:r>
+              <a:rPr lang="en-US" b="0" dirty="0">
+                <a:ea typeface="ＭＳ Ｐゴシック" pitchFamily="-110" charset="-128"/>
+                <a:cs typeface="ＭＳ Ｐゴシック" pitchFamily="-110" charset="-128"/>
+              </a:rPr>
+              <a:t>device functions as a VPN boundary node, then IPSec decryption would take</a:t>
+            </a:r>
+          </a:p>
+          <a:p>
+            <a:pPr eaLnBrk="1" hangingPunct="1"/>
+            <a:r>
+              <a:rPr lang="en-US" b="0" dirty="0">
+                <a:ea typeface="ＭＳ Ｐゴシック" pitchFamily="-110" charset="-128"/>
+                <a:cs typeface="ＭＳ Ｐゴシック" pitchFamily="-110" charset="-128"/>
+              </a:rPr>
+              <a:t>place here.</a:t>
+            </a:r>
+          </a:p>
+          <a:p>
+            <a:pPr eaLnBrk="1" hangingPunct="1"/>
+            <a:endParaRPr lang="en-US" b="0" dirty="0">
+              <a:ea typeface="ＭＳ Ｐゴシック" pitchFamily="-110" charset="-128"/>
+              <a:cs typeface="ＭＳ Ｐゴシック" pitchFamily="-110" charset="-128"/>
+            </a:endParaRPr>
+          </a:p>
+          <a:p>
+            <a:pPr eaLnBrk="1" hangingPunct="1"/>
+            <a:r>
+              <a:rPr lang="en-US" b="0" dirty="0">
+                <a:ea typeface="ＭＳ Ｐゴシック" pitchFamily="-110" charset="-128"/>
+                <a:cs typeface="ＭＳ Ｐゴシック" pitchFamily="-110" charset="-128"/>
+              </a:rPr>
+              <a:t>An initial firewall module filters traffic, discarding packets that violate rules</a:t>
+            </a:r>
+          </a:p>
+          <a:p>
+            <a:pPr eaLnBrk="1" hangingPunct="1"/>
+            <a:r>
+              <a:rPr lang="en-US" b="0" dirty="0">
+                <a:ea typeface="ＭＳ Ｐゴシック" pitchFamily="-110" charset="-128"/>
+                <a:cs typeface="ＭＳ Ｐゴシック" pitchFamily="-110" charset="-128"/>
+              </a:rPr>
+              <a:t>and/or passing packets that conform to rules set in the firewall policy.</a:t>
+            </a:r>
+          </a:p>
+          <a:p>
+            <a:pPr eaLnBrk="1" hangingPunct="1"/>
+            <a:endParaRPr lang="en-US" b="0" dirty="0">
+              <a:ea typeface="ＭＳ Ｐゴシック" pitchFamily="-110" charset="-128"/>
+              <a:cs typeface="ＭＳ Ｐゴシック" pitchFamily="-110" charset="-128"/>
+            </a:endParaRPr>
+          </a:p>
+          <a:p>
+            <a:pPr eaLnBrk="1" hangingPunct="1"/>
+            <a:r>
+              <a:rPr lang="en-US" b="0" dirty="0">
+                <a:ea typeface="ＭＳ Ｐゴシック" pitchFamily="-110" charset="-128"/>
+                <a:cs typeface="ＭＳ Ｐゴシック" pitchFamily="-110" charset="-128"/>
+              </a:rPr>
+              <a:t>3. Beyond this point, a number of modules process individual packets and flows</a:t>
+            </a:r>
+          </a:p>
+          <a:p>
+            <a:pPr eaLnBrk="1" hangingPunct="1"/>
+            <a:r>
+              <a:rPr lang="en-US" b="0" dirty="0">
+                <a:ea typeface="ＭＳ Ｐゴシック" pitchFamily="-110" charset="-128"/>
+                <a:cs typeface="ＭＳ Ｐゴシック" pitchFamily="-110" charset="-128"/>
+              </a:rPr>
+              <a:t>of packets at various protocols levels. In this particular configuration, a data</a:t>
+            </a:r>
+          </a:p>
+          <a:p>
+            <a:pPr eaLnBrk="1" hangingPunct="1"/>
+            <a:r>
+              <a:rPr lang="en-US" b="0" dirty="0">
+                <a:ea typeface="ＭＳ Ｐゴシック" pitchFamily="-110" charset="-128"/>
+                <a:cs typeface="ＭＳ Ｐゴシック" pitchFamily="-110" charset="-128"/>
+              </a:rPr>
+              <a:t>analysis engine is responsible for keeping track of packet flows and coordinating</a:t>
+            </a:r>
+          </a:p>
+          <a:p>
+            <a:pPr eaLnBrk="1" hangingPunct="1"/>
+            <a:r>
+              <a:rPr lang="en-US" b="0" dirty="0">
+                <a:ea typeface="ＭＳ Ｐゴシック" pitchFamily="-110" charset="-128"/>
+                <a:cs typeface="ＭＳ Ｐゴシック" pitchFamily="-110" charset="-128"/>
+              </a:rPr>
+              <a:t>the work of antivirus, IDS, and IPS engines.</a:t>
+            </a:r>
+          </a:p>
+          <a:p>
+            <a:pPr eaLnBrk="1" hangingPunct="1"/>
+            <a:endParaRPr lang="en-US" b="0" dirty="0">
+              <a:ea typeface="ＭＳ Ｐゴシック" pitchFamily="-110" charset="-128"/>
+              <a:cs typeface="ＭＳ Ｐゴシック" pitchFamily="-110" charset="-128"/>
+            </a:endParaRPr>
+          </a:p>
+          <a:p>
+            <a:pPr eaLnBrk="1" hangingPunct="1"/>
+            <a:r>
+              <a:rPr lang="en-US" b="0" dirty="0">
+                <a:ea typeface="ＭＳ Ｐゴシック" pitchFamily="-110" charset="-128"/>
+                <a:cs typeface="ＭＳ Ｐゴシック" pitchFamily="-110" charset="-128"/>
+              </a:rPr>
+              <a:t>4. The data analysis engine also reassembles </a:t>
+            </a:r>
+            <a:r>
+              <a:rPr lang="en-US" b="0" dirty="0" err="1">
+                <a:ea typeface="ＭＳ Ｐゴシック" pitchFamily="-110" charset="-128"/>
+                <a:cs typeface="ＭＳ Ｐゴシック" pitchFamily="-110" charset="-128"/>
+              </a:rPr>
+              <a:t>multipacket</a:t>
+            </a:r>
+            <a:r>
+              <a:rPr lang="en-US" b="0" dirty="0">
+                <a:ea typeface="ＭＳ Ｐゴシック" pitchFamily="-110" charset="-128"/>
+                <a:cs typeface="ＭＳ Ｐゴシック" pitchFamily="-110" charset="-128"/>
+              </a:rPr>
+              <a:t> payloads for content</a:t>
+            </a:r>
+          </a:p>
+          <a:p>
+            <a:pPr eaLnBrk="1" hangingPunct="1"/>
+            <a:r>
+              <a:rPr lang="en-US" b="0" dirty="0">
+                <a:ea typeface="ＭＳ Ｐゴシック" pitchFamily="-110" charset="-128"/>
+                <a:cs typeface="ＭＳ Ｐゴシック" pitchFamily="-110" charset="-128"/>
+              </a:rPr>
+              <a:t>analysis by the antivirus engine and the Web filtering and </a:t>
+            </a:r>
+            <a:r>
+              <a:rPr lang="en-US" b="0" dirty="0" err="1">
+                <a:ea typeface="ＭＳ Ｐゴシック" pitchFamily="-110" charset="-128"/>
+                <a:cs typeface="ＭＳ Ｐゴシック" pitchFamily="-110" charset="-128"/>
+              </a:rPr>
+              <a:t>antispam</a:t>
+            </a:r>
+            <a:r>
+              <a:rPr lang="en-US" b="0" dirty="0">
+                <a:ea typeface="ＭＳ Ｐゴシック" pitchFamily="-110" charset="-128"/>
+                <a:cs typeface="ＭＳ Ｐゴシック" pitchFamily="-110" charset="-128"/>
+              </a:rPr>
+              <a:t> modules.</a:t>
+            </a:r>
+          </a:p>
+          <a:p>
+            <a:pPr eaLnBrk="1" hangingPunct="1"/>
+            <a:endParaRPr lang="en-US" b="0" dirty="0">
+              <a:ea typeface="ＭＳ Ｐゴシック" pitchFamily="-110" charset="-128"/>
+              <a:cs typeface="ＭＳ Ｐゴシック" pitchFamily="-110" charset="-128"/>
+            </a:endParaRPr>
+          </a:p>
+          <a:p>
+            <a:pPr eaLnBrk="1" hangingPunct="1"/>
+            <a:r>
+              <a:rPr lang="en-US" b="0" dirty="0">
+                <a:ea typeface="ＭＳ Ｐゴシック" pitchFamily="-110" charset="-128"/>
+                <a:cs typeface="ＭＳ Ｐゴシック" pitchFamily="-110" charset="-128"/>
+              </a:rPr>
+              <a:t>5. Some incoming traffic may need to be </a:t>
+            </a:r>
+            <a:r>
+              <a:rPr lang="en-US" b="0" dirty="0" err="1">
+                <a:ea typeface="ＭＳ Ｐゴシック" pitchFamily="-110" charset="-128"/>
+                <a:cs typeface="ＭＳ Ｐゴシック" pitchFamily="-110" charset="-128"/>
+              </a:rPr>
+              <a:t>reencrypted</a:t>
+            </a:r>
+            <a:r>
+              <a:rPr lang="en-US" b="0" dirty="0">
+                <a:ea typeface="ＭＳ Ｐゴシック" pitchFamily="-110" charset="-128"/>
+                <a:cs typeface="ＭＳ Ｐゴシック" pitchFamily="-110" charset="-128"/>
+              </a:rPr>
+              <a:t> to maintain security of the</a:t>
+            </a:r>
+          </a:p>
+          <a:p>
+            <a:pPr eaLnBrk="1" hangingPunct="1"/>
+            <a:r>
+              <a:rPr lang="en-US" b="0" dirty="0">
+                <a:ea typeface="ＭＳ Ｐゴシック" pitchFamily="-110" charset="-128"/>
+                <a:cs typeface="ＭＳ Ｐゴシック" pitchFamily="-110" charset="-128"/>
+              </a:rPr>
+              <a:t>flow within the enterprise network.</a:t>
+            </a:r>
+          </a:p>
+          <a:p>
+            <a:pPr eaLnBrk="1" hangingPunct="1"/>
+            <a:endParaRPr lang="en-US" b="0" dirty="0">
+              <a:ea typeface="ＭＳ Ｐゴシック" pitchFamily="-110" charset="-128"/>
+              <a:cs typeface="ＭＳ Ｐゴシック" pitchFamily="-110" charset="-128"/>
+            </a:endParaRPr>
+          </a:p>
+          <a:p>
+            <a:pPr eaLnBrk="1" hangingPunct="1"/>
+            <a:r>
+              <a:rPr lang="en-US" b="0" dirty="0">
+                <a:ea typeface="ＭＳ Ｐゴシック" pitchFamily="-110" charset="-128"/>
+                <a:cs typeface="ＭＳ Ｐゴシック" pitchFamily="-110" charset="-128"/>
+              </a:rPr>
+              <a:t>6. All detected threats are reported to the logging and reporting module, which</a:t>
+            </a:r>
+          </a:p>
+          <a:p>
+            <a:pPr eaLnBrk="1" hangingPunct="1"/>
+            <a:r>
+              <a:rPr lang="en-US" b="0" dirty="0">
+                <a:ea typeface="ＭＳ Ｐゴシック" pitchFamily="-110" charset="-128"/>
+                <a:cs typeface="ＭＳ Ｐゴシック" pitchFamily="-110" charset="-128"/>
+              </a:rPr>
+              <a:t>is used to issue alerts for specified conditions and for forensic analysis.</a:t>
+            </a:r>
+          </a:p>
+          <a:p>
+            <a:pPr eaLnBrk="1" hangingPunct="1"/>
+            <a:endParaRPr lang="en-US" b="0" dirty="0">
+              <a:ea typeface="ＭＳ Ｐゴシック" pitchFamily="-110" charset="-128"/>
+              <a:cs typeface="ＭＳ Ｐゴシック" pitchFamily="-110" charset="-128"/>
+            </a:endParaRPr>
+          </a:p>
+          <a:p>
+            <a:pPr eaLnBrk="1" hangingPunct="1"/>
+            <a:r>
+              <a:rPr lang="en-US" b="0" dirty="0">
+                <a:ea typeface="ＭＳ Ｐゴシック" pitchFamily="-110" charset="-128"/>
+                <a:cs typeface="ＭＳ Ｐゴシック" pitchFamily="-110" charset="-128"/>
+              </a:rPr>
+              <a:t>7. The bandwidth-shaping module can use various priority and quality-of-service</a:t>
+            </a:r>
+          </a:p>
+          <a:p>
+            <a:pPr eaLnBrk="1" hangingPunct="1"/>
+            <a:r>
+              <a:rPr lang="en-US" b="0" dirty="0">
+                <a:ea typeface="ＭＳ Ｐゴシック" pitchFamily="-110" charset="-128"/>
+                <a:cs typeface="ＭＳ Ｐゴシック" pitchFamily="-110" charset="-128"/>
+              </a:rPr>
+              <a:t>(</a:t>
+            </a:r>
+            <a:r>
+              <a:rPr lang="en-US" b="0" dirty="0" err="1">
+                <a:ea typeface="ＭＳ Ｐゴシック" pitchFamily="-110" charset="-128"/>
+                <a:cs typeface="ＭＳ Ｐゴシック" pitchFamily="-110" charset="-128"/>
+              </a:rPr>
+              <a:t>QoS</a:t>
+            </a:r>
+            <a:r>
+              <a:rPr lang="en-US" b="0" dirty="0">
+                <a:ea typeface="ＭＳ Ｐゴシック" pitchFamily="-110" charset="-128"/>
+                <a:cs typeface="ＭＳ Ｐゴシック" pitchFamily="-110" charset="-128"/>
+              </a:rPr>
+              <a:t>) algorithms to optimize performance.</a:t>
+            </a:r>
+            <a:endParaRPr lang="en-US" b="0" dirty="0">
+              <a:latin typeface="Times New Roman" pitchFamily="-110" charset="0"/>
+              <a:ea typeface="ＭＳ Ｐゴシック" pitchFamily="-110" charset="-128"/>
+              <a:cs typeface="ＭＳ Ｐゴシック" pitchFamily="-110" charset="-128"/>
+            </a:endParaRPr>
+          </a:p>
+        </p:txBody>
+      </p:sp>
+    </p:spTree>
+    <p:extLst>
+      <p:ext uri="{BB962C8B-B14F-4D97-AF65-F5344CB8AC3E}">
+        <p14:creationId xmlns:p14="http://schemas.microsoft.com/office/powerpoint/2010/main" val="2854225671"/>
       </p:ext>
     </p:extLst>
   </p:cSld>
@@ -11689,760 +11900,6 @@
     <p:extLst>
       <p:ext uri="{BB962C8B-B14F-4D97-AF65-F5344CB8AC3E}">
         <p14:creationId xmlns:p14="http://schemas.microsoft.com/office/powerpoint/2010/main" val="2649150264"/>
-      </p:ext>
-    </p:extLst>
-  </p:cSld>
-  <p:clrMapOvr>
-    <a:masterClrMapping/>
-  </p:clrMapOvr>
-</p:notes>
-</file>
-
-<file path=ppt/notesSlides/notesSlide30.xml><?xml version="1.0" encoding="utf-8"?>
-<p:notes xmlns:a="http://schemas.openxmlformats.org/drawingml/2006/main" xmlns:r="http://schemas.openxmlformats.org/officeDocument/2006/relationships" xmlns:p="http://schemas.openxmlformats.org/presentationml/2006/main">
-  <p:cSld>
-    <p:spTree>
-      <p:nvGrpSpPr>
-        <p:cNvPr id="1" name=""/>
-        <p:cNvGrpSpPr/>
-        <p:nvPr/>
-      </p:nvGrpSpPr>
-      <p:grpSpPr>
-        <a:xfrm>
-          <a:off x="0" y="0"/>
-          <a:ext cx="0" cy="0"/>
-          <a:chOff x="0" y="0"/>
-          <a:chExt cx="0" cy="0"/>
-        </a:xfrm>
-      </p:grpSpPr>
-      <p:sp>
-        <p:nvSpPr>
-          <p:cNvPr id="2" name="Slide Image Placeholder 1"/>
-          <p:cNvSpPr>
-            <a:spLocks noGrp="1" noRot="1" noChangeAspect="1"/>
-          </p:cNvSpPr>
-          <p:nvPr>
-            <p:ph type="sldImg"/>
-          </p:nvPr>
-        </p:nvSpPr>
-        <p:spPr/>
-      </p:sp>
-      <p:sp>
-        <p:nvSpPr>
-          <p:cNvPr id="3" name="Notes Placeholder 2"/>
-          <p:cNvSpPr>
-            <a:spLocks noGrp="1"/>
-          </p:cNvSpPr>
-          <p:nvPr>
-            <p:ph type="body" idx="1"/>
-          </p:nvPr>
-        </p:nvSpPr>
-        <p:spPr/>
-        <p:txBody>
-          <a:bodyPr/>
-          <a:lstStyle/>
-          <a:p>
-            <a:endParaRPr lang="en-SE" dirty="0"/>
-          </a:p>
-        </p:txBody>
-      </p:sp>
-      <p:sp>
-        <p:nvSpPr>
-          <p:cNvPr id="4" name="Slide Number Placeholder 3"/>
-          <p:cNvSpPr>
-            <a:spLocks noGrp="1"/>
-          </p:cNvSpPr>
-          <p:nvPr>
-            <p:ph type="sldNum" sz="quarter" idx="5"/>
-          </p:nvPr>
-        </p:nvSpPr>
-        <p:spPr/>
-        <p:txBody>
-          <a:bodyPr/>
-          <a:lstStyle/>
-          <a:p>
-            <a:fld id="{F8560DBF-F109-8946-ADF0-EE66B221E988}" type="slidenum">
-              <a:rPr lang="en-AU" smtClean="0"/>
-              <a:pPr/>
-              <a:t>38</a:t>
-            </a:fld>
-            <a:endParaRPr lang="en-AU" dirty="0"/>
-          </a:p>
-        </p:txBody>
-      </p:sp>
-    </p:spTree>
-    <p:extLst>
-      <p:ext uri="{BB962C8B-B14F-4D97-AF65-F5344CB8AC3E}">
-        <p14:creationId xmlns:p14="http://schemas.microsoft.com/office/powerpoint/2010/main" val="2218030611"/>
-      </p:ext>
-    </p:extLst>
-  </p:cSld>
-  <p:clrMapOvr>
-    <a:masterClrMapping/>
-  </p:clrMapOvr>
-</p:notes>
-</file>
-
-<file path=ppt/notesSlides/notesSlide31.xml><?xml version="1.0" encoding="utf-8"?>
-<p:notes xmlns:a="http://schemas.openxmlformats.org/drawingml/2006/main" xmlns:r="http://schemas.openxmlformats.org/officeDocument/2006/relationships" xmlns:p="http://schemas.openxmlformats.org/presentationml/2006/main">
-  <p:cSld>
-    <p:spTree>
-      <p:nvGrpSpPr>
-        <p:cNvPr id="1" name=""/>
-        <p:cNvGrpSpPr/>
-        <p:nvPr/>
-      </p:nvGrpSpPr>
-      <p:grpSpPr>
-        <a:xfrm>
-          <a:off x="0" y="0"/>
-          <a:ext cx="0" cy="0"/>
-          <a:chOff x="0" y="0"/>
-          <a:chExt cx="0" cy="0"/>
-        </a:xfrm>
-      </p:grpSpPr>
-      <p:sp>
-        <p:nvSpPr>
-          <p:cNvPr id="69634" name="Rectangle 7"/>
-          <p:cNvSpPr>
-            <a:spLocks noGrp="1" noChangeArrowheads="1"/>
-          </p:cNvSpPr>
-          <p:nvPr>
-            <p:ph type="sldNum" sz="quarter" idx="5"/>
-          </p:nvPr>
-        </p:nvSpPr>
-        <p:spPr>
-          <a:noFill/>
-        </p:spPr>
-        <p:txBody>
-          <a:bodyPr/>
-          <a:lstStyle/>
-          <a:p>
-            <a:fld id="{8BF34A1E-4FCA-EC48-934E-CD8036D82C94}" type="slidenum">
-              <a:rPr lang="en-AU"/>
-              <a:pPr/>
-              <a:t>39</a:t>
-            </a:fld>
-            <a:endParaRPr lang="en-AU"/>
-          </a:p>
-        </p:txBody>
-      </p:sp>
-      <p:sp>
-        <p:nvSpPr>
-          <p:cNvPr id="69635" name="Rectangle 1026"/>
-          <p:cNvSpPr>
-            <a:spLocks noGrp="1" noRot="1" noChangeAspect="1" noChangeArrowheads="1" noTextEdit="1"/>
-          </p:cNvSpPr>
-          <p:nvPr>
-            <p:ph type="sldImg"/>
-          </p:nvPr>
-        </p:nvSpPr>
-        <p:spPr>
-          <a:ln/>
-        </p:spPr>
-      </p:sp>
-      <p:sp>
-        <p:nvSpPr>
-          <p:cNvPr id="69636" name="Rectangle 1027"/>
-          <p:cNvSpPr>
-            <a:spLocks noGrp="1" noChangeArrowheads="1"/>
-          </p:cNvSpPr>
-          <p:nvPr>
-            <p:ph type="body" idx="1"/>
-          </p:nvPr>
-        </p:nvSpPr>
-        <p:spPr>
-          <a:noFill/>
-          <a:ln/>
-        </p:spPr>
-        <p:txBody>
-          <a:bodyPr/>
-          <a:lstStyle/>
-          <a:p>
-            <a:pPr eaLnBrk="1" hangingPunct="1"/>
-            <a:r>
-              <a:rPr lang="en-US" b="0" dirty="0">
-                <a:ea typeface="ＭＳ Ｐゴシック" pitchFamily="-110" charset="-128"/>
-                <a:cs typeface="ＭＳ Ｐゴシック" pitchFamily="-110" charset="-128"/>
-              </a:rPr>
-              <a:t>In the past few chapters, we have reviewed a number of approaches to countering</a:t>
-            </a:r>
-          </a:p>
-          <a:p>
-            <a:pPr eaLnBrk="1" hangingPunct="1"/>
-            <a:r>
-              <a:rPr lang="en-US" b="0" dirty="0">
-                <a:ea typeface="ＭＳ Ｐゴシック" pitchFamily="-110" charset="-128"/>
-                <a:cs typeface="ＭＳ Ｐゴシック" pitchFamily="-110" charset="-128"/>
-              </a:rPr>
-              <a:t>malicious software and network-based attacks, including antivirus and </a:t>
-            </a:r>
-            <a:r>
-              <a:rPr lang="en-US" b="0" dirty="0" err="1">
-                <a:ea typeface="ＭＳ Ｐゴシック" pitchFamily="-110" charset="-128"/>
-                <a:cs typeface="ＭＳ Ｐゴシック" pitchFamily="-110" charset="-128"/>
-              </a:rPr>
-              <a:t>antiworm</a:t>
-            </a:r>
-            <a:endParaRPr lang="en-US" b="0" dirty="0">
-              <a:ea typeface="ＭＳ Ｐゴシック" pitchFamily="-110" charset="-128"/>
-              <a:cs typeface="ＭＳ Ｐゴシック" pitchFamily="-110" charset="-128"/>
-            </a:endParaRPr>
-          </a:p>
-          <a:p>
-            <a:pPr eaLnBrk="1" hangingPunct="1"/>
-            <a:r>
-              <a:rPr lang="en-US" b="0" dirty="0">
-                <a:ea typeface="ＭＳ Ｐゴシック" pitchFamily="-110" charset="-128"/>
-                <a:cs typeface="ＭＳ Ｐゴシック" pitchFamily="-110" charset="-128"/>
-              </a:rPr>
-              <a:t>products, IPS and IDS, and firewalls. The implementation of all of these systems can</a:t>
-            </a:r>
-          </a:p>
-          <a:p>
-            <a:pPr eaLnBrk="1" hangingPunct="1"/>
-            <a:r>
-              <a:rPr lang="en-US" b="0" dirty="0">
-                <a:ea typeface="ＭＳ Ｐゴシック" pitchFamily="-110" charset="-128"/>
-                <a:cs typeface="ＭＳ Ｐゴシック" pitchFamily="-110" charset="-128"/>
-              </a:rPr>
-              <a:t>provide an organization with a defense in depth using multiple layers of filters and</a:t>
-            </a:r>
-          </a:p>
-          <a:p>
-            <a:pPr eaLnBrk="1" hangingPunct="1"/>
-            <a:r>
-              <a:rPr lang="en-US" b="0" dirty="0">
-                <a:ea typeface="ＭＳ Ｐゴシック" pitchFamily="-110" charset="-128"/>
-                <a:cs typeface="ＭＳ Ｐゴシック" pitchFamily="-110" charset="-128"/>
-              </a:rPr>
-              <a:t>defense mechanisms to thwart attacks. The downside of such a piecemeal implementation</a:t>
-            </a:r>
-          </a:p>
-          <a:p>
-            <a:pPr eaLnBrk="1" hangingPunct="1"/>
-            <a:r>
-              <a:rPr lang="en-US" b="0" dirty="0">
-                <a:ea typeface="ＭＳ Ｐゴシック" pitchFamily="-110" charset="-128"/>
-                <a:cs typeface="ＭＳ Ｐゴシック" pitchFamily="-110" charset="-128"/>
-              </a:rPr>
-              <a:t>is the need to configure, deploy, and manage a range of devices and software</a:t>
-            </a:r>
-          </a:p>
-          <a:p>
-            <a:pPr eaLnBrk="1" hangingPunct="1"/>
-            <a:r>
-              <a:rPr lang="en-US" b="0" dirty="0">
-                <a:ea typeface="ＭＳ Ｐゴシック" pitchFamily="-110" charset="-128"/>
-                <a:cs typeface="ＭＳ Ｐゴシック" pitchFamily="-110" charset="-128"/>
-              </a:rPr>
-              <a:t>packages. In addition, deploying a number of devices in sequence can reduce</a:t>
-            </a:r>
-          </a:p>
-          <a:p>
-            <a:pPr eaLnBrk="1" hangingPunct="1"/>
-            <a:r>
-              <a:rPr lang="en-US" b="0" dirty="0">
-                <a:ea typeface="ＭＳ Ｐゴシック" pitchFamily="-110" charset="-128"/>
-                <a:cs typeface="ＭＳ Ｐゴシック" pitchFamily="-110" charset="-128"/>
-              </a:rPr>
-              <a:t>performance.</a:t>
-            </a:r>
-          </a:p>
-          <a:p>
-            <a:pPr eaLnBrk="1" hangingPunct="1"/>
-            <a:endParaRPr lang="en-US" b="0" dirty="0">
-              <a:ea typeface="ＭＳ Ｐゴシック" pitchFamily="-110" charset="-128"/>
-              <a:cs typeface="ＭＳ Ｐゴシック" pitchFamily="-110" charset="-128"/>
-            </a:endParaRPr>
-          </a:p>
-          <a:p>
-            <a:pPr eaLnBrk="1" hangingPunct="1"/>
-            <a:r>
-              <a:rPr lang="en-US" b="0" dirty="0">
-                <a:ea typeface="ＭＳ Ｐゴシック" pitchFamily="-110" charset="-128"/>
-                <a:cs typeface="ＭＳ Ｐゴシック" pitchFamily="-110" charset="-128"/>
-              </a:rPr>
-              <a:t>One approach to reducing the administrative and performance burden is to</a:t>
-            </a:r>
-          </a:p>
-          <a:p>
-            <a:pPr eaLnBrk="1" hangingPunct="1"/>
-            <a:r>
-              <a:rPr lang="en-US" b="0" dirty="0">
-                <a:ea typeface="ＭＳ Ｐゴシック" pitchFamily="-110" charset="-128"/>
-                <a:cs typeface="ＭＳ Ｐゴシック" pitchFamily="-110" charset="-128"/>
-              </a:rPr>
-              <a:t>replace all inline network products (firewall, IPS, IDS, VPN, </a:t>
-            </a:r>
-            <a:r>
-              <a:rPr lang="en-US" b="0" dirty="0" err="1">
-                <a:ea typeface="ＭＳ Ｐゴシック" pitchFamily="-110" charset="-128"/>
-                <a:cs typeface="ＭＳ Ｐゴシック" pitchFamily="-110" charset="-128"/>
-              </a:rPr>
-              <a:t>antispam</a:t>
-            </a:r>
-            <a:r>
-              <a:rPr lang="en-US" b="0" dirty="0">
-                <a:ea typeface="ＭＳ Ｐゴシック" pitchFamily="-110" charset="-128"/>
-                <a:cs typeface="ＭＳ Ｐゴシック" pitchFamily="-110" charset="-128"/>
-              </a:rPr>
-              <a:t>, </a:t>
-            </a:r>
-            <a:r>
-              <a:rPr lang="en-US" b="0" dirty="0" err="1">
-                <a:ea typeface="ＭＳ Ｐゴシック" pitchFamily="-110" charset="-128"/>
-                <a:cs typeface="ＭＳ Ｐゴシック" pitchFamily="-110" charset="-128"/>
-              </a:rPr>
-              <a:t>antisypware</a:t>
-            </a:r>
-            <a:r>
-              <a:rPr lang="en-US" b="0" dirty="0">
-                <a:ea typeface="ＭＳ Ｐゴシック" pitchFamily="-110" charset="-128"/>
-                <a:cs typeface="ＭＳ Ｐゴシック" pitchFamily="-110" charset="-128"/>
-              </a:rPr>
-              <a:t>,</a:t>
-            </a:r>
-          </a:p>
-          <a:p>
-            <a:pPr eaLnBrk="1" hangingPunct="1"/>
-            <a:r>
-              <a:rPr lang="en-US" b="0" dirty="0">
-                <a:ea typeface="ＭＳ Ｐゴシック" pitchFamily="-110" charset="-128"/>
-                <a:cs typeface="ＭＳ Ｐゴシック" pitchFamily="-110" charset="-128"/>
-              </a:rPr>
-              <a:t>and so on) with a single device that integrates a variety of approaches to dealing</a:t>
-            </a:r>
-          </a:p>
-          <a:p>
-            <a:pPr eaLnBrk="1" hangingPunct="1"/>
-            <a:r>
-              <a:rPr lang="en-US" b="0" dirty="0">
-                <a:ea typeface="ＭＳ Ｐゴシック" pitchFamily="-110" charset="-128"/>
-                <a:cs typeface="ＭＳ Ｐゴシック" pitchFamily="-110" charset="-128"/>
-              </a:rPr>
-              <a:t>with network-based attacks. The market analyst firm IDC refers to such a device as</a:t>
-            </a:r>
-          </a:p>
-          <a:p>
-            <a:pPr eaLnBrk="1" hangingPunct="1"/>
-            <a:r>
-              <a:rPr lang="en-US" b="0" dirty="0">
-                <a:ea typeface="ＭＳ Ｐゴシック" pitchFamily="-110" charset="-128"/>
-                <a:cs typeface="ＭＳ Ｐゴシック" pitchFamily="-110" charset="-128"/>
-              </a:rPr>
-              <a:t>a unified threat management (UTM) system and defines UTM as follows: “Products</a:t>
-            </a:r>
-          </a:p>
-          <a:p>
-            <a:pPr eaLnBrk="1" hangingPunct="1"/>
-            <a:r>
-              <a:rPr lang="en-US" b="0" dirty="0">
-                <a:ea typeface="ＭＳ Ｐゴシック" pitchFamily="-110" charset="-128"/>
-                <a:cs typeface="ＭＳ Ｐゴシック" pitchFamily="-110" charset="-128"/>
-              </a:rPr>
-              <a:t>that include multiple security features integrated into one box. To be included in</a:t>
-            </a:r>
-          </a:p>
-          <a:p>
-            <a:pPr eaLnBrk="1" hangingPunct="1"/>
-            <a:r>
-              <a:rPr lang="en-US" b="0" dirty="0">
-                <a:ea typeface="ＭＳ Ｐゴシック" pitchFamily="-110" charset="-128"/>
-                <a:cs typeface="ＭＳ Ｐゴシック" pitchFamily="-110" charset="-128"/>
-              </a:rPr>
-              <a:t>this category, [an appliance] must be able to perform network firewalling, network</a:t>
-            </a:r>
-          </a:p>
-          <a:p>
-            <a:pPr eaLnBrk="1" hangingPunct="1"/>
-            <a:r>
-              <a:rPr lang="en-US" b="0" dirty="0">
-                <a:ea typeface="ＭＳ Ｐゴシック" pitchFamily="-110" charset="-128"/>
-                <a:cs typeface="ＭＳ Ｐゴシック" pitchFamily="-110" charset="-128"/>
-              </a:rPr>
-              <a:t>intrusion detection and prevention and gateway anti-virus. All of the capabilities in</a:t>
-            </a:r>
-          </a:p>
-          <a:p>
-            <a:pPr eaLnBrk="1" hangingPunct="1"/>
-            <a:r>
-              <a:rPr lang="en-US" b="0" dirty="0">
-                <a:ea typeface="ＭＳ Ｐゴシック" pitchFamily="-110" charset="-128"/>
-                <a:cs typeface="ＭＳ Ｐゴシック" pitchFamily="-110" charset="-128"/>
-              </a:rPr>
-              <a:t>the appliance need not be used concurrently, but the functions must exist inherently</a:t>
-            </a:r>
-          </a:p>
-          <a:p>
-            <a:pPr eaLnBrk="1" hangingPunct="1"/>
-            <a:r>
-              <a:rPr lang="en-US" b="0" dirty="0">
-                <a:ea typeface="ＭＳ Ｐゴシック" pitchFamily="-110" charset="-128"/>
-                <a:cs typeface="ＭＳ Ｐゴシック" pitchFamily="-110" charset="-128"/>
-              </a:rPr>
-              <a:t>in the appliance.”</a:t>
-            </a:r>
-          </a:p>
-          <a:p>
-            <a:pPr eaLnBrk="1" hangingPunct="1"/>
-            <a:endParaRPr lang="en-US" b="0" dirty="0">
-              <a:ea typeface="ＭＳ Ｐゴシック" pitchFamily="-110" charset="-128"/>
-              <a:cs typeface="ＭＳ Ｐゴシック" pitchFamily="-110" charset="-128"/>
-            </a:endParaRPr>
-          </a:p>
-          <a:p>
-            <a:pPr eaLnBrk="1" hangingPunct="1"/>
-            <a:r>
-              <a:rPr lang="en-US" b="0" dirty="0">
-                <a:ea typeface="ＭＳ Ｐゴシック" pitchFamily="-110" charset="-128"/>
-                <a:cs typeface="ＭＳ Ｐゴシック" pitchFamily="-110" charset="-128"/>
-              </a:rPr>
-              <a:t>A significant issue with a UTM device is performance, both throughput and</a:t>
-            </a:r>
-          </a:p>
-          <a:p>
-            <a:pPr eaLnBrk="1" hangingPunct="1"/>
-            <a:r>
-              <a:rPr lang="en-US" b="0" dirty="0">
-                <a:ea typeface="ＭＳ Ｐゴシック" pitchFamily="-110" charset="-128"/>
-                <a:cs typeface="ＭＳ Ｐゴシック" pitchFamily="-110" charset="-128"/>
-              </a:rPr>
-              <a:t>latency. [MESS06] reports that typical throughput losses for current commercial</a:t>
-            </a:r>
-          </a:p>
-          <a:p>
-            <a:pPr eaLnBrk="1" hangingPunct="1"/>
-            <a:r>
-              <a:rPr lang="en-US" b="0" dirty="0">
-                <a:ea typeface="ＭＳ Ｐゴシック" pitchFamily="-110" charset="-128"/>
-                <a:cs typeface="ＭＳ Ｐゴシック" pitchFamily="-110" charset="-128"/>
-              </a:rPr>
-              <a:t>devices is 50% Thus, customers are advised to get very high-performance,</a:t>
-            </a:r>
-          </a:p>
-          <a:p>
-            <a:pPr eaLnBrk="1" hangingPunct="1"/>
-            <a:r>
-              <a:rPr lang="en-US" b="0" dirty="0">
-                <a:ea typeface="ＭＳ Ｐゴシック" pitchFamily="-110" charset="-128"/>
-                <a:cs typeface="ＭＳ Ｐゴシック" pitchFamily="-110" charset="-128"/>
-              </a:rPr>
-              <a:t>high-throughput devices to minimize the apparent performance degradation.</a:t>
-            </a:r>
-          </a:p>
-          <a:p>
-            <a:pPr eaLnBrk="1" hangingPunct="1"/>
-            <a:endParaRPr lang="en-US" b="0" dirty="0">
-              <a:ea typeface="ＭＳ Ｐゴシック" pitchFamily="-110" charset="-128"/>
-              <a:cs typeface="ＭＳ Ｐゴシック" pitchFamily="-110" charset="-128"/>
-            </a:endParaRPr>
-          </a:p>
-          <a:p>
-            <a:pPr eaLnBrk="1" hangingPunct="1"/>
-            <a:r>
-              <a:rPr lang="en-US" b="0" dirty="0">
-                <a:ea typeface="ＭＳ Ｐゴシック" pitchFamily="-110" charset="-128"/>
-                <a:cs typeface="ＭＳ Ｐゴシック" pitchFamily="-110" charset="-128"/>
-              </a:rPr>
-              <a:t>Figure 9.6 is a typical UTM appliance architecture. The following functions</a:t>
-            </a:r>
-          </a:p>
-          <a:p>
-            <a:pPr eaLnBrk="1" hangingPunct="1"/>
-            <a:r>
-              <a:rPr lang="en-US" b="0" dirty="0">
-                <a:ea typeface="ＭＳ Ｐゴシック" pitchFamily="-110" charset="-128"/>
-                <a:cs typeface="ＭＳ Ｐゴシック" pitchFamily="-110" charset="-128"/>
-              </a:rPr>
-              <a:t>are noteworthy:</a:t>
-            </a:r>
-          </a:p>
-          <a:p>
-            <a:pPr eaLnBrk="1" hangingPunct="1"/>
-            <a:endParaRPr lang="en-US" b="0" dirty="0">
-              <a:ea typeface="ＭＳ Ｐゴシック" pitchFamily="-110" charset="-128"/>
-              <a:cs typeface="ＭＳ Ｐゴシック" pitchFamily="-110" charset="-128"/>
-            </a:endParaRPr>
-          </a:p>
-          <a:p>
-            <a:pPr eaLnBrk="1" hangingPunct="1"/>
-            <a:r>
-              <a:rPr lang="en-US" b="0" dirty="0">
-                <a:ea typeface="ＭＳ Ｐゴシック" pitchFamily="-110" charset="-128"/>
-                <a:cs typeface="ＭＳ Ｐゴシック" pitchFamily="-110" charset="-128"/>
-              </a:rPr>
-              <a:t>1. Inbound traffic is decrypted if necessary before its initial inspection. If the</a:t>
-            </a:r>
-          </a:p>
-          <a:p>
-            <a:pPr eaLnBrk="1" hangingPunct="1"/>
-            <a:r>
-              <a:rPr lang="en-US" b="0" dirty="0">
-                <a:ea typeface="ＭＳ Ｐゴシック" pitchFamily="-110" charset="-128"/>
-                <a:cs typeface="ＭＳ Ｐゴシック" pitchFamily="-110" charset="-128"/>
-              </a:rPr>
-              <a:t>device functions as a VPN boundary node, then IPSec decryption would take</a:t>
-            </a:r>
-          </a:p>
-          <a:p>
-            <a:pPr eaLnBrk="1" hangingPunct="1"/>
-            <a:r>
-              <a:rPr lang="en-US" b="0" dirty="0">
-                <a:ea typeface="ＭＳ Ｐゴシック" pitchFamily="-110" charset="-128"/>
-                <a:cs typeface="ＭＳ Ｐゴシック" pitchFamily="-110" charset="-128"/>
-              </a:rPr>
-              <a:t>place here.</a:t>
-            </a:r>
-          </a:p>
-          <a:p>
-            <a:pPr eaLnBrk="1" hangingPunct="1"/>
-            <a:endParaRPr lang="en-US" b="0" dirty="0">
-              <a:ea typeface="ＭＳ Ｐゴシック" pitchFamily="-110" charset="-128"/>
-              <a:cs typeface="ＭＳ Ｐゴシック" pitchFamily="-110" charset="-128"/>
-            </a:endParaRPr>
-          </a:p>
-          <a:p>
-            <a:pPr eaLnBrk="1" hangingPunct="1"/>
-            <a:r>
-              <a:rPr lang="en-US" b="0" dirty="0">
-                <a:ea typeface="ＭＳ Ｐゴシック" pitchFamily="-110" charset="-128"/>
-                <a:cs typeface="ＭＳ Ｐゴシック" pitchFamily="-110" charset="-128"/>
-              </a:rPr>
-              <a:t>An initial firewall module filters traffic, discarding packets that violate rules</a:t>
-            </a:r>
-          </a:p>
-          <a:p>
-            <a:pPr eaLnBrk="1" hangingPunct="1"/>
-            <a:r>
-              <a:rPr lang="en-US" b="0" dirty="0">
-                <a:ea typeface="ＭＳ Ｐゴシック" pitchFamily="-110" charset="-128"/>
-                <a:cs typeface="ＭＳ Ｐゴシック" pitchFamily="-110" charset="-128"/>
-              </a:rPr>
-              <a:t>and/or passing packets that conform to rules set in the firewall policy.</a:t>
-            </a:r>
-          </a:p>
-          <a:p>
-            <a:pPr eaLnBrk="1" hangingPunct="1"/>
-            <a:endParaRPr lang="en-US" b="0" dirty="0">
-              <a:ea typeface="ＭＳ Ｐゴシック" pitchFamily="-110" charset="-128"/>
-              <a:cs typeface="ＭＳ Ｐゴシック" pitchFamily="-110" charset="-128"/>
-            </a:endParaRPr>
-          </a:p>
-          <a:p>
-            <a:pPr eaLnBrk="1" hangingPunct="1"/>
-            <a:r>
-              <a:rPr lang="en-US" b="0" dirty="0">
-                <a:ea typeface="ＭＳ Ｐゴシック" pitchFamily="-110" charset="-128"/>
-                <a:cs typeface="ＭＳ Ｐゴシック" pitchFamily="-110" charset="-128"/>
-              </a:rPr>
-              <a:t>3. Beyond this point, a number of modules process individual packets and flows</a:t>
-            </a:r>
-          </a:p>
-          <a:p>
-            <a:pPr eaLnBrk="1" hangingPunct="1"/>
-            <a:r>
-              <a:rPr lang="en-US" b="0" dirty="0">
-                <a:ea typeface="ＭＳ Ｐゴシック" pitchFamily="-110" charset="-128"/>
-                <a:cs typeface="ＭＳ Ｐゴシック" pitchFamily="-110" charset="-128"/>
-              </a:rPr>
-              <a:t>of packets at various protocols levels. In this particular configuration, a data</a:t>
-            </a:r>
-          </a:p>
-          <a:p>
-            <a:pPr eaLnBrk="1" hangingPunct="1"/>
-            <a:r>
-              <a:rPr lang="en-US" b="0" dirty="0">
-                <a:ea typeface="ＭＳ Ｐゴシック" pitchFamily="-110" charset="-128"/>
-                <a:cs typeface="ＭＳ Ｐゴシック" pitchFamily="-110" charset="-128"/>
-              </a:rPr>
-              <a:t>analysis engine is responsible for keeping track of packet flows and coordinating</a:t>
-            </a:r>
-          </a:p>
-          <a:p>
-            <a:pPr eaLnBrk="1" hangingPunct="1"/>
-            <a:r>
-              <a:rPr lang="en-US" b="0" dirty="0">
-                <a:ea typeface="ＭＳ Ｐゴシック" pitchFamily="-110" charset="-128"/>
-                <a:cs typeface="ＭＳ Ｐゴシック" pitchFamily="-110" charset="-128"/>
-              </a:rPr>
-              <a:t>the work of antivirus, IDS, and IPS engines.</a:t>
-            </a:r>
-          </a:p>
-          <a:p>
-            <a:pPr eaLnBrk="1" hangingPunct="1"/>
-            <a:endParaRPr lang="en-US" b="0" dirty="0">
-              <a:ea typeface="ＭＳ Ｐゴシック" pitchFamily="-110" charset="-128"/>
-              <a:cs typeface="ＭＳ Ｐゴシック" pitchFamily="-110" charset="-128"/>
-            </a:endParaRPr>
-          </a:p>
-          <a:p>
-            <a:pPr eaLnBrk="1" hangingPunct="1"/>
-            <a:r>
-              <a:rPr lang="en-US" b="0" dirty="0">
-                <a:ea typeface="ＭＳ Ｐゴシック" pitchFamily="-110" charset="-128"/>
-                <a:cs typeface="ＭＳ Ｐゴシック" pitchFamily="-110" charset="-128"/>
-              </a:rPr>
-              <a:t>4. The data analysis engine also reassembles </a:t>
-            </a:r>
-            <a:r>
-              <a:rPr lang="en-US" b="0" dirty="0" err="1">
-                <a:ea typeface="ＭＳ Ｐゴシック" pitchFamily="-110" charset="-128"/>
-                <a:cs typeface="ＭＳ Ｐゴシック" pitchFamily="-110" charset="-128"/>
-              </a:rPr>
-              <a:t>multipacket</a:t>
-            </a:r>
-            <a:r>
-              <a:rPr lang="en-US" b="0" dirty="0">
-                <a:ea typeface="ＭＳ Ｐゴシック" pitchFamily="-110" charset="-128"/>
-                <a:cs typeface="ＭＳ Ｐゴシック" pitchFamily="-110" charset="-128"/>
-              </a:rPr>
-              <a:t> payloads for content</a:t>
-            </a:r>
-          </a:p>
-          <a:p>
-            <a:pPr eaLnBrk="1" hangingPunct="1"/>
-            <a:r>
-              <a:rPr lang="en-US" b="0" dirty="0">
-                <a:ea typeface="ＭＳ Ｐゴシック" pitchFamily="-110" charset="-128"/>
-                <a:cs typeface="ＭＳ Ｐゴシック" pitchFamily="-110" charset="-128"/>
-              </a:rPr>
-              <a:t>analysis by the antivirus engine and the Web filtering and </a:t>
-            </a:r>
-            <a:r>
-              <a:rPr lang="en-US" b="0" dirty="0" err="1">
-                <a:ea typeface="ＭＳ Ｐゴシック" pitchFamily="-110" charset="-128"/>
-                <a:cs typeface="ＭＳ Ｐゴシック" pitchFamily="-110" charset="-128"/>
-              </a:rPr>
-              <a:t>antispam</a:t>
-            </a:r>
-            <a:r>
-              <a:rPr lang="en-US" b="0" dirty="0">
-                <a:ea typeface="ＭＳ Ｐゴシック" pitchFamily="-110" charset="-128"/>
-                <a:cs typeface="ＭＳ Ｐゴシック" pitchFamily="-110" charset="-128"/>
-              </a:rPr>
-              <a:t> modules.</a:t>
-            </a:r>
-          </a:p>
-          <a:p>
-            <a:pPr eaLnBrk="1" hangingPunct="1"/>
-            <a:endParaRPr lang="en-US" b="0" dirty="0">
-              <a:ea typeface="ＭＳ Ｐゴシック" pitchFamily="-110" charset="-128"/>
-              <a:cs typeface="ＭＳ Ｐゴシック" pitchFamily="-110" charset="-128"/>
-            </a:endParaRPr>
-          </a:p>
-          <a:p>
-            <a:pPr eaLnBrk="1" hangingPunct="1"/>
-            <a:r>
-              <a:rPr lang="en-US" b="0" dirty="0">
-                <a:ea typeface="ＭＳ Ｐゴシック" pitchFamily="-110" charset="-128"/>
-                <a:cs typeface="ＭＳ Ｐゴシック" pitchFamily="-110" charset="-128"/>
-              </a:rPr>
-              <a:t>5. Some incoming traffic may need to be </a:t>
-            </a:r>
-            <a:r>
-              <a:rPr lang="en-US" b="0" dirty="0" err="1">
-                <a:ea typeface="ＭＳ Ｐゴシック" pitchFamily="-110" charset="-128"/>
-                <a:cs typeface="ＭＳ Ｐゴシック" pitchFamily="-110" charset="-128"/>
-              </a:rPr>
-              <a:t>reencrypted</a:t>
-            </a:r>
-            <a:r>
-              <a:rPr lang="en-US" b="0" dirty="0">
-                <a:ea typeface="ＭＳ Ｐゴシック" pitchFamily="-110" charset="-128"/>
-                <a:cs typeface="ＭＳ Ｐゴシック" pitchFamily="-110" charset="-128"/>
-              </a:rPr>
-              <a:t> to maintain security of the</a:t>
-            </a:r>
-          </a:p>
-          <a:p>
-            <a:pPr eaLnBrk="1" hangingPunct="1"/>
-            <a:r>
-              <a:rPr lang="en-US" b="0" dirty="0">
-                <a:ea typeface="ＭＳ Ｐゴシック" pitchFamily="-110" charset="-128"/>
-                <a:cs typeface="ＭＳ Ｐゴシック" pitchFamily="-110" charset="-128"/>
-              </a:rPr>
-              <a:t>flow within the enterprise network.</a:t>
-            </a:r>
-          </a:p>
-          <a:p>
-            <a:pPr eaLnBrk="1" hangingPunct="1"/>
-            <a:endParaRPr lang="en-US" b="0" dirty="0">
-              <a:ea typeface="ＭＳ Ｐゴシック" pitchFamily="-110" charset="-128"/>
-              <a:cs typeface="ＭＳ Ｐゴシック" pitchFamily="-110" charset="-128"/>
-            </a:endParaRPr>
-          </a:p>
-          <a:p>
-            <a:pPr eaLnBrk="1" hangingPunct="1"/>
-            <a:r>
-              <a:rPr lang="en-US" b="0" dirty="0">
-                <a:ea typeface="ＭＳ Ｐゴシック" pitchFamily="-110" charset="-128"/>
-                <a:cs typeface="ＭＳ Ｐゴシック" pitchFamily="-110" charset="-128"/>
-              </a:rPr>
-              <a:t>6. All detected threats are reported to the logging and reporting module, which</a:t>
-            </a:r>
-          </a:p>
-          <a:p>
-            <a:pPr eaLnBrk="1" hangingPunct="1"/>
-            <a:r>
-              <a:rPr lang="en-US" b="0" dirty="0">
-                <a:ea typeface="ＭＳ Ｐゴシック" pitchFamily="-110" charset="-128"/>
-                <a:cs typeface="ＭＳ Ｐゴシック" pitchFamily="-110" charset="-128"/>
-              </a:rPr>
-              <a:t>is used to issue alerts for specified conditions and for forensic analysis.</a:t>
-            </a:r>
-          </a:p>
-          <a:p>
-            <a:pPr eaLnBrk="1" hangingPunct="1"/>
-            <a:endParaRPr lang="en-US" b="0" dirty="0">
-              <a:ea typeface="ＭＳ Ｐゴシック" pitchFamily="-110" charset="-128"/>
-              <a:cs typeface="ＭＳ Ｐゴシック" pitchFamily="-110" charset="-128"/>
-            </a:endParaRPr>
-          </a:p>
-          <a:p>
-            <a:pPr eaLnBrk="1" hangingPunct="1"/>
-            <a:r>
-              <a:rPr lang="en-US" b="0" dirty="0">
-                <a:ea typeface="ＭＳ Ｐゴシック" pitchFamily="-110" charset="-128"/>
-                <a:cs typeface="ＭＳ Ｐゴシック" pitchFamily="-110" charset="-128"/>
-              </a:rPr>
-              <a:t>7. The bandwidth-shaping module can use various priority and quality-of-service</a:t>
-            </a:r>
-          </a:p>
-          <a:p>
-            <a:pPr eaLnBrk="1" hangingPunct="1"/>
-            <a:r>
-              <a:rPr lang="en-US" b="0" dirty="0">
-                <a:ea typeface="ＭＳ Ｐゴシック" pitchFamily="-110" charset="-128"/>
-                <a:cs typeface="ＭＳ Ｐゴシック" pitchFamily="-110" charset="-128"/>
-              </a:rPr>
-              <a:t>(</a:t>
-            </a:r>
-            <a:r>
-              <a:rPr lang="en-US" b="0" dirty="0" err="1">
-                <a:ea typeface="ＭＳ Ｐゴシック" pitchFamily="-110" charset="-128"/>
-                <a:cs typeface="ＭＳ Ｐゴシック" pitchFamily="-110" charset="-128"/>
-              </a:rPr>
-              <a:t>QoS</a:t>
-            </a:r>
-            <a:r>
-              <a:rPr lang="en-US" b="0" dirty="0">
-                <a:ea typeface="ＭＳ Ｐゴシック" pitchFamily="-110" charset="-128"/>
-                <a:cs typeface="ＭＳ Ｐゴシック" pitchFamily="-110" charset="-128"/>
-              </a:rPr>
-              <a:t>) algorithms to optimize performance.</a:t>
-            </a:r>
-            <a:endParaRPr lang="en-US" b="0" dirty="0">
-              <a:latin typeface="Times New Roman" pitchFamily="-110" charset="0"/>
-              <a:ea typeface="ＭＳ Ｐゴシック" pitchFamily="-110" charset="-128"/>
-              <a:cs typeface="ＭＳ Ｐゴシック" pitchFamily="-110" charset="-128"/>
-            </a:endParaRPr>
-          </a:p>
-        </p:txBody>
-      </p:sp>
-    </p:spTree>
-    <p:extLst>
-      <p:ext uri="{BB962C8B-B14F-4D97-AF65-F5344CB8AC3E}">
-        <p14:creationId xmlns:p14="http://schemas.microsoft.com/office/powerpoint/2010/main" val="2854225671"/>
       </p:ext>
     </p:extLst>
   </p:cSld>
@@ -13365,160 +12822,6 @@
       </p:grpSpPr>
       <p:sp>
         <p:nvSpPr>
-          <p:cNvPr id="26626" name="Rectangle 7"/>
-          <p:cNvSpPr>
-            <a:spLocks noGrp="1" noChangeArrowheads="1"/>
-          </p:cNvSpPr>
-          <p:nvPr>
-            <p:ph type="sldNum" sz="quarter" idx="5"/>
-          </p:nvPr>
-        </p:nvSpPr>
-        <p:spPr>
-          <a:noFill/>
-        </p:spPr>
-        <p:txBody>
-          <a:bodyPr/>
-          <a:lstStyle/>
-          <a:p>
-            <a:fld id="{1C5487EC-21AD-B94A-BBD9-2716F9AB99B5}" type="slidenum">
-              <a:rPr lang="en-AU"/>
-              <a:pPr/>
-              <a:t>8</a:t>
-            </a:fld>
-            <a:endParaRPr lang="en-AU"/>
-          </a:p>
-        </p:txBody>
-      </p:sp>
-      <p:sp>
-        <p:nvSpPr>
-          <p:cNvPr id="26627" name="Rectangle 2"/>
-          <p:cNvSpPr>
-            <a:spLocks noGrp="1" noRot="1" noChangeAspect="1" noChangeArrowheads="1" noTextEdit="1"/>
-          </p:cNvSpPr>
-          <p:nvPr>
-            <p:ph type="sldImg"/>
-          </p:nvPr>
-        </p:nvSpPr>
-        <p:spPr>
-          <a:ln/>
-        </p:spPr>
-      </p:sp>
-      <p:sp>
-        <p:nvSpPr>
-          <p:cNvPr id="26628" name="Rectangle 3"/>
-          <p:cNvSpPr>
-            <a:spLocks noGrp="1" noChangeArrowheads="1"/>
-          </p:cNvSpPr>
-          <p:nvPr>
-            <p:ph type="body" idx="1"/>
-          </p:nvPr>
-        </p:nvSpPr>
-        <p:spPr>
-          <a:noFill/>
-          <a:ln/>
-        </p:spPr>
-        <p:txBody>
-          <a:bodyPr/>
-          <a:lstStyle/>
-          <a:p>
-            <a:pPr eaLnBrk="1" hangingPunct="1"/>
-            <a:r>
-              <a:rPr lang="en-US" dirty="0">
-                <a:ea typeface="ＭＳ Ｐゴシック" pitchFamily="-110" charset="-128"/>
-                <a:cs typeface="ＭＳ Ｐゴシック" pitchFamily="-110" charset="-128"/>
-              </a:rPr>
-              <a:t>A firewall may act as a packet filter. It can operate as a positive filter, allowing to</a:t>
-            </a:r>
-          </a:p>
-          <a:p>
-            <a:pPr eaLnBrk="1" hangingPunct="1"/>
-            <a:r>
-              <a:rPr lang="en-US" dirty="0">
-                <a:ea typeface="ＭＳ Ｐゴシック" pitchFamily="-110" charset="-128"/>
-                <a:cs typeface="ＭＳ Ｐゴシック" pitchFamily="-110" charset="-128"/>
-              </a:rPr>
-              <a:t>pass only packets that meet specific criteria, or as a negative filter, rejecting any</a:t>
-            </a:r>
-          </a:p>
-          <a:p>
-            <a:pPr eaLnBrk="1" hangingPunct="1"/>
-            <a:r>
-              <a:rPr lang="en-US" dirty="0">
-                <a:ea typeface="ＭＳ Ｐゴシック" pitchFamily="-110" charset="-128"/>
-                <a:cs typeface="ＭＳ Ｐゴシック" pitchFamily="-110" charset="-128"/>
-              </a:rPr>
-              <a:t>packet that meets certain criteria. Depending on the type of firewall, it may examine</a:t>
-            </a:r>
-          </a:p>
-          <a:p>
-            <a:pPr eaLnBrk="1" hangingPunct="1"/>
-            <a:r>
-              <a:rPr lang="en-US" dirty="0">
-                <a:ea typeface="ＭＳ Ｐゴシック" pitchFamily="-110" charset="-128"/>
-                <a:cs typeface="ＭＳ Ｐゴシック" pitchFamily="-110" charset="-128"/>
-              </a:rPr>
-              <a:t>one or more protocol headers in each packet, the payload of each packet, or the</a:t>
-            </a:r>
-          </a:p>
-          <a:p>
-            <a:pPr eaLnBrk="1" hangingPunct="1"/>
-            <a:r>
-              <a:rPr lang="en-US" dirty="0">
-                <a:ea typeface="ＭＳ Ｐゴシック" pitchFamily="-110" charset="-128"/>
-                <a:cs typeface="ＭＳ Ｐゴシック" pitchFamily="-110" charset="-128"/>
-              </a:rPr>
-              <a:t>pattern generated by a sequence of packets. In this section, we look at the principal</a:t>
-            </a:r>
-          </a:p>
-          <a:p>
-            <a:pPr eaLnBrk="1" hangingPunct="1"/>
-            <a:r>
-              <a:rPr lang="en-US" dirty="0">
-                <a:ea typeface="ＭＳ Ｐゴシック" pitchFamily="-110" charset="-128"/>
-                <a:cs typeface="ＭＳ Ｐゴシック" pitchFamily="-110" charset="-128"/>
-              </a:rPr>
-              <a:t>types of firewalls.</a:t>
-            </a:r>
-            <a:endParaRPr lang="en-US" dirty="0">
-              <a:latin typeface="Times New Roman" pitchFamily="-110" charset="0"/>
-              <a:ea typeface="ＭＳ Ｐゴシック" pitchFamily="-110" charset="-128"/>
-              <a:cs typeface="ＭＳ Ｐゴシック" pitchFamily="-110" charset="-128"/>
-            </a:endParaRPr>
-          </a:p>
-        </p:txBody>
-      </p:sp>
-    </p:spTree>
-    <p:extLst>
-      <p:ext uri="{BB962C8B-B14F-4D97-AF65-F5344CB8AC3E}">
-        <p14:creationId xmlns:p14="http://schemas.microsoft.com/office/powerpoint/2010/main" val="1244873325"/>
-      </p:ext>
-    </p:extLst>
-  </p:cSld>
-  <p:clrMapOvr>
-    <a:masterClrMapping/>
-  </p:clrMapOvr>
-</p:notes>
-</file>
-
-<file path=ppt/notesSlides/notesSlide7.xml><?xml version="1.0" encoding="utf-8"?>
-<p:notes xmlns:a="http://schemas.openxmlformats.org/drawingml/2006/main" xmlns:r="http://schemas.openxmlformats.org/officeDocument/2006/relationships" xmlns:p="http://schemas.openxmlformats.org/presentationml/2006/main">
-  <p:cSld>
-    <p:spTree>
-      <p:nvGrpSpPr>
-        <p:cNvPr id="1" name=""/>
-        <p:cNvGrpSpPr/>
-        <p:nvPr/>
-      </p:nvGrpSpPr>
-      <p:grpSpPr>
-        <a:xfrm>
-          <a:off x="0" y="0"/>
-          <a:ext cx="0" cy="0"/>
-          <a:chOff x="0" y="0"/>
-          <a:chExt cx="0" cy="0"/>
-        </a:xfrm>
-      </p:grpSpPr>
-      <p:sp>
-        <p:nvSpPr>
           <p:cNvPr id="28674" name="Rectangle 7"/>
           <p:cNvSpPr>
             <a:spLocks noGrp="1" noChangeArrowheads="1"/>
@@ -13965,7 +13268,7 @@
 </p:notes>
 </file>
 
-<file path=ppt/notesSlides/notesSlide8.xml><?xml version="1.0" encoding="utf-8"?>
+<file path=ppt/notesSlides/notesSlide7.xml><?xml version="1.0" encoding="utf-8"?>
 <p:notes xmlns:a="http://schemas.openxmlformats.org/drawingml/2006/main" xmlns:r="http://schemas.openxmlformats.org/officeDocument/2006/relationships" xmlns:p="http://schemas.openxmlformats.org/presentationml/2006/main">
   <p:cSld>
     <p:spTree>
@@ -14323,7 +13626,7 @@
 </p:notes>
 </file>
 
-<file path=ppt/notesSlides/notesSlide9.xml><?xml version="1.0" encoding="utf-8"?>
+<file path=ppt/notesSlides/notesSlide8.xml><?xml version="1.0" encoding="utf-8"?>
 <p:notes xmlns:a="http://schemas.openxmlformats.org/drawingml/2006/main" xmlns:r="http://schemas.openxmlformats.org/officeDocument/2006/relationships" xmlns:p="http://schemas.openxmlformats.org/presentationml/2006/main">
   <p:cSld>
     <p:spTree>
@@ -14626,6 +13929,502 @@
     <p:extLst>
       <p:ext uri="{BB962C8B-B14F-4D97-AF65-F5344CB8AC3E}">
         <p14:creationId xmlns:p14="http://schemas.microsoft.com/office/powerpoint/2010/main" val="463195012"/>
+      </p:ext>
+    </p:extLst>
+  </p:cSld>
+  <p:clrMapOvr>
+    <a:masterClrMapping/>
+  </p:clrMapOvr>
+</p:notes>
+</file>
+
+<file path=ppt/notesSlides/notesSlide9.xml><?xml version="1.0" encoding="utf-8"?>
+<p:notes xmlns:a="http://schemas.openxmlformats.org/drawingml/2006/main" xmlns:r="http://schemas.openxmlformats.org/officeDocument/2006/relationships" xmlns:p="http://schemas.openxmlformats.org/presentationml/2006/main">
+  <p:cSld>
+    <p:spTree>
+      <p:nvGrpSpPr>
+        <p:cNvPr id="1" name=""/>
+        <p:cNvGrpSpPr/>
+        <p:nvPr/>
+      </p:nvGrpSpPr>
+      <p:grpSpPr>
+        <a:xfrm>
+          <a:off x="0" y="0"/>
+          <a:ext cx="0" cy="0"/>
+          <a:chOff x="0" y="0"/>
+          <a:chExt cx="0" cy="0"/>
+        </a:xfrm>
+      </p:grpSpPr>
+      <p:sp>
+        <p:nvSpPr>
+          <p:cNvPr id="32770" name="Rectangle 7"/>
+          <p:cNvSpPr>
+            <a:spLocks noGrp="1" noChangeArrowheads="1"/>
+          </p:cNvSpPr>
+          <p:nvPr>
+            <p:ph type="sldNum" sz="quarter" idx="5"/>
+          </p:nvPr>
+        </p:nvSpPr>
+        <p:spPr>
+          <a:noFill/>
+        </p:spPr>
+        <p:txBody>
+          <a:bodyPr/>
+          <a:lstStyle/>
+          <a:p>
+            <a:fld id="{3368F387-B42B-9244-A173-F097D89069A8}" type="slidenum">
+              <a:rPr lang="en-AU"/>
+              <a:pPr/>
+              <a:t>14</a:t>
+            </a:fld>
+            <a:endParaRPr lang="en-AU"/>
+          </a:p>
+        </p:txBody>
+      </p:sp>
+      <p:sp>
+        <p:nvSpPr>
+          <p:cNvPr id="32771" name="Rectangle 2"/>
+          <p:cNvSpPr>
+            <a:spLocks noGrp="1" noRot="1" noChangeAspect="1" noChangeArrowheads="1" noTextEdit="1"/>
+          </p:cNvSpPr>
+          <p:nvPr>
+            <p:ph type="sldImg"/>
+          </p:nvPr>
+        </p:nvSpPr>
+        <p:spPr>
+          <a:ln/>
+        </p:spPr>
+      </p:sp>
+      <p:sp>
+        <p:nvSpPr>
+          <p:cNvPr id="32772" name="Rectangle 3"/>
+          <p:cNvSpPr>
+            <a:spLocks noGrp="1" noChangeArrowheads="1"/>
+          </p:cNvSpPr>
+          <p:nvPr>
+            <p:ph type="body" idx="1"/>
+          </p:nvPr>
+        </p:nvSpPr>
+        <p:spPr>
+          <a:noFill/>
+          <a:ln/>
+        </p:spPr>
+        <p:txBody>
+          <a:bodyPr/>
+          <a:lstStyle/>
+          <a:p>
+            <a:pPr eaLnBrk="1" hangingPunct="1"/>
+            <a:r>
+              <a:rPr lang="en-US" b="0" dirty="0"/>
+              <a:t>One advantage of a packet filtering firewall is its simplicity. Also, packet filters</a:t>
+            </a:r>
+          </a:p>
+          <a:p>
+            <a:pPr eaLnBrk="1" hangingPunct="1"/>
+            <a:r>
+              <a:rPr lang="en-US" b="0" dirty="0"/>
+              <a:t>typically are transparent to users and are very fast. [SCAR09b] lists the following</a:t>
+            </a:r>
+          </a:p>
+          <a:p>
+            <a:pPr eaLnBrk="1" hangingPunct="1"/>
+            <a:r>
+              <a:rPr lang="en-US" b="0" dirty="0"/>
+              <a:t>weaknesses of packet filter firewalls:</a:t>
+            </a:r>
+          </a:p>
+          <a:p>
+            <a:pPr eaLnBrk="1" hangingPunct="1"/>
+            <a:endParaRPr lang="en-US" b="0" dirty="0"/>
+          </a:p>
+          <a:p>
+            <a:pPr eaLnBrk="1" hangingPunct="1"/>
+            <a:r>
+              <a:rPr lang="en-US" b="0" dirty="0"/>
+              <a:t>• Because packet filter firewalls do not examine upper-layer data, they cannot</a:t>
+            </a:r>
+          </a:p>
+          <a:p>
+            <a:pPr eaLnBrk="1" hangingPunct="1"/>
+            <a:r>
+              <a:rPr lang="en-US" b="0" dirty="0"/>
+              <a:t>prevent attacks that employ application-specific vulnerabilities or functions.</a:t>
+            </a:r>
+          </a:p>
+          <a:p>
+            <a:pPr eaLnBrk="1" hangingPunct="1"/>
+            <a:r>
+              <a:rPr lang="en-US" b="0" dirty="0"/>
+              <a:t>For example, a packet filter firewall cannot block specific application</a:t>
+            </a:r>
+          </a:p>
+          <a:p>
+            <a:pPr eaLnBrk="1" hangingPunct="1"/>
+            <a:r>
+              <a:rPr lang="en-US" b="0" dirty="0"/>
+              <a:t>commands; if a packet filter firewall allows a given application, all functions</a:t>
+            </a:r>
+          </a:p>
+          <a:p>
+            <a:pPr eaLnBrk="1" hangingPunct="1"/>
+            <a:r>
+              <a:rPr lang="en-US" b="0" dirty="0"/>
+              <a:t>available within that application will be permitted.</a:t>
+            </a:r>
+          </a:p>
+          <a:p>
+            <a:pPr eaLnBrk="1" hangingPunct="1"/>
+            <a:endParaRPr lang="en-US" b="0" dirty="0"/>
+          </a:p>
+          <a:p>
+            <a:pPr eaLnBrk="1" hangingPunct="1"/>
+            <a:r>
+              <a:rPr lang="en-US" b="0" dirty="0"/>
+              <a:t>• Because of the limited information available to the firewall, the logging</a:t>
+            </a:r>
+          </a:p>
+          <a:p>
+            <a:pPr eaLnBrk="1" hangingPunct="1"/>
+            <a:r>
+              <a:rPr lang="en-US" b="0" dirty="0"/>
+              <a:t>functionality present in packet filter firewalls is limited. Packet filter logs</a:t>
+            </a:r>
+          </a:p>
+          <a:p>
+            <a:pPr eaLnBrk="1" hangingPunct="1"/>
+            <a:r>
+              <a:rPr lang="en-US" b="0" dirty="0"/>
+              <a:t>normally contain the same information used to make access control decisions</a:t>
+            </a:r>
+          </a:p>
+          <a:p>
+            <a:pPr eaLnBrk="1" hangingPunct="1"/>
+            <a:r>
+              <a:rPr lang="en-US" b="0" dirty="0"/>
+              <a:t>(source address, destination address, and traffic type).</a:t>
+            </a:r>
+          </a:p>
+          <a:p>
+            <a:pPr eaLnBrk="1" hangingPunct="1"/>
+            <a:endParaRPr lang="en-US" b="0" dirty="0"/>
+          </a:p>
+          <a:p>
+            <a:pPr eaLnBrk="1" hangingPunct="1"/>
+            <a:r>
+              <a:rPr lang="en-US" b="0" dirty="0"/>
+              <a:t>• Most packet filter firewalls do not support advanced user authentication</a:t>
+            </a:r>
+          </a:p>
+          <a:p>
+            <a:pPr eaLnBrk="1" hangingPunct="1"/>
+            <a:r>
+              <a:rPr lang="en-US" b="0" dirty="0"/>
+              <a:t>schemes. Once again, this limitation is mostly due to the lack of upper-layer</a:t>
+            </a:r>
+          </a:p>
+          <a:p>
+            <a:pPr eaLnBrk="1" hangingPunct="1"/>
+            <a:r>
+              <a:rPr lang="en-US" b="0" dirty="0"/>
+              <a:t>functionality by the firewall.</a:t>
+            </a:r>
+          </a:p>
+          <a:p>
+            <a:pPr eaLnBrk="1" hangingPunct="1"/>
+            <a:endParaRPr lang="en-US" b="0" dirty="0"/>
+          </a:p>
+          <a:p>
+            <a:pPr eaLnBrk="1" hangingPunct="1"/>
+            <a:r>
+              <a:rPr lang="en-US" b="0" dirty="0"/>
+              <a:t>• Packet filter firewalls are generally vulnerable to attacks and exploits that take</a:t>
+            </a:r>
+          </a:p>
+          <a:p>
+            <a:pPr eaLnBrk="1" hangingPunct="1"/>
+            <a:r>
+              <a:rPr lang="en-US" b="0" dirty="0"/>
+              <a:t>advantage of problems within the TCP/IP specification and protocol stack,</a:t>
+            </a:r>
+          </a:p>
+          <a:p>
+            <a:pPr eaLnBrk="1" hangingPunct="1"/>
+            <a:r>
+              <a:rPr lang="en-US" b="0" dirty="0"/>
+              <a:t>such as </a:t>
+            </a:r>
+            <a:r>
+              <a:rPr lang="en-US" b="0" i="1" dirty="0"/>
+              <a:t>network layer address spoofing . Many packet filter firewalls cannot</a:t>
+            </a:r>
+          </a:p>
+          <a:p>
+            <a:pPr eaLnBrk="1" hangingPunct="1"/>
+            <a:r>
+              <a:rPr lang="en-US" b="0" dirty="0"/>
+              <a:t>detect a network packet in which the OSI Layer 3 addressing information has</a:t>
+            </a:r>
+          </a:p>
+          <a:p>
+            <a:pPr eaLnBrk="1" hangingPunct="1"/>
+            <a:r>
+              <a:rPr lang="en-US" b="0" dirty="0"/>
+              <a:t>been altered. Spoofing attacks are generally employed by intruders to bypass</a:t>
+            </a:r>
+          </a:p>
+          <a:p>
+            <a:pPr eaLnBrk="1" hangingPunct="1"/>
+            <a:r>
+              <a:rPr lang="en-US" b="0" dirty="0"/>
+              <a:t>the security controls implemented in a firewall platform.</a:t>
+            </a:r>
+          </a:p>
+          <a:p>
+            <a:pPr eaLnBrk="1" hangingPunct="1"/>
+            <a:endParaRPr lang="en-US" b="0" dirty="0"/>
+          </a:p>
+          <a:p>
+            <a:pPr eaLnBrk="1" hangingPunct="1"/>
+            <a:r>
+              <a:rPr lang="en-US" b="0" dirty="0"/>
+              <a:t>• Finally, due to the small number of variables used in access control decisions,</a:t>
+            </a:r>
+          </a:p>
+          <a:p>
+            <a:pPr eaLnBrk="1" hangingPunct="1"/>
+            <a:r>
+              <a:rPr lang="en-US" b="0" dirty="0"/>
+              <a:t>packet filter firewalls are susceptible to security breaches caused by improper</a:t>
+            </a:r>
+          </a:p>
+          <a:p>
+            <a:pPr eaLnBrk="1" hangingPunct="1"/>
+            <a:r>
+              <a:rPr lang="en-US" b="0" dirty="0"/>
+              <a:t>configurations. In other words, it is easy to accidentally configure a packet</a:t>
+            </a:r>
+          </a:p>
+          <a:p>
+            <a:pPr eaLnBrk="1" hangingPunct="1"/>
+            <a:r>
+              <a:rPr lang="en-US" b="0" dirty="0"/>
+              <a:t>filter firewall to allow traffic types, sources, and destinations that should be</a:t>
+            </a:r>
+          </a:p>
+          <a:p>
+            <a:pPr eaLnBrk="1" hangingPunct="1"/>
+            <a:r>
+              <a:rPr lang="en-US" b="0" dirty="0"/>
+              <a:t>denied based on an organization’s information security policy.</a:t>
+            </a:r>
+          </a:p>
+          <a:p>
+            <a:pPr eaLnBrk="1" hangingPunct="1"/>
+            <a:endParaRPr lang="en-US" b="0" dirty="0"/>
+          </a:p>
+          <a:p>
+            <a:pPr eaLnBrk="1" hangingPunct="1"/>
+            <a:r>
+              <a:rPr lang="en-US" b="0" dirty="0"/>
+              <a:t>Some of the attacks that can be made on packet filtering firewalls and the</a:t>
+            </a:r>
+          </a:p>
+          <a:p>
+            <a:pPr eaLnBrk="1" hangingPunct="1"/>
+            <a:r>
+              <a:rPr lang="en-US" b="0" dirty="0"/>
+              <a:t>appropriate countermeasures are the following:</a:t>
+            </a:r>
+          </a:p>
+          <a:p>
+            <a:pPr eaLnBrk="1" hangingPunct="1"/>
+            <a:endParaRPr lang="en-US" b="0" dirty="0"/>
+          </a:p>
+          <a:p>
+            <a:pPr eaLnBrk="1" hangingPunct="1"/>
+            <a:r>
+              <a:rPr lang="en-US" b="0" dirty="0"/>
+              <a:t>• IP address spoofing : The intruder transmits packets from the outside with a</a:t>
+            </a:r>
+          </a:p>
+          <a:p>
+            <a:pPr eaLnBrk="1" hangingPunct="1"/>
+            <a:r>
+              <a:rPr lang="en-US" b="0" dirty="0"/>
+              <a:t>source IP address field containing an address of an internal host. The attacker</a:t>
+            </a:r>
+          </a:p>
+          <a:p>
+            <a:pPr eaLnBrk="1" hangingPunct="1"/>
+            <a:r>
+              <a:rPr lang="en-US" b="0" dirty="0"/>
+              <a:t>hopes that the use of a spoofed address will allow penetration of systems that</a:t>
+            </a:r>
+          </a:p>
+          <a:p>
+            <a:pPr eaLnBrk="1" hangingPunct="1"/>
+            <a:r>
+              <a:rPr lang="en-US" b="0" dirty="0"/>
+              <a:t>employ simple source address security, in which packets from specific trusted</a:t>
+            </a:r>
+          </a:p>
+          <a:p>
+            <a:pPr eaLnBrk="1" hangingPunct="1"/>
+            <a:r>
+              <a:rPr lang="en-US" b="0" dirty="0"/>
+              <a:t>internal hosts are accepted. The countermeasure is to discard packets with an</a:t>
+            </a:r>
+          </a:p>
+          <a:p>
+            <a:pPr eaLnBrk="1" hangingPunct="1"/>
+            <a:r>
+              <a:rPr lang="en-US" b="0" dirty="0"/>
+              <a:t>inside source address if the packet arrives on an external interface. In fact, this</a:t>
+            </a:r>
+          </a:p>
+          <a:p>
+            <a:pPr eaLnBrk="1" hangingPunct="1"/>
+            <a:r>
+              <a:rPr lang="en-US" b="0" dirty="0"/>
+              <a:t>countermeasure is often implemented at the router external to the firewall.</a:t>
+            </a:r>
+          </a:p>
+          <a:p>
+            <a:pPr eaLnBrk="1" hangingPunct="1"/>
+            <a:endParaRPr lang="en-US" b="0" dirty="0"/>
+          </a:p>
+          <a:p>
+            <a:pPr eaLnBrk="1" hangingPunct="1"/>
+            <a:r>
+              <a:rPr lang="en-US" b="0" dirty="0"/>
+              <a:t>• Source routing attacks: The source station specifies the route that a packet</a:t>
+            </a:r>
+          </a:p>
+          <a:p>
+            <a:pPr eaLnBrk="1" hangingPunct="1"/>
+            <a:r>
+              <a:rPr lang="en-US" b="0" dirty="0"/>
+              <a:t>should take as it crosses the Internet, in the hopes that this will bypass security</a:t>
+            </a:r>
+          </a:p>
+          <a:p>
+            <a:pPr eaLnBrk="1" hangingPunct="1"/>
+            <a:r>
+              <a:rPr lang="en-US" b="0" dirty="0"/>
+              <a:t>measures that do not analyze the source routing information. A countermeasure</a:t>
+            </a:r>
+          </a:p>
+          <a:p>
+            <a:pPr eaLnBrk="1" hangingPunct="1"/>
+            <a:r>
+              <a:rPr lang="en-US" b="0" dirty="0"/>
+              <a:t>is to discard all packets that use this option.</a:t>
+            </a:r>
+          </a:p>
+          <a:p>
+            <a:pPr eaLnBrk="1" hangingPunct="1"/>
+            <a:endParaRPr lang="en-US" b="0" dirty="0"/>
+          </a:p>
+          <a:p>
+            <a:pPr eaLnBrk="1" hangingPunct="1"/>
+            <a:r>
+              <a:rPr lang="en-US" b="0" dirty="0"/>
+              <a:t>• Tiny fragment attacks : The intruder uses the IP fragmentation option to create</a:t>
+            </a:r>
+          </a:p>
+          <a:p>
+            <a:pPr eaLnBrk="1" hangingPunct="1"/>
+            <a:r>
+              <a:rPr lang="en-US" b="0" dirty="0"/>
+              <a:t>extremely small fragments and force the TCP header information into</a:t>
+            </a:r>
+          </a:p>
+          <a:p>
+            <a:pPr eaLnBrk="1" hangingPunct="1"/>
+            <a:r>
+              <a:rPr lang="en-US" b="0" dirty="0"/>
+              <a:t>a separate packet fragment. This attack is designed to circumvent filtering</a:t>
+            </a:r>
+          </a:p>
+          <a:p>
+            <a:pPr eaLnBrk="1" hangingPunct="1"/>
+            <a:r>
+              <a:rPr lang="en-US" b="0" dirty="0"/>
+              <a:t>rules that depend on TCP header information. Typically, a packet filter</a:t>
+            </a:r>
+          </a:p>
+          <a:p>
+            <a:pPr eaLnBrk="1" hangingPunct="1"/>
+            <a:r>
+              <a:rPr lang="en-US" b="0" dirty="0"/>
+              <a:t>will make a filtering decision on the first fragment of a packet. All subsequent</a:t>
+            </a:r>
+          </a:p>
+          <a:p>
+            <a:pPr eaLnBrk="1" hangingPunct="1"/>
+            <a:r>
+              <a:rPr lang="en-US" b="0" dirty="0"/>
+              <a:t>fragments of that packet are filtered out solely on the basis that</a:t>
+            </a:r>
+          </a:p>
+          <a:p>
+            <a:pPr eaLnBrk="1" hangingPunct="1"/>
+            <a:r>
+              <a:rPr lang="en-US" b="0" dirty="0"/>
+              <a:t>they are part of the packet whose first fragment was rejected. The attacker</a:t>
+            </a:r>
+          </a:p>
+          <a:p>
+            <a:pPr eaLnBrk="1" hangingPunct="1"/>
+            <a:r>
+              <a:rPr lang="en-US" b="0" dirty="0"/>
+              <a:t>hopes that the filtering firewall examines only the first fragment and that</a:t>
+            </a:r>
+          </a:p>
+          <a:p>
+            <a:pPr eaLnBrk="1" hangingPunct="1"/>
+            <a:r>
+              <a:rPr lang="en-US" b="0" dirty="0"/>
+              <a:t>the remaining fragments are passed through. A tiny fragment attack can be</a:t>
+            </a:r>
+          </a:p>
+          <a:p>
+            <a:pPr eaLnBrk="1" hangingPunct="1"/>
+            <a:r>
+              <a:rPr lang="en-US" b="0" dirty="0"/>
+              <a:t>defeated by enforcing a rule that the first fragment of a packet must contain</a:t>
+            </a:r>
+          </a:p>
+          <a:p>
+            <a:pPr eaLnBrk="1" hangingPunct="1"/>
+            <a:r>
+              <a:rPr lang="en-US" b="0" dirty="0"/>
+              <a:t>a predefined minimum amount of the transport header. If the first fragment</a:t>
+            </a:r>
+          </a:p>
+          <a:p>
+            <a:pPr eaLnBrk="1" hangingPunct="1"/>
+            <a:r>
+              <a:rPr lang="en-US" b="0" dirty="0"/>
+              <a:t>is rejected, the filter can remember the packet and discard all subsequent</a:t>
+            </a:r>
+          </a:p>
+          <a:p>
+            <a:pPr eaLnBrk="1" hangingPunct="1"/>
+            <a:r>
+              <a:rPr lang="en-US" b="0" dirty="0"/>
+              <a:t>fragments.</a:t>
+            </a:r>
+            <a:endParaRPr lang="en-US" b="0" dirty="0">
+              <a:latin typeface="Times New Roman" pitchFamily="-110" charset="0"/>
+            </a:endParaRPr>
+          </a:p>
+        </p:txBody>
+      </p:sp>
+    </p:spTree>
+    <p:extLst>
+      <p:ext uri="{BB962C8B-B14F-4D97-AF65-F5344CB8AC3E}">
+        <p14:creationId xmlns:p14="http://schemas.microsoft.com/office/powerpoint/2010/main" val="3432241128"/>
       </p:ext>
     </p:extLst>
   </p:cSld>
@@ -18889,7 +18688,7 @@
             </a:pPr>
             <a:r>
               <a:rPr lang="en-US" altLang="en-US" dirty="0"/>
-              <a:t>Stateful Inspection Firewall</a:t>
+              <a:t>Stateful Firewall</a:t>
             </a:r>
           </a:p>
         </p:txBody>
@@ -18932,30 +18731,6 @@
           </a:p>
         </p:txBody>
       </p:sp>
-      <p:pic>
-        <p:nvPicPr>
-          <p:cNvPr id="3" name="图片 2"/>
-          <p:cNvPicPr>
-            <a:picLocks noChangeAspect="1"/>
-          </p:cNvPicPr>
-          <p:nvPr/>
-        </p:nvPicPr>
-        <p:blipFill>
-          <a:blip r:embed="rId3"/>
-          <a:stretch>
-            <a:fillRect/>
-          </a:stretch>
-        </p:blipFill>
-        <p:spPr>
-          <a:xfrm>
-            <a:off x="6019671" y="4077072"/>
-            <a:ext cx="3085581" cy="2672980"/>
-          </a:xfrm>
-          <a:prstGeom prst="rect">
-            <a:avLst/>
-          </a:prstGeom>
-        </p:spPr>
-      </p:pic>
       <p:sp>
         <p:nvSpPr>
           <p:cNvPr id="10" name="Content Placeholder 2">
@@ -19028,6 +18803,40 @@
           </a:p>
         </p:txBody>
       </p:sp>
+      <p:pic>
+        <p:nvPicPr>
+          <p:cNvPr id="6" name="Shape 105">
+            <a:extLst>
+              <a:ext uri="{FF2B5EF4-FFF2-40B4-BE49-F238E27FC236}">
+                <a16:creationId xmlns:a16="http://schemas.microsoft.com/office/drawing/2014/main" id="{AA516959-5E76-4B42-87B5-0EDFDF62666E}"/>
+              </a:ext>
+            </a:extLst>
+          </p:cNvPr>
+          <p:cNvPicPr preferRelativeResize="0"/>
+          <p:nvPr/>
+        </p:nvPicPr>
+        <p:blipFill>
+          <a:blip r:embed="rId3">
+            <a:alphaModFix/>
+          </a:blip>
+          <a:stretch>
+            <a:fillRect/>
+          </a:stretch>
+        </p:blipFill>
+        <p:spPr>
+          <a:xfrm>
+            <a:off x="1362075" y="4653773"/>
+            <a:ext cx="6419850" cy="2047875"/>
+          </a:xfrm>
+          <a:prstGeom prst="rect">
+            <a:avLst/>
+          </a:prstGeom>
+          <a:noFill/>
+          <a:ln>
+            <a:noFill/>
+          </a:ln>
+        </p:spPr>
+      </p:pic>
     </p:spTree>
   </p:cSld>
   <p:clrMapOvr>
@@ -19076,7 +18885,7 @@
           <a:graphicData uri="http://schemas.openxmlformats.org/presentationml/2006/ole">
             <mc:AlternateContent xmlns:mc="http://schemas.openxmlformats.org/markup-compatibility/2006">
               <mc:Choice xmlns:v="urn:schemas-microsoft-com:vml" Requires="v">
-                <p:oleObj spid="_x0000_s1030" name="Document" r:id="rId4" imgW="6083076" imgH="2946292" progId="Word.Document.12">
+                <p:oleObj spid="_x0000_s1033" name="Document" r:id="rId4" imgW="6083076" imgH="2946292" progId="Word.Document.12">
                   <p:embed/>
                 </p:oleObj>
               </mc:Choice>
@@ -19115,7 +18924,7 @@
                       <a:noFill/>
                       <a:extLst>
                         <a:ext uri="{909E8E84-426E-40dd-AFC4-6F175D3DCCD1}">
-                          <a14:hiddenFill xmlns="" xmlns:a14="http://schemas.microsoft.com/office/drawing/2010/main">
+                          <a14:hiddenFill xmlns:a14="http://schemas.microsoft.com/office/drawing/2010/main" xmlns="">
                             <a:solidFill>
                               <a:srgbClr val="FFFFFF"/>
                             </a:solidFill>
@@ -19299,7 +19108,7 @@
             </a:pPr>
             <a:r>
               <a:rPr lang="en-US" altLang="en-US" dirty="0"/>
-              <a:t>Application-Level Gateway</a:t>
+              <a:t>Application Proxy</a:t>
             </a:r>
           </a:p>
         </p:txBody>
@@ -19322,8 +19131,8 @@
         </p:nvSpPr>
         <p:spPr>
           <a:xfrm>
-            <a:off x="-23627" y="1259574"/>
-            <a:ext cx="5472608" cy="5256584"/>
+            <a:off x="-23628" y="1259574"/>
+            <a:ext cx="9091427" cy="4329666"/>
           </a:xfrm>
         </p:spPr>
         <p:txBody>
@@ -19427,30 +19236,6 @@
           </a:p>
         </p:txBody>
       </p:sp>
-      <p:pic>
-        <p:nvPicPr>
-          <p:cNvPr id="3" name="图片 2"/>
-          <p:cNvPicPr>
-            <a:picLocks noChangeAspect="1"/>
-          </p:cNvPicPr>
-          <p:nvPr/>
-        </p:nvPicPr>
-        <p:blipFill>
-          <a:blip r:embed="rId3"/>
-          <a:stretch>
-            <a:fillRect/>
-          </a:stretch>
-        </p:blipFill>
-        <p:spPr>
-          <a:xfrm>
-            <a:off x="5360835" y="3390802"/>
-            <a:ext cx="3744416" cy="2814819"/>
-          </a:xfrm>
-          <a:prstGeom prst="rect">
-            <a:avLst/>
-          </a:prstGeom>
-        </p:spPr>
-      </p:pic>
       <p:sp>
         <p:nvSpPr>
           <p:cNvPr id="6" name="Rectangle 3">
@@ -19655,6 +19440,40 @@
           </a:p>
         </p:txBody>
       </p:sp>
+      <p:pic>
+        <p:nvPicPr>
+          <p:cNvPr id="7" name="Shape 113">
+            <a:extLst>
+              <a:ext uri="{FF2B5EF4-FFF2-40B4-BE49-F238E27FC236}">
+                <a16:creationId xmlns:a16="http://schemas.microsoft.com/office/drawing/2014/main" id="{85ACFC54-80DF-45A1-9ACE-0E3BE3F4F22F}"/>
+              </a:ext>
+            </a:extLst>
+          </p:cNvPr>
+          <p:cNvPicPr preferRelativeResize="0"/>
+          <p:nvPr/>
+        </p:nvPicPr>
+        <p:blipFill>
+          <a:blip r:embed="rId3">
+            <a:alphaModFix/>
+          </a:blip>
+          <a:stretch>
+            <a:fillRect/>
+          </a:stretch>
+        </p:blipFill>
+        <p:spPr>
+          <a:xfrm>
+            <a:off x="1352300" y="5041238"/>
+            <a:ext cx="6439400" cy="1502208"/>
+          </a:xfrm>
+          <a:prstGeom prst="rect">
+            <a:avLst/>
+          </a:prstGeom>
+          <a:noFill/>
+          <a:ln>
+            <a:noFill/>
+          </a:ln>
+        </p:spPr>
+      </p:pic>
     </p:spTree>
   </p:cSld>
   <p:clrMapOvr>
@@ -19683,10 +19502,223 @@
       </p:grpSpPr>
       <p:sp>
         <p:nvSpPr>
-          <p:cNvPr id="2" name="Title 1">
+          <p:cNvPr id="2" name="Text Placeholder 1">
             <a:extLst>
               <a:ext uri="{FF2B5EF4-FFF2-40B4-BE49-F238E27FC236}">
-                <a16:creationId xmlns:a16="http://schemas.microsoft.com/office/drawing/2014/main" id="{4E54470B-93D0-496D-908C-A26CDAE44160}"/>
+                <a16:creationId xmlns:a16="http://schemas.microsoft.com/office/drawing/2014/main" id="{C8F416E8-80A8-4508-9AB9-CBCDF9F9721C}"/>
+              </a:ext>
+            </a:extLst>
+          </p:cNvPr>
+          <p:cNvSpPr>
+            <a:spLocks noGrp="1"/>
+          </p:cNvSpPr>
+          <p:nvPr>
+            <p:ph type="body" sz="half" idx="1"/>
+          </p:nvPr>
+        </p:nvSpPr>
+        <p:spPr/>
+        <p:txBody>
+          <a:bodyPr>
+            <a:normAutofit fontScale="85000" lnSpcReduction="20000"/>
+          </a:bodyPr>
+          <a:lstStyle/>
+          <a:p>
+            <a:r>
+              <a:rPr lang="en-US" dirty="0"/>
+              <a:t>Introduction</a:t>
+            </a:r>
+          </a:p>
+          <a:p>
+            <a:r>
+              <a:rPr lang="en-US" dirty="0"/>
+              <a:t>Types of firewalls</a:t>
+            </a:r>
+          </a:p>
+          <a:p>
+            <a:pPr lvl="1"/>
+            <a:r>
+              <a:rPr lang="en-US" dirty="0"/>
+              <a:t>Packet filtering firewall</a:t>
+            </a:r>
+          </a:p>
+          <a:p>
+            <a:pPr lvl="1"/>
+            <a:r>
+              <a:rPr lang="en-US" dirty="0"/>
+              <a:t>Stateful inspection firewalls</a:t>
+            </a:r>
+          </a:p>
+          <a:p>
+            <a:pPr lvl="1"/>
+            <a:r>
+              <a:rPr lang="en-US" dirty="0"/>
+              <a:t>Application-level gateway</a:t>
+            </a:r>
+          </a:p>
+          <a:p>
+            <a:r>
+              <a:rPr lang="en-US" dirty="0">
+                <a:solidFill>
+                  <a:srgbClr val="C00000"/>
+                </a:solidFill>
+              </a:rPr>
+              <a:t>Firewall basing</a:t>
+            </a:r>
+          </a:p>
+          <a:p>
+            <a:pPr lvl="1"/>
+            <a:r>
+              <a:rPr lang="en-US" dirty="0"/>
+              <a:t>Bastion host</a:t>
+            </a:r>
+          </a:p>
+          <a:p>
+            <a:pPr lvl="1"/>
+            <a:r>
+              <a:rPr lang="en-US" dirty="0"/>
+              <a:t>Host-based firewalls</a:t>
+            </a:r>
+          </a:p>
+          <a:p>
+            <a:pPr lvl="1"/>
+            <a:r>
+              <a:rPr lang="en-US" dirty="0"/>
+              <a:t>Personal firewall</a:t>
+            </a:r>
+          </a:p>
+          <a:p>
+            <a:endParaRPr lang="en-SE" dirty="0"/>
+          </a:p>
+        </p:txBody>
+      </p:sp>
+      <p:sp>
+        <p:nvSpPr>
+          <p:cNvPr id="3" name="Content Placeholder 2">
+            <a:extLst>
+              <a:ext uri="{FF2B5EF4-FFF2-40B4-BE49-F238E27FC236}">
+                <a16:creationId xmlns:a16="http://schemas.microsoft.com/office/drawing/2014/main" id="{9D4312F0-924F-4FB3-9168-AACBB799D07D}"/>
+              </a:ext>
+            </a:extLst>
+          </p:cNvPr>
+          <p:cNvSpPr>
+            <a:spLocks noGrp="1"/>
+          </p:cNvSpPr>
+          <p:nvPr>
+            <p:ph sz="half" idx="2"/>
+          </p:nvPr>
+        </p:nvSpPr>
+        <p:spPr/>
+        <p:txBody>
+          <a:bodyPr>
+            <a:normAutofit fontScale="77500" lnSpcReduction="20000"/>
+          </a:bodyPr>
+          <a:lstStyle/>
+          <a:p>
+            <a:r>
+              <a:rPr lang="en-US" dirty="0"/>
+              <a:t>Firewall location and configurations</a:t>
+            </a:r>
+          </a:p>
+          <a:p>
+            <a:pPr lvl="1"/>
+            <a:r>
+              <a:rPr lang="en-US" dirty="0"/>
+              <a:t>DMZ networks</a:t>
+            </a:r>
+          </a:p>
+          <a:p>
+            <a:pPr lvl="1"/>
+            <a:r>
+              <a:rPr lang="en-US" dirty="0"/>
+              <a:t>VPNs</a:t>
+            </a:r>
+          </a:p>
+          <a:p>
+            <a:pPr lvl="1"/>
+            <a:r>
+              <a:rPr lang="en-US" dirty="0"/>
+              <a:t>Distributed firewalls</a:t>
+            </a:r>
+          </a:p>
+          <a:p>
+            <a:r>
+              <a:rPr lang="en-US" dirty="0"/>
+              <a:t>Intrusion prevention systems</a:t>
+            </a:r>
+          </a:p>
+          <a:p>
+            <a:pPr lvl="1"/>
+            <a:r>
+              <a:rPr lang="en-US" dirty="0"/>
+              <a:t>Host-based IPS</a:t>
+            </a:r>
+          </a:p>
+          <a:p>
+            <a:pPr lvl="1"/>
+            <a:r>
+              <a:rPr lang="en-US" dirty="0"/>
+              <a:t>Network-based IPS</a:t>
+            </a:r>
+          </a:p>
+          <a:p>
+            <a:pPr lvl="1"/>
+            <a:r>
+              <a:rPr lang="en-US" dirty="0"/>
+              <a:t>Snort inline</a:t>
+            </a:r>
+          </a:p>
+          <a:p>
+            <a:r>
+              <a:rPr lang="en-US" dirty="0"/>
+              <a:t>Unified Threat Management Products</a:t>
+            </a:r>
+          </a:p>
+          <a:p>
+            <a:endParaRPr lang="en-SE" dirty="0"/>
+          </a:p>
+        </p:txBody>
+      </p:sp>
+      <p:sp>
+        <p:nvSpPr>
+          <p:cNvPr id="4" name="Slide Number Placeholder 3">
+            <a:extLst>
+              <a:ext uri="{FF2B5EF4-FFF2-40B4-BE49-F238E27FC236}">
+                <a16:creationId xmlns:a16="http://schemas.microsoft.com/office/drawing/2014/main" id="{1EED5E87-2DDC-4730-8CD9-8BFD7A4E6DC0}"/>
+              </a:ext>
+            </a:extLst>
+          </p:cNvPr>
+          <p:cNvSpPr>
+            <a:spLocks noGrp="1"/>
+          </p:cNvSpPr>
+          <p:nvPr>
+            <p:ph type="sldNum" sz="quarter" idx="12"/>
+          </p:nvPr>
+        </p:nvSpPr>
+        <p:spPr/>
+        <p:txBody>
+          <a:bodyPr/>
+          <a:lstStyle/>
+          <a:p>
+            <a:pPr>
+              <a:defRPr/>
+            </a:pPr>
+            <a:fld id="{B8309577-EEFF-4D12-A7EE-88AD1DC79305}" type="slidenum">
+              <a:rPr lang="en-US" altLang="zh-CN" smtClean="0"/>
+              <a:pPr>
+                <a:defRPr/>
+              </a:pPr>
+              <a:t>19</a:t>
+            </a:fld>
+            <a:endParaRPr lang="en-US" altLang="zh-CN"/>
+          </a:p>
+        </p:txBody>
+      </p:sp>
+      <p:sp>
+        <p:nvSpPr>
+          <p:cNvPr id="5" name="Title 4">
+            <a:extLst>
+              <a:ext uri="{FF2B5EF4-FFF2-40B4-BE49-F238E27FC236}">
+                <a16:creationId xmlns:a16="http://schemas.microsoft.com/office/drawing/2014/main" id="{9FADA235-94D2-47D3-8C96-E6B71A2E5126}"/>
               </a:ext>
             </a:extLst>
           </p:cNvPr>
@@ -19704,118 +19736,16 @@
           <a:p>
             <a:r>
               <a:rPr lang="en-US" dirty="0"/>
-              <a:t>Circuit-Level Gateway</a:t>
+              <a:t>Outline</a:t>
             </a:r>
             <a:endParaRPr lang="en-SE" dirty="0"/>
-          </a:p>
-        </p:txBody>
-      </p:sp>
-      <p:sp>
-        <p:nvSpPr>
-          <p:cNvPr id="3" name="Content Placeholder 2">
-            <a:extLst>
-              <a:ext uri="{FF2B5EF4-FFF2-40B4-BE49-F238E27FC236}">
-                <a16:creationId xmlns:a16="http://schemas.microsoft.com/office/drawing/2014/main" id="{356234DE-818E-456F-A3AA-C5AAD856B3F1}"/>
-              </a:ext>
-            </a:extLst>
-          </p:cNvPr>
-          <p:cNvSpPr>
-            <a:spLocks noGrp="1"/>
-          </p:cNvSpPr>
-          <p:nvPr>
-            <p:ph idx="1"/>
-          </p:nvPr>
-        </p:nvSpPr>
-        <p:spPr/>
-        <p:txBody>
-          <a:bodyPr>
-            <a:normAutofit fontScale="92500" lnSpcReduction="10000"/>
-          </a:bodyPr>
-          <a:lstStyle/>
-          <a:p>
-            <a:r>
-              <a:rPr lang="en-US" dirty="0"/>
-              <a:t>Circuit level gateway</a:t>
-            </a:r>
-          </a:p>
-          <a:p>
-            <a:pPr lvl="1"/>
-            <a:r>
-              <a:rPr lang="en-US" dirty="0"/>
-              <a:t>Sets up two TCP connections, one between itself and a TCP user on an inner host and one on an outside host</a:t>
-            </a:r>
-          </a:p>
-          <a:p>
-            <a:pPr lvl="1"/>
-            <a:r>
-              <a:rPr lang="en-US" dirty="0"/>
-              <a:t>Relays TCP segments from one connection to the other without examining contents</a:t>
-            </a:r>
-          </a:p>
-          <a:p>
-            <a:r>
-              <a:rPr lang="en-US" dirty="0"/>
-              <a:t>Security function consists of determining which connections will be allowed</a:t>
-            </a:r>
-          </a:p>
-          <a:p>
-            <a:pPr lvl="1"/>
-            <a:r>
-              <a:rPr lang="en-US" dirty="0"/>
-              <a:t>Typically used when inside users are trusted</a:t>
-            </a:r>
-          </a:p>
-          <a:p>
-            <a:pPr lvl="1"/>
-            <a:r>
-              <a:rPr lang="en-US" dirty="0"/>
-              <a:t>May use application-level proxy inbound and circuit-level proxy outbound</a:t>
-            </a:r>
-          </a:p>
-          <a:p>
-            <a:endParaRPr lang="en-SE" dirty="0"/>
-          </a:p>
-        </p:txBody>
-      </p:sp>
-      <p:sp>
-        <p:nvSpPr>
-          <p:cNvPr id="4" name="Slide Number Placeholder 3">
-            <a:extLst>
-              <a:ext uri="{FF2B5EF4-FFF2-40B4-BE49-F238E27FC236}">
-                <a16:creationId xmlns:a16="http://schemas.microsoft.com/office/drawing/2014/main" id="{FD4F9606-EF09-44E3-A4DC-F847E87600CF}"/>
-              </a:ext>
-            </a:extLst>
-          </p:cNvPr>
-          <p:cNvSpPr>
-            <a:spLocks noGrp="1"/>
-          </p:cNvSpPr>
-          <p:nvPr>
-            <p:ph type="sldNum" sz="quarter" idx="12"/>
-          </p:nvPr>
-        </p:nvSpPr>
-        <p:spPr/>
-        <p:txBody>
-          <a:bodyPr/>
-          <a:lstStyle/>
-          <a:p>
-            <a:pPr>
-              <a:defRPr/>
-            </a:pPr>
-            <a:fld id="{F57F456A-00AF-44E6-8D70-638C0D0130FF}" type="slidenum">
-              <a:rPr lang="en-US" altLang="zh-CN" smtClean="0"/>
-              <a:pPr>
-                <a:defRPr/>
-              </a:pPr>
-              <a:t>19</a:t>
-            </a:fld>
-            <a:endParaRPr lang="en-US" altLang="zh-CN" dirty="0"/>
           </a:p>
         </p:txBody>
       </p:sp>
     </p:spTree>
     <p:extLst>
       <p:ext uri="{BB962C8B-B14F-4D97-AF65-F5344CB8AC3E}">
-        <p14:creationId xmlns:p14="http://schemas.microsoft.com/office/powerpoint/2010/main" val="2335735089"/>
+        <p14:creationId xmlns:p14="http://schemas.microsoft.com/office/powerpoint/2010/main" val="1037492893"/>
       </p:ext>
     </p:extLst>
   </p:cSld>
@@ -20126,511 +20056,6 @@
           <p:cNvPr id="2" name="Title 1">
             <a:extLst>
               <a:ext uri="{FF2B5EF4-FFF2-40B4-BE49-F238E27FC236}">
-                <a16:creationId xmlns:a16="http://schemas.microsoft.com/office/drawing/2014/main" id="{929C980F-3015-45BE-9840-0A52BBDE4920}"/>
-              </a:ext>
-            </a:extLst>
-          </p:cNvPr>
-          <p:cNvSpPr>
-            <a:spLocks noGrp="1"/>
-          </p:cNvSpPr>
-          <p:nvPr>
-            <p:ph type="title"/>
-          </p:nvPr>
-        </p:nvSpPr>
-        <p:spPr/>
-        <p:txBody>
-          <a:bodyPr/>
-          <a:lstStyle/>
-          <a:p>
-            <a:r>
-              <a:rPr lang="en-US" sz="3600" dirty="0"/>
-              <a:t>Circuit-Level vs. Application-Level Proxy</a:t>
-            </a:r>
-            <a:endParaRPr lang="en-SE" sz="3600" dirty="0"/>
-          </a:p>
-        </p:txBody>
-      </p:sp>
-      <p:sp>
-        <p:nvSpPr>
-          <p:cNvPr id="3" name="Content Placeholder 2">
-            <a:extLst>
-              <a:ext uri="{FF2B5EF4-FFF2-40B4-BE49-F238E27FC236}">
-                <a16:creationId xmlns:a16="http://schemas.microsoft.com/office/drawing/2014/main" id="{E1212321-7C7F-4FB6-9DD0-2C2D50895453}"/>
-              </a:ext>
-            </a:extLst>
-          </p:cNvPr>
-          <p:cNvSpPr>
-            <a:spLocks noGrp="1"/>
-          </p:cNvSpPr>
-          <p:nvPr>
-            <p:ph idx="1"/>
-          </p:nvPr>
-        </p:nvSpPr>
-        <p:spPr>
-          <a:xfrm>
-            <a:off x="323528" y="1196753"/>
-            <a:ext cx="8568952" cy="3672407"/>
-          </a:xfrm>
-        </p:spPr>
-        <p:txBody>
-          <a:bodyPr>
-            <a:normAutofit fontScale="77500" lnSpcReduction="20000"/>
-          </a:bodyPr>
-          <a:lstStyle/>
-          <a:p>
-            <a:r>
-              <a:rPr lang="en-US" dirty="0"/>
-              <a:t>Application-level: separate proxy for each application </a:t>
-            </a:r>
-          </a:p>
-          <a:p>
-            <a:pPr lvl="1"/>
-            <a:r>
-              <a:rPr lang="en-US" dirty="0"/>
-              <a:t>Different proxies for SMTP (email), HTTP, FTP, etc. </a:t>
-            </a:r>
-          </a:p>
-          <a:p>
-            <a:pPr lvl="1"/>
-            <a:r>
-              <a:rPr lang="en-US" dirty="0"/>
-              <a:t>Filtering rules are application-specific</a:t>
-            </a:r>
-          </a:p>
-          <a:p>
-            <a:r>
-              <a:rPr lang="en-US" dirty="0"/>
-              <a:t>Circuit-level: application-independent, “transparent” </a:t>
-            </a:r>
-          </a:p>
-          <a:p>
-            <a:pPr lvl="1"/>
-            <a:r>
-              <a:rPr lang="en-US" dirty="0"/>
-              <a:t>Only generic IP traffic filtering (example: SOCKS) </a:t>
-            </a:r>
-          </a:p>
-          <a:p>
-            <a:pPr lvl="1"/>
-            <a:r>
-              <a:rPr lang="en-US" dirty="0"/>
-              <a:t>Has lower overhead than application-level proxy</a:t>
-            </a:r>
-          </a:p>
-          <a:p>
-            <a:endParaRPr lang="en-SE" dirty="0"/>
-          </a:p>
-        </p:txBody>
-      </p:sp>
-      <p:sp>
-        <p:nvSpPr>
-          <p:cNvPr id="4" name="Slide Number Placeholder 3">
-            <a:extLst>
-              <a:ext uri="{FF2B5EF4-FFF2-40B4-BE49-F238E27FC236}">
-                <a16:creationId xmlns:a16="http://schemas.microsoft.com/office/drawing/2014/main" id="{B243EBB2-CD58-4426-912C-DF3C29C8F945}"/>
-              </a:ext>
-            </a:extLst>
-          </p:cNvPr>
-          <p:cNvSpPr>
-            <a:spLocks noGrp="1"/>
-          </p:cNvSpPr>
-          <p:nvPr>
-            <p:ph type="sldNum" sz="quarter" idx="12"/>
-          </p:nvPr>
-        </p:nvSpPr>
-        <p:spPr/>
-        <p:txBody>
-          <a:bodyPr/>
-          <a:lstStyle/>
-          <a:p>
-            <a:pPr>
-              <a:defRPr/>
-            </a:pPr>
-            <a:fld id="{F57F456A-00AF-44E6-8D70-638C0D0130FF}" type="slidenum">
-              <a:rPr lang="en-US" altLang="zh-CN" smtClean="0"/>
-              <a:pPr>
-                <a:defRPr/>
-              </a:pPr>
-              <a:t>20</a:t>
-            </a:fld>
-            <a:endParaRPr lang="en-US" altLang="zh-CN" dirty="0"/>
-          </a:p>
-        </p:txBody>
-      </p:sp>
-      <p:pic>
-        <p:nvPicPr>
-          <p:cNvPr id="5" name="Picture 4">
-            <a:extLst>
-              <a:ext uri="{FF2B5EF4-FFF2-40B4-BE49-F238E27FC236}">
-                <a16:creationId xmlns:a16="http://schemas.microsoft.com/office/drawing/2014/main" id="{77CE9F54-16C7-4B03-B9AE-E9B19D4B1245}"/>
-              </a:ext>
-            </a:extLst>
-          </p:cNvPr>
-          <p:cNvPicPr>
-            <a:picLocks noChangeAspect="1"/>
-          </p:cNvPicPr>
-          <p:nvPr/>
-        </p:nvPicPr>
-        <p:blipFill>
-          <a:blip r:embed="rId3"/>
-          <a:stretch>
-            <a:fillRect/>
-          </a:stretch>
-        </p:blipFill>
-        <p:spPr>
-          <a:xfrm>
-            <a:off x="50509" y="4789385"/>
-            <a:ext cx="4783832" cy="1743725"/>
-          </a:xfrm>
-          <a:prstGeom prst="rect">
-            <a:avLst/>
-          </a:prstGeom>
-        </p:spPr>
-      </p:pic>
-      <p:pic>
-        <p:nvPicPr>
-          <p:cNvPr id="6" name="Picture 5">
-            <a:extLst>
-              <a:ext uri="{FF2B5EF4-FFF2-40B4-BE49-F238E27FC236}">
-                <a16:creationId xmlns:a16="http://schemas.microsoft.com/office/drawing/2014/main" id="{C955D9AB-4A28-47A9-A671-2CF97F606EC7}"/>
-              </a:ext>
-            </a:extLst>
-          </p:cNvPr>
-          <p:cNvPicPr>
-            <a:picLocks noChangeAspect="1"/>
-          </p:cNvPicPr>
-          <p:nvPr/>
-        </p:nvPicPr>
-        <p:blipFill>
-          <a:blip r:embed="rId4"/>
-          <a:stretch>
-            <a:fillRect/>
-          </a:stretch>
-        </p:blipFill>
-        <p:spPr>
-          <a:xfrm>
-            <a:off x="4834341" y="4760055"/>
-            <a:ext cx="4309659" cy="1802384"/>
-          </a:xfrm>
-          <a:prstGeom prst="rect">
-            <a:avLst/>
-          </a:prstGeom>
-        </p:spPr>
-      </p:pic>
-    </p:spTree>
-    <p:extLst>
-      <p:ext uri="{BB962C8B-B14F-4D97-AF65-F5344CB8AC3E}">
-        <p14:creationId xmlns:p14="http://schemas.microsoft.com/office/powerpoint/2010/main" val="3101992203"/>
-      </p:ext>
-    </p:extLst>
-  </p:cSld>
-  <p:clrMapOvr>
-    <a:masterClrMapping/>
-  </p:clrMapOvr>
-</p:sld>
-</file>
-
-<file path=ppt/slides/slide21.xml><?xml version="1.0" encoding="utf-8"?>
-<p:sld xmlns:a="http://schemas.openxmlformats.org/drawingml/2006/main" xmlns:r="http://schemas.openxmlformats.org/officeDocument/2006/relationships" xmlns:p="http://schemas.openxmlformats.org/presentationml/2006/main">
-  <p:cSld>
-    <p:spTree>
-      <p:nvGrpSpPr>
-        <p:cNvPr id="1" name=""/>
-        <p:cNvGrpSpPr/>
-        <p:nvPr/>
-      </p:nvGrpSpPr>
-      <p:grpSpPr>
-        <a:xfrm>
-          <a:off x="0" y="0"/>
-          <a:ext cx="0" cy="0"/>
-          <a:chOff x="0" y="0"/>
-          <a:chExt cx="0" cy="0"/>
-        </a:xfrm>
-      </p:grpSpPr>
-      <p:sp>
-        <p:nvSpPr>
-          <p:cNvPr id="2" name="Text Placeholder 1">
-            <a:extLst>
-              <a:ext uri="{FF2B5EF4-FFF2-40B4-BE49-F238E27FC236}">
-                <a16:creationId xmlns:a16="http://schemas.microsoft.com/office/drawing/2014/main" id="{C8F416E8-80A8-4508-9AB9-CBCDF9F9721C}"/>
-              </a:ext>
-            </a:extLst>
-          </p:cNvPr>
-          <p:cNvSpPr>
-            <a:spLocks noGrp="1"/>
-          </p:cNvSpPr>
-          <p:nvPr>
-            <p:ph type="body" sz="half" idx="1"/>
-          </p:nvPr>
-        </p:nvSpPr>
-        <p:spPr/>
-        <p:txBody>
-          <a:bodyPr>
-            <a:normAutofit fontScale="77500" lnSpcReduction="20000"/>
-          </a:bodyPr>
-          <a:lstStyle/>
-          <a:p>
-            <a:r>
-              <a:rPr lang="en-US" dirty="0"/>
-              <a:t>Introduction</a:t>
-            </a:r>
-          </a:p>
-          <a:p>
-            <a:r>
-              <a:rPr lang="en-US" dirty="0"/>
-              <a:t>Types of firewalls</a:t>
-            </a:r>
-          </a:p>
-          <a:p>
-            <a:pPr lvl="1"/>
-            <a:r>
-              <a:rPr lang="en-US" dirty="0"/>
-              <a:t>Packet filtering firewall</a:t>
-            </a:r>
-          </a:p>
-          <a:p>
-            <a:pPr lvl="1"/>
-            <a:r>
-              <a:rPr lang="en-US" dirty="0"/>
-              <a:t>Stateful inspection firewalls</a:t>
-            </a:r>
-          </a:p>
-          <a:p>
-            <a:pPr lvl="1"/>
-            <a:r>
-              <a:rPr lang="en-US" dirty="0"/>
-              <a:t>Application-level gateway</a:t>
-            </a:r>
-          </a:p>
-          <a:p>
-            <a:pPr lvl="1"/>
-            <a:r>
-              <a:rPr lang="en-US" dirty="0"/>
-              <a:t>Circuit-level gateway</a:t>
-            </a:r>
-          </a:p>
-          <a:p>
-            <a:r>
-              <a:rPr lang="en-US" dirty="0">
-                <a:solidFill>
-                  <a:srgbClr val="C00000"/>
-                </a:solidFill>
-              </a:rPr>
-              <a:t>Firewall basing</a:t>
-            </a:r>
-          </a:p>
-          <a:p>
-            <a:pPr lvl="1"/>
-            <a:r>
-              <a:rPr lang="en-US" dirty="0"/>
-              <a:t>Bastion host</a:t>
-            </a:r>
-          </a:p>
-          <a:p>
-            <a:pPr lvl="1"/>
-            <a:r>
-              <a:rPr lang="en-US" dirty="0"/>
-              <a:t>Host-based firewalls</a:t>
-            </a:r>
-          </a:p>
-          <a:p>
-            <a:pPr lvl="1"/>
-            <a:r>
-              <a:rPr lang="en-US" dirty="0"/>
-              <a:t>Personal firewall</a:t>
-            </a:r>
-          </a:p>
-          <a:p>
-            <a:endParaRPr lang="en-SE" dirty="0"/>
-          </a:p>
-        </p:txBody>
-      </p:sp>
-      <p:sp>
-        <p:nvSpPr>
-          <p:cNvPr id="3" name="Content Placeholder 2">
-            <a:extLst>
-              <a:ext uri="{FF2B5EF4-FFF2-40B4-BE49-F238E27FC236}">
-                <a16:creationId xmlns:a16="http://schemas.microsoft.com/office/drawing/2014/main" id="{9D4312F0-924F-4FB3-9168-AACBB799D07D}"/>
-              </a:ext>
-            </a:extLst>
-          </p:cNvPr>
-          <p:cNvSpPr>
-            <a:spLocks noGrp="1"/>
-          </p:cNvSpPr>
-          <p:nvPr>
-            <p:ph sz="half" idx="2"/>
-          </p:nvPr>
-        </p:nvSpPr>
-        <p:spPr/>
-        <p:txBody>
-          <a:bodyPr>
-            <a:normAutofit fontScale="77500" lnSpcReduction="20000"/>
-          </a:bodyPr>
-          <a:lstStyle/>
-          <a:p>
-            <a:r>
-              <a:rPr lang="en-US" dirty="0"/>
-              <a:t>Firewall location and configurations</a:t>
-            </a:r>
-          </a:p>
-          <a:p>
-            <a:pPr lvl="1"/>
-            <a:r>
-              <a:rPr lang="en-US" dirty="0"/>
-              <a:t>DMZ networks</a:t>
-            </a:r>
-          </a:p>
-          <a:p>
-            <a:pPr lvl="1"/>
-            <a:r>
-              <a:rPr lang="en-US" dirty="0"/>
-              <a:t>VPNs</a:t>
-            </a:r>
-          </a:p>
-          <a:p>
-            <a:pPr lvl="1"/>
-            <a:r>
-              <a:rPr lang="en-US" dirty="0"/>
-              <a:t>Distributed firewalls</a:t>
-            </a:r>
-          </a:p>
-          <a:p>
-            <a:r>
-              <a:rPr lang="en-US" dirty="0"/>
-              <a:t>Intrusion prevention systems</a:t>
-            </a:r>
-          </a:p>
-          <a:p>
-            <a:pPr lvl="1"/>
-            <a:r>
-              <a:rPr lang="en-US" dirty="0"/>
-              <a:t>Host-based IPS</a:t>
-            </a:r>
-          </a:p>
-          <a:p>
-            <a:pPr lvl="1"/>
-            <a:r>
-              <a:rPr lang="en-US" dirty="0"/>
-              <a:t>Network-based IPS</a:t>
-            </a:r>
-          </a:p>
-          <a:p>
-            <a:pPr lvl="1"/>
-            <a:r>
-              <a:rPr lang="en-US" dirty="0"/>
-              <a:t>Snort inline</a:t>
-            </a:r>
-          </a:p>
-          <a:p>
-            <a:r>
-              <a:rPr lang="en-US" dirty="0"/>
-              <a:t>Unified Threat Management Products</a:t>
-            </a:r>
-          </a:p>
-          <a:p>
-            <a:endParaRPr lang="en-SE" dirty="0"/>
-          </a:p>
-        </p:txBody>
-      </p:sp>
-      <p:sp>
-        <p:nvSpPr>
-          <p:cNvPr id="4" name="Slide Number Placeholder 3">
-            <a:extLst>
-              <a:ext uri="{FF2B5EF4-FFF2-40B4-BE49-F238E27FC236}">
-                <a16:creationId xmlns:a16="http://schemas.microsoft.com/office/drawing/2014/main" id="{1EED5E87-2DDC-4730-8CD9-8BFD7A4E6DC0}"/>
-              </a:ext>
-            </a:extLst>
-          </p:cNvPr>
-          <p:cNvSpPr>
-            <a:spLocks noGrp="1"/>
-          </p:cNvSpPr>
-          <p:nvPr>
-            <p:ph type="sldNum" sz="quarter" idx="12"/>
-          </p:nvPr>
-        </p:nvSpPr>
-        <p:spPr/>
-        <p:txBody>
-          <a:bodyPr/>
-          <a:lstStyle/>
-          <a:p>
-            <a:pPr>
-              <a:defRPr/>
-            </a:pPr>
-            <a:fld id="{B8309577-EEFF-4D12-A7EE-88AD1DC79305}" type="slidenum">
-              <a:rPr lang="en-US" altLang="zh-CN" smtClean="0"/>
-              <a:pPr>
-                <a:defRPr/>
-              </a:pPr>
-              <a:t>21</a:t>
-            </a:fld>
-            <a:endParaRPr lang="en-US" altLang="zh-CN"/>
-          </a:p>
-        </p:txBody>
-      </p:sp>
-      <p:sp>
-        <p:nvSpPr>
-          <p:cNvPr id="5" name="Title 4">
-            <a:extLst>
-              <a:ext uri="{FF2B5EF4-FFF2-40B4-BE49-F238E27FC236}">
-                <a16:creationId xmlns:a16="http://schemas.microsoft.com/office/drawing/2014/main" id="{9FADA235-94D2-47D3-8C96-E6B71A2E5126}"/>
-              </a:ext>
-            </a:extLst>
-          </p:cNvPr>
-          <p:cNvSpPr>
-            <a:spLocks noGrp="1"/>
-          </p:cNvSpPr>
-          <p:nvPr>
-            <p:ph type="title"/>
-          </p:nvPr>
-        </p:nvSpPr>
-        <p:spPr/>
-        <p:txBody>
-          <a:bodyPr/>
-          <a:lstStyle/>
-          <a:p>
-            <a:r>
-              <a:rPr lang="en-US" dirty="0"/>
-              <a:t>Outline</a:t>
-            </a:r>
-            <a:endParaRPr lang="en-SE" dirty="0"/>
-          </a:p>
-        </p:txBody>
-      </p:sp>
-    </p:spTree>
-    <p:extLst>
-      <p:ext uri="{BB962C8B-B14F-4D97-AF65-F5344CB8AC3E}">
-        <p14:creationId xmlns:p14="http://schemas.microsoft.com/office/powerpoint/2010/main" val="1037492893"/>
-      </p:ext>
-    </p:extLst>
-  </p:cSld>
-  <p:clrMapOvr>
-    <a:masterClrMapping/>
-  </p:clrMapOvr>
-</p:sld>
-</file>
-
-<file path=ppt/slides/slide22.xml><?xml version="1.0" encoding="utf-8"?>
-<p:sld xmlns:a="http://schemas.openxmlformats.org/drawingml/2006/main" xmlns:r="http://schemas.openxmlformats.org/officeDocument/2006/relationships" xmlns:p="http://schemas.openxmlformats.org/presentationml/2006/main">
-  <p:cSld>
-    <p:spTree>
-      <p:nvGrpSpPr>
-        <p:cNvPr id="1" name=""/>
-        <p:cNvGrpSpPr/>
-        <p:nvPr/>
-      </p:nvGrpSpPr>
-      <p:grpSpPr>
-        <a:xfrm>
-          <a:off x="0" y="0"/>
-          <a:ext cx="0" cy="0"/>
-          <a:chOff x="0" y="0"/>
-          <a:chExt cx="0" cy="0"/>
-        </a:xfrm>
-      </p:grpSpPr>
-      <p:sp>
-        <p:nvSpPr>
-          <p:cNvPr id="2" name="Title 1">
-            <a:extLst>
-              <a:ext uri="{FF2B5EF4-FFF2-40B4-BE49-F238E27FC236}">
                 <a16:creationId xmlns:a16="http://schemas.microsoft.com/office/drawing/2014/main" id="{C30E0BAD-31BC-47CC-A6D9-621FEBEEE8DB}"/>
               </a:ext>
             </a:extLst>
@@ -20773,7 +20198,7 @@
               <a:pPr>
                 <a:defRPr/>
               </a:pPr>
-              <a:t>22</a:t>
+              <a:t>20</a:t>
             </a:fld>
             <a:endParaRPr lang="en-US" altLang="zh-CN" dirty="0"/>
           </a:p>
@@ -20792,7 +20217,7 @@
 </p:sld>
 </file>
 
-<file path=ppt/slides/slide23.xml><?xml version="1.0" encoding="utf-8"?>
+<file path=ppt/slides/slide21.xml><?xml version="1.0" encoding="utf-8"?>
 <p:sld xmlns:a="http://schemas.openxmlformats.org/drawingml/2006/main" xmlns:r="http://schemas.openxmlformats.org/officeDocument/2006/relationships" xmlns:p="http://schemas.openxmlformats.org/presentationml/2006/main">
   <p:cSld>
     <p:spTree>
@@ -20986,7 +20411,7 @@
                 </a:solidFill>
               </a:rPr>
               <a:pPr/>
-              <a:t>23</a:t>
+              <a:t>21</a:t>
             </a:fld>
             <a:endParaRPr lang="en-US" dirty="0">
               <a:solidFill>
@@ -21042,7 +20467,7 @@
 </p:sld>
 </file>
 
-<file path=ppt/slides/slide24.xml><?xml version="1.0" encoding="utf-8"?>
+<file path=ppt/slides/slide22.xml><?xml version="1.0" encoding="utf-8"?>
 <p:sld xmlns:a="http://schemas.openxmlformats.org/drawingml/2006/main" xmlns:r="http://schemas.openxmlformats.org/officeDocument/2006/relationships" xmlns:p="http://schemas.openxmlformats.org/presentationml/2006/main">
   <p:cSld>
     <p:spTree>
@@ -21191,7 +20616,7 @@
               <a:pPr>
                 <a:defRPr/>
               </a:pPr>
-              <a:t>24</a:t>
+              <a:t>22</a:t>
             </a:fld>
             <a:endParaRPr lang="en-US" altLang="zh-CN" dirty="0"/>
           </a:p>
@@ -21240,7 +20665,7 @@
 </p:sld>
 </file>
 
-<file path=ppt/slides/slide25.xml><?xml version="1.0" encoding="utf-8"?>
+<file path=ppt/slides/slide23.xml><?xml version="1.0" encoding="utf-8"?>
 <p:sld xmlns:a="http://schemas.openxmlformats.org/drawingml/2006/main" xmlns:r="http://schemas.openxmlformats.org/officeDocument/2006/relationships" xmlns:p="http://schemas.openxmlformats.org/presentationml/2006/main">
   <p:cSld>
     <p:spTree>
@@ -21471,7 +20896,7 @@
               <a:pPr>
                 <a:defRPr/>
               </a:pPr>
-              <a:t>25</a:t>
+              <a:t>23</a:t>
             </a:fld>
             <a:endParaRPr lang="en-US" altLang="zh-CN"/>
           </a:p>
@@ -21519,7 +20944,7 @@
 </p:sld>
 </file>
 
-<file path=ppt/slides/slide26.xml><?xml version="1.0" encoding="utf-8"?>
+<file path=ppt/slides/slide24.xml><?xml version="1.0" encoding="utf-8"?>
 <p:sld xmlns:a="http://schemas.openxmlformats.org/drawingml/2006/main" xmlns:r="http://schemas.openxmlformats.org/officeDocument/2006/relationships" xmlns:p="http://schemas.openxmlformats.org/presentationml/2006/main">
   <p:cSld>
     <p:spTree>
@@ -21800,7 +21225,7 @@
 </p:sld>
 </file>
 
-<file path=ppt/slides/slide27.xml><?xml version="1.0" encoding="utf-8"?>
+<file path=ppt/slides/slide25.xml><?xml version="1.0" encoding="utf-8"?>
 <p:sld xmlns:a="http://schemas.openxmlformats.org/drawingml/2006/main" xmlns:r="http://schemas.openxmlformats.org/officeDocument/2006/relationships" xmlns:p="http://schemas.openxmlformats.org/presentationml/2006/main">
   <p:cSld>
     <p:spTree>
@@ -21932,7 +21357,7 @@
                 </a:solidFill>
               </a:rPr>
               <a:pPr/>
-              <a:t>27</a:t>
+              <a:t>25</a:t>
             </a:fld>
             <a:endParaRPr lang="en-US" dirty="0">
               <a:solidFill>
@@ -21959,7 +21384,7 @@
 </p:sld>
 </file>
 
-<file path=ppt/slides/slide28.xml><?xml version="1.0" encoding="utf-8"?>
+<file path=ppt/slides/slide26.xml><?xml version="1.0" encoding="utf-8"?>
 <p:sld xmlns:a="http://schemas.openxmlformats.org/drawingml/2006/main" xmlns:r="http://schemas.openxmlformats.org/officeDocument/2006/relationships" xmlns:p="http://schemas.openxmlformats.org/presentationml/2006/main">
   <p:cSld>
     <p:spTree>
@@ -22068,7 +21493,7 @@
                 </a:solidFill>
               </a:rPr>
               <a:pPr/>
-              <a:t>28</a:t>
+              <a:t>26</a:t>
             </a:fld>
             <a:endParaRPr lang="en-US" dirty="0">
               <a:solidFill>
@@ -22122,7 +21547,7 @@
 </p:sld>
 </file>
 
-<file path=ppt/slides/slide29.xml><?xml version="1.0" encoding="utf-8"?>
+<file path=ppt/slides/slide27.xml><?xml version="1.0" encoding="utf-8"?>
 <p:sld xmlns:a="http://schemas.openxmlformats.org/drawingml/2006/main" xmlns:r="http://schemas.openxmlformats.org/officeDocument/2006/relationships" xmlns:p="http://schemas.openxmlformats.org/presentationml/2006/main">
   <p:cSld>
     <p:spTree>
@@ -22170,7 +21595,7 @@
                 </a:solidFill>
               </a:rPr>
               <a:pPr/>
-              <a:t>29</a:t>
+              <a:t>27</a:t>
             </a:fld>
             <a:endParaRPr lang="en-US" dirty="0">
               <a:solidFill>
@@ -22718,188 +22143,7 @@
 </p:sld>
 </file>
 
-<file path=ppt/slides/slide3.xml><?xml version="1.0" encoding="utf-8"?>
-<p:sld xmlns:a="http://schemas.openxmlformats.org/drawingml/2006/main" xmlns:r="http://schemas.openxmlformats.org/officeDocument/2006/relationships" xmlns:p="http://schemas.openxmlformats.org/presentationml/2006/main">
-  <p:cSld>
-    <p:spTree>
-      <p:nvGrpSpPr>
-        <p:cNvPr id="1" name=""/>
-        <p:cNvGrpSpPr/>
-        <p:nvPr/>
-      </p:nvGrpSpPr>
-      <p:grpSpPr>
-        <a:xfrm>
-          <a:off x="0" y="0"/>
-          <a:ext cx="0" cy="0"/>
-          <a:chOff x="0" y="0"/>
-          <a:chExt cx="0" cy="0"/>
-        </a:xfrm>
-      </p:grpSpPr>
-      <p:sp>
-        <p:nvSpPr>
-          <p:cNvPr id="6" name="Title 5">
-            <a:extLst>
-              <a:ext uri="{FF2B5EF4-FFF2-40B4-BE49-F238E27FC236}">
-                <a16:creationId xmlns:a16="http://schemas.microsoft.com/office/drawing/2014/main" id="{24CC8761-3F96-4FB6-890F-5CAD52CDA6E3}"/>
-              </a:ext>
-            </a:extLst>
-          </p:cNvPr>
-          <p:cNvSpPr>
-            <a:spLocks noGrp="1"/>
-          </p:cNvSpPr>
-          <p:nvPr>
-            <p:ph type="title"/>
-          </p:nvPr>
-        </p:nvSpPr>
-        <p:spPr/>
-        <p:txBody>
-          <a:bodyPr/>
-          <a:lstStyle/>
-          <a:p>
-            <a:r>
-              <a:rPr lang="en-US" dirty="0"/>
-              <a:t>Firewalls</a:t>
-            </a:r>
-            <a:endParaRPr lang="en-SE" dirty="0"/>
-          </a:p>
-        </p:txBody>
-      </p:sp>
-      <p:sp>
-        <p:nvSpPr>
-          <p:cNvPr id="7" name="Content Placeholder 6">
-            <a:extLst>
-              <a:ext uri="{FF2B5EF4-FFF2-40B4-BE49-F238E27FC236}">
-                <a16:creationId xmlns:a16="http://schemas.microsoft.com/office/drawing/2014/main" id="{9B0EE967-7C7C-4BC7-B92A-75C560E2CE1C}"/>
-              </a:ext>
-            </a:extLst>
-          </p:cNvPr>
-          <p:cNvSpPr>
-            <a:spLocks noGrp="1"/>
-          </p:cNvSpPr>
-          <p:nvPr>
-            <p:ph idx="1"/>
-          </p:nvPr>
-        </p:nvSpPr>
-        <p:spPr/>
-        <p:txBody>
-          <a:bodyPr>
-            <a:normAutofit fontScale="85000" lnSpcReduction="20000"/>
-          </a:bodyPr>
-          <a:lstStyle/>
-          <a:p>
-            <a:r>
-              <a:rPr lang="en-US" dirty="0"/>
-              <a:t>Effective means of protecting LANs</a:t>
-            </a:r>
-          </a:p>
-          <a:p>
-            <a:r>
-              <a:rPr lang="en-US" dirty="0"/>
-              <a:t>Inserted between the premises network and the Internet to establish a controlled link</a:t>
-            </a:r>
-          </a:p>
-          <a:p>
-            <a:r>
-              <a:rPr lang="en-US" dirty="0"/>
-              <a:t>Used as a perimeter defense</a:t>
-            </a:r>
-          </a:p>
-          <a:p>
-            <a:pPr lvl="1"/>
-            <a:r>
-              <a:rPr lang="en-US" dirty="0"/>
-              <a:t>Single choke point that insulates the internal systems from external networks</a:t>
-            </a:r>
-          </a:p>
-          <a:p>
-            <a:r>
-              <a:rPr lang="en-US" dirty="0"/>
-              <a:t>Design goals</a:t>
-            </a:r>
-          </a:p>
-          <a:p>
-            <a:pPr lvl="1"/>
-            <a:r>
-              <a:rPr lang="en-US" dirty="0"/>
-              <a:t>All traffic from inside to outside, and vice versa, must pass through the firewall</a:t>
-            </a:r>
-          </a:p>
-          <a:p>
-            <a:pPr lvl="1"/>
-            <a:r>
-              <a:rPr lang="en-US" dirty="0"/>
-              <a:t>Only authorized traffic as defined by the local security policy will be allowed to pass</a:t>
-            </a:r>
-          </a:p>
-          <a:p>
-            <a:pPr lvl="1"/>
-            <a:r>
-              <a:rPr lang="en-US" dirty="0"/>
-              <a:t>The firewall itself is immune to penetration</a:t>
-            </a:r>
-          </a:p>
-          <a:p>
-            <a:pPr lvl="1"/>
-            <a:endParaRPr lang="en-US" dirty="0"/>
-          </a:p>
-          <a:p>
-            <a:pPr lvl="1"/>
-            <a:endParaRPr lang="en-US" dirty="0"/>
-          </a:p>
-          <a:p>
-            <a:endParaRPr lang="en-SE" dirty="0"/>
-          </a:p>
-        </p:txBody>
-      </p:sp>
-      <p:sp>
-        <p:nvSpPr>
-          <p:cNvPr id="4" name="Slide Number Placeholder 3">
-            <a:extLst>
-              <a:ext uri="{FF2B5EF4-FFF2-40B4-BE49-F238E27FC236}">
-                <a16:creationId xmlns:a16="http://schemas.microsoft.com/office/drawing/2014/main" id="{62A9B661-F7ED-4733-AADA-192510405C31}"/>
-              </a:ext>
-            </a:extLst>
-          </p:cNvPr>
-          <p:cNvSpPr>
-            <a:spLocks noGrp="1"/>
-          </p:cNvSpPr>
-          <p:nvPr>
-            <p:ph type="sldNum" sz="quarter" idx="12"/>
-          </p:nvPr>
-        </p:nvSpPr>
-        <p:spPr/>
-        <p:txBody>
-          <a:bodyPr/>
-          <a:lstStyle/>
-          <a:p>
-            <a:pPr>
-              <a:defRPr/>
-            </a:pPr>
-            <a:fld id="{B8309577-EEFF-4D12-A7EE-88AD1DC79305}" type="slidenum">
-              <a:rPr lang="en-US" altLang="zh-CN" smtClean="0"/>
-              <a:pPr>
-                <a:defRPr/>
-              </a:pPr>
-              <a:t>3</a:t>
-            </a:fld>
-            <a:endParaRPr lang="en-US" altLang="zh-CN"/>
-          </a:p>
-        </p:txBody>
-      </p:sp>
-    </p:spTree>
-    <p:extLst>
-      <p:ext uri="{BB962C8B-B14F-4D97-AF65-F5344CB8AC3E}">
-        <p14:creationId xmlns:p14="http://schemas.microsoft.com/office/powerpoint/2010/main" val="2267819078"/>
-      </p:ext>
-    </p:extLst>
-  </p:cSld>
-  <p:clrMapOvr>
-    <a:masterClrMapping/>
-  </p:clrMapOvr>
-</p:sld>
-</file>
-
-<file path=ppt/slides/slide30.xml><?xml version="1.0" encoding="utf-8"?>
+<file path=ppt/slides/slide28.xml><?xml version="1.0" encoding="utf-8"?>
 <p:sld xmlns:a="http://schemas.openxmlformats.org/drawingml/2006/main" xmlns:r="http://schemas.openxmlformats.org/officeDocument/2006/relationships" xmlns:p="http://schemas.openxmlformats.org/presentationml/2006/main">
   <p:cSld>
     <p:spTree>
@@ -23429,7 +22673,7 @@
                 <a:tabLst/>
                 <a:defRPr/>
               </a:pPr>
-              <a:t>30</a:t>
+              <a:t>28</a:t>
             </a:fld>
             <a:endParaRPr kumimoji="0" lang="en-US" sz="1200" b="0" i="0" u="none" strike="noStrike" kern="1200" cap="none" spc="0" normalizeH="0" baseline="0" noProof="0" dirty="0">
               <a:ln>
@@ -23864,7 +23108,7 @@
 </p:sld>
 </file>
 
-<file path=ppt/slides/slide31.xml><?xml version="1.0" encoding="utf-8"?>
+<file path=ppt/slides/slide29.xml><?xml version="1.0" encoding="utf-8"?>
 <p:sld xmlns:a="http://schemas.openxmlformats.org/drawingml/2006/main" xmlns:r="http://schemas.openxmlformats.org/officeDocument/2006/relationships" xmlns:p="http://schemas.openxmlformats.org/presentationml/2006/main">
   <p:cSld>
     <p:spTree>
@@ -24095,7 +23339,7 @@
               <a:pPr>
                 <a:defRPr/>
               </a:pPr>
-              <a:t>31</a:t>
+              <a:t>29</a:t>
             </a:fld>
             <a:endParaRPr lang="en-US" altLang="zh-CN"/>
           </a:p>
@@ -24143,7 +23387,199 @@
 </p:sld>
 </file>
 
-<file path=ppt/slides/slide32.xml><?xml version="1.0" encoding="utf-8"?>
+<file path=ppt/slides/slide3.xml><?xml version="1.0" encoding="utf-8"?>
+<p:sld xmlns:a="http://schemas.openxmlformats.org/drawingml/2006/main" xmlns:r="http://schemas.openxmlformats.org/officeDocument/2006/relationships" xmlns:p="http://schemas.openxmlformats.org/presentationml/2006/main">
+  <p:cSld>
+    <p:spTree>
+      <p:nvGrpSpPr>
+        <p:cNvPr id="1" name=""/>
+        <p:cNvGrpSpPr/>
+        <p:nvPr/>
+      </p:nvGrpSpPr>
+      <p:grpSpPr>
+        <a:xfrm>
+          <a:off x="0" y="0"/>
+          <a:ext cx="0" cy="0"/>
+          <a:chOff x="0" y="0"/>
+          <a:chExt cx="0" cy="0"/>
+        </a:xfrm>
+      </p:grpSpPr>
+      <p:sp>
+        <p:nvSpPr>
+          <p:cNvPr id="6" name="Title 5">
+            <a:extLst>
+              <a:ext uri="{FF2B5EF4-FFF2-40B4-BE49-F238E27FC236}">
+                <a16:creationId xmlns:a16="http://schemas.microsoft.com/office/drawing/2014/main" id="{24CC8761-3F96-4FB6-890F-5CAD52CDA6E3}"/>
+              </a:ext>
+            </a:extLst>
+          </p:cNvPr>
+          <p:cNvSpPr>
+            <a:spLocks noGrp="1"/>
+          </p:cNvSpPr>
+          <p:nvPr>
+            <p:ph type="title"/>
+          </p:nvPr>
+        </p:nvSpPr>
+        <p:spPr/>
+        <p:txBody>
+          <a:bodyPr/>
+          <a:lstStyle/>
+          <a:p>
+            <a:r>
+              <a:rPr lang="en-US" dirty="0"/>
+              <a:t>Firewalls</a:t>
+            </a:r>
+            <a:endParaRPr lang="en-SE" dirty="0"/>
+          </a:p>
+        </p:txBody>
+      </p:sp>
+      <p:sp>
+        <p:nvSpPr>
+          <p:cNvPr id="7" name="Content Placeholder 6">
+            <a:extLst>
+              <a:ext uri="{FF2B5EF4-FFF2-40B4-BE49-F238E27FC236}">
+                <a16:creationId xmlns:a16="http://schemas.microsoft.com/office/drawing/2014/main" id="{9B0EE967-7C7C-4BC7-B92A-75C560E2CE1C}"/>
+              </a:ext>
+            </a:extLst>
+          </p:cNvPr>
+          <p:cNvSpPr>
+            <a:spLocks noGrp="1"/>
+          </p:cNvSpPr>
+          <p:nvPr>
+            <p:ph idx="1"/>
+          </p:nvPr>
+        </p:nvSpPr>
+        <p:spPr>
+          <a:xfrm>
+            <a:off x="323528" y="1196752"/>
+            <a:ext cx="8568952" cy="5472607"/>
+          </a:xfrm>
+        </p:spPr>
+        <p:txBody>
+          <a:bodyPr>
+            <a:normAutofit fontScale="77500" lnSpcReduction="20000"/>
+          </a:bodyPr>
+          <a:lstStyle/>
+          <a:p>
+            <a:r>
+              <a:rPr lang="en-US" dirty="0"/>
+              <a:t>Effective means of protecting LANs</a:t>
+            </a:r>
+          </a:p>
+          <a:p>
+            <a:r>
+              <a:rPr lang="en-US" dirty="0"/>
+              <a:t>Inserted between the premises network and the Internet to establish a controlled link</a:t>
+            </a:r>
+          </a:p>
+          <a:p>
+            <a:r>
+              <a:rPr lang="en-US" dirty="0"/>
+              <a:t>Used as a perimeter defense</a:t>
+            </a:r>
+          </a:p>
+          <a:p>
+            <a:pPr lvl="1"/>
+            <a:r>
+              <a:rPr lang="en-US" dirty="0"/>
+              <a:t>Single choke point that insulates the internal systems from external networks</a:t>
+            </a:r>
+          </a:p>
+          <a:p>
+            <a:pPr lvl="1"/>
+            <a:r>
+              <a:rPr lang="en-US" dirty="0"/>
+              <a:t>Only authorized traffic as defined by the local security policy will be allowed to pass</a:t>
+            </a:r>
+          </a:p>
+          <a:p>
+            <a:r>
+              <a:rPr lang="en-US" altLang="zh-CN" dirty="0"/>
+              <a:t>Direction</a:t>
+            </a:r>
+          </a:p>
+          <a:p>
+            <a:pPr lvl="1"/>
+            <a:r>
+              <a:rPr lang="en-US" dirty="0"/>
+              <a:t>Ingress: for incoming traffic</a:t>
+            </a:r>
+          </a:p>
+          <a:p>
+            <a:pPr lvl="2"/>
+            <a:r>
+              <a:rPr lang="en-US" dirty="0"/>
+              <a:t>Block outside users from accessing certain intranet computers</a:t>
+            </a:r>
+          </a:p>
+          <a:p>
+            <a:pPr lvl="1"/>
+            <a:r>
+              <a:rPr lang="en-US" dirty="0"/>
+              <a:t>Egress: for outgoing traffic</a:t>
+            </a:r>
+          </a:p>
+          <a:p>
+            <a:pPr lvl="2"/>
+            <a:r>
+              <a:rPr lang="en-US" dirty="0"/>
+              <a:t>Block inside users from accessing certain outside websites like Facebook</a:t>
+            </a:r>
+          </a:p>
+          <a:p>
+            <a:endParaRPr lang="en-SE" dirty="0"/>
+          </a:p>
+        </p:txBody>
+      </p:sp>
+      <p:sp>
+        <p:nvSpPr>
+          <p:cNvPr id="4" name="Slide Number Placeholder 3">
+            <a:extLst>
+              <a:ext uri="{FF2B5EF4-FFF2-40B4-BE49-F238E27FC236}">
+                <a16:creationId xmlns:a16="http://schemas.microsoft.com/office/drawing/2014/main" id="{62A9B661-F7ED-4733-AADA-192510405C31}"/>
+              </a:ext>
+            </a:extLst>
+          </p:cNvPr>
+          <p:cNvSpPr>
+            <a:spLocks noGrp="1"/>
+          </p:cNvSpPr>
+          <p:nvPr>
+            <p:ph type="sldNum" sz="quarter" idx="12"/>
+          </p:nvPr>
+        </p:nvSpPr>
+        <p:spPr/>
+        <p:txBody>
+          <a:bodyPr/>
+          <a:lstStyle/>
+          <a:p>
+            <a:pPr>
+              <a:defRPr/>
+            </a:pPr>
+            <a:fld id="{B8309577-EEFF-4D12-A7EE-88AD1DC79305}" type="slidenum">
+              <a:rPr lang="en-US" altLang="zh-CN" smtClean="0"/>
+              <a:pPr>
+                <a:defRPr/>
+              </a:pPr>
+              <a:t>3</a:t>
+            </a:fld>
+            <a:endParaRPr lang="en-US" altLang="zh-CN"/>
+          </a:p>
+        </p:txBody>
+      </p:sp>
+    </p:spTree>
+    <p:extLst>
+      <p:ext uri="{BB962C8B-B14F-4D97-AF65-F5344CB8AC3E}">
+        <p14:creationId xmlns:p14="http://schemas.microsoft.com/office/powerpoint/2010/main" val="2267819078"/>
+      </p:ext>
+    </p:extLst>
+  </p:cSld>
+  <p:clrMapOvr>
+    <a:masterClrMapping/>
+  </p:clrMapOvr>
+</p:sld>
+</file>
+
+<file path=ppt/slides/slide30.xml><?xml version="1.0" encoding="utf-8"?>
 <p:sld xmlns:a="http://schemas.openxmlformats.org/drawingml/2006/main" xmlns:r="http://schemas.openxmlformats.org/officeDocument/2006/relationships" xmlns:p="http://schemas.openxmlformats.org/presentationml/2006/main">
   <p:cSld>
     <p:spTree>
@@ -24222,7 +23658,7 @@
                 </a:solidFill>
               </a:rPr>
               <a:pPr/>
-              <a:t>32</a:t>
+              <a:t>30</a:t>
             </a:fld>
             <a:endParaRPr lang="en-US" dirty="0">
               <a:solidFill>
@@ -24336,7 +23772,7 @@
 </p:sld>
 </file>
 
-<file path=ppt/slides/slide33.xml><?xml version="1.0" encoding="utf-8"?>
+<file path=ppt/slides/slide31.xml><?xml version="1.0" encoding="utf-8"?>
 <p:sld xmlns:a="http://schemas.openxmlformats.org/drawingml/2006/main" xmlns:r="http://schemas.openxmlformats.org/officeDocument/2006/relationships" xmlns:p="http://schemas.openxmlformats.org/presentationml/2006/main">
   <p:cSld>
     <p:spTree>
@@ -24502,7 +23938,7 @@
               <a:pPr>
                 <a:defRPr/>
               </a:pPr>
-              <a:t>33</a:t>
+              <a:t>31</a:t>
             </a:fld>
             <a:endParaRPr lang="en-US" altLang="zh-CN" dirty="0"/>
           </a:p>
@@ -24521,7 +23957,7 @@
 </p:sld>
 </file>
 
-<file path=ppt/slides/slide34.xml><?xml version="1.0" encoding="utf-8"?>
+<file path=ppt/slides/slide32.xml><?xml version="1.0" encoding="utf-8"?>
 <p:sld xmlns:a="http://schemas.openxmlformats.org/drawingml/2006/main" xmlns:r="http://schemas.openxmlformats.org/officeDocument/2006/relationships" xmlns:p="http://schemas.openxmlformats.org/presentationml/2006/main">
   <p:cSld>
     <p:spTree>
@@ -24649,7 +24085,7 @@
                 </a:solidFill>
               </a:rPr>
               <a:pPr/>
-              <a:t>34</a:t>
+              <a:t>32</a:t>
             </a:fld>
             <a:endParaRPr lang="en-US" dirty="0">
               <a:solidFill>
@@ -24702,7 +24138,7 @@
 </p:sld>
 </file>
 
-<file path=ppt/slides/slide35.xml><?xml version="1.0" encoding="utf-8"?>
+<file path=ppt/slides/slide33.xml><?xml version="1.0" encoding="utf-8"?>
 <p:sld xmlns:a="http://schemas.openxmlformats.org/drawingml/2006/main" xmlns:r="http://schemas.openxmlformats.org/officeDocument/2006/relationships" xmlns:p="http://schemas.openxmlformats.org/presentationml/2006/main">
   <p:cSld>
     <p:spTree>
@@ -24865,7 +24301,7 @@
                 </a:solidFill>
               </a:rPr>
               <a:pPr/>
-              <a:t>35</a:t>
+              <a:t>33</a:t>
             </a:fld>
             <a:endParaRPr lang="en-US" dirty="0">
               <a:solidFill>
@@ -24918,7 +24354,7 @@
 </p:sld>
 </file>
 
-<file path=ppt/slides/slide36.xml><?xml version="1.0" encoding="utf-8"?>
+<file path=ppt/slides/slide34.xml><?xml version="1.0" encoding="utf-8"?>
 <p:sld xmlns:a="http://schemas.openxmlformats.org/drawingml/2006/main" xmlns:r="http://schemas.openxmlformats.org/officeDocument/2006/relationships" xmlns:p="http://schemas.openxmlformats.org/presentationml/2006/main">
   <p:cSld>
     <p:spTree>
@@ -25135,7 +24571,7 @@
                 </a:solidFill>
               </a:rPr>
               <a:pPr/>
-              <a:t>36</a:t>
+              <a:t>34</a:t>
             </a:fld>
             <a:endParaRPr lang="en-US" dirty="0">
               <a:solidFill>
@@ -25157,7 +24593,7 @@
 </p:sld>
 </file>
 
-<file path=ppt/slides/slide37.xml><?xml version="1.0" encoding="utf-8"?>
+<file path=ppt/slides/slide35.xml><?xml version="1.0" encoding="utf-8"?>
 <p:sld xmlns:a="http://schemas.openxmlformats.org/drawingml/2006/main" xmlns:r="http://schemas.openxmlformats.org/officeDocument/2006/relationships" xmlns:p="http://schemas.openxmlformats.org/presentationml/2006/main">
   <p:cSld>
     <p:spTree>
@@ -25308,7 +24744,7 @@
               <a:pPr>
                 <a:defRPr/>
               </a:pPr>
-              <a:t>37</a:t>
+              <a:t>35</a:t>
             </a:fld>
             <a:endParaRPr lang="en-US" altLang="zh-CN" dirty="0"/>
           </a:p>
@@ -25327,7 +24763,7 @@
 </p:sld>
 </file>
 
-<file path=ppt/slides/slide38.xml><?xml version="1.0" encoding="utf-8"?>
+<file path=ppt/slides/slide36.xml><?xml version="1.0" encoding="utf-8"?>
 <p:sld xmlns:a="http://schemas.openxmlformats.org/drawingml/2006/main" xmlns:r="http://schemas.openxmlformats.org/officeDocument/2006/relationships" xmlns:p="http://schemas.openxmlformats.org/presentationml/2006/main">
   <p:cSld>
     <p:spTree>
@@ -25558,7 +24994,7 @@
               <a:pPr>
                 <a:defRPr/>
               </a:pPr>
-              <a:t>38</a:t>
+              <a:t>36</a:t>
             </a:fld>
             <a:endParaRPr lang="en-US" altLang="zh-CN"/>
           </a:p>
@@ -25606,7 +25042,7 @@
 </p:sld>
 </file>
 
-<file path=ppt/slides/slide39.xml><?xml version="1.0" encoding="utf-8"?>
+<file path=ppt/slides/slide37.xml><?xml version="1.0" encoding="utf-8"?>
 <p:sld xmlns:a="http://schemas.openxmlformats.org/drawingml/2006/main" xmlns:r="http://schemas.openxmlformats.org/officeDocument/2006/relationships" xmlns:p="http://schemas.openxmlformats.org/presentationml/2006/main">
   <p:cSld>
     <p:spTree>
@@ -25758,7 +25194,7 @@
                 </a:solidFill>
               </a:rPr>
               <a:pPr/>
-              <a:t>39</a:t>
+              <a:t>37</a:t>
             </a:fld>
             <a:endParaRPr lang="en-US" dirty="0">
               <a:solidFill>
@@ -26541,10 +25977,10 @@
       </p:grpSpPr>
       <p:sp>
         <p:nvSpPr>
-          <p:cNvPr id="4" name="Title 3">
+          <p:cNvPr id="2" name="Title 1">
             <a:extLst>
               <a:ext uri="{FF2B5EF4-FFF2-40B4-BE49-F238E27FC236}">
-                <a16:creationId xmlns:a16="http://schemas.microsoft.com/office/drawing/2014/main" id="{0166CB37-3A91-4165-935E-44EC36D17A58}"/>
+                <a16:creationId xmlns:a16="http://schemas.microsoft.com/office/drawing/2014/main" id="{565FAD7B-09E6-453E-8D82-9C43509A6C6B}"/>
               </a:ext>
             </a:extLst>
           </p:cNvPr>
@@ -26560,16 +25996,20 @@
           <a:bodyPr/>
           <a:lstStyle/>
           <a:p>
-            <a:endParaRPr lang="en-SE"/>
+            <a:r>
+              <a:rPr lang="en-US" dirty="0"/>
+              <a:t>Types of Firewalls</a:t>
+            </a:r>
+            <a:endParaRPr lang="en-SE" dirty="0"/>
           </a:p>
         </p:txBody>
       </p:sp>
       <p:sp>
         <p:nvSpPr>
-          <p:cNvPr id="5" name="Content Placeholder 4">
+          <p:cNvPr id="3" name="Content Placeholder 2">
             <a:extLst>
               <a:ext uri="{FF2B5EF4-FFF2-40B4-BE49-F238E27FC236}">
-                <a16:creationId xmlns:a16="http://schemas.microsoft.com/office/drawing/2014/main" id="{5964B821-91BA-4DEC-9268-C9E7FAF07DFC}"/>
+                <a16:creationId xmlns:a16="http://schemas.microsoft.com/office/drawing/2014/main" id="{B08EB9ED-EB9B-402B-ABBD-1216DCF13EE8}"/>
               </a:ext>
             </a:extLst>
           </p:cNvPr>
@@ -26591,7 +26031,13 @@
       </p:sp>
       <p:sp>
         <p:nvSpPr>
-          <p:cNvPr id="2" name="灯片编号占位符 1"/>
+          <p:cNvPr id="4" name="Slide Number Placeholder 3">
+            <a:extLst>
+              <a:ext uri="{FF2B5EF4-FFF2-40B4-BE49-F238E27FC236}">
+                <a16:creationId xmlns:a16="http://schemas.microsoft.com/office/drawing/2014/main" id="{77A32D10-0738-4095-B5DD-8C568CCE2E94}"/>
+              </a:ext>
+            </a:extLst>
+          </p:cNvPr>
           <p:cNvSpPr>
             <a:spLocks noGrp="1"/>
           </p:cNvSpPr>
@@ -26599,80 +26045,247 @@
             <p:ph type="sldNum" sz="quarter" idx="12"/>
           </p:nvPr>
         </p:nvSpPr>
-        <p:spPr/>
+        <p:spPr>
+          <a:xfrm>
+            <a:off x="4803106" y="6543446"/>
+            <a:ext cx="2133600" cy="244475"/>
+          </a:xfrm>
+        </p:spPr>
         <p:txBody>
           <a:bodyPr/>
           <a:lstStyle/>
           <a:p>
-            <a:fld id="{4711BA6F-B221-4442-B3E0-4DE91DDD2916}" type="slidenum">
-              <a:rPr lang="en-US" smtClean="0">
-                <a:solidFill>
-                  <a:prstClr val="white">
-                    <a:lumMod val="65000"/>
-                    <a:lumOff val="35000"/>
-                  </a:prstClr>
-                </a:solidFill>
-              </a:rPr>
-              <a:pPr/>
+            <a:pPr>
+              <a:defRPr/>
+            </a:pPr>
+            <a:fld id="{F57F456A-00AF-44E6-8D70-638C0D0130FF}" type="slidenum">
+              <a:rPr lang="en-US" altLang="zh-CN" smtClean="0"/>
+              <a:pPr>
+                <a:defRPr/>
+              </a:pPr>
               <a:t>8</a:t>
             </a:fld>
-            <a:endParaRPr lang="en-US" dirty="0">
-              <a:solidFill>
-                <a:prstClr val="white">
-                  <a:lumMod val="65000"/>
-                  <a:lumOff val="35000"/>
-                </a:prstClr>
-              </a:solidFill>
-            </a:endParaRPr>
+            <a:endParaRPr lang="en-US" altLang="zh-CN" dirty="0"/>
           </a:p>
         </p:txBody>
       </p:sp>
       <p:pic>
         <p:nvPicPr>
-          <p:cNvPr id="7" name="Picture 6" descr="f1.pdf">
+          <p:cNvPr id="5" name="Shape 97">
             <a:extLst>
               <a:ext uri="{FF2B5EF4-FFF2-40B4-BE49-F238E27FC236}">
-                <a16:creationId xmlns:a16="http://schemas.microsoft.com/office/drawing/2014/main" id="{02496A02-7E80-4CA4-AC4C-53E27349C6AC}"/>
+                <a16:creationId xmlns:a16="http://schemas.microsoft.com/office/drawing/2014/main" id="{F8D0E9EE-C942-4EE1-827A-484C3A51CC50}"/>
               </a:ext>
             </a:extLst>
           </p:cNvPr>
-          <p:cNvPicPr>
-            <a:picLocks noChangeAspect="1"/>
-          </p:cNvPicPr>
+          <p:cNvPicPr preferRelativeResize="0"/>
           <p:nvPr/>
         </p:nvPicPr>
-        <p:blipFill rotWithShape="1">
-          <a:blip r:embed="rId3">
-            <a:extLst>
-              <a:ext uri="{28A0092B-C50C-407E-A947-70E740481C1C}">
-                <a14:useLocalDpi xmlns:a14="http://schemas.microsoft.com/office/drawing/2010/main" val="0"/>
-              </a:ext>
-            </a:extLst>
+        <p:blipFill>
+          <a:blip r:embed="rId2">
+            <a:alphaModFix/>
           </a:blip>
-          <a:srcRect t="2750" b="2750"/>
-          <a:stretch/>
+          <a:stretch>
+            <a:fillRect/>
+          </a:stretch>
         </p:blipFill>
         <p:spPr>
           <a:xfrm>
-            <a:off x="1852304" y="58988"/>
-            <a:ext cx="5511400" cy="6740024"/>
+            <a:off x="2674269" y="1000997"/>
+            <a:ext cx="6391275" cy="1952625"/>
           </a:xfrm>
           <a:prstGeom prst="rect">
             <a:avLst/>
           </a:prstGeom>
-          <a:solidFill>
-            <a:sysClr val="window" lastClr="FFFFFF"/>
-          </a:solidFill>
+          <a:noFill/>
+          <a:ln>
+            <a:noFill/>
+          </a:ln>
         </p:spPr>
       </p:pic>
+      <p:pic>
+        <p:nvPicPr>
+          <p:cNvPr id="6" name="Shape 105">
+            <a:extLst>
+              <a:ext uri="{FF2B5EF4-FFF2-40B4-BE49-F238E27FC236}">
+                <a16:creationId xmlns:a16="http://schemas.microsoft.com/office/drawing/2014/main" id="{9215E53B-543E-4EB8-AAA5-349076BE15DE}"/>
+              </a:ext>
+            </a:extLst>
+          </p:cNvPr>
+          <p:cNvPicPr preferRelativeResize="0"/>
+          <p:nvPr/>
+        </p:nvPicPr>
+        <p:blipFill>
+          <a:blip r:embed="rId3">
+            <a:alphaModFix/>
+          </a:blip>
+          <a:stretch>
+            <a:fillRect/>
+          </a:stretch>
+        </p:blipFill>
+        <p:spPr>
+          <a:xfrm>
+            <a:off x="2674269" y="3068960"/>
+            <a:ext cx="6419850" cy="2047875"/>
+          </a:xfrm>
+          <a:prstGeom prst="rect">
+            <a:avLst/>
+          </a:prstGeom>
+          <a:noFill/>
+          <a:ln>
+            <a:noFill/>
+          </a:ln>
+        </p:spPr>
+      </p:pic>
+      <p:pic>
+        <p:nvPicPr>
+          <p:cNvPr id="7" name="Shape 113">
+            <a:extLst>
+              <a:ext uri="{FF2B5EF4-FFF2-40B4-BE49-F238E27FC236}">
+                <a16:creationId xmlns:a16="http://schemas.microsoft.com/office/drawing/2014/main" id="{0C046DD3-D161-43E1-8C20-924538DD932C}"/>
+              </a:ext>
+            </a:extLst>
+          </p:cNvPr>
+          <p:cNvPicPr preferRelativeResize="0"/>
+          <p:nvPr/>
+        </p:nvPicPr>
+        <p:blipFill>
+          <a:blip r:embed="rId4">
+            <a:alphaModFix/>
+          </a:blip>
+          <a:stretch>
+            <a:fillRect/>
+          </a:stretch>
+        </p:blipFill>
+        <p:spPr>
+          <a:xfrm>
+            <a:off x="2650206" y="5266334"/>
+            <a:ext cx="6439400" cy="1502208"/>
+          </a:xfrm>
+          <a:prstGeom prst="rect">
+            <a:avLst/>
+          </a:prstGeom>
+          <a:noFill/>
+          <a:ln>
+            <a:noFill/>
+          </a:ln>
+        </p:spPr>
+      </p:pic>
+      <p:sp>
+        <p:nvSpPr>
+          <p:cNvPr id="8" name="Rectangle 7">
+            <a:extLst>
+              <a:ext uri="{FF2B5EF4-FFF2-40B4-BE49-F238E27FC236}">
+                <a16:creationId xmlns:a16="http://schemas.microsoft.com/office/drawing/2014/main" id="{E2FEC0EF-C994-4E12-A5A0-7BD560700026}"/>
+              </a:ext>
+            </a:extLst>
+          </p:cNvPr>
+          <p:cNvSpPr/>
+          <p:nvPr/>
+        </p:nvSpPr>
+        <p:spPr>
+          <a:xfrm>
+            <a:off x="116331" y="1792643"/>
+            <a:ext cx="2634054" cy="369332"/>
+          </a:xfrm>
+          <a:prstGeom prst="rect">
+            <a:avLst/>
+          </a:prstGeom>
+        </p:spPr>
+        <p:txBody>
+          <a:bodyPr wrap="none">
+            <a:spAutoFit/>
+          </a:bodyPr>
+          <a:lstStyle/>
+          <a:p>
+            <a:r>
+              <a:rPr lang="en-US" altLang="en-US" dirty="0"/>
+              <a:t>Packet Filtering Firewall</a:t>
+            </a:r>
+            <a:endParaRPr lang="en-SE" dirty="0"/>
+          </a:p>
+        </p:txBody>
+      </p:sp>
+      <p:sp>
+        <p:nvSpPr>
+          <p:cNvPr id="9" name="Rectangle 8">
+            <a:extLst>
+              <a:ext uri="{FF2B5EF4-FFF2-40B4-BE49-F238E27FC236}">
+                <a16:creationId xmlns:a16="http://schemas.microsoft.com/office/drawing/2014/main" id="{4FB6DCD5-98B2-4C4B-BA7A-74324D9425CD}"/>
+              </a:ext>
+            </a:extLst>
+          </p:cNvPr>
+          <p:cNvSpPr/>
+          <p:nvPr/>
+        </p:nvSpPr>
+        <p:spPr>
+          <a:xfrm>
+            <a:off x="520288" y="3825045"/>
+            <a:ext cx="1826141" cy="369332"/>
+          </a:xfrm>
+          <a:prstGeom prst="rect">
+            <a:avLst/>
+          </a:prstGeom>
+        </p:spPr>
+        <p:txBody>
+          <a:bodyPr wrap="none">
+            <a:spAutoFit/>
+          </a:bodyPr>
+          <a:lstStyle/>
+          <a:p>
+            <a:r>
+              <a:rPr lang="en-US" altLang="en-US" dirty="0"/>
+              <a:t>Stateful Firewall</a:t>
+            </a:r>
+            <a:endParaRPr lang="en-SE" dirty="0"/>
+          </a:p>
+        </p:txBody>
+      </p:sp>
+      <p:sp>
+        <p:nvSpPr>
+          <p:cNvPr id="10" name="Rectangle 9">
+            <a:extLst>
+              <a:ext uri="{FF2B5EF4-FFF2-40B4-BE49-F238E27FC236}">
+                <a16:creationId xmlns:a16="http://schemas.microsoft.com/office/drawing/2014/main" id="{CC7E7404-6F59-4E66-B8F8-A2BC3F8178D0}"/>
+              </a:ext>
+            </a:extLst>
+          </p:cNvPr>
+          <p:cNvSpPr/>
+          <p:nvPr/>
+        </p:nvSpPr>
+        <p:spPr>
+          <a:xfrm>
+            <a:off x="449756" y="5832772"/>
+            <a:ext cx="1967205" cy="369332"/>
+          </a:xfrm>
+          <a:prstGeom prst="rect">
+            <a:avLst/>
+          </a:prstGeom>
+        </p:spPr>
+        <p:txBody>
+          <a:bodyPr wrap="none">
+            <a:spAutoFit/>
+          </a:bodyPr>
+          <a:lstStyle/>
+          <a:p>
+            <a:r>
+              <a:rPr lang="en-US" altLang="en-US" dirty="0"/>
+              <a:t>Application Proxy</a:t>
+            </a:r>
+            <a:endParaRPr lang="en-SE" dirty="0"/>
+          </a:p>
+        </p:txBody>
+      </p:sp>
     </p:spTree>
+    <p:extLst>
+      <p:ext uri="{BB962C8B-B14F-4D97-AF65-F5344CB8AC3E}">
+        <p14:creationId xmlns:p14="http://schemas.microsoft.com/office/powerpoint/2010/main" val="606722740"/>
+      </p:ext>
+    </p:extLst>
   </p:cSld>
   <p:clrMapOvr>
     <a:masterClrMapping/>
   </p:clrMapOvr>
-  <p:transition spd="slow">
-    <p:wipe dir="d"/>
-  </p:transition>
 </p:sld>
 </file>
 
@@ -26733,8 +26346,8 @@
         </p:nvSpPr>
         <p:spPr>
           <a:xfrm>
-            <a:off x="-4381" y="1124742"/>
-            <a:ext cx="4895500" cy="5733257"/>
+            <a:off x="-4382" y="1124742"/>
+            <a:ext cx="5152445" cy="3753125"/>
           </a:xfrm>
         </p:spPr>
         <p:txBody>
@@ -26742,7 +26355,7 @@
             <a:prstTxWarp prst="textNoShape">
               <a:avLst/>
             </a:prstTxWarp>
-            <a:normAutofit fontScale="77500" lnSpcReduction="20000"/>
+            <a:normAutofit fontScale="55000" lnSpcReduction="20000"/>
           </a:bodyPr>
           <a:lstStyle/>
           <a:p>
@@ -26887,7 +26500,7 @@
           <p:nvPr>
             <p:extLst>
               <p:ext uri="{D42A27DB-BD31-4B8C-83A1-F6EECF244321}">
-                <p14:modId xmlns:p14="http://schemas.microsoft.com/office/powerpoint/2010/main" val="3714479287"/>
+                <p14:modId xmlns:p14="http://schemas.microsoft.com/office/powerpoint/2010/main" val="3077398595"/>
               </p:ext>
             </p:extLst>
           </p:nvPr>
@@ -26904,26 +26517,36 @@
       </p:graphicFrame>
       <p:pic>
         <p:nvPicPr>
-          <p:cNvPr id="3" name="图片 2"/>
-          <p:cNvPicPr>
-            <a:picLocks noChangeAspect="1"/>
-          </p:cNvPicPr>
+          <p:cNvPr id="7" name="Shape 97">
+            <a:extLst>
+              <a:ext uri="{FF2B5EF4-FFF2-40B4-BE49-F238E27FC236}">
+                <a16:creationId xmlns:a16="http://schemas.microsoft.com/office/drawing/2014/main" id="{7A987290-C245-43B8-BDE0-BA795147F14A}"/>
+              </a:ext>
+            </a:extLst>
+          </p:cNvPr>
+          <p:cNvPicPr preferRelativeResize="0"/>
           <p:nvPr/>
         </p:nvPicPr>
         <p:blipFill>
-          <a:blip r:embed="rId8"/>
+          <a:blip r:embed="rId8">
+            <a:alphaModFix/>
+          </a:blip>
           <a:stretch>
             <a:fillRect/>
           </a:stretch>
         </p:blipFill>
         <p:spPr>
           <a:xfrm>
-            <a:off x="5365583" y="3645024"/>
-            <a:ext cx="3555662" cy="3146957"/>
+            <a:off x="1695481" y="4877867"/>
+            <a:ext cx="6391275" cy="1952625"/>
           </a:xfrm>
           <a:prstGeom prst="rect">
             <a:avLst/>
           </a:prstGeom>
+          <a:noFill/>
+          <a:ln>
+            <a:noFill/>
+          </a:ln>
         </p:spPr>
       </p:pic>
     </p:spTree>

--- a/InfoSec/PPTs/L10-CH09-Firewalls and Intrusion Prevention.pptx
+++ b/InfoSec/PPTs/L10-CH09-Firewalls and Intrusion Prevention.pptx
@@ -2949,7 +2949,7 @@
             <a:fld id="{999DDEF9-8F79-3F4A-8C1A-CB2E900DCD92}" type="datetimeFigureOut">
               <a:rPr lang="en-US" smtClean="0"/>
               <a:pPr/>
-              <a:t>4/25/2020</a:t>
+              <a:t>5/18/2020</a:t>
             </a:fld>
             <a:endParaRPr lang="en-US"/>
           </a:p>
@@ -16612,8 +16612,13 @@
           <a:p>
             <a:r>
               <a:rPr lang="en-US" dirty="0"/>
-              <a:t>CH09 Intrusion Detection </a:t>
-            </a:r>
+              <a:t>CH09 Firewalls and Intrusion </a:t>
+            </a:r>
+            <a:r>
+              <a:rPr lang="en-US" dirty="0" err="1"/>
+              <a:t>Prevension</a:t>
+            </a:r>
+            <a:endParaRPr lang="en-US" dirty="0"/>
           </a:p>
         </p:txBody>
       </p:sp>
@@ -17031,7 +17036,7 @@
             <a:pPr lvl="1"/>
             <a:r>
               <a:rPr lang="en-US" dirty="0"/>
-              <a:t>B. Allow outbound response to inbound SMTP connection: TCP packets to a destination port above 2013. </a:t>
+              <a:t>B. Allow outbound response to inbound SMTP connection: TCP packets to a destination port above 1023. </a:t>
             </a:r>
           </a:p>
           <a:p>
@@ -17051,7 +17056,7 @@
             <a:pPr lvl="1"/>
             <a:r>
               <a:rPr lang="en-US" dirty="0"/>
-              <a:t>D. Allow inbound response to outbound SMTP connection: Inbound TCP packets to a destination port above 2013. </a:t>
+              <a:t>D. Allow inbound response to outbound SMTP connection: Inbound TCP packets to a destination port above 1023. </a:t>
             </a:r>
           </a:p>
           <a:p>
@@ -18885,7 +18890,7 @@
           <a:graphicData uri="http://schemas.openxmlformats.org/presentationml/2006/ole">
             <mc:AlternateContent xmlns:mc="http://schemas.openxmlformats.org/markup-compatibility/2006">
               <mc:Choice xmlns:v="urn:schemas-microsoft-com:vml" Requires="v">
-                <p:oleObj spid="_x0000_s1033" name="Document" r:id="rId4" imgW="6083076" imgH="2946292" progId="Word.Document.12">
+                <p:oleObj spid="_x0000_s1035" name="Document" r:id="rId4" imgW="6083076" imgH="2946292" progId="Word.Document.12">
                   <p:embed/>
                 </p:oleObj>
               </mc:Choice>

--- a/InfoSec/PPTs/L10-CH09-Firewalls and Intrusion Prevention.pptx
+++ b/InfoSec/PPTs/L10-CH09-Firewalls and Intrusion Prevention.pptx
@@ -2949,7 +2949,7 @@
             <a:fld id="{999DDEF9-8F79-3F4A-8C1A-CB2E900DCD92}" type="datetimeFigureOut">
               <a:rPr lang="en-US" smtClean="0"/>
               <a:pPr/>
-              <a:t>5/18/2020</a:t>
+              <a:t>5/28/2020</a:t>
             </a:fld>
             <a:endParaRPr lang="en-US"/>
           </a:p>
@@ -16612,13 +16612,8 @@
           <a:p>
             <a:r>
               <a:rPr lang="en-US" dirty="0"/>
-              <a:t>CH09 Firewalls and Intrusion </a:t>
-            </a:r>
-            <a:r>
-              <a:rPr lang="en-US" dirty="0" err="1"/>
-              <a:t>Prevension</a:t>
-            </a:r>
-            <a:endParaRPr lang="en-US" dirty="0"/>
+              <a:t>CH09 Firewalls and Intrusion Prevention</a:t>
+            </a:r>
           </a:p>
         </p:txBody>
       </p:sp>
@@ -18890,7 +18885,7 @@
           <a:graphicData uri="http://schemas.openxmlformats.org/presentationml/2006/ole">
             <mc:AlternateContent xmlns:mc="http://schemas.openxmlformats.org/markup-compatibility/2006">
               <mc:Choice xmlns:v="urn:schemas-microsoft-com:vml" Requires="v">
-                <p:oleObj spid="_x0000_s1035" name="Document" r:id="rId4" imgW="6083076" imgH="2946292" progId="Word.Document.12">
+                <p:oleObj spid="_x0000_s1036" name="Document" r:id="rId4" imgW="6083076" imgH="2946292" progId="Word.Document.12">
                   <p:embed/>
                 </p:oleObj>
               </mc:Choice>
@@ -18929,7 +18924,7 @@
                       <a:noFill/>
                       <a:extLst>
                         <a:ext uri="{909E8E84-426E-40dd-AFC4-6F175D3DCCD1}">
-                          <a14:hiddenFill xmlns:a14="http://schemas.microsoft.com/office/drawing/2010/main" xmlns="">
+                          <a14:hiddenFill xmlns="" xmlns:a14="http://schemas.microsoft.com/office/drawing/2010/main">
                             <a:solidFill>
                               <a:srgbClr val="FFFFFF"/>
                             </a:solidFill>

--- a/InfoSec/PPTs/L10-CH09-Firewalls and Intrusion Prevention.pptx
+++ b/InfoSec/PPTs/L10-CH09-Firewalls and Intrusion Prevention.pptx
@@ -9026,6 +9026,29 @@
           <a:bodyPr/>
           <a:lstStyle/>
           <a:p>
+            <a:pPr marL="0" marR="0" lvl="0" indent="0" algn="l" defTabSz="914400" rtl="0" eaLnBrk="1" fontAlgn="base" latinLnBrk="0" hangingPunct="1">
+              <a:lnSpc>
+                <a:spcPct val="100000"/>
+              </a:lnSpc>
+              <a:spcBef>
+                <a:spcPct val="30000"/>
+              </a:spcBef>
+              <a:spcAft>
+                <a:spcPct val="0"/>
+              </a:spcAft>
+              <a:buClrTx/>
+              <a:buSzTx/>
+              <a:buFontTx/>
+              <a:buNone/>
+              <a:tabLst/>
+              <a:defRPr/>
+            </a:pPr>
+            <a:r>
+              <a:rPr lang="en-US" dirty="0"/>
+              <a:t>Can use anomaly detection to identify behavior that is not that of legitimate users, or signature/heuristic detection to identify known malicious behavior </a:t>
+            </a:r>
+          </a:p>
+          <a:p>
             <a:r>
               <a:rPr lang="en-US" sz="1200" b="0" i="0" u="none" strike="noStrike" kern="1200" baseline="0" dirty="0">
                 <a:solidFill>
@@ -9035,7 +9058,20 @@
                 <a:ea typeface="ＭＳ Ｐゴシック" pitchFamily="-1" charset="-128"/>
                 <a:cs typeface="ＭＳ Ｐゴシック" pitchFamily="-1" charset="-128"/>
               </a:rPr>
-              <a:t> A host-based IPS (HIPS) can make use of either signature/heuristic or anomaly</a:t>
+              <a:t> </a:t>
+            </a:r>
+          </a:p>
+          <a:p>
+            <a:r>
+              <a:rPr lang="en-US" sz="1200" b="0" i="0" u="none" strike="noStrike" kern="1200" baseline="0" dirty="0">
+                <a:solidFill>
+                  <a:schemeClr val="tx1"/>
+                </a:solidFill>
+                <a:latin typeface="Arial" pitchFamily="-110" charset="0"/>
+                <a:ea typeface="ＭＳ Ｐゴシック" pitchFamily="-1" charset="-128"/>
+                <a:cs typeface="ＭＳ Ｐゴシック" pitchFamily="-1" charset="-128"/>
+              </a:rPr>
+              <a:t>A host-based IPS (HIPS) can make use of either signature/heuristic or anomaly</a:t>
             </a:r>
           </a:p>
           <a:p>
@@ -17044,7 +17080,7 @@
             <a:pPr lvl="1"/>
             <a:r>
               <a:rPr lang="en-US" dirty="0"/>
-              <a:t>C. Allow outbound SMTP connection to remote SMTP server: Outbound TCP packets from an external source to port 25.</a:t>
+              <a:t>C. Allow outbound SMTP connection to remote SMTP server: Outbound TCP packets from an internal source to port 25.</a:t>
             </a:r>
           </a:p>
           <a:p>
@@ -18885,7 +18921,7 @@
           <a:graphicData uri="http://schemas.openxmlformats.org/presentationml/2006/ole">
             <mc:AlternateContent xmlns:mc="http://schemas.openxmlformats.org/markup-compatibility/2006">
               <mc:Choice xmlns:v="urn:schemas-microsoft-com:vml" Requires="v">
-                <p:oleObj spid="_x0000_s1036" name="Document" r:id="rId4" imgW="6083076" imgH="2946292" progId="Word.Document.12">
+                <p:oleObj spid="_x0000_s1038" name="Document" r:id="rId4" imgW="6083076" imgH="2946292" progId="Word.Document.12">
                   <p:embed/>
                 </p:oleObj>
               </mc:Choice>
@@ -18924,7 +18960,7 @@
                       <a:noFill/>
                       <a:extLst>
                         <a:ext uri="{909E8E84-426E-40dd-AFC4-6F175D3DCCD1}">
-                          <a14:hiddenFill xmlns="" xmlns:a14="http://schemas.microsoft.com/office/drawing/2010/main">
+                          <a14:hiddenFill xmlns:a14="http://schemas.microsoft.com/office/drawing/2010/main" xmlns="">
                             <a:solidFill>
                               <a:srgbClr val="FFFFFF"/>
                             </a:solidFill>
@@ -19108,7 +19144,7 @@
             </a:pPr>
             <a:r>
               <a:rPr lang="en-US" altLang="en-US" dirty="0"/>
-              <a:t>Application Proxy</a:t>
+              <a:t>Application-Level Gateway</a:t>
             </a:r>
           </a:p>
         </p:txBody>
@@ -19191,6 +19227,13 @@
             <a:r>
               <a:rPr lang="en-US" dirty="0"/>
               <a:t>Disadvantage is the additional processing overhead on each connection</a:t>
+            </a:r>
+          </a:p>
+          <a:p>
+            <a:pPr lvl="1"/>
+            <a:r>
+              <a:rPr lang="en-US" dirty="0"/>
+              <a:t>Needs to remove original TCP/IP headers and add its own headers before relay.</a:t>
             </a:r>
           </a:p>
           <a:p>
@@ -19791,7 +19834,7 @@
         <p:spPr/>
         <p:txBody>
           <a:bodyPr>
-            <a:normAutofit fontScale="77500" lnSpcReduction="20000"/>
+            <a:normAutofit fontScale="85000" lnSpcReduction="20000"/>
           </a:bodyPr>
           <a:lstStyle/>
           <a:p>
@@ -19829,13 +19872,6 @@
             <a:r>
               <a:rPr lang="en-US" dirty="0"/>
               <a:t>Application-level gateway</a:t>
-            </a:r>
-          </a:p>
-          <a:p>
-            <a:pPr lvl="1"/>
-            <a:r>
-              <a:rPr lang="en-US" dirty="0"/>
-              <a:t>Circuit-level gateway</a:t>
             </a:r>
           </a:p>
           <a:p>
@@ -20096,7 +20132,12 @@
             <p:ph idx="1"/>
           </p:nvPr>
         </p:nvSpPr>
-        <p:spPr/>
+        <p:spPr>
+          <a:xfrm>
+            <a:off x="323528" y="1196752"/>
+            <a:ext cx="8568952" cy="5472607"/>
+          </a:xfrm>
+        </p:spPr>
         <p:txBody>
           <a:bodyPr>
             <a:normAutofit fontScale="70000" lnSpcReduction="20000"/>
@@ -20105,14 +20146,15 @@
           <a:p>
             <a:r>
               <a:rPr lang="en-US" dirty="0"/>
-              <a:t>System identified as a critical strong point in the network’s security</a:t>
-            </a:r>
-          </a:p>
-          <a:p>
-            <a:pPr lvl="1"/>
+              <a:t>Standalone system identified as a critical strong point in the network’s security; it serves as a platform for application-level gateways, or to support other services such as </a:t>
+            </a:r>
+            <a:r>
+              <a:rPr lang="en-US" dirty="0" err="1"/>
+              <a:t>IPSec</a:t>
+            </a:r>
             <a:r>
               <a:rPr lang="en-US" dirty="0"/>
-              <a:t>Serves as a platform for an application-level or circuit-level gateway</a:t>
+              <a:t>.</a:t>
             </a:r>
           </a:p>
           <a:p>
@@ -20125,14 +20167,7 @@
             <a:pPr lvl="1"/>
             <a:r>
               <a:rPr lang="en-US" dirty="0"/>
-              <a:t>Runs secure OS, only essential services</a:t>
-            </a:r>
-          </a:p>
-          <a:p>
-            <a:pPr lvl="1"/>
-            <a:r>
-              <a:rPr lang="en-US" dirty="0"/>
-              <a:t>May require user authentication to access proxy or host</a:t>
+              <a:t>Runs secure OS, only essential services, e.g., proxy applications for DNS, FTP, HTTP, and SMTP</a:t>
             </a:r>
           </a:p>
           <a:p>
@@ -20146,7 +20181,7 @@
             <a:pPr lvl="1"/>
             <a:r>
               <a:rPr lang="en-US" dirty="0"/>
-              <a:t>Each proxy is small, simple, checked for security</a:t>
+              <a:t>Each proxy is small, simple, checked for security flaws</a:t>
             </a:r>
           </a:p>
           <a:p>
@@ -20163,7 +20198,7 @@
                 <a:ea typeface="ＭＳ Ｐゴシック" pitchFamily="-110" charset="-128"/>
                 <a:cs typeface="ＭＳ Ｐゴシック" pitchFamily="-110" charset="-128"/>
               </a:rPr>
-              <a:t>A proxy generally performs no disk access other than to read its initial configuration file. Hence, the portions of the file system containing executable code can be read only. </a:t>
+              <a:t>A proxy generally performs no disk access other than to read its initial configuration file. Hence, the portions of the file system containing executable code can be read only. This makes it difficult for an intruder to install Trojan horse sniffers or other dangerous files on the bastion host. </a:t>
             </a:r>
             <a:endParaRPr lang="en-US" dirty="0"/>
           </a:p>
@@ -20567,7 +20602,7 @@
           <a:p>
             <a:r>
               <a:rPr lang="en-US" dirty="0"/>
-              <a:t>Typically much less complex than server-based or stand-alone firewalls</a:t>
+              <a:t>Typically much less complex than server-based or stand-alone (bastion host) firewalls</a:t>
             </a:r>
           </a:p>
           <a:p>
@@ -20701,7 +20736,7 @@
         <p:spPr/>
         <p:txBody>
           <a:bodyPr>
-            <a:normAutofit fontScale="77500" lnSpcReduction="20000"/>
+            <a:normAutofit fontScale="85000" lnSpcReduction="20000"/>
           </a:bodyPr>
           <a:lstStyle/>
           <a:p>
@@ -20735,13 +20770,6 @@
             <a:r>
               <a:rPr lang="en-US" dirty="0"/>
               <a:t>Application-level gateway</a:t>
-            </a:r>
-          </a:p>
-          <a:p>
-            <a:pPr lvl="1"/>
-            <a:r>
-              <a:rPr lang="en-US" dirty="0"/>
-              <a:t>Circuit-level gateway</a:t>
             </a:r>
           </a:p>
           <a:p>
@@ -21289,6 +21317,24 @@
               </a:rPr>
               <a:t>The external firewall provides a measure of access control and protection for the DMZ systems consistent with their need for external connectivity, and provides a basic level of protection for the remainder of the enterprise network. </a:t>
             </a:r>
+          </a:p>
+          <a:p>
+            <a:pPr lvl="1"/>
+            <a:r>
+              <a:rPr lang="en-US" altLang="zh-CN" dirty="0">
+                <a:ea typeface="ＭＳ Ｐゴシック" pitchFamily="-110" charset="-128"/>
+                <a:cs typeface="ＭＳ Ｐゴシック" pitchFamily="-110" charset="-128"/>
+              </a:rPr>
+              <a:t>One example is the firewall for</a:t>
+            </a:r>
+            <a:r>
+              <a:rPr lang="en-US" dirty="0"/>
+              <a:t> SMTP traffic.</a:t>
+            </a:r>
+            <a:endParaRPr lang="en-US" altLang="zh-CN" dirty="0">
+              <a:ea typeface="ＭＳ Ｐゴシック" pitchFamily="-110" charset="-128"/>
+              <a:cs typeface="ＭＳ Ｐゴシック" pitchFamily="-110" charset="-128"/>
+            </a:endParaRPr>
           </a:p>
           <a:p>
             <a:r>
@@ -23144,7 +23190,7 @@
         <p:spPr/>
         <p:txBody>
           <a:bodyPr>
-            <a:normAutofit fontScale="77500" lnSpcReduction="20000"/>
+            <a:normAutofit fontScale="85000" lnSpcReduction="20000"/>
           </a:bodyPr>
           <a:lstStyle/>
           <a:p>
@@ -23178,13 +23224,6 @@
             <a:r>
               <a:rPr lang="en-US" dirty="0"/>
               <a:t>Application-level gateway</a:t>
-            </a:r>
-          </a:p>
-          <a:p>
-            <a:pPr lvl="1"/>
-            <a:r>
-              <a:rPr lang="en-US" dirty="0"/>
-              <a:t>Circuit-level gateway</a:t>
             </a:r>
           </a:p>
           <a:p>
@@ -23695,7 +23734,7 @@
         </p:spPr>
         <p:txBody>
           <a:bodyPr>
-            <a:normAutofit fontScale="70000" lnSpcReduction="20000"/>
+            <a:normAutofit fontScale="85000" lnSpcReduction="20000"/>
           </a:bodyPr>
           <a:lstStyle/>
           <a:p>
@@ -23755,7 +23794,7 @@
             </a:pPr>
             <a:r>
               <a:rPr lang="en-US" dirty="0"/>
-              <a:t>Can use anomaly detection to identify behavior that is not that of legitimate users, or signature/heuristic detection to identify known malicious behavior can block traffic as a firewall does, but makes use of the types of algorithms developed for IDS to determine when to do so</a:t>
+              <a:t>Can block traffic as a firewall does, but makes use of the types of algorithms developed for IDS to determine when to do so</a:t>
             </a:r>
           </a:p>
           <a:p>
@@ -23837,7 +23876,7 @@
         <p:spPr/>
         <p:txBody>
           <a:bodyPr>
-            <a:normAutofit fontScale="77500" lnSpcReduction="20000"/>
+            <a:normAutofit fontScale="70000" lnSpcReduction="20000"/>
           </a:bodyPr>
           <a:lstStyle/>
           <a:p>
@@ -23850,7 +23889,7 @@
             <a:pPr lvl="1"/>
             <a:r>
               <a:rPr lang="en-US" dirty="0"/>
-              <a:t>Signature: look for malicious patterns in the content of application network traffic, or in sequences of system calls.</a:t>
+              <a:t>Signature: look for malicious patterns in the content of application network traffic, or in sequences of system calls, to identify known malicious behavior .</a:t>
             </a:r>
           </a:p>
           <a:p>
@@ -23861,6 +23900,13 @@
             </a:r>
           </a:p>
           <a:p>
+            <a:pPr lvl="1"/>
+            <a:r>
+              <a:rPr lang="en-US" dirty="0"/>
+              <a:t>c.f. L9-CH08-Intrusion Detection p. 10.</a:t>
+            </a:r>
+          </a:p>
+          <a:p>
             <a:r>
               <a:rPr lang="en-US" dirty="0"/>
               <a:t>Examples types of malicious behavior addressed by HIPS:</a:t>
@@ -23877,7 +23923,7 @@
             <a:pPr lvl="1"/>
             <a:r>
               <a:rPr lang="en-US" dirty="0"/>
-              <a:t>Privilege-escalation exploits</a:t>
+              <a:t>Privilege-escalation exploits (e.g., set-UID)</a:t>
             </a:r>
           </a:p>
           <a:p>
@@ -24013,7 +24059,12 @@
             <p:ph idx="1"/>
           </p:nvPr>
         </p:nvSpPr>
-        <p:spPr/>
+        <p:spPr>
+          <a:xfrm>
+            <a:off x="323528" y="1196752"/>
+            <a:ext cx="8568952" cy="5661247"/>
+          </a:xfrm>
+        </p:spPr>
         <p:txBody>
           <a:bodyPr wrap="square" numCol="1" anchor="t" anchorCtr="0" compatLnSpc="1">
             <a:prstTxWarp prst="textNoShape">
@@ -24032,8 +24083,9 @@
             </a:r>
           </a:p>
           <a:p>
-            <a:r>
-              <a:rPr lang="en-US" altLang="zh-CN" sz="2000" dirty="0">
+            <a:pPr lvl="1"/>
+            <a:r>
+              <a:rPr lang="en-US" altLang="zh-CN" sz="1600" dirty="0">
                 <a:ea typeface="ＭＳ Ｐゴシック" pitchFamily="-110" charset="-128"/>
                 <a:cs typeface="ＭＳ Ｐゴシック" pitchFamily="-110" charset="-128"/>
               </a:rPr>
@@ -24412,8 +24464,8 @@
         </p:nvSpPr>
         <p:spPr>
           <a:xfrm>
-            <a:off x="323528" y="1196752"/>
-            <a:ext cx="8568952" cy="5661247"/>
+            <a:off x="142552" y="1124745"/>
+            <a:ext cx="8749927" cy="5733256"/>
           </a:xfrm>
         </p:spPr>
         <p:txBody>
@@ -24496,7 +24548,7 @@
             </a:pPr>
             <a:r>
               <a:rPr lang="en-US" sz="2600" dirty="0"/>
-              <a:t>Stateful matching: Scans for attack signatures in the context of a traffic stream rather than individual packets</a:t>
+              <a:t>Stateful matching: Scans for attack signatures in the context of a traffic stream (TCP connection) rather than individual packets</a:t>
             </a:r>
           </a:p>
           <a:p>
@@ -24799,7 +24851,7 @@
         <p:spPr/>
         <p:txBody>
           <a:bodyPr>
-            <a:normAutofit fontScale="77500" lnSpcReduction="20000"/>
+            <a:normAutofit fontScale="85000" lnSpcReduction="20000"/>
           </a:bodyPr>
           <a:lstStyle/>
           <a:p>
@@ -24833,13 +24885,6 @@
             <a:r>
               <a:rPr lang="en-US" dirty="0"/>
               <a:t>Application-level gateway</a:t>
-            </a:r>
-          </a:p>
-          <a:p>
-            <a:pPr lvl="1"/>
-            <a:r>
-              <a:rPr lang="en-US" dirty="0"/>
-              <a:t>Circuit-level gateway</a:t>
             </a:r>
           </a:p>
           <a:p>
@@ -25290,7 +25335,7 @@
             <a:pPr lvl="1"/>
             <a:r>
               <a:rPr lang="en-US" dirty="0"/>
-              <a:t>Includes address ranges, protocols, applications and content types</a:t>
+              <a:t>Includes IP address ranges, protocols, applications and content types</a:t>
             </a:r>
           </a:p>
           <a:p>
@@ -25473,7 +25518,7 @@
             <a:pPr lvl="1"/>
             <a:r>
               <a:rPr lang="en-US" dirty="0"/>
-              <a:t>Controls access based on considerations such as the time of request, e.g., only in business hours; rate of requests, e.g., to detect scanning attempts;</a:t>
+              <a:t>Controls access based on considerations such as the time of request, e.g., only in business hours; rate of requests, e.g., to detect scanning attempts.</a:t>
             </a:r>
           </a:p>
         </p:txBody>
@@ -25715,7 +25760,7 @@
         <p:spPr/>
         <p:txBody>
           <a:bodyPr>
-            <a:normAutofit fontScale="77500" lnSpcReduction="20000"/>
+            <a:normAutofit fontScale="85000" lnSpcReduction="20000"/>
           </a:bodyPr>
           <a:lstStyle/>
           <a:p>
@@ -25753,13 +25798,6 @@
             <a:r>
               <a:rPr lang="en-US" dirty="0"/>
               <a:t>Application-level gateway</a:t>
-            </a:r>
-          </a:p>
-          <a:p>
-            <a:pPr lvl="1"/>
-            <a:r>
-              <a:rPr lang="en-US" dirty="0"/>
-              <a:t>Circuit-level gateway</a:t>
             </a:r>
           </a:p>
           <a:p>

--- a/InfoSec/PPTs/L10-CH09-Firewalls and Intrusion Prevention.pptx
+++ b/InfoSec/PPTs/L10-CH09-Firewalls and Intrusion Prevention.pptx
@@ -1271,6 +1271,13 @@
         </dgm:presLayoutVars>
       </dgm:prSet>
       <dgm:spPr/>
+      <dgm:t>
+        <a:bodyPr/>
+        <a:lstStyle/>
+        <a:p>
+          <a:endParaRPr lang="en-US"/>
+        </a:p>
+      </dgm:t>
     </dgm:pt>
     <dgm:pt modelId="{F563613D-9176-1046-8535-C48DBFF305C1}" type="pres">
       <dgm:prSet presAssocID="{238C3D44-A117-4E4A-9E67-E09CF4B9D512}" presName="composite" presStyleCnt="0"/>
@@ -1285,6 +1292,13 @@
         </dgm:presLayoutVars>
       </dgm:prSet>
       <dgm:spPr/>
+      <dgm:t>
+        <a:bodyPr/>
+        <a:lstStyle/>
+        <a:p>
+          <a:endParaRPr lang="en-US"/>
+        </a:p>
+      </dgm:t>
     </dgm:pt>
     <dgm:pt modelId="{F43A4F69-133B-A849-99D7-8121D32013C5}" type="pres">
       <dgm:prSet presAssocID="{238C3D44-A117-4E4A-9E67-E09CF4B9D512}" presName="desTx" presStyleLbl="alignAccFollowNode1" presStyleIdx="0" presStyleCnt="1">
@@ -1293,22 +1307,29 @@
         </dgm:presLayoutVars>
       </dgm:prSet>
       <dgm:spPr/>
+      <dgm:t>
+        <a:bodyPr/>
+        <a:lstStyle/>
+        <a:p>
+          <a:endParaRPr lang="en-US"/>
+        </a:p>
+      </dgm:t>
     </dgm:pt>
   </dgm:ptLst>
   <dgm:cxnLst>
     <dgm:cxn modelId="{D1E68A0B-D9D6-2B45-8384-8BE06324BDAE}" type="presOf" srcId="{2397B89F-ACEA-DA44-8651-68BC248E4AAC}" destId="{F43A4F69-133B-A849-99D7-8121D32013C5}" srcOrd="0" destOrd="1" presId="urn:microsoft.com/office/officeart/2005/8/layout/hList1"/>
-    <dgm:cxn modelId="{0BFC6920-EFB3-F24F-80BB-7BE0A372532D}" type="presOf" srcId="{C871D84E-346F-F04A-A10E-A8C4E1B8135D}" destId="{F43A4F69-133B-A849-99D7-8121D32013C5}" srcOrd="0" destOrd="2" presId="urn:microsoft.com/office/officeart/2005/8/layout/hList1"/>
-    <dgm:cxn modelId="{47359C3C-F676-6A45-A97C-A1D39409B0B5}" type="presOf" srcId="{D3D4CB05-BDD2-164D-BEC8-367865314CEF}" destId="{F43A4F69-133B-A849-99D7-8121D32013C5}" srcOrd="0" destOrd="4" presId="urn:microsoft.com/office/officeart/2005/8/layout/hList1"/>
-    <dgm:cxn modelId="{AF06C460-B257-BB4A-96A5-532D10722D7A}" srcId="{238C3D44-A117-4E4A-9E67-E09CF4B9D512}" destId="{D3D4CB05-BDD2-164D-BEC8-367865314CEF}" srcOrd="4" destOrd="0" parTransId="{A0848D3D-8276-0D49-AC8D-81CF94A56874}" sibTransId="{76285DA6-D726-0D45-A422-473F4CFD48F5}"/>
     <dgm:cxn modelId="{F2ACCE61-3391-1745-8489-BA483F7FB7B0}" srcId="{238C3D44-A117-4E4A-9E67-E09CF4B9D512}" destId="{C871D84E-346F-F04A-A10E-A8C4E1B8135D}" srcOrd="2" destOrd="0" parTransId="{377F236C-9BA0-DE4E-B535-0073B0AD603F}" sibTransId="{223BA8B5-3E41-954A-83D2-CF552B751EDC}"/>
+    <dgm:cxn modelId="{B0286157-2581-604A-9102-CA9B4DA1BD0C}" srcId="{238C3D44-A117-4E4A-9E67-E09CF4B9D512}" destId="{7853777C-A2A5-2F40-81CC-F02A59E49DDB}" srcOrd="0" destOrd="0" parTransId="{8614323F-0E29-C24D-9208-923A877DDAF7}" sibTransId="{AD60C821-5CF3-734F-81BC-CB8DE7E07684}"/>
     <dgm:cxn modelId="{4819FB41-335A-E14F-B56C-4B7755C881B2}" type="presOf" srcId="{5C075CF2-4A1D-D248-B2FC-EF82A4EAA1C1}" destId="{6DC7EF82-39B7-F144-B383-68BBBD4626B1}" srcOrd="0" destOrd="0" presId="urn:microsoft.com/office/officeart/2005/8/layout/hList1"/>
-    <dgm:cxn modelId="{46C12665-1F60-F940-83C7-FEC9C62AE1B5}" type="presOf" srcId="{7853777C-A2A5-2F40-81CC-F02A59E49DDB}" destId="{F43A4F69-133B-A849-99D7-8121D32013C5}" srcOrd="0" destOrd="0" presId="urn:microsoft.com/office/officeart/2005/8/layout/hList1"/>
-    <dgm:cxn modelId="{A41B4666-0B7A-B743-8554-0225BD38D124}" type="presOf" srcId="{238C3D44-A117-4E4A-9E67-E09CF4B9D512}" destId="{1BA9FBF5-6ABB-C64A-8A51-9ED48CEBDC31}" srcOrd="0" destOrd="0" presId="urn:microsoft.com/office/officeart/2005/8/layout/hList1"/>
-    <dgm:cxn modelId="{82277348-65B9-B146-B4D8-3F45A71B573F}" srcId="{238C3D44-A117-4E4A-9E67-E09CF4B9D512}" destId="{37A901BF-71FC-B64C-9DC5-259D21A670DA}" srcOrd="3" destOrd="0" parTransId="{EE6F0A62-D4D6-E74F-8CB5-8B645432EE45}" sibTransId="{9215E86D-77CE-5A41-A732-7D749D3B3B58}"/>
-    <dgm:cxn modelId="{B0286157-2581-604A-9102-CA9B4DA1BD0C}" srcId="{238C3D44-A117-4E4A-9E67-E09CF4B9D512}" destId="{7853777C-A2A5-2F40-81CC-F02A59E49DDB}" srcOrd="0" destOrd="0" parTransId="{8614323F-0E29-C24D-9208-923A877DDAF7}" sibTransId="{AD60C821-5CF3-734F-81BC-CB8DE7E07684}"/>
-    <dgm:cxn modelId="{AA92E98A-0773-BD44-8FA2-7D1B662A6B11}" srcId="{5C075CF2-4A1D-D248-B2FC-EF82A4EAA1C1}" destId="{238C3D44-A117-4E4A-9E67-E09CF4B9D512}" srcOrd="0" destOrd="0" parTransId="{F29F054B-A395-E043-881E-90CAEBCC6513}" sibTransId="{AC68F31D-1EBB-5F47-A977-5B352F25FFC0}"/>
     <dgm:cxn modelId="{4795B4AA-B7A2-A945-91A4-EC79B3836147}" type="presOf" srcId="{37A901BF-71FC-B64C-9DC5-259D21A670DA}" destId="{F43A4F69-133B-A849-99D7-8121D32013C5}" srcOrd="0" destOrd="3" presId="urn:microsoft.com/office/officeart/2005/8/layout/hList1"/>
     <dgm:cxn modelId="{2284E4F3-1439-744D-B00E-3E4D88D1CE45}" srcId="{238C3D44-A117-4E4A-9E67-E09CF4B9D512}" destId="{2397B89F-ACEA-DA44-8651-68BC248E4AAC}" srcOrd="1" destOrd="0" parTransId="{CAD7E9A4-3CA4-7240-8A3B-571CD1DDB379}" sibTransId="{F51BEC0B-6D14-C84E-9900-0AC6D964A58B}"/>
+    <dgm:cxn modelId="{AF06C460-B257-BB4A-96A5-532D10722D7A}" srcId="{238C3D44-A117-4E4A-9E67-E09CF4B9D512}" destId="{D3D4CB05-BDD2-164D-BEC8-367865314CEF}" srcOrd="4" destOrd="0" parTransId="{A0848D3D-8276-0D49-AC8D-81CF94A56874}" sibTransId="{76285DA6-D726-0D45-A422-473F4CFD48F5}"/>
+    <dgm:cxn modelId="{46C12665-1F60-F940-83C7-FEC9C62AE1B5}" type="presOf" srcId="{7853777C-A2A5-2F40-81CC-F02A59E49DDB}" destId="{F43A4F69-133B-A849-99D7-8121D32013C5}" srcOrd="0" destOrd="0" presId="urn:microsoft.com/office/officeart/2005/8/layout/hList1"/>
+    <dgm:cxn modelId="{AA92E98A-0773-BD44-8FA2-7D1B662A6B11}" srcId="{5C075CF2-4A1D-D248-B2FC-EF82A4EAA1C1}" destId="{238C3D44-A117-4E4A-9E67-E09CF4B9D512}" srcOrd="0" destOrd="0" parTransId="{F29F054B-A395-E043-881E-90CAEBCC6513}" sibTransId="{AC68F31D-1EBB-5F47-A977-5B352F25FFC0}"/>
+    <dgm:cxn modelId="{47359C3C-F676-6A45-A97C-A1D39409B0B5}" type="presOf" srcId="{D3D4CB05-BDD2-164D-BEC8-367865314CEF}" destId="{F43A4F69-133B-A849-99D7-8121D32013C5}" srcOrd="0" destOrd="4" presId="urn:microsoft.com/office/officeart/2005/8/layout/hList1"/>
+    <dgm:cxn modelId="{A41B4666-0B7A-B743-8554-0225BD38D124}" type="presOf" srcId="{238C3D44-A117-4E4A-9E67-E09CF4B9D512}" destId="{1BA9FBF5-6ABB-C64A-8A51-9ED48CEBDC31}" srcOrd="0" destOrd="0" presId="urn:microsoft.com/office/officeart/2005/8/layout/hList1"/>
+    <dgm:cxn modelId="{0BFC6920-EFB3-F24F-80BB-7BE0A372532D}" type="presOf" srcId="{C871D84E-346F-F04A-A10E-A8C4E1B8135D}" destId="{F43A4F69-133B-A849-99D7-8121D32013C5}" srcOrd="0" destOrd="2" presId="urn:microsoft.com/office/officeart/2005/8/layout/hList1"/>
+    <dgm:cxn modelId="{82277348-65B9-B146-B4D8-3F45A71B573F}" srcId="{238C3D44-A117-4E4A-9E67-E09CF4B9D512}" destId="{37A901BF-71FC-B64C-9DC5-259D21A670DA}" srcOrd="3" destOrd="0" parTransId="{EE6F0A62-D4D6-E74F-8CB5-8B645432EE45}" sibTransId="{9215E86D-77CE-5A41-A732-7D749D3B3B58}"/>
     <dgm:cxn modelId="{66B6C879-3849-0E4A-B5DB-C2E2AD66CCB5}" type="presParOf" srcId="{6DC7EF82-39B7-F144-B383-68BBBD4626B1}" destId="{F563613D-9176-1046-8535-C48DBFF305C1}" srcOrd="0" destOrd="0" presId="urn:microsoft.com/office/officeart/2005/8/layout/hList1"/>
     <dgm:cxn modelId="{2DBED5C1-2F04-1C4B-B1B9-EE1ABD97AA7E}" type="presParOf" srcId="{F563613D-9176-1046-8535-C48DBFF305C1}" destId="{1BA9FBF5-6ABB-C64A-8A51-9ED48CEBDC31}" srcOrd="0" destOrd="0" presId="urn:microsoft.com/office/officeart/2005/8/layout/hList1"/>
     <dgm:cxn modelId="{330BDECF-AD2A-494B-AD55-C1D645BEBE53}" type="presParOf" srcId="{F563613D-9176-1046-8535-C48DBFF305C1}" destId="{F43A4F69-133B-A849-99D7-8121D32013C5}" srcOrd="1" destOrd="0" presId="urn:microsoft.com/office/officeart/2005/8/layout/hList1"/>
@@ -1418,7 +1439,7 @@
         </a:bodyPr>
         <a:lstStyle/>
         <a:p>
-          <a:pPr marL="0" lvl="0" indent="0" algn="ctr" defTabSz="711200">
+          <a:pPr lvl="0" algn="ctr" defTabSz="711200">
             <a:lnSpc>
               <a:spcPct val="90000"/>
             </a:lnSpc>
@@ -1428,7 +1449,6 @@
             <a:spcAft>
               <a:spcPct val="35000"/>
             </a:spcAft>
-            <a:buNone/>
           </a:pPr>
           <a:r>
             <a:rPr lang="en-US" sz="1600" kern="1200" dirty="0">
@@ -1512,7 +1532,7 @@
             <a:spcAft>
               <a:spcPct val="15000"/>
             </a:spcAft>
-            <a:buChar char="•"/>
+            <a:buChar char="••"/>
           </a:pPr>
           <a:r>
             <a:rPr lang="en-US" sz="1600" kern="1200" dirty="0">
@@ -1532,7 +1552,7 @@
             <a:spcAft>
               <a:spcPct val="15000"/>
             </a:spcAft>
-            <a:buChar char="•"/>
+            <a:buChar char="••"/>
           </a:pPr>
           <a:r>
             <a:rPr lang="en-US" sz="1600" kern="1200" dirty="0">
@@ -1552,7 +1572,7 @@
             <a:spcAft>
               <a:spcPct val="15000"/>
             </a:spcAft>
-            <a:buChar char="•"/>
+            <a:buChar char="••"/>
           </a:pPr>
           <a:r>
             <a:rPr lang="en-US" sz="1600" kern="1200" dirty="0">
@@ -1572,7 +1592,7 @@
             <a:spcAft>
               <a:spcPct val="15000"/>
             </a:spcAft>
-            <a:buChar char="•"/>
+            <a:buChar char="••"/>
           </a:pPr>
           <a:r>
             <a:rPr lang="en-US" sz="1600" kern="1200" dirty="0">
@@ -1592,7 +1612,7 @@
             <a:spcAft>
               <a:spcPct val="15000"/>
             </a:spcAft>
-            <a:buChar char="•"/>
+            <a:buChar char="••"/>
           </a:pPr>
           <a:r>
             <a:rPr lang="en-US" sz="1600" b="0" kern="1200" dirty="0">
@@ -2949,7 +2969,7 @@
             <a:fld id="{999DDEF9-8F79-3F4A-8C1A-CB2E900DCD92}" type="datetimeFigureOut">
               <a:rPr lang="en-US" smtClean="0"/>
               <a:pPr/>
-              <a:t>5/28/2020</a:t>
+              <a:t>5/4/2021</a:t>
             </a:fld>
             <a:endParaRPr lang="en-US"/>
           </a:p>
@@ -16676,7 +16696,15 @@
           <a:p>
             <a:r>
               <a:rPr lang="en-US" dirty="0"/>
-              <a:t>ZJU 2020</a:t>
+              <a:t>ZJU </a:t>
+            </a:r>
+            <a:r>
+              <a:rPr lang="en-US" dirty="0" smtClean="0"/>
+              <a:t>202</a:t>
+            </a:r>
+            <a:r>
+              <a:rPr lang="en-SE" smtClean="0"/>
+              <a:t>1</a:t>
             </a:r>
             <a:endParaRPr lang="en-SE" dirty="0"/>
           </a:p>
@@ -18921,7 +18949,7 @@
           <a:graphicData uri="http://schemas.openxmlformats.org/presentationml/2006/ole">
             <mc:AlternateContent xmlns:mc="http://schemas.openxmlformats.org/markup-compatibility/2006">
               <mc:Choice xmlns:v="urn:schemas-microsoft-com:vml" Requires="v">
-                <p:oleObj spid="_x0000_s1038" name="Document" r:id="rId4" imgW="6083076" imgH="2946292" progId="Word.Document.12">
+                <p:oleObj spid="_x0000_s1039" name="Document" r:id="rId4" imgW="6083076" imgH="2946292" progId="Word.Document.12">
                   <p:embed/>
                 </p:oleObj>
               </mc:Choice>
@@ -18960,7 +18988,7 @@
                       <a:noFill/>
                       <a:extLst>
                         <a:ext uri="{909E8E84-426E-40dd-AFC4-6F175D3DCCD1}">
-                          <a14:hiddenFill xmlns:a14="http://schemas.microsoft.com/office/drawing/2010/main" xmlns="">
+                          <a14:hiddenFill xmlns="" xmlns:a14="http://schemas.microsoft.com/office/drawing/2010/main">
                             <a:solidFill>
                               <a:srgbClr val="FFFFFF"/>
                             </a:solidFill>

--- a/InfoSec/PPTs/L10-CH09-Firewalls and Intrusion Prevention.pptx
+++ b/InfoSec/PPTs/L10-CH09-Firewalls and Intrusion Prevention.pptx
@@ -2949,7 +2949,7 @@
             <a:fld id="{999DDEF9-8F79-3F4A-8C1A-CB2E900DCD92}" type="datetimeFigureOut">
               <a:rPr lang="en-US" smtClean="0"/>
               <a:pPr/>
-              <a:t>5/28/2020</a:t>
+              <a:t>6/24/2021</a:t>
             </a:fld>
             <a:endParaRPr lang="en-US"/>
           </a:p>
@@ -16675,8 +16675,8 @@
           <a:lstStyle/>
           <a:p>
             <a:r>
-              <a:rPr lang="en-US" dirty="0"/>
-              <a:t>ZJU 2020</a:t>
+              <a:rPr lang="en-US"/>
+              <a:t>ZJU 2021</a:t>
             </a:r>
             <a:endParaRPr lang="en-SE" dirty="0"/>
           </a:p>
@@ -17338,10 +17338,9 @@
           <a:lstStyle/>
           <a:p>
             <a:r>
-              <a:rPr lang="en-US" altLang="zh-CN" sz="1900" dirty="0">
-                <a:solidFill>
-                  <a:schemeClr val="tx1"/>
-                </a:solidFill>
+              <a:rPr lang="en-US" altLang="zh-CN" sz="2000" kern="1200" dirty="0">
+                <a:latin typeface="Arial" pitchFamily="-110" charset="0"/>
+                <a:ea typeface="ＭＳ Ｐゴシック" pitchFamily="-1" charset="-128"/>
               </a:rPr>
               <a:t>Using port 25 for SMTP receipt is only a default; the attacker’s machine could be configured to have some other application linked to port 25 and send attack packets from it. </a:t>
             </a:r>
@@ -18921,12 +18920,12 @@
           <a:graphicData uri="http://schemas.openxmlformats.org/presentationml/2006/ole">
             <mc:AlternateContent xmlns:mc="http://schemas.openxmlformats.org/markup-compatibility/2006">
               <mc:Choice xmlns:v="urn:schemas-microsoft-com:vml" Requires="v">
-                <p:oleObj spid="_x0000_s1038" name="Document" r:id="rId4" imgW="6083076" imgH="2946292" progId="Word.Document.12">
+                <p:oleObj name="Document" r:id="rId3" imgW="6083076" imgH="2946292" progId="Word.Document.12">
                   <p:embed/>
                 </p:oleObj>
               </mc:Choice>
               <mc:Fallback>
-                <p:oleObj name="Document" r:id="rId4" imgW="6083076" imgH="2946292" progId="Word.Document.12">
+                <p:oleObj name="Document" r:id="rId3" imgW="6083076" imgH="2946292" progId="Word.Document.12">
                   <p:embed/>
                   <p:pic>
                     <p:nvPicPr>
@@ -18937,7 +18936,7 @@
                       <p:nvPr/>
                     </p:nvPicPr>
                     <p:blipFill>
-                      <a:blip r:embed="rId5">
+                      <a:blip r:embed="rId4">
                         <a:extLst>
                           <a:ext uri="{28A0092B-C50C-407E-A947-70E740481C1C}">
                             <a14:useLocalDpi xmlns:a14="http://schemas.microsoft.com/office/drawing/2010/main" val="0"/>

--- a/InfoSec/PPTs/L10-CH09-Firewalls and Intrusion Prevention.pptx
+++ b/InfoSec/PPTs/L10-CH09-Firewalls and Intrusion Prevention.pptx
@@ -2949,7 +2949,7 @@
             <a:fld id="{999DDEF9-8F79-3F4A-8C1A-CB2E900DCD92}" type="datetimeFigureOut">
               <a:rPr lang="en-US" smtClean="0"/>
               <a:pPr/>
-              <a:t>6/24/2021</a:t>
+              <a:t>3/24/2022</a:t>
             </a:fld>
             <a:endParaRPr lang="en-US"/>
           </a:p>
@@ -16675,10 +16675,17 @@
           <a:lstStyle/>
           <a:p>
             <a:r>
-              <a:rPr lang="en-US"/>
-              <a:t>ZJU 2021</a:t>
-            </a:r>
-            <a:endParaRPr lang="en-SE" dirty="0"/>
+              <a:rPr lang="en-US" altLang="zh-CN" kern="0" dirty="0"/>
+              <a:t>Zonghua Gu</a:t>
+            </a:r>
+            <a:endParaRPr lang="en-US" kern="0" dirty="0"/>
+          </a:p>
+          <a:p>
+            <a:r>
+              <a:rPr lang="en-US" kern="0"/>
+              <a:t>2018, ZJU</a:t>
+            </a:r>
+            <a:endParaRPr lang="en-SE" kern="0" dirty="0"/>
           </a:p>
         </p:txBody>
       </p:sp>
@@ -18920,12 +18927,12 @@
           <a:graphicData uri="http://schemas.openxmlformats.org/presentationml/2006/ole">
             <mc:AlternateContent xmlns:mc="http://schemas.openxmlformats.org/markup-compatibility/2006">
               <mc:Choice xmlns:v="urn:schemas-microsoft-com:vml" Requires="v">
-                <p:oleObj name="Document" r:id="rId3" imgW="6083076" imgH="2946292" progId="Word.Document.12">
+                <p:oleObj spid="_x0000_s1026" name="Document" r:id="rId4" imgW="6083076" imgH="2946292" progId="Word.Document.12">
                   <p:embed/>
                 </p:oleObj>
               </mc:Choice>
               <mc:Fallback>
-                <p:oleObj name="Document" r:id="rId3" imgW="6083076" imgH="2946292" progId="Word.Document.12">
+                <p:oleObj name="Document" r:id="rId4" imgW="6083076" imgH="2946292" progId="Word.Document.12">
                   <p:embed/>
                   <p:pic>
                     <p:nvPicPr>
@@ -18936,7 +18943,7 @@
                       <p:nvPr/>
                     </p:nvPicPr>
                     <p:blipFill>
-                      <a:blip r:embed="rId4">
+                      <a:blip r:embed="rId5">
                         <a:extLst>
                           <a:ext uri="{28A0092B-C50C-407E-A947-70E740481C1C}">
                             <a14:useLocalDpi xmlns:a14="http://schemas.microsoft.com/office/drawing/2010/main" val="0"/>
@@ -18959,7 +18966,7 @@
                       <a:noFill/>
                       <a:extLst>
                         <a:ext uri="{909E8E84-426E-40dd-AFC4-6F175D3DCCD1}">
-                          <a14:hiddenFill xmlns:a14="http://schemas.microsoft.com/office/drawing/2010/main" xmlns="">
+                          <a14:hiddenFill xmlns="" xmlns:a14="http://schemas.microsoft.com/office/drawing/2010/main">
                             <a:solidFill>
                               <a:srgbClr val="FFFFFF"/>
                             </a:solidFill>

--- a/InfoSec/PPTs/L10-CH09-Firewalls and Intrusion Prevention.pptx
+++ b/InfoSec/PPTs/L10-CH09-Firewalls and Intrusion Prevention.pptx
@@ -2949,7 +2949,7 @@
             <a:fld id="{999DDEF9-8F79-3F4A-8C1A-CB2E900DCD92}" type="datetimeFigureOut">
               <a:rPr lang="en-US" smtClean="0"/>
               <a:pPr/>
-              <a:t>3/24/2022</a:t>
+              <a:t>3/27/2022</a:t>
             </a:fld>
             <a:endParaRPr lang="en-US"/>
           </a:p>
@@ -16683,7 +16683,11 @@
           <a:p>
             <a:r>
               <a:rPr lang="en-US" kern="0"/>
-              <a:t>2018, ZJU</a:t>
+              <a:t>2017, </a:t>
+            </a:r>
+            <a:r>
+              <a:rPr lang="en-US" kern="0" dirty="0"/>
+              <a:t>ZJU</a:t>
             </a:r>
             <a:endParaRPr lang="en-SE" kern="0" dirty="0"/>
           </a:p>
@@ -18927,7 +18931,7 @@
           <a:graphicData uri="http://schemas.openxmlformats.org/presentationml/2006/ole">
             <mc:AlternateContent xmlns:mc="http://schemas.openxmlformats.org/markup-compatibility/2006">
               <mc:Choice xmlns:v="urn:schemas-microsoft-com:vml" Requires="v">
-                <p:oleObj spid="_x0000_s1026" name="Document" r:id="rId4" imgW="6083076" imgH="2946292" progId="Word.Document.12">
+                <p:oleObj spid="_x0000_s1027" name="Document" r:id="rId4" imgW="6083076" imgH="2946292" progId="Word.Document.12">
                   <p:embed/>
                 </p:oleObj>
               </mc:Choice>
@@ -18966,7 +18970,7 @@
                       <a:noFill/>
                       <a:extLst>
                         <a:ext uri="{909E8E84-426E-40dd-AFC4-6F175D3DCCD1}">
-                          <a14:hiddenFill xmlns="" xmlns:a14="http://schemas.microsoft.com/office/drawing/2010/main">
+                          <a14:hiddenFill xmlns:a14="http://schemas.microsoft.com/office/drawing/2010/main" xmlns="">
                             <a:solidFill>
                               <a:srgbClr val="FFFFFF"/>
                             </a:solidFill>
